--- a/TEXTBOOK/figures/figures.pptx
+++ b/TEXTBOOK/figures/figures.pptx
@@ -6,11 +6,13 @@
   </p:sldMasterIdLst>
   <p:sldIdLst>
     <p:sldId id="256" r:id="rId2"/>
-    <p:sldId id="262" r:id="rId3"/>
-    <p:sldId id="261" r:id="rId4"/>
-    <p:sldId id="257" r:id="rId5"/>
-    <p:sldId id="259" r:id="rId6"/>
-    <p:sldId id="260" r:id="rId7"/>
+    <p:sldId id="264" r:id="rId3"/>
+    <p:sldId id="263" r:id="rId4"/>
+    <p:sldId id="262" r:id="rId5"/>
+    <p:sldId id="261" r:id="rId6"/>
+    <p:sldId id="257" r:id="rId7"/>
+    <p:sldId id="259" r:id="rId8"/>
+    <p:sldId id="260" r:id="rId9"/>
   </p:sldIdLst>
   <p:sldSz cx="12192000" cy="6858000"/>
   <p:notesSz cx="6858000" cy="9144000"/>
@@ -109,6 +111,11 @@
       </a:defRPr>
     </a:lvl9pPr>
   </p:defaultTextStyle>
+  <p:extLst>
+    <p:ext uri="{EFAFB233-063F-42B5-8137-9DF3F51BA10A}">
+      <p15:sldGuideLst xmlns:p15="http://schemas.microsoft.com/office/powerpoint/2012/main"/>
+    </p:ext>
+  </p:extLst>
 </p:presentation>
 </file>
 
@@ -259,7 +266,7 @@
           <a:p>
             <a:fld id="{38FE5E9D-AE82-4CD7-95FF-A719BBDC69C0}" type="datetimeFigureOut">
               <a:rPr lang="en-US" smtClean="0"/>
-              <a:t>8/23/2018</a:t>
+              <a:t>8/24/2018</a:t>
             </a:fld>
             <a:endParaRPr lang="en-US"/>
           </a:p>
@@ -457,7 +464,7 @@
           <a:p>
             <a:fld id="{38FE5E9D-AE82-4CD7-95FF-A719BBDC69C0}" type="datetimeFigureOut">
               <a:rPr lang="en-US" smtClean="0"/>
-              <a:t>8/23/2018</a:t>
+              <a:t>8/24/2018</a:t>
             </a:fld>
             <a:endParaRPr lang="en-US"/>
           </a:p>
@@ -665,7 +672,7 @@
           <a:p>
             <a:fld id="{38FE5E9D-AE82-4CD7-95FF-A719BBDC69C0}" type="datetimeFigureOut">
               <a:rPr lang="en-US" smtClean="0"/>
-              <a:t>8/23/2018</a:t>
+              <a:t>8/24/2018</a:t>
             </a:fld>
             <a:endParaRPr lang="en-US"/>
           </a:p>
@@ -863,7 +870,7 @@
           <a:p>
             <a:fld id="{38FE5E9D-AE82-4CD7-95FF-A719BBDC69C0}" type="datetimeFigureOut">
               <a:rPr lang="en-US" smtClean="0"/>
-              <a:t>8/23/2018</a:t>
+              <a:t>8/24/2018</a:t>
             </a:fld>
             <a:endParaRPr lang="en-US"/>
           </a:p>
@@ -1138,7 +1145,7 @@
           <a:p>
             <a:fld id="{38FE5E9D-AE82-4CD7-95FF-A719BBDC69C0}" type="datetimeFigureOut">
               <a:rPr lang="en-US" smtClean="0"/>
-              <a:t>8/23/2018</a:t>
+              <a:t>8/24/2018</a:t>
             </a:fld>
             <a:endParaRPr lang="en-US"/>
           </a:p>
@@ -1403,7 +1410,7 @@
           <a:p>
             <a:fld id="{38FE5E9D-AE82-4CD7-95FF-A719BBDC69C0}" type="datetimeFigureOut">
               <a:rPr lang="en-US" smtClean="0"/>
-              <a:t>8/23/2018</a:t>
+              <a:t>8/24/2018</a:t>
             </a:fld>
             <a:endParaRPr lang="en-US"/>
           </a:p>
@@ -1815,7 +1822,7 @@
           <a:p>
             <a:fld id="{38FE5E9D-AE82-4CD7-95FF-A719BBDC69C0}" type="datetimeFigureOut">
               <a:rPr lang="en-US" smtClean="0"/>
-              <a:t>8/23/2018</a:t>
+              <a:t>8/24/2018</a:t>
             </a:fld>
             <a:endParaRPr lang="en-US"/>
           </a:p>
@@ -1956,7 +1963,7 @@
           <a:p>
             <a:fld id="{38FE5E9D-AE82-4CD7-95FF-A719BBDC69C0}" type="datetimeFigureOut">
               <a:rPr lang="en-US" smtClean="0"/>
-              <a:t>8/23/2018</a:t>
+              <a:t>8/24/2018</a:t>
             </a:fld>
             <a:endParaRPr lang="en-US"/>
           </a:p>
@@ -2069,7 +2076,7 @@
           <a:p>
             <a:fld id="{38FE5E9D-AE82-4CD7-95FF-A719BBDC69C0}" type="datetimeFigureOut">
               <a:rPr lang="en-US" smtClean="0"/>
-              <a:t>8/23/2018</a:t>
+              <a:t>8/24/2018</a:t>
             </a:fld>
             <a:endParaRPr lang="en-US"/>
           </a:p>
@@ -2380,7 +2387,7 @@
           <a:p>
             <a:fld id="{38FE5E9D-AE82-4CD7-95FF-A719BBDC69C0}" type="datetimeFigureOut">
               <a:rPr lang="en-US" smtClean="0"/>
-              <a:t>8/23/2018</a:t>
+              <a:t>8/24/2018</a:t>
             </a:fld>
             <a:endParaRPr lang="en-US"/>
           </a:p>
@@ -2668,7 +2675,7 @@
           <a:p>
             <a:fld id="{38FE5E9D-AE82-4CD7-95FF-A719BBDC69C0}" type="datetimeFigureOut">
               <a:rPr lang="en-US" smtClean="0"/>
-              <a:t>8/23/2018</a:t>
+              <a:t>8/24/2018</a:t>
             </a:fld>
             <a:endParaRPr lang="en-US"/>
           </a:p>
@@ -2909,7 +2916,7 @@
           <a:p>
             <a:fld id="{38FE5E9D-AE82-4CD7-95FF-A719BBDC69C0}" type="datetimeFigureOut">
               <a:rPr lang="en-US" smtClean="0"/>
-              <a:t>8/23/2018</a:t>
+              <a:t>8/24/2018</a:t>
             </a:fld>
             <a:endParaRPr lang="en-US"/>
           </a:p>
@@ -3393,6 +3400,866 @@
 </file>
 
 <file path=ppt/slides/slide2.xml><?xml version="1.0" encoding="utf-8"?>
+<p:sld xmlns:a="http://schemas.openxmlformats.org/drawingml/2006/main" xmlns:r="http://schemas.openxmlformats.org/officeDocument/2006/relationships" xmlns:p="http://schemas.openxmlformats.org/presentationml/2006/main">
+  <p:cSld>
+    <p:spTree>
+      <p:nvGrpSpPr>
+        <p:cNvPr id="1" name=""/>
+        <p:cNvGrpSpPr/>
+        <p:nvPr/>
+      </p:nvGrpSpPr>
+      <p:grpSpPr>
+        <a:xfrm>
+          <a:off x="0" y="0"/>
+          <a:ext cx="0" cy="0"/>
+          <a:chOff x="0" y="0"/>
+          <a:chExt cx="0" cy="0"/>
+        </a:xfrm>
+      </p:grpSpPr>
+      <p:grpSp>
+        <p:nvGrpSpPr>
+          <p:cNvPr id="8" name="Group 7">
+            <a:extLst>
+              <a:ext uri="{FF2B5EF4-FFF2-40B4-BE49-F238E27FC236}">
+                <a16:creationId xmlns:a16="http://schemas.microsoft.com/office/drawing/2014/main" id="{B000051F-1ED6-47B7-B24E-942FF28407D8}"/>
+              </a:ext>
+            </a:extLst>
+          </p:cNvPr>
+          <p:cNvGrpSpPr/>
+          <p:nvPr/>
+        </p:nvGrpSpPr>
+        <p:grpSpPr>
+          <a:xfrm>
+            <a:off x="2434326" y="1214162"/>
+            <a:ext cx="6909295" cy="3383035"/>
+            <a:chOff x="1138926" y="1188762"/>
+            <a:chExt cx="6909295" cy="3383035"/>
+          </a:xfrm>
+        </p:grpSpPr>
+        <p:sp>
+          <p:nvSpPr>
+            <p:cNvPr id="2" name="TextBox 1">
+              <a:extLst>
+                <a:ext uri="{FF2B5EF4-FFF2-40B4-BE49-F238E27FC236}">
+                  <a16:creationId xmlns:a16="http://schemas.microsoft.com/office/drawing/2014/main" id="{DFCAA0E4-AD35-4822-9E9C-B0421FA8198D}"/>
+                </a:ext>
+              </a:extLst>
+            </p:cNvPr>
+            <p:cNvSpPr txBox="1"/>
+            <p:nvPr/>
+          </p:nvSpPr>
+          <p:spPr>
+            <a:xfrm>
+              <a:off x="1411468" y="2649447"/>
+              <a:ext cx="6636753" cy="461665"/>
+            </a:xfrm>
+            <a:prstGeom prst="rect">
+              <a:avLst/>
+            </a:prstGeom>
+            <a:solidFill>
+              <a:schemeClr val="bg2"/>
+            </a:solidFill>
+          </p:spPr>
+          <p:txBody>
+            <a:bodyPr wrap="none" rtlCol="0">
+              <a:spAutoFit/>
+            </a:bodyPr>
+            <a:lstStyle/>
+            <a:p>
+              <a:r>
+                <a:rPr lang="en-US" sz="2400" dirty="0">
+                  <a:latin typeface="Courier New" panose="02070309020205020404" pitchFamily="49" charset="0"/>
+                  <a:cs typeface="Courier New" panose="02070309020205020404" pitchFamily="49" charset="0"/>
+                </a:rPr>
+                <a:t>cookies &lt;- bake</a:t>
+              </a:r>
+              <a:r>
+                <a:rPr lang="en-US" sz="2400" b="1" dirty="0">
+                  <a:solidFill>
+                    <a:srgbClr val="4472C4"/>
+                  </a:solidFill>
+                  <a:latin typeface="Courier New" panose="02070309020205020404" pitchFamily="49" charset="0"/>
+                  <a:cs typeface="Courier New" panose="02070309020205020404" pitchFamily="49" charset="0"/>
+                </a:rPr>
+                <a:t>(</a:t>
+              </a:r>
+              <a:r>
+                <a:rPr lang="en-US" sz="2400" dirty="0">
+                  <a:latin typeface="Courier New" panose="02070309020205020404" pitchFamily="49" charset="0"/>
+                  <a:cs typeface="Courier New" panose="02070309020205020404" pitchFamily="49" charset="0"/>
+                </a:rPr>
+                <a:t> batter, temp=400 </a:t>
+              </a:r>
+              <a:r>
+                <a:rPr lang="en-US" sz="2400" b="1" dirty="0">
+                  <a:solidFill>
+                    <a:srgbClr val="4472C4"/>
+                  </a:solidFill>
+                  <a:latin typeface="Courier New" panose="02070309020205020404" pitchFamily="49" charset="0"/>
+                  <a:cs typeface="Courier New" panose="02070309020205020404" pitchFamily="49" charset="0"/>
+                </a:rPr>
+                <a:t>)</a:t>
+              </a:r>
+            </a:p>
+          </p:txBody>
+        </p:sp>
+        <p:sp>
+          <p:nvSpPr>
+            <p:cNvPr id="4" name="TextBox 3">
+              <a:extLst>
+                <a:ext uri="{FF2B5EF4-FFF2-40B4-BE49-F238E27FC236}">
+                  <a16:creationId xmlns:a16="http://schemas.microsoft.com/office/drawing/2014/main" id="{32E7582A-DF5F-409C-BCFB-46D92CFC8B73}"/>
+                </a:ext>
+              </a:extLst>
+            </p:cNvPr>
+            <p:cNvSpPr txBox="1"/>
+            <p:nvPr/>
+          </p:nvSpPr>
+          <p:spPr>
+            <a:xfrm>
+              <a:off x="1138926" y="1249569"/>
+              <a:ext cx="1622560" cy="769441"/>
+            </a:xfrm>
+            <a:prstGeom prst="rect">
+              <a:avLst/>
+            </a:prstGeom>
+            <a:noFill/>
+          </p:spPr>
+          <p:txBody>
+            <a:bodyPr wrap="none" rtlCol="0">
+              <a:spAutoFit/>
+            </a:bodyPr>
+            <a:lstStyle/>
+            <a:p>
+              <a:r>
+                <a:rPr lang="en-US" sz="4400" dirty="0">
+                  <a:solidFill>
+                    <a:schemeClr val="accent1"/>
+                  </a:solidFill>
+                </a:rPr>
+                <a:t>object</a:t>
+              </a:r>
+            </a:p>
+          </p:txBody>
+        </p:sp>
+        <p:cxnSp>
+          <p:nvCxnSpPr>
+            <p:cNvPr id="14" name="Straight Arrow Connector 13">
+              <a:extLst>
+                <a:ext uri="{FF2B5EF4-FFF2-40B4-BE49-F238E27FC236}">
+                  <a16:creationId xmlns:a16="http://schemas.microsoft.com/office/drawing/2014/main" id="{7DA17136-C6E5-4B94-AAC5-AAC6BC579465}"/>
+                </a:ext>
+              </a:extLst>
+            </p:cNvPr>
+            <p:cNvCxnSpPr>
+              <a:cxnSpLocks/>
+            </p:cNvCxnSpPr>
+            <p:nvPr/>
+          </p:nvCxnSpPr>
+          <p:spPr>
+            <a:xfrm flipV="1">
+              <a:off x="3175000" y="3217986"/>
+              <a:ext cx="1" cy="497839"/>
+            </a:xfrm>
+            <a:prstGeom prst="straightConnector1">
+              <a:avLst/>
+            </a:prstGeom>
+            <a:ln w="57150">
+              <a:tailEnd type="triangle"/>
+            </a:ln>
+          </p:spPr>
+          <p:style>
+            <a:lnRef idx="1">
+              <a:schemeClr val="accent1"/>
+            </a:lnRef>
+            <a:fillRef idx="0">
+              <a:schemeClr val="accent1"/>
+            </a:fillRef>
+            <a:effectRef idx="0">
+              <a:schemeClr val="accent1"/>
+            </a:effectRef>
+            <a:fontRef idx="minor">
+              <a:schemeClr val="tx1"/>
+            </a:fontRef>
+          </p:style>
+        </p:cxnSp>
+        <p:sp>
+          <p:nvSpPr>
+            <p:cNvPr id="15" name="TextBox 14">
+              <a:extLst>
+                <a:ext uri="{FF2B5EF4-FFF2-40B4-BE49-F238E27FC236}">
+                  <a16:creationId xmlns:a16="http://schemas.microsoft.com/office/drawing/2014/main" id="{32CE08CF-E4BC-4845-A525-E69A320DA769}"/>
+                </a:ext>
+              </a:extLst>
+            </p:cNvPr>
+            <p:cNvSpPr txBox="1"/>
+            <p:nvPr/>
+          </p:nvSpPr>
+          <p:spPr>
+            <a:xfrm>
+              <a:off x="1871165" y="3802356"/>
+              <a:ext cx="2801921" cy="769441"/>
+            </a:xfrm>
+            <a:prstGeom prst="rect">
+              <a:avLst/>
+            </a:prstGeom>
+            <a:noFill/>
+          </p:spPr>
+          <p:txBody>
+            <a:bodyPr wrap="none" rtlCol="0">
+              <a:spAutoFit/>
+            </a:bodyPr>
+            <a:lstStyle/>
+            <a:p>
+              <a:r>
+                <a:rPr lang="en-US" sz="4400" dirty="0">
+                  <a:solidFill>
+                    <a:schemeClr val="accent1"/>
+                  </a:solidFill>
+                </a:rPr>
+                <a:t>assignment</a:t>
+              </a:r>
+            </a:p>
+          </p:txBody>
+        </p:sp>
+        <p:sp>
+          <p:nvSpPr>
+            <p:cNvPr id="23" name="Right Brace 22">
+              <a:extLst>
+                <a:ext uri="{FF2B5EF4-FFF2-40B4-BE49-F238E27FC236}">
+                  <a16:creationId xmlns:a16="http://schemas.microsoft.com/office/drawing/2014/main" id="{35BB4A4B-B57E-4B0A-9033-9992F9B273F5}"/>
+                </a:ext>
+              </a:extLst>
+            </p:cNvPr>
+            <p:cNvSpPr/>
+            <p:nvPr/>
+          </p:nvSpPr>
+          <p:spPr>
+            <a:xfrm rot="16200000">
+              <a:off x="5414769" y="197753"/>
+              <a:ext cx="416688" cy="4286612"/>
+            </a:xfrm>
+            <a:prstGeom prst="rightBrace">
+              <a:avLst/>
+            </a:prstGeom>
+            <a:ln w="31750"/>
+          </p:spPr>
+          <p:style>
+            <a:lnRef idx="1">
+              <a:schemeClr val="accent1"/>
+            </a:lnRef>
+            <a:fillRef idx="0">
+              <a:schemeClr val="accent1"/>
+            </a:fillRef>
+            <a:effectRef idx="0">
+              <a:schemeClr val="accent1"/>
+            </a:effectRef>
+            <a:fontRef idx="minor">
+              <a:schemeClr val="tx1"/>
+            </a:fontRef>
+          </p:style>
+          <p:txBody>
+            <a:bodyPr rtlCol="0" anchor="ctr"/>
+            <a:lstStyle/>
+            <a:p>
+              <a:pPr algn="ctr"/>
+              <a:endParaRPr lang="en-US"/>
+            </a:p>
+          </p:txBody>
+        </p:sp>
+        <p:sp>
+          <p:nvSpPr>
+            <p:cNvPr id="24" name="TextBox 23">
+              <a:extLst>
+                <a:ext uri="{FF2B5EF4-FFF2-40B4-BE49-F238E27FC236}">
+                  <a16:creationId xmlns:a16="http://schemas.microsoft.com/office/drawing/2014/main" id="{09C52735-5D0A-4CF0-8B91-F41C5E9BCA6C}"/>
+                </a:ext>
+              </a:extLst>
+            </p:cNvPr>
+            <p:cNvSpPr txBox="1"/>
+            <p:nvPr/>
+          </p:nvSpPr>
+          <p:spPr>
+            <a:xfrm>
+              <a:off x="4444486" y="1188762"/>
+              <a:ext cx="2717411" cy="769441"/>
+            </a:xfrm>
+            <a:prstGeom prst="rect">
+              <a:avLst/>
+            </a:prstGeom>
+            <a:noFill/>
+          </p:spPr>
+          <p:txBody>
+            <a:bodyPr wrap="none" rtlCol="0">
+              <a:spAutoFit/>
+            </a:bodyPr>
+            <a:lstStyle/>
+            <a:p>
+              <a:r>
+                <a:rPr lang="en-US" sz="4400" dirty="0">
+                  <a:solidFill>
+                    <a:schemeClr val="accent1"/>
+                  </a:solidFill>
+                </a:rPr>
+                <a:t>function</a:t>
+              </a:r>
+              <a:r>
+                <a:rPr lang="en-US" sz="4000" b="1" dirty="0">
+                  <a:solidFill>
+                    <a:schemeClr val="accent1"/>
+                  </a:solidFill>
+                  <a:latin typeface="Courier New" panose="02070309020205020404" pitchFamily="49" charset="0"/>
+                  <a:cs typeface="Courier New" panose="02070309020205020404" pitchFamily="49" charset="0"/>
+                </a:rPr>
+                <a:t>()</a:t>
+              </a:r>
+              <a:endParaRPr lang="en-US" sz="4400" b="1" dirty="0">
+                <a:solidFill>
+                  <a:schemeClr val="accent1"/>
+                </a:solidFill>
+                <a:latin typeface="Courier New" panose="02070309020205020404" pitchFamily="49" charset="0"/>
+                <a:cs typeface="Courier New" panose="02070309020205020404" pitchFamily="49" charset="0"/>
+              </a:endParaRPr>
+            </a:p>
+          </p:txBody>
+        </p:sp>
+        <p:cxnSp>
+          <p:nvCxnSpPr>
+            <p:cNvPr id="16" name="Straight Arrow Connector 15">
+              <a:extLst>
+                <a:ext uri="{FF2B5EF4-FFF2-40B4-BE49-F238E27FC236}">
+                  <a16:creationId xmlns:a16="http://schemas.microsoft.com/office/drawing/2014/main" id="{E3B3D89F-52AF-4BAB-A457-0E07269B87D4}"/>
+                </a:ext>
+              </a:extLst>
+            </p:cNvPr>
+            <p:cNvCxnSpPr>
+              <a:cxnSpLocks/>
+            </p:cNvCxnSpPr>
+            <p:nvPr/>
+          </p:nvCxnSpPr>
+          <p:spPr>
+            <a:xfrm>
+              <a:off x="1950206" y="2125884"/>
+              <a:ext cx="0" cy="416689"/>
+            </a:xfrm>
+            <a:prstGeom prst="straightConnector1">
+              <a:avLst/>
+            </a:prstGeom>
+            <a:ln w="57150">
+              <a:tailEnd type="triangle"/>
+            </a:ln>
+          </p:spPr>
+          <p:style>
+            <a:lnRef idx="1">
+              <a:schemeClr val="accent1"/>
+            </a:lnRef>
+            <a:fillRef idx="0">
+              <a:schemeClr val="accent1"/>
+            </a:fillRef>
+            <a:effectRef idx="0">
+              <a:schemeClr val="accent1"/>
+            </a:effectRef>
+            <a:fontRef idx="minor">
+              <a:schemeClr val="tx1"/>
+            </a:fontRef>
+          </p:style>
+        </p:cxnSp>
+      </p:grpSp>
+    </p:spTree>
+    <p:extLst>
+      <p:ext uri="{BB962C8B-B14F-4D97-AF65-F5344CB8AC3E}">
+        <p14:creationId xmlns:p14="http://schemas.microsoft.com/office/powerpoint/2010/main" val="2411774593"/>
+      </p:ext>
+    </p:extLst>
+  </p:cSld>
+  <p:clrMapOvr>
+    <a:masterClrMapping/>
+  </p:clrMapOvr>
+</p:sld>
+</file>
+
+<file path=ppt/slides/slide3.xml><?xml version="1.0" encoding="utf-8"?>
+<p:sld xmlns:a="http://schemas.openxmlformats.org/drawingml/2006/main" xmlns:r="http://schemas.openxmlformats.org/officeDocument/2006/relationships" xmlns:p="http://schemas.openxmlformats.org/presentationml/2006/main">
+  <p:cSld>
+    <p:spTree>
+      <p:nvGrpSpPr>
+        <p:cNvPr id="1" name=""/>
+        <p:cNvGrpSpPr/>
+        <p:nvPr/>
+      </p:nvGrpSpPr>
+      <p:grpSpPr>
+        <a:xfrm>
+          <a:off x="0" y="0"/>
+          <a:ext cx="0" cy="0"/>
+          <a:chOff x="0" y="0"/>
+          <a:chExt cx="0" cy="0"/>
+        </a:xfrm>
+      </p:grpSpPr>
+      <p:grpSp>
+        <p:nvGrpSpPr>
+          <p:cNvPr id="8" name="Group 7">
+            <a:extLst>
+              <a:ext uri="{FF2B5EF4-FFF2-40B4-BE49-F238E27FC236}">
+                <a16:creationId xmlns:a16="http://schemas.microsoft.com/office/drawing/2014/main" id="{B000051F-1ED6-47B7-B24E-942FF28407D8}"/>
+              </a:ext>
+            </a:extLst>
+          </p:cNvPr>
+          <p:cNvGrpSpPr/>
+          <p:nvPr/>
+        </p:nvGrpSpPr>
+        <p:grpSpPr>
+          <a:xfrm>
+            <a:off x="1147308" y="528403"/>
+            <a:ext cx="10010279" cy="4760124"/>
+            <a:chOff x="1147308" y="528403"/>
+            <a:chExt cx="10010279" cy="4760124"/>
+          </a:xfrm>
+        </p:grpSpPr>
+        <p:sp>
+          <p:nvSpPr>
+            <p:cNvPr id="2" name="TextBox 1">
+              <a:extLst>
+                <a:ext uri="{FF2B5EF4-FFF2-40B4-BE49-F238E27FC236}">
+                  <a16:creationId xmlns:a16="http://schemas.microsoft.com/office/drawing/2014/main" id="{DFCAA0E4-AD35-4822-9E9C-B0421FA8198D}"/>
+                </a:ext>
+              </a:extLst>
+            </p:cNvPr>
+            <p:cNvSpPr txBox="1"/>
+            <p:nvPr/>
+          </p:nvSpPr>
+          <p:spPr>
+            <a:xfrm>
+              <a:off x="1147308" y="1872207"/>
+              <a:ext cx="7189789" cy="3416320"/>
+            </a:xfrm>
+            <a:prstGeom prst="rect">
+              <a:avLst/>
+            </a:prstGeom>
+            <a:solidFill>
+              <a:schemeClr val="bg2"/>
+            </a:solidFill>
+          </p:spPr>
+          <p:txBody>
+            <a:bodyPr wrap="none" rtlCol="0">
+              <a:spAutoFit/>
+            </a:bodyPr>
+            <a:lstStyle/>
+            <a:p>
+              <a:r>
+                <a:rPr lang="en-US" sz="2400" dirty="0">
+                  <a:latin typeface="Courier New" panose="02070309020205020404" pitchFamily="49" charset="0"/>
+                  <a:cs typeface="Courier New" panose="02070309020205020404" pitchFamily="49" charset="0"/>
+                </a:rPr>
+                <a:t>function( flour, eggs, sugar )</a:t>
+              </a:r>
+            </a:p>
+            <a:p>
+              <a:r>
+                <a:rPr lang="en-US" sz="2400" dirty="0">
+                  <a:latin typeface="Courier New" panose="02070309020205020404" pitchFamily="49" charset="0"/>
+                  <a:cs typeface="Courier New" panose="02070309020205020404" pitchFamily="49" charset="0"/>
+                </a:rPr>
+                <a:t>{</a:t>
+              </a:r>
+            </a:p>
+            <a:p>
+              <a:endParaRPr lang="en-US" sz="2400" dirty="0">
+                <a:latin typeface="Courier New" panose="02070309020205020404" pitchFamily="49" charset="0"/>
+                <a:cs typeface="Courier New" panose="02070309020205020404" pitchFamily="49" charset="0"/>
+              </a:endParaRPr>
+            </a:p>
+            <a:p>
+              <a:r>
+                <a:rPr lang="en-US" sz="2400" dirty="0">
+                  <a:latin typeface="Courier New" panose="02070309020205020404" pitchFamily="49" charset="0"/>
+                  <a:cs typeface="Courier New" panose="02070309020205020404" pitchFamily="49" charset="0"/>
+                </a:rPr>
+                <a:t>   batter &lt;- mix( flour, eggs, sugar )</a:t>
+              </a:r>
+            </a:p>
+            <a:p>
+              <a:r>
+                <a:rPr lang="en-US" sz="2400" dirty="0">
+                  <a:latin typeface="Courier New" panose="02070309020205020404" pitchFamily="49" charset="0"/>
+                  <a:cs typeface="Courier New" panose="02070309020205020404" pitchFamily="49" charset="0"/>
+                </a:rPr>
+                <a:t>   cookies &lt;- bake( batter, temp=400 )</a:t>
+              </a:r>
+            </a:p>
+            <a:p>
+              <a:endParaRPr lang="en-US" sz="2400" dirty="0">
+                <a:latin typeface="Courier New" panose="02070309020205020404" pitchFamily="49" charset="0"/>
+                <a:cs typeface="Courier New" panose="02070309020205020404" pitchFamily="49" charset="0"/>
+              </a:endParaRPr>
+            </a:p>
+            <a:p>
+              <a:r>
+                <a:rPr lang="en-US" sz="2400" dirty="0">
+                  <a:latin typeface="Courier New" panose="02070309020205020404" pitchFamily="49" charset="0"/>
+                  <a:cs typeface="Courier New" panose="02070309020205020404" pitchFamily="49" charset="0"/>
+                </a:rPr>
+                <a:t>   return( cookies )</a:t>
+              </a:r>
+            </a:p>
+            <a:p>
+              <a:endParaRPr lang="en-US" sz="2400" dirty="0">
+                <a:latin typeface="Courier New" panose="02070309020205020404" pitchFamily="49" charset="0"/>
+                <a:cs typeface="Courier New" panose="02070309020205020404" pitchFamily="49" charset="0"/>
+              </a:endParaRPr>
+            </a:p>
+            <a:p>
+              <a:r>
+                <a:rPr lang="en-US" sz="2400" dirty="0">
+                  <a:latin typeface="Courier New" panose="02070309020205020404" pitchFamily="49" charset="0"/>
+                  <a:cs typeface="Courier New" panose="02070309020205020404" pitchFamily="49" charset="0"/>
+                </a:rPr>
+                <a:t>}</a:t>
+              </a:r>
+            </a:p>
+          </p:txBody>
+        </p:sp>
+        <p:cxnSp>
+          <p:nvCxnSpPr>
+            <p:cNvPr id="3" name="Straight Arrow Connector 2">
+              <a:extLst>
+                <a:ext uri="{FF2B5EF4-FFF2-40B4-BE49-F238E27FC236}">
+                  <a16:creationId xmlns:a16="http://schemas.microsoft.com/office/drawing/2014/main" id="{6BA1AE50-08A7-4A6D-BB2A-C57C890EA046}"/>
+                </a:ext>
+              </a:extLst>
+            </p:cNvPr>
+            <p:cNvCxnSpPr>
+              <a:cxnSpLocks/>
+            </p:cNvCxnSpPr>
+            <p:nvPr/>
+          </p:nvCxnSpPr>
+          <p:spPr>
+            <a:xfrm>
+              <a:off x="4673086" y="1297844"/>
+              <a:ext cx="0" cy="416689"/>
+            </a:xfrm>
+            <a:prstGeom prst="straightConnector1">
+              <a:avLst/>
+            </a:prstGeom>
+            <a:ln w="57150">
+              <a:tailEnd type="triangle"/>
+            </a:ln>
+          </p:spPr>
+          <p:style>
+            <a:lnRef idx="1">
+              <a:schemeClr val="accent1"/>
+            </a:lnRef>
+            <a:fillRef idx="0">
+              <a:schemeClr val="accent1"/>
+            </a:fillRef>
+            <a:effectRef idx="0">
+              <a:schemeClr val="accent1"/>
+            </a:effectRef>
+            <a:fontRef idx="minor">
+              <a:schemeClr val="tx1"/>
+            </a:fontRef>
+          </p:style>
+        </p:cxnSp>
+        <p:sp>
+          <p:nvSpPr>
+            <p:cNvPr id="4" name="TextBox 3">
+              <a:extLst>
+                <a:ext uri="{FF2B5EF4-FFF2-40B4-BE49-F238E27FC236}">
+                  <a16:creationId xmlns:a16="http://schemas.microsoft.com/office/drawing/2014/main" id="{32E7582A-DF5F-409C-BCFB-46D92CFC8B73}"/>
+                </a:ext>
+              </a:extLst>
+            </p:cNvPr>
+            <p:cNvSpPr txBox="1"/>
+            <p:nvPr/>
+          </p:nvSpPr>
+          <p:spPr>
+            <a:xfrm>
+              <a:off x="3463524" y="528403"/>
+              <a:ext cx="2640338" cy="769441"/>
+            </a:xfrm>
+            <a:prstGeom prst="rect">
+              <a:avLst/>
+            </a:prstGeom>
+            <a:noFill/>
+          </p:spPr>
+          <p:txBody>
+            <a:bodyPr wrap="none" rtlCol="0">
+              <a:spAutoFit/>
+            </a:bodyPr>
+            <a:lstStyle/>
+            <a:p>
+              <a:r>
+                <a:rPr lang="en-US" sz="4400" dirty="0">
+                  <a:solidFill>
+                    <a:schemeClr val="accent1"/>
+                  </a:solidFill>
+                </a:rPr>
+                <a:t>arguments</a:t>
+              </a:r>
+            </a:p>
+          </p:txBody>
+        </p:sp>
+        <p:cxnSp>
+          <p:nvCxnSpPr>
+            <p:cNvPr id="14" name="Straight Arrow Connector 13">
+              <a:extLst>
+                <a:ext uri="{FF2B5EF4-FFF2-40B4-BE49-F238E27FC236}">
+                  <a16:creationId xmlns:a16="http://schemas.microsoft.com/office/drawing/2014/main" id="{7DA17136-C6E5-4B94-AAC5-AAC6BC579465}"/>
+                </a:ext>
+              </a:extLst>
+            </p:cNvPr>
+            <p:cNvCxnSpPr>
+              <a:cxnSpLocks/>
+              <a:stCxn id="15" idx="1"/>
+            </p:cNvCxnSpPr>
+            <p:nvPr/>
+          </p:nvCxnSpPr>
+          <p:spPr>
+            <a:xfrm flipH="1" flipV="1">
+              <a:off x="6451600" y="4455160"/>
+              <a:ext cx="2172943" cy="251405"/>
+            </a:xfrm>
+            <a:prstGeom prst="straightConnector1">
+              <a:avLst/>
+            </a:prstGeom>
+            <a:ln w="57150">
+              <a:tailEnd type="triangle"/>
+            </a:ln>
+          </p:spPr>
+          <p:style>
+            <a:lnRef idx="1">
+              <a:schemeClr val="accent1"/>
+            </a:lnRef>
+            <a:fillRef idx="0">
+              <a:schemeClr val="accent1"/>
+            </a:fillRef>
+            <a:effectRef idx="0">
+              <a:schemeClr val="accent1"/>
+            </a:effectRef>
+            <a:fontRef idx="minor">
+              <a:schemeClr val="tx1"/>
+            </a:fontRef>
+          </p:style>
+        </p:cxnSp>
+        <p:sp>
+          <p:nvSpPr>
+            <p:cNvPr id="15" name="TextBox 14">
+              <a:extLst>
+                <a:ext uri="{FF2B5EF4-FFF2-40B4-BE49-F238E27FC236}">
+                  <a16:creationId xmlns:a16="http://schemas.microsoft.com/office/drawing/2014/main" id="{32CE08CF-E4BC-4845-A525-E69A320DA769}"/>
+                </a:ext>
+              </a:extLst>
+            </p:cNvPr>
+            <p:cNvSpPr txBox="1"/>
+            <p:nvPr/>
+          </p:nvSpPr>
+          <p:spPr>
+            <a:xfrm>
+              <a:off x="8624543" y="4321844"/>
+              <a:ext cx="1631344" cy="769441"/>
+            </a:xfrm>
+            <a:prstGeom prst="rect">
+              <a:avLst/>
+            </a:prstGeom>
+            <a:noFill/>
+          </p:spPr>
+          <p:txBody>
+            <a:bodyPr wrap="none" rtlCol="0">
+              <a:spAutoFit/>
+            </a:bodyPr>
+            <a:lstStyle/>
+            <a:p>
+              <a:r>
+                <a:rPr lang="en-US" sz="4400" dirty="0">
+                  <a:solidFill>
+                    <a:schemeClr val="accent1"/>
+                  </a:solidFill>
+                </a:rPr>
+                <a:t>return</a:t>
+              </a:r>
+            </a:p>
+          </p:txBody>
+        </p:sp>
+        <p:sp>
+          <p:nvSpPr>
+            <p:cNvPr id="23" name="Right Brace 22">
+              <a:extLst>
+                <a:ext uri="{FF2B5EF4-FFF2-40B4-BE49-F238E27FC236}">
+                  <a16:creationId xmlns:a16="http://schemas.microsoft.com/office/drawing/2014/main" id="{35BB4A4B-B57E-4B0A-9033-9992F9B273F5}"/>
+                </a:ext>
+              </a:extLst>
+            </p:cNvPr>
+            <p:cNvSpPr/>
+            <p:nvPr/>
+          </p:nvSpPr>
+          <p:spPr>
+            <a:xfrm>
+              <a:off x="8406709" y="3032915"/>
+              <a:ext cx="625033" cy="769441"/>
+            </a:xfrm>
+            <a:prstGeom prst="rightBrace">
+              <a:avLst/>
+            </a:prstGeom>
+            <a:ln w="31750"/>
+          </p:spPr>
+          <p:style>
+            <a:lnRef idx="1">
+              <a:schemeClr val="accent1"/>
+            </a:lnRef>
+            <a:fillRef idx="0">
+              <a:schemeClr val="accent1"/>
+            </a:fillRef>
+            <a:effectRef idx="0">
+              <a:schemeClr val="accent1"/>
+            </a:effectRef>
+            <a:fontRef idx="minor">
+              <a:schemeClr val="tx1"/>
+            </a:fontRef>
+          </p:style>
+          <p:txBody>
+            <a:bodyPr rtlCol="0" anchor="ctr"/>
+            <a:lstStyle/>
+            <a:p>
+              <a:pPr algn="ctr"/>
+              <a:endParaRPr lang="en-US"/>
+            </a:p>
+          </p:txBody>
+        </p:sp>
+        <p:sp>
+          <p:nvSpPr>
+            <p:cNvPr id="24" name="TextBox 23">
+              <a:extLst>
+                <a:ext uri="{FF2B5EF4-FFF2-40B4-BE49-F238E27FC236}">
+                  <a16:creationId xmlns:a16="http://schemas.microsoft.com/office/drawing/2014/main" id="{09C52735-5D0A-4CF0-8B91-F41C5E9BCA6C}"/>
+                </a:ext>
+              </a:extLst>
+            </p:cNvPr>
+            <p:cNvSpPr txBox="1"/>
+            <p:nvPr/>
+          </p:nvSpPr>
+          <p:spPr>
+            <a:xfrm>
+              <a:off x="9095228" y="2983075"/>
+              <a:ext cx="2062359" cy="769441"/>
+            </a:xfrm>
+            <a:prstGeom prst="rect">
+              <a:avLst/>
+            </a:prstGeom>
+            <a:noFill/>
+          </p:spPr>
+          <p:txBody>
+            <a:bodyPr wrap="none" rtlCol="0">
+              <a:spAutoFit/>
+            </a:bodyPr>
+            <a:lstStyle/>
+            <a:p>
+              <a:r>
+                <a:rPr lang="en-US" sz="4400" dirty="0">
+                  <a:solidFill>
+                    <a:schemeClr val="accent1"/>
+                  </a:solidFill>
+                </a:rPr>
+                <a:t>“recipe”</a:t>
+              </a:r>
+            </a:p>
+          </p:txBody>
+        </p:sp>
+        <p:cxnSp>
+          <p:nvCxnSpPr>
+            <p:cNvPr id="16" name="Straight Arrow Connector 15">
+              <a:extLst>
+                <a:ext uri="{FF2B5EF4-FFF2-40B4-BE49-F238E27FC236}">
+                  <a16:creationId xmlns:a16="http://schemas.microsoft.com/office/drawing/2014/main" id="{E3B3D89F-52AF-4BAB-A457-0E07269B87D4}"/>
+                </a:ext>
+              </a:extLst>
+            </p:cNvPr>
+            <p:cNvCxnSpPr>
+              <a:cxnSpLocks/>
+            </p:cNvCxnSpPr>
+            <p:nvPr/>
+          </p:nvCxnSpPr>
+          <p:spPr>
+            <a:xfrm>
+              <a:off x="3723126" y="1297844"/>
+              <a:ext cx="0" cy="416689"/>
+            </a:xfrm>
+            <a:prstGeom prst="straightConnector1">
+              <a:avLst/>
+            </a:prstGeom>
+            <a:ln w="57150">
+              <a:tailEnd type="triangle"/>
+            </a:ln>
+          </p:spPr>
+          <p:style>
+            <a:lnRef idx="1">
+              <a:schemeClr val="accent1"/>
+            </a:lnRef>
+            <a:fillRef idx="0">
+              <a:schemeClr val="accent1"/>
+            </a:fillRef>
+            <a:effectRef idx="0">
+              <a:schemeClr val="accent1"/>
+            </a:effectRef>
+            <a:fontRef idx="minor">
+              <a:schemeClr val="tx1"/>
+            </a:fontRef>
+          </p:style>
+        </p:cxnSp>
+        <p:cxnSp>
+          <p:nvCxnSpPr>
+            <p:cNvPr id="17" name="Straight Arrow Connector 16">
+              <a:extLst>
+                <a:ext uri="{FF2B5EF4-FFF2-40B4-BE49-F238E27FC236}">
+                  <a16:creationId xmlns:a16="http://schemas.microsoft.com/office/drawing/2014/main" id="{4A079D2C-20E5-418D-B574-7E30061853A2}"/>
+                </a:ext>
+              </a:extLst>
+            </p:cNvPr>
+            <p:cNvCxnSpPr>
+              <a:cxnSpLocks/>
+            </p:cNvCxnSpPr>
+            <p:nvPr/>
+          </p:nvCxnSpPr>
+          <p:spPr>
+            <a:xfrm>
+              <a:off x="5780526" y="1297844"/>
+              <a:ext cx="0" cy="416689"/>
+            </a:xfrm>
+            <a:prstGeom prst="straightConnector1">
+              <a:avLst/>
+            </a:prstGeom>
+            <a:ln w="57150">
+              <a:tailEnd type="triangle"/>
+            </a:ln>
+          </p:spPr>
+          <p:style>
+            <a:lnRef idx="1">
+              <a:schemeClr val="accent1"/>
+            </a:lnRef>
+            <a:fillRef idx="0">
+              <a:schemeClr val="accent1"/>
+            </a:fillRef>
+            <a:effectRef idx="0">
+              <a:schemeClr val="accent1"/>
+            </a:effectRef>
+            <a:fontRef idx="minor">
+              <a:schemeClr val="tx1"/>
+            </a:fontRef>
+          </p:style>
+        </p:cxnSp>
+      </p:grpSp>
+    </p:spTree>
+    <p:extLst>
+      <p:ext uri="{BB962C8B-B14F-4D97-AF65-F5344CB8AC3E}">
+        <p14:creationId xmlns:p14="http://schemas.microsoft.com/office/powerpoint/2010/main" val="861418735"/>
+      </p:ext>
+    </p:extLst>
+  </p:cSld>
+  <p:clrMapOvr>
+    <a:masterClrMapping/>
+  </p:clrMapOvr>
+</p:sld>
+</file>
+
+<file path=ppt/slides/slide4.xml><?xml version="1.0" encoding="utf-8"?>
 <p:sld xmlns:a="http://schemas.openxmlformats.org/drawingml/2006/main" xmlns:r="http://schemas.openxmlformats.org/officeDocument/2006/relationships" xmlns:p="http://schemas.openxmlformats.org/presentationml/2006/main">
   <p:cSld>
     <p:spTree>
@@ -3971,7 +4838,7 @@
 </p:sld>
 </file>
 
-<file path=ppt/slides/slide3.xml><?xml version="1.0" encoding="utf-8"?>
+<file path=ppt/slides/slide5.xml><?xml version="1.0" encoding="utf-8"?>
 <p:sld xmlns:a="http://schemas.openxmlformats.org/drawingml/2006/main" xmlns:r="http://schemas.openxmlformats.org/officeDocument/2006/relationships" xmlns:p="http://schemas.openxmlformats.org/presentationml/2006/main">
   <p:cSld>
     <p:spTree>
@@ -4054,7 +4921,7 @@
 </p:sld>
 </file>
 
-<file path=ppt/slides/slide4.xml><?xml version="1.0" encoding="utf-8"?>
+<file path=ppt/slides/slide6.xml><?xml version="1.0" encoding="utf-8"?>
 <p:sld xmlns:a="http://schemas.openxmlformats.org/drawingml/2006/main" xmlns:r="http://schemas.openxmlformats.org/officeDocument/2006/relationships" xmlns:p="http://schemas.openxmlformats.org/presentationml/2006/main">
   <p:cSld>
     <p:spTree>
@@ -4392,7 +5259,7 @@
 </p:sld>
 </file>
 
-<file path=ppt/slides/slide5.xml><?xml version="1.0" encoding="utf-8"?>
+<file path=ppt/slides/slide7.xml><?xml version="1.0" encoding="utf-8"?>
 <p:sld xmlns:a="http://schemas.openxmlformats.org/drawingml/2006/main" xmlns:r="http://schemas.openxmlformats.org/officeDocument/2006/relationships" xmlns:p="http://schemas.openxmlformats.org/presentationml/2006/main">
   <p:cSld>
     <p:spTree>
@@ -4731,8 +5598,8 @@
             </a:p>
           </p:txBody>
         </p:sp>
-        <mc:AlternateContent xmlns:mc="http://schemas.openxmlformats.org/markup-compatibility/2006">
-          <mc:Choice xmlns:a14="http://schemas.microsoft.com/office/drawing/2010/main" Requires="a14">
+        <mc:AlternateContent xmlns:mc="http://schemas.openxmlformats.org/markup-compatibility/2006" xmlns:a14="http://schemas.microsoft.com/office/drawing/2010/main">
+          <mc:Choice Requires="a14">
             <p:sp>
               <p:nvSpPr>
                 <p:cNvPr id="26" name="TextBox 25">
@@ -4768,6 +5635,7 @@
                 </a:bodyPr>
                 <a:lstStyle/>
                 <a:p>
+                  <a:pPr/>
                   <a14:m>
                     <m:oMathPara xmlns:m="http://schemas.openxmlformats.org/officeDocument/2006/math">
                       <m:oMathParaPr>
@@ -4791,7 +5659,7 @@
                             <m:eqArr>
                               <m:eqArrPr>
                                 <m:ctrlPr>
-                                  <a:rPr lang="en-US" sz="4000" b="0" smtClean="0">
+                                  <a:rPr lang="en-US" sz="4000" b="0" i="1" smtClean="0">
                                     <a:solidFill>
                                       <a:schemeClr val="tx1"/>
                                     </a:solidFill>
@@ -4877,7 +5745,7 @@
               </p:txBody>
             </p:sp>
           </mc:Choice>
-          <mc:Fallback>
+          <mc:Fallback xmlns="">
             <p:sp>
               <p:nvSpPr>
                 <p:cNvPr id="26" name="TextBox 25">
@@ -4929,8 +5797,8 @@
             </p:sp>
           </mc:Fallback>
         </mc:AlternateContent>
-        <mc:AlternateContent xmlns:mc="http://schemas.openxmlformats.org/markup-compatibility/2006">
-          <mc:Choice xmlns:a14="http://schemas.microsoft.com/office/drawing/2010/main" Requires="a14">
+        <mc:AlternateContent xmlns:mc="http://schemas.openxmlformats.org/markup-compatibility/2006" xmlns:a14="http://schemas.microsoft.com/office/drawing/2010/main">
+          <mc:Choice Requires="a14">
             <p:sp>
               <p:nvSpPr>
                 <p:cNvPr id="27" name="TextBox 26">
@@ -4959,6 +5827,7 @@
                 </a:bodyPr>
                 <a:lstStyle/>
                 <a:p>
+                  <a:pPr/>
                   <a14:m>
                     <m:oMathPara xmlns:m="http://schemas.openxmlformats.org/officeDocument/2006/math">
                       <m:oMathParaPr>
@@ -4982,11 +5851,11 @@
                             <m:eqArr>
                               <m:eqArrPr>
                                 <m:ctrlPr>
-                                  <a:rPr lang="en-US" sz="4000" b="0" smtClean="0">
+                                  <a:rPr lang="en-US" sz="4000" b="0" i="1" smtClean="0">
                                     <a:solidFill>
                                       <a:schemeClr val="tx1"/>
                                     </a:solidFill>
-                                    <a:latin typeface="+mj-lt"/>
+                                    <a:latin typeface="Cambria Math" panose="02040503050406030204" pitchFamily="18" charset="0"/>
                                   </a:rPr>
                                 </m:ctrlPr>
                               </m:eqArrPr>
@@ -4999,7 +5868,7 @@
                                     <a:solidFill>
                                       <a:schemeClr val="tx1"/>
                                     </a:solidFill>
-                                    <a:latin typeface="+mj-lt"/>
+                                    <a:latin typeface="Cambria Math" panose="02040503050406030204" pitchFamily="18" charset="0"/>
                                   </a:rPr>
                                   <m:t>V</m:t>
                                 </m:r>
@@ -5008,7 +5877,7 @@
                                     <a:solidFill>
                                       <a:schemeClr val="tx1"/>
                                     </a:solidFill>
-                                    <a:latin typeface="+mj-lt"/>
+                                    <a:latin typeface="Cambria Math" panose="02040503050406030204" pitchFamily="18" charset="0"/>
                                   </a:rPr>
                                   <m:t>2</m:t>
                                 </m:r>
@@ -5019,7 +5888,7 @@
                                     <a:solidFill>
                                       <a:schemeClr val="tx1"/>
                                     </a:solidFill>
-                                    <a:latin typeface="+mj-lt"/>
+                                    <a:latin typeface="Cambria Math" panose="02040503050406030204" pitchFamily="18" charset="0"/>
                                   </a:rPr>
                                   <m:t>"</m:t>
                                 </m:r>
@@ -5031,7 +5900,7 @@
                                     <a:solidFill>
                                       <a:schemeClr val="tx1"/>
                                     </a:solidFill>
-                                    <a:latin typeface="+mj-lt"/>
+                                    <a:latin typeface="Cambria Math" panose="02040503050406030204" pitchFamily="18" charset="0"/>
                                   </a:rPr>
                                   <m:t>jermaine</m:t>
                                 </m:r>
@@ -5040,7 +5909,7 @@
                                     <a:solidFill>
                                       <a:schemeClr val="tx1"/>
                                     </a:solidFill>
-                                    <a:latin typeface="+mj-lt"/>
+                                    <a:latin typeface="Cambria Math" panose="02040503050406030204" pitchFamily="18" charset="0"/>
                                   </a:rPr>
                                   <m:t>"</m:t>
                                 </m:r>
@@ -5051,7 +5920,7 @@
                                     <a:solidFill>
                                       <a:schemeClr val="tx1"/>
                                     </a:solidFill>
-                                    <a:latin typeface="+mj-lt"/>
+                                    <a:latin typeface="Cambria Math" panose="02040503050406030204" pitchFamily="18" charset="0"/>
                                   </a:rPr>
                                   <m:t>"</m:t>
                                 </m:r>
@@ -5063,7 +5932,7 @@
                                     <a:solidFill>
                                       <a:schemeClr val="tx1"/>
                                     </a:solidFill>
-                                    <a:latin typeface="+mj-lt"/>
+                                    <a:latin typeface="Cambria Math" panose="02040503050406030204" pitchFamily="18" charset="0"/>
                                   </a:rPr>
                                   <m:t>sally</m:t>
                                 </m:r>
@@ -5072,7 +5941,7 @@
                                     <a:solidFill>
                                       <a:schemeClr val="tx1"/>
                                     </a:solidFill>
-                                    <a:latin typeface="+mj-lt"/>
+                                    <a:latin typeface="Cambria Math" panose="02040503050406030204" pitchFamily="18" charset="0"/>
                                   </a:rPr>
                                   <m:t>"</m:t>
                                 </m:r>
@@ -5083,7 +5952,7 @@
                                     <a:solidFill>
                                       <a:schemeClr val="tx1"/>
                                     </a:solidFill>
-                                    <a:latin typeface="+mj-lt"/>
+                                    <a:latin typeface="Cambria Math" panose="02040503050406030204" pitchFamily="18" charset="0"/>
                                   </a:rPr>
                                   <m:t>"</m:t>
                                 </m:r>
@@ -5095,7 +5964,7 @@
                                     <a:solidFill>
                                       <a:schemeClr val="tx1"/>
                                     </a:solidFill>
-                                    <a:latin typeface="+mj-lt"/>
+                                    <a:latin typeface="Cambria Math" panose="02040503050406030204" pitchFamily="18" charset="0"/>
                                   </a:rPr>
                                   <m:t>saul</m:t>
                                 </m:r>
@@ -5104,7 +5973,7 @@
                                     <a:solidFill>
                                       <a:schemeClr val="tx1"/>
                                     </a:solidFill>
-                                    <a:latin typeface="+mj-lt"/>
+                                    <a:latin typeface="Cambria Math" panose="02040503050406030204" pitchFamily="18" charset="0"/>
                                   </a:rPr>
                                   <m:t>"</m:t>
                                 </m:r>
@@ -5115,7 +5984,7 @@
                                     <a:solidFill>
                                       <a:schemeClr val="tx1"/>
                                     </a:solidFill>
-                                    <a:latin typeface="+mj-lt"/>
+                                    <a:latin typeface="Cambria Math" panose="02040503050406030204" pitchFamily="18" charset="0"/>
                                   </a:rPr>
                                   <m:t>"</m:t>
                                 </m:r>
@@ -5127,7 +5996,7 @@
                                     <a:solidFill>
                                       <a:schemeClr val="tx1"/>
                                     </a:solidFill>
-                                    <a:latin typeface="+mj-lt"/>
+                                    <a:latin typeface="Cambria Math" panose="02040503050406030204" pitchFamily="18" charset="0"/>
                                   </a:rPr>
                                   <m:t>yasmin</m:t>
                                 </m:r>
@@ -5136,7 +6005,7 @@
                                     <a:solidFill>
                                       <a:schemeClr val="tx1"/>
                                     </a:solidFill>
-                                    <a:latin typeface="+mj-lt"/>
+                                    <a:latin typeface="Cambria Math" panose="02040503050406030204" pitchFamily="18" charset="0"/>
                                   </a:rPr>
                                   <m:t>"</m:t>
                                 </m:r>
@@ -5152,7 +6021,7 @@
               </p:txBody>
             </p:sp>
           </mc:Choice>
-          <mc:Fallback>
+          <mc:Fallback xmlns="">
             <p:sp>
               <p:nvSpPr>
                 <p:cNvPr id="27" name="TextBox 26">
@@ -5197,8 +6066,8 @@
             </p:sp>
           </mc:Fallback>
         </mc:AlternateContent>
-        <mc:AlternateContent xmlns:mc="http://schemas.openxmlformats.org/markup-compatibility/2006">
-          <mc:Choice xmlns:a14="http://schemas.microsoft.com/office/drawing/2010/main" Requires="a14">
+        <mc:AlternateContent xmlns:mc="http://schemas.openxmlformats.org/markup-compatibility/2006" xmlns:a14="http://schemas.microsoft.com/office/drawing/2010/main">
+          <mc:Choice Requires="a14">
             <p:sp>
               <p:nvSpPr>
                 <p:cNvPr id="28" name="TextBox 27">
@@ -5234,6 +6103,7 @@
                 </a:bodyPr>
                 <a:lstStyle/>
                 <a:p>
+                  <a:pPr/>
                   <a14:m>
                     <m:oMathPara xmlns:m="http://schemas.openxmlformats.org/officeDocument/2006/math">
                       <m:oMathParaPr>
@@ -5257,11 +6127,11 @@
                             <m:eqArr>
                               <m:eqArrPr>
                                 <m:ctrlPr>
-                                  <a:rPr lang="en-US" sz="4000" b="0" smtClean="0">
+                                  <a:rPr lang="en-US" sz="4000" b="0" i="1" smtClean="0">
                                     <a:solidFill>
                                       <a:schemeClr val="tx1"/>
                                     </a:solidFill>
-                                    <a:latin typeface="+mj-lt"/>
+                                    <a:latin typeface="Cambria Math" panose="02040503050406030204" pitchFamily="18" charset="0"/>
                                   </a:rPr>
                                 </m:ctrlPr>
                               </m:eqArrPr>
@@ -5274,7 +6144,7 @@
                                     <a:solidFill>
                                       <a:schemeClr val="tx1"/>
                                     </a:solidFill>
-                                    <a:latin typeface="+mj-lt"/>
+                                    <a:latin typeface="Cambria Math" panose="02040503050406030204" pitchFamily="18" charset="0"/>
                                   </a:rPr>
                                   <m:t>V</m:t>
                                 </m:r>
@@ -5373,7 +6243,7 @@
               </p:txBody>
             </p:sp>
           </mc:Choice>
-          <mc:Fallback>
+          <mc:Fallback xmlns="">
             <p:sp>
               <p:nvSpPr>
                 <p:cNvPr id="28" name="TextBox 27">
@@ -5425,8 +6295,8 @@
             </p:sp>
           </mc:Fallback>
         </mc:AlternateContent>
-        <mc:AlternateContent xmlns:mc="http://schemas.openxmlformats.org/markup-compatibility/2006">
-          <mc:Choice xmlns:a14="http://schemas.microsoft.com/office/drawing/2010/main" Requires="a14">
+        <mc:AlternateContent xmlns:mc="http://schemas.openxmlformats.org/markup-compatibility/2006" xmlns:a14="http://schemas.microsoft.com/office/drawing/2010/main">
+          <mc:Choice Requires="a14">
             <p:sp>
               <p:nvSpPr>
                 <p:cNvPr id="29" name="TextBox 28">
@@ -5462,6 +6332,7 @@
                 </a:bodyPr>
                 <a:lstStyle/>
                 <a:p>
+                  <a:pPr/>
                   <a14:m>
                     <m:oMathPara xmlns:m="http://schemas.openxmlformats.org/officeDocument/2006/math">
                       <m:oMathParaPr>
@@ -5485,11 +6356,11 @@
                             <m:eqArr>
                               <m:eqArrPr>
                                 <m:ctrlPr>
-                                  <a:rPr lang="en-US" sz="4000" b="0" smtClean="0">
+                                  <a:rPr lang="en-US" sz="4000" b="0" i="1" smtClean="0">
                                     <a:solidFill>
                                       <a:schemeClr val="tx1"/>
                                     </a:solidFill>
-                                    <a:latin typeface="+mj-lt"/>
+                                    <a:latin typeface="Cambria Math" panose="02040503050406030204" pitchFamily="18" charset="0"/>
                                   </a:rPr>
                                 </m:ctrlPr>
                               </m:eqArrPr>
@@ -5502,7 +6373,7 @@
                                     <a:solidFill>
                                       <a:schemeClr val="tx1"/>
                                     </a:solidFill>
-                                    <a:latin typeface="+mj-lt"/>
+                                    <a:latin typeface="Cambria Math" panose="02040503050406030204" pitchFamily="18" charset="0"/>
                                   </a:rPr>
                                   <m:t>V</m:t>
                                 </m:r>
@@ -5601,7 +6472,7 @@
               </p:txBody>
             </p:sp>
           </mc:Choice>
-          <mc:Fallback>
+          <mc:Fallback xmlns="">
             <p:sp>
               <p:nvSpPr>
                 <p:cNvPr id="29" name="TextBox 28">
@@ -5790,7 +6661,7 @@
 </p:sld>
 </file>
 
-<file path=ppt/slides/slide6.xml><?xml version="1.0" encoding="utf-8"?>
+<file path=ppt/slides/slide8.xml><?xml version="1.0" encoding="utf-8"?>
 <p:sld xmlns:a="http://schemas.openxmlformats.org/drawingml/2006/main" xmlns:r="http://schemas.openxmlformats.org/officeDocument/2006/relationships" xmlns:p="http://schemas.openxmlformats.org/presentationml/2006/main">
   <p:cSld>
     <p:spTree>
@@ -6129,8 +7000,8 @@
             </a:p>
           </p:txBody>
         </p:sp>
-        <mc:AlternateContent xmlns:mc="http://schemas.openxmlformats.org/markup-compatibility/2006">
-          <mc:Choice xmlns:a14="http://schemas.microsoft.com/office/drawing/2010/main" Requires="a14">
+        <mc:AlternateContent xmlns:mc="http://schemas.openxmlformats.org/markup-compatibility/2006" xmlns:a14="http://schemas.microsoft.com/office/drawing/2010/main">
+          <mc:Choice Requires="a14">
             <p:sp>
               <p:nvSpPr>
                 <p:cNvPr id="26" name="TextBox 25">
@@ -6166,6 +7037,7 @@
                 </a:bodyPr>
                 <a:lstStyle/>
                 <a:p>
+                  <a:pPr/>
                   <a14:m>
                     <m:oMathPara xmlns:m="http://schemas.openxmlformats.org/officeDocument/2006/math">
                       <m:oMathParaPr>
@@ -6192,7 +7064,7 @@
                             <m:eqArr>
                               <m:eqArrPr>
                                 <m:ctrlPr>
-                                  <a:rPr lang="en-US" sz="4000" b="0" smtClean="0">
+                                  <a:rPr lang="en-US" sz="4000" b="0" i="1" smtClean="0">
                                     <a:solidFill>
                                       <a:schemeClr val="tx1">
                                         <a:lumMod val="50000"/>
@@ -6311,7 +7183,7 @@
               </p:txBody>
             </p:sp>
           </mc:Choice>
-          <mc:Fallback>
+          <mc:Fallback xmlns="">
             <p:sp>
               <p:nvSpPr>
                 <p:cNvPr id="26" name="TextBox 25">
@@ -6363,8 +7235,8 @@
             </p:sp>
           </mc:Fallback>
         </mc:AlternateContent>
-        <mc:AlternateContent xmlns:mc="http://schemas.openxmlformats.org/markup-compatibility/2006">
-          <mc:Choice xmlns:a14="http://schemas.microsoft.com/office/drawing/2010/main" Requires="a14">
+        <mc:AlternateContent xmlns:mc="http://schemas.openxmlformats.org/markup-compatibility/2006" xmlns:a14="http://schemas.microsoft.com/office/drawing/2010/main">
+          <mc:Choice Requires="a14">
             <p:sp>
               <p:nvSpPr>
                 <p:cNvPr id="27" name="TextBox 26">
@@ -6393,6 +7265,7 @@
                 </a:bodyPr>
                 <a:lstStyle/>
                 <a:p>
+                  <a:pPr/>
                   <a14:m>
                     <m:oMathPara xmlns:m="http://schemas.openxmlformats.org/officeDocument/2006/math">
                       <m:oMathParaPr>
@@ -6419,14 +7292,14 @@
                             <m:eqArr>
                               <m:eqArrPr>
                                 <m:ctrlPr>
-                                  <a:rPr lang="en-US" sz="4000" b="0" smtClean="0">
+                                  <a:rPr lang="en-US" sz="4000" b="0" i="1" smtClean="0">
                                     <a:solidFill>
                                       <a:schemeClr val="tx1">
                                         <a:lumMod val="50000"/>
                                         <a:lumOff val="50000"/>
                                       </a:schemeClr>
                                     </a:solidFill>
-                                    <a:latin typeface="+mj-lt"/>
+                                    <a:latin typeface="Cambria Math" panose="02040503050406030204" pitchFamily="18" charset="0"/>
                                   </a:rPr>
                                 </m:ctrlPr>
                               </m:eqArrPr>
@@ -6442,7 +7315,7 @@
                                         <a:lumOff val="50000"/>
                                       </a:schemeClr>
                                     </a:solidFill>
-                                    <a:latin typeface="+mj-lt"/>
+                                    <a:latin typeface="Cambria Math" panose="02040503050406030204" pitchFamily="18" charset="0"/>
                                   </a:rPr>
                                   <m:t>V</m:t>
                                 </m:r>
@@ -6454,7 +7327,7 @@
                                         <a:lumOff val="50000"/>
                                       </a:schemeClr>
                                     </a:solidFill>
-                                    <a:latin typeface="+mj-lt"/>
+                                    <a:latin typeface="Cambria Math" panose="02040503050406030204" pitchFamily="18" charset="0"/>
                                   </a:rPr>
                                   <m:t>2</m:t>
                                 </m:r>
@@ -6468,7 +7341,7 @@
                                         <a:lumOff val="50000"/>
                                       </a:schemeClr>
                                     </a:solidFill>
-                                    <a:latin typeface="+mj-lt"/>
+                                    <a:latin typeface="Cambria Math" panose="02040503050406030204" pitchFamily="18" charset="0"/>
                                   </a:rPr>
                                   <m:t>"</m:t>
                                 </m:r>
@@ -6483,7 +7356,7 @@
                                         <a:lumOff val="50000"/>
                                       </a:schemeClr>
                                     </a:solidFill>
-                                    <a:latin typeface="+mj-lt"/>
+                                    <a:latin typeface="Cambria Math" panose="02040503050406030204" pitchFamily="18" charset="0"/>
                                   </a:rPr>
                                   <m:t>jermaine</m:t>
                                 </m:r>
@@ -6495,7 +7368,7 @@
                                         <a:lumOff val="50000"/>
                                       </a:schemeClr>
                                     </a:solidFill>
-                                    <a:latin typeface="+mj-lt"/>
+                                    <a:latin typeface="Cambria Math" panose="02040503050406030204" pitchFamily="18" charset="0"/>
                                   </a:rPr>
                                   <m:t>"</m:t>
                                 </m:r>
@@ -6509,7 +7382,7 @@
                                         <a:lumOff val="50000"/>
                                       </a:schemeClr>
                                     </a:solidFill>
-                                    <a:latin typeface="+mj-lt"/>
+                                    <a:latin typeface="Cambria Math" panose="02040503050406030204" pitchFamily="18" charset="0"/>
                                   </a:rPr>
                                   <m:t>"</m:t>
                                 </m:r>
@@ -6524,7 +7397,7 @@
                                         <a:lumOff val="50000"/>
                                       </a:schemeClr>
                                     </a:solidFill>
-                                    <a:latin typeface="+mj-lt"/>
+                                    <a:latin typeface="Cambria Math" panose="02040503050406030204" pitchFamily="18" charset="0"/>
                                   </a:rPr>
                                   <m:t>sally</m:t>
                                 </m:r>
@@ -6536,7 +7409,7 @@
                                         <a:lumOff val="50000"/>
                                       </a:schemeClr>
                                     </a:solidFill>
-                                    <a:latin typeface="+mj-lt"/>
+                                    <a:latin typeface="Cambria Math" panose="02040503050406030204" pitchFamily="18" charset="0"/>
                                   </a:rPr>
                                   <m:t>"</m:t>
                                 </m:r>
@@ -6550,7 +7423,7 @@
                                         <a:lumOff val="50000"/>
                                       </a:schemeClr>
                                     </a:solidFill>
-                                    <a:latin typeface="+mj-lt"/>
+                                    <a:latin typeface="Cambria Math" panose="02040503050406030204" pitchFamily="18" charset="0"/>
                                   </a:rPr>
                                   <m:t>"</m:t>
                                 </m:r>
@@ -6565,7 +7438,7 @@
                                         <a:lumOff val="50000"/>
                                       </a:schemeClr>
                                     </a:solidFill>
-                                    <a:latin typeface="+mj-lt"/>
+                                    <a:latin typeface="Cambria Math" panose="02040503050406030204" pitchFamily="18" charset="0"/>
                                   </a:rPr>
                                   <m:t>saul</m:t>
                                 </m:r>
@@ -6577,7 +7450,7 @@
                                         <a:lumOff val="50000"/>
                                       </a:schemeClr>
                                     </a:solidFill>
-                                    <a:latin typeface="+mj-lt"/>
+                                    <a:latin typeface="Cambria Math" panose="02040503050406030204" pitchFamily="18" charset="0"/>
                                   </a:rPr>
                                   <m:t>"</m:t>
                                 </m:r>
@@ -6591,7 +7464,7 @@
                                         <a:lumOff val="50000"/>
                                       </a:schemeClr>
                                     </a:solidFill>
-                                    <a:latin typeface="+mj-lt"/>
+                                    <a:latin typeface="Cambria Math" panose="02040503050406030204" pitchFamily="18" charset="0"/>
                                   </a:rPr>
                                   <m:t>"</m:t>
                                 </m:r>
@@ -6606,7 +7479,7 @@
                                         <a:lumOff val="50000"/>
                                       </a:schemeClr>
                                     </a:solidFill>
-                                    <a:latin typeface="+mj-lt"/>
+                                    <a:latin typeface="Cambria Math" panose="02040503050406030204" pitchFamily="18" charset="0"/>
                                   </a:rPr>
                                   <m:t>yasmin</m:t>
                                 </m:r>
@@ -6618,7 +7491,7 @@
                                         <a:lumOff val="50000"/>
                                       </a:schemeClr>
                                     </a:solidFill>
-                                    <a:latin typeface="+mj-lt"/>
+                                    <a:latin typeface="Cambria Math" panose="02040503050406030204" pitchFamily="18" charset="0"/>
                                   </a:rPr>
                                   <m:t>"</m:t>
                                 </m:r>
@@ -6634,7 +7507,7 @@
               </p:txBody>
             </p:sp>
           </mc:Choice>
-          <mc:Fallback>
+          <mc:Fallback xmlns="">
             <p:sp>
               <p:nvSpPr>
                 <p:cNvPr id="27" name="TextBox 26">
@@ -6679,8 +7552,8 @@
             </p:sp>
           </mc:Fallback>
         </mc:AlternateContent>
-        <mc:AlternateContent xmlns:mc="http://schemas.openxmlformats.org/markup-compatibility/2006">
-          <mc:Choice xmlns:a14="http://schemas.microsoft.com/office/drawing/2010/main" Requires="a14">
+        <mc:AlternateContent xmlns:mc="http://schemas.openxmlformats.org/markup-compatibility/2006" xmlns:a14="http://schemas.microsoft.com/office/drawing/2010/main">
+          <mc:Choice Requires="a14">
             <p:sp>
               <p:nvSpPr>
                 <p:cNvPr id="28" name="TextBox 27">
@@ -6716,6 +7589,7 @@
                 </a:bodyPr>
                 <a:lstStyle/>
                 <a:p>
+                  <a:pPr/>
                   <a14:m>
                     <m:oMathPara xmlns:m="http://schemas.openxmlformats.org/officeDocument/2006/math">
                       <m:oMathParaPr>
@@ -6742,14 +7616,14 @@
                             <m:eqArr>
                               <m:eqArrPr>
                                 <m:ctrlPr>
-                                  <a:rPr lang="en-US" sz="4000" b="0" smtClean="0">
+                                  <a:rPr lang="en-US" sz="4000" b="0" i="1" smtClean="0">
                                     <a:solidFill>
                                       <a:schemeClr val="tx1">
                                         <a:lumMod val="50000"/>
                                         <a:lumOff val="50000"/>
                                       </a:schemeClr>
                                     </a:solidFill>
-                                    <a:latin typeface="+mj-lt"/>
+                                    <a:latin typeface="Cambria Math" panose="02040503050406030204" pitchFamily="18" charset="0"/>
                                   </a:rPr>
                                 </m:ctrlPr>
                               </m:eqArrPr>
@@ -6765,7 +7639,7 @@
                                         <a:lumOff val="50000"/>
                                       </a:schemeClr>
                                     </a:solidFill>
-                                    <a:latin typeface="+mj-lt"/>
+                                    <a:latin typeface="Cambria Math" panose="02040503050406030204" pitchFamily="18" charset="0"/>
                                   </a:rPr>
                                   <m:t>V</m:t>
                                 </m:r>
@@ -6885,7 +7759,7 @@
               </p:txBody>
             </p:sp>
           </mc:Choice>
-          <mc:Fallback>
+          <mc:Fallback xmlns="">
             <p:sp>
               <p:nvSpPr>
                 <p:cNvPr id="28" name="TextBox 27">
@@ -6937,8 +7811,8 @@
             </p:sp>
           </mc:Fallback>
         </mc:AlternateContent>
-        <mc:AlternateContent xmlns:mc="http://schemas.openxmlformats.org/markup-compatibility/2006">
-          <mc:Choice xmlns:a14="http://schemas.microsoft.com/office/drawing/2010/main" Requires="a14">
+        <mc:AlternateContent xmlns:mc="http://schemas.openxmlformats.org/markup-compatibility/2006" xmlns:a14="http://schemas.microsoft.com/office/drawing/2010/main">
+          <mc:Choice Requires="a14">
             <p:sp>
               <p:nvSpPr>
                 <p:cNvPr id="29" name="TextBox 28">
@@ -6974,6 +7848,7 @@
                 </a:bodyPr>
                 <a:lstStyle/>
                 <a:p>
+                  <a:pPr/>
                   <a14:m>
                     <m:oMathPara xmlns:m="http://schemas.openxmlformats.org/officeDocument/2006/math">
                       <m:oMathParaPr>
@@ -7000,14 +7875,14 @@
                             <m:eqArr>
                               <m:eqArrPr>
                                 <m:ctrlPr>
-                                  <a:rPr lang="en-US" sz="4000" b="0" smtClean="0">
+                                  <a:rPr lang="en-US" sz="4000" b="0" i="1" smtClean="0">
                                     <a:solidFill>
                                       <a:schemeClr val="tx1">
                                         <a:lumMod val="50000"/>
                                         <a:lumOff val="50000"/>
                                       </a:schemeClr>
                                     </a:solidFill>
-                                    <a:latin typeface="+mj-lt"/>
+                                    <a:latin typeface="Cambria Math" panose="02040503050406030204" pitchFamily="18" charset="0"/>
                                   </a:rPr>
                                 </m:ctrlPr>
                               </m:eqArrPr>
@@ -7023,7 +7898,7 @@
                                         <a:lumOff val="50000"/>
                                       </a:schemeClr>
                                     </a:solidFill>
-                                    <a:latin typeface="+mj-lt"/>
+                                    <a:latin typeface="Cambria Math" panose="02040503050406030204" pitchFamily="18" charset="0"/>
                                   </a:rPr>
                                   <m:t>V</m:t>
                                 </m:r>
@@ -7143,7 +8018,7 @@
               </p:txBody>
             </p:sp>
           </mc:Choice>
-          <mc:Fallback>
+          <mc:Fallback xmlns="">
             <p:sp>
               <p:nvSpPr>
                 <p:cNvPr id="29" name="TextBox 28">

--- a/TEXTBOOK/figures/figures.pptx
+++ b/TEXTBOOK/figures/figures.pptx
@@ -13,6 +13,9 @@
     <p:sldId id="257" r:id="rId7"/>
     <p:sldId id="259" r:id="rId8"/>
     <p:sldId id="260" r:id="rId9"/>
+    <p:sldId id="267" r:id="rId10"/>
+    <p:sldId id="265" r:id="rId11"/>
+    <p:sldId id="266" r:id="rId12"/>
   </p:sldIdLst>
   <p:sldSz cx="12192000" cy="6858000"/>
   <p:notesSz cx="6858000" cy="9144000"/>
@@ -266,7 +269,7 @@
           <a:p>
             <a:fld id="{38FE5E9D-AE82-4CD7-95FF-A719BBDC69C0}" type="datetimeFigureOut">
               <a:rPr lang="en-US" smtClean="0"/>
-              <a:t>8/24/2018</a:t>
+              <a:t>8/25/2018</a:t>
             </a:fld>
             <a:endParaRPr lang="en-US"/>
           </a:p>
@@ -464,7 +467,7 @@
           <a:p>
             <a:fld id="{38FE5E9D-AE82-4CD7-95FF-A719BBDC69C0}" type="datetimeFigureOut">
               <a:rPr lang="en-US" smtClean="0"/>
-              <a:t>8/24/2018</a:t>
+              <a:t>8/25/2018</a:t>
             </a:fld>
             <a:endParaRPr lang="en-US"/>
           </a:p>
@@ -672,7 +675,7 @@
           <a:p>
             <a:fld id="{38FE5E9D-AE82-4CD7-95FF-A719BBDC69C0}" type="datetimeFigureOut">
               <a:rPr lang="en-US" smtClean="0"/>
-              <a:t>8/24/2018</a:t>
+              <a:t>8/25/2018</a:t>
             </a:fld>
             <a:endParaRPr lang="en-US"/>
           </a:p>
@@ -870,7 +873,7 @@
           <a:p>
             <a:fld id="{38FE5E9D-AE82-4CD7-95FF-A719BBDC69C0}" type="datetimeFigureOut">
               <a:rPr lang="en-US" smtClean="0"/>
-              <a:t>8/24/2018</a:t>
+              <a:t>8/25/2018</a:t>
             </a:fld>
             <a:endParaRPr lang="en-US"/>
           </a:p>
@@ -1145,7 +1148,7 @@
           <a:p>
             <a:fld id="{38FE5E9D-AE82-4CD7-95FF-A719BBDC69C0}" type="datetimeFigureOut">
               <a:rPr lang="en-US" smtClean="0"/>
-              <a:t>8/24/2018</a:t>
+              <a:t>8/25/2018</a:t>
             </a:fld>
             <a:endParaRPr lang="en-US"/>
           </a:p>
@@ -1410,7 +1413,7 @@
           <a:p>
             <a:fld id="{38FE5E9D-AE82-4CD7-95FF-A719BBDC69C0}" type="datetimeFigureOut">
               <a:rPr lang="en-US" smtClean="0"/>
-              <a:t>8/24/2018</a:t>
+              <a:t>8/25/2018</a:t>
             </a:fld>
             <a:endParaRPr lang="en-US"/>
           </a:p>
@@ -1822,7 +1825,7 @@
           <a:p>
             <a:fld id="{38FE5E9D-AE82-4CD7-95FF-A719BBDC69C0}" type="datetimeFigureOut">
               <a:rPr lang="en-US" smtClean="0"/>
-              <a:t>8/24/2018</a:t>
+              <a:t>8/25/2018</a:t>
             </a:fld>
             <a:endParaRPr lang="en-US"/>
           </a:p>
@@ -1963,7 +1966,7 @@
           <a:p>
             <a:fld id="{38FE5E9D-AE82-4CD7-95FF-A719BBDC69C0}" type="datetimeFigureOut">
               <a:rPr lang="en-US" smtClean="0"/>
-              <a:t>8/24/2018</a:t>
+              <a:t>8/25/2018</a:t>
             </a:fld>
             <a:endParaRPr lang="en-US"/>
           </a:p>
@@ -2076,7 +2079,7 @@
           <a:p>
             <a:fld id="{38FE5E9D-AE82-4CD7-95FF-A719BBDC69C0}" type="datetimeFigureOut">
               <a:rPr lang="en-US" smtClean="0"/>
-              <a:t>8/24/2018</a:t>
+              <a:t>8/25/2018</a:t>
             </a:fld>
             <a:endParaRPr lang="en-US"/>
           </a:p>
@@ -2387,7 +2390,7 @@
           <a:p>
             <a:fld id="{38FE5E9D-AE82-4CD7-95FF-A719BBDC69C0}" type="datetimeFigureOut">
               <a:rPr lang="en-US" smtClean="0"/>
-              <a:t>8/24/2018</a:t>
+              <a:t>8/25/2018</a:t>
             </a:fld>
             <a:endParaRPr lang="en-US"/>
           </a:p>
@@ -2675,7 +2678,7 @@
           <a:p>
             <a:fld id="{38FE5E9D-AE82-4CD7-95FF-A719BBDC69C0}" type="datetimeFigureOut">
               <a:rPr lang="en-US" smtClean="0"/>
-              <a:t>8/24/2018</a:t>
+              <a:t>8/25/2018</a:t>
             </a:fld>
             <a:endParaRPr lang="en-US"/>
           </a:p>
@@ -2916,7 +2919,7 @@
           <a:p>
             <a:fld id="{38FE5E9D-AE82-4CD7-95FF-A719BBDC69C0}" type="datetimeFigureOut">
               <a:rPr lang="en-US" smtClean="0"/>
-              <a:t>8/24/2018</a:t>
+              <a:t>8/25/2018</a:t>
             </a:fld>
             <a:endParaRPr lang="en-US"/>
           </a:p>
@@ -3390,6 +3393,698 @@
     <p:extLst>
       <p:ext uri="{BB962C8B-B14F-4D97-AF65-F5344CB8AC3E}">
         <p14:creationId xmlns:p14="http://schemas.microsoft.com/office/powerpoint/2010/main" val="2898932624"/>
+      </p:ext>
+    </p:extLst>
+  </p:cSld>
+  <p:clrMapOvr>
+    <a:masterClrMapping/>
+  </p:clrMapOvr>
+</p:sld>
+</file>
+
+<file path=ppt/slides/slide10.xml><?xml version="1.0" encoding="utf-8"?>
+<p:sld xmlns:a="http://schemas.openxmlformats.org/drawingml/2006/main" xmlns:r="http://schemas.openxmlformats.org/officeDocument/2006/relationships" xmlns:p="http://schemas.openxmlformats.org/presentationml/2006/main">
+  <p:cSld>
+    <p:spTree>
+      <p:nvGrpSpPr>
+        <p:cNvPr id="1" name=""/>
+        <p:cNvGrpSpPr/>
+        <p:nvPr/>
+      </p:nvGrpSpPr>
+      <p:grpSpPr>
+        <a:xfrm>
+          <a:off x="0" y="0"/>
+          <a:ext cx="0" cy="0"/>
+          <a:chOff x="0" y="0"/>
+          <a:chExt cx="0" cy="0"/>
+        </a:xfrm>
+      </p:grpSpPr>
+      <p:grpSp>
+        <p:nvGrpSpPr>
+          <p:cNvPr id="10" name="Group 9">
+            <a:extLst>
+              <a:ext uri="{FF2B5EF4-FFF2-40B4-BE49-F238E27FC236}">
+                <a16:creationId xmlns:a16="http://schemas.microsoft.com/office/drawing/2014/main" id="{112428CC-58A2-46D7-B98F-AA3FEC4A8866}"/>
+              </a:ext>
+            </a:extLst>
+          </p:cNvPr>
+          <p:cNvGrpSpPr/>
+          <p:nvPr/>
+        </p:nvGrpSpPr>
+        <p:grpSpPr>
+          <a:xfrm>
+            <a:off x="1647038" y="1049882"/>
+            <a:ext cx="10098088" cy="5355312"/>
+            <a:chOff x="1647038" y="1049882"/>
+            <a:chExt cx="10098088" cy="5355312"/>
+          </a:xfrm>
+        </p:grpSpPr>
+        <p:sp>
+          <p:nvSpPr>
+            <p:cNvPr id="2" name="Rectangle 1">
+              <a:extLst>
+                <a:ext uri="{FF2B5EF4-FFF2-40B4-BE49-F238E27FC236}">
+                  <a16:creationId xmlns:a16="http://schemas.microsoft.com/office/drawing/2014/main" id="{DFFE11A8-9E50-4EFC-9ACE-16C4F7DF96E4}"/>
+                </a:ext>
+              </a:extLst>
+            </p:cNvPr>
+            <p:cNvSpPr/>
+            <p:nvPr/>
+          </p:nvSpPr>
+          <p:spPr>
+            <a:xfrm>
+              <a:off x="1647038" y="1049882"/>
+              <a:ext cx="6096000" cy="5355312"/>
+            </a:xfrm>
+            <a:prstGeom prst="rect">
+              <a:avLst/>
+            </a:prstGeom>
+          </p:spPr>
+          <p:txBody>
+            <a:bodyPr>
+              <a:spAutoFit/>
+            </a:bodyPr>
+            <a:lstStyle/>
+            <a:p>
+              <a:r>
+                <a:rPr lang="en-US" dirty="0">
+                  <a:latin typeface="Courier New" panose="02070309020205020404" pitchFamily="49" charset="0"/>
+                  <a:cs typeface="Courier New" panose="02070309020205020404" pitchFamily="49" charset="0"/>
+                </a:rPr>
+                <a:t>---</a:t>
+              </a:r>
+            </a:p>
+            <a:p>
+              <a:r>
+                <a:rPr lang="en-US" dirty="0">
+                  <a:latin typeface="Courier New" panose="02070309020205020404" pitchFamily="49" charset="0"/>
+                  <a:cs typeface="Courier New" panose="02070309020205020404" pitchFamily="49" charset="0"/>
+                </a:rPr>
+                <a:t>title: “Lab 07"</a:t>
+              </a:r>
+            </a:p>
+            <a:p>
+              <a:r>
+                <a:rPr lang="en-US" dirty="0">
+                  <a:latin typeface="Courier New" panose="02070309020205020404" pitchFamily="49" charset="0"/>
+                  <a:cs typeface="Courier New" panose="02070309020205020404" pitchFamily="49" charset="0"/>
+                </a:rPr>
+                <a:t>output: html_document:</a:t>
+              </a:r>
+            </a:p>
+            <a:p>
+              <a:r>
+                <a:rPr lang="en-US" dirty="0">
+                  <a:latin typeface="Courier New" panose="02070309020205020404" pitchFamily="49" charset="0"/>
+                  <a:cs typeface="Courier New" panose="02070309020205020404" pitchFamily="49" charset="0"/>
+                </a:rPr>
+                <a:t>---</a:t>
+              </a:r>
+            </a:p>
+            <a:p>
+              <a:endParaRPr lang="en-US" dirty="0">
+                <a:latin typeface="Courier New" panose="02070309020205020404" pitchFamily="49" charset="0"/>
+                <a:cs typeface="Courier New" panose="02070309020205020404" pitchFamily="49" charset="0"/>
+              </a:endParaRPr>
+            </a:p>
+            <a:p>
+              <a:endParaRPr lang="en-US" dirty="0">
+                <a:latin typeface="Courier New" panose="02070309020205020404" pitchFamily="49" charset="0"/>
+                <a:cs typeface="Courier New" panose="02070309020205020404" pitchFamily="49" charset="0"/>
+              </a:endParaRPr>
+            </a:p>
+            <a:p>
+              <a:r>
+                <a:rPr lang="en-US" dirty="0">
+                  <a:latin typeface="Courier New" panose="02070309020205020404" pitchFamily="49" charset="0"/>
+                  <a:cs typeface="Courier New" panose="02070309020205020404" pitchFamily="49" charset="0"/>
+                </a:rPr>
+                <a:t># Setup</a:t>
+              </a:r>
+            </a:p>
+            <a:p>
+              <a:endParaRPr lang="en-US" dirty="0">
+                <a:latin typeface="Courier New" panose="02070309020205020404" pitchFamily="49" charset="0"/>
+                <a:cs typeface="Courier New" panose="02070309020205020404" pitchFamily="49" charset="0"/>
+              </a:endParaRPr>
+            </a:p>
+            <a:p>
+              <a:pPr marL="285750" indent="-285750">
+                <a:buFont typeface="Arial" panose="020B0604020202020204" pitchFamily="34" charset="0"/>
+                <a:buChar char="•"/>
+              </a:pPr>
+              <a:r>
+                <a:rPr lang="en-US" dirty="0">
+                  <a:latin typeface="Courier New" panose="02070309020205020404" pitchFamily="49" charset="0"/>
+                  <a:cs typeface="Courier New" panose="02070309020205020404" pitchFamily="49" charset="0"/>
+                </a:rPr>
+                <a:t>Global options</a:t>
+              </a:r>
+            </a:p>
+            <a:p>
+              <a:pPr marL="285750" indent="-285750">
+                <a:buFont typeface="Arial" panose="020B0604020202020204" pitchFamily="34" charset="0"/>
+                <a:buChar char="•"/>
+              </a:pPr>
+              <a:r>
+                <a:rPr lang="en-US" dirty="0">
+                  <a:latin typeface="Courier New" panose="02070309020205020404" pitchFamily="49" charset="0"/>
+                  <a:cs typeface="Courier New" panose="02070309020205020404" pitchFamily="49" charset="0"/>
+                </a:rPr>
+                <a:t>Load packages</a:t>
+              </a:r>
+            </a:p>
+            <a:p>
+              <a:pPr marL="285750" indent="-285750">
+                <a:buFont typeface="Arial" panose="020B0604020202020204" pitchFamily="34" charset="0"/>
+                <a:buChar char="•"/>
+              </a:pPr>
+              <a:r>
+                <a:rPr lang="en-US" dirty="0">
+                  <a:latin typeface="Courier New" panose="02070309020205020404" pitchFamily="49" charset="0"/>
+                  <a:cs typeface="Courier New" panose="02070309020205020404" pitchFamily="49" charset="0"/>
+                </a:rPr>
+                <a:t>Load data</a:t>
+              </a:r>
+            </a:p>
+            <a:p>
+              <a:endParaRPr lang="en-US" dirty="0">
+                <a:latin typeface="Courier New" panose="02070309020205020404" pitchFamily="49" charset="0"/>
+                <a:cs typeface="Courier New" panose="02070309020205020404" pitchFamily="49" charset="0"/>
+              </a:endParaRPr>
+            </a:p>
+            <a:p>
+              <a:endParaRPr lang="en-US" dirty="0">
+                <a:latin typeface="Courier New" panose="02070309020205020404" pitchFamily="49" charset="0"/>
+                <a:cs typeface="Courier New" panose="02070309020205020404" pitchFamily="49" charset="0"/>
+              </a:endParaRPr>
+            </a:p>
+            <a:p>
+              <a:r>
+                <a:rPr lang="en-US" dirty="0">
+                  <a:latin typeface="Courier New" panose="02070309020205020404" pitchFamily="49" charset="0"/>
+                  <a:cs typeface="Courier New" panose="02070309020205020404" pitchFamily="49" charset="0"/>
+                </a:rPr>
+                <a:t># Your Work Here</a:t>
+              </a:r>
+            </a:p>
+            <a:p>
+              <a:endParaRPr lang="en-US" dirty="0">
+                <a:latin typeface="Courier New" panose="02070309020205020404" pitchFamily="49" charset="0"/>
+                <a:cs typeface="Courier New" panose="02070309020205020404" pitchFamily="49" charset="0"/>
+              </a:endParaRPr>
+            </a:p>
+            <a:p>
+              <a:r>
+                <a:rPr lang="en-US" dirty="0">
+                  <a:latin typeface="Courier New" panose="02070309020205020404" pitchFamily="49" charset="0"/>
+                  <a:cs typeface="Courier New" panose="02070309020205020404" pitchFamily="49" charset="0"/>
+                </a:rPr>
+                <a:t>```{r my_plot}</a:t>
+              </a:r>
+            </a:p>
+            <a:p>
+              <a:r>
+                <a:rPr lang="en-US" dirty="0">
+                  <a:latin typeface="Courier New" panose="02070309020205020404" pitchFamily="49" charset="0"/>
+                  <a:cs typeface="Courier New" panose="02070309020205020404" pitchFamily="49" charset="0"/>
+                </a:rPr>
+                <a:t>plot( x, y )</a:t>
+              </a:r>
+            </a:p>
+            <a:p>
+              <a:r>
+                <a:rPr lang="en-US" dirty="0">
+                  <a:latin typeface="Courier New" panose="02070309020205020404" pitchFamily="49" charset="0"/>
+                  <a:cs typeface="Courier New" panose="02070309020205020404" pitchFamily="49" charset="0"/>
+                </a:rPr>
+                <a:t>```</a:t>
+              </a:r>
+            </a:p>
+            <a:p>
+              <a:endParaRPr lang="en-US" dirty="0">
+                <a:latin typeface="Courier New" panose="02070309020205020404" pitchFamily="49" charset="0"/>
+                <a:cs typeface="Courier New" panose="02070309020205020404" pitchFamily="49" charset="0"/>
+              </a:endParaRPr>
+            </a:p>
+          </p:txBody>
+        </p:sp>
+        <p:cxnSp>
+          <p:nvCxnSpPr>
+            <p:cNvPr id="3" name="Straight Arrow Connector 2">
+              <a:extLst>
+                <a:ext uri="{FF2B5EF4-FFF2-40B4-BE49-F238E27FC236}">
+                  <a16:creationId xmlns:a16="http://schemas.microsoft.com/office/drawing/2014/main" id="{3407FD36-AAE9-486A-BF64-C95FC8E67B67}"/>
+                </a:ext>
+              </a:extLst>
+            </p:cNvPr>
+            <p:cNvCxnSpPr>
+              <a:cxnSpLocks/>
+            </p:cNvCxnSpPr>
+            <p:nvPr/>
+          </p:nvCxnSpPr>
+          <p:spPr>
+            <a:xfrm flipH="1">
+              <a:off x="5499121" y="1663731"/>
+              <a:ext cx="986313" cy="0"/>
+            </a:xfrm>
+            <a:prstGeom prst="straightConnector1">
+              <a:avLst/>
+            </a:prstGeom>
+            <a:ln w="57150">
+              <a:tailEnd type="triangle"/>
+            </a:ln>
+          </p:spPr>
+          <p:style>
+            <a:lnRef idx="1">
+              <a:schemeClr val="accent1"/>
+            </a:lnRef>
+            <a:fillRef idx="0">
+              <a:schemeClr val="accent1"/>
+            </a:fillRef>
+            <a:effectRef idx="0">
+              <a:schemeClr val="accent1"/>
+            </a:effectRef>
+            <a:fontRef idx="minor">
+              <a:schemeClr val="tx1"/>
+            </a:fontRef>
+          </p:style>
+        </p:cxnSp>
+        <p:sp>
+          <p:nvSpPr>
+            <p:cNvPr id="4" name="TextBox 3">
+              <a:extLst>
+                <a:ext uri="{FF2B5EF4-FFF2-40B4-BE49-F238E27FC236}">
+                  <a16:creationId xmlns:a16="http://schemas.microsoft.com/office/drawing/2014/main" id="{C4F9FE0F-6741-4437-8375-3CDD9DC2C054}"/>
+                </a:ext>
+              </a:extLst>
+            </p:cNvPr>
+            <p:cNvSpPr txBox="1"/>
+            <p:nvPr/>
+          </p:nvSpPr>
+          <p:spPr>
+            <a:xfrm>
+              <a:off x="6837629" y="1180525"/>
+              <a:ext cx="3025124" cy="769441"/>
+            </a:xfrm>
+            <a:prstGeom prst="rect">
+              <a:avLst/>
+            </a:prstGeom>
+            <a:noFill/>
+          </p:spPr>
+          <p:txBody>
+            <a:bodyPr wrap="none" rtlCol="0">
+              <a:spAutoFit/>
+            </a:bodyPr>
+            <a:lstStyle/>
+            <a:p>
+              <a:r>
+                <a:rPr lang="en-US" sz="4400" dirty="0">
+                  <a:solidFill>
+                    <a:schemeClr val="accent1"/>
+                  </a:solidFill>
+                </a:rPr>
+                <a:t>yaml header</a:t>
+              </a:r>
+            </a:p>
+          </p:txBody>
+        </p:sp>
+        <p:cxnSp>
+          <p:nvCxnSpPr>
+            <p:cNvPr id="6" name="Straight Arrow Connector 5">
+              <a:extLst>
+                <a:ext uri="{FF2B5EF4-FFF2-40B4-BE49-F238E27FC236}">
+                  <a16:creationId xmlns:a16="http://schemas.microsoft.com/office/drawing/2014/main" id="{A8E54071-9786-48E1-BB7A-B58ED8EE3AF3}"/>
+                </a:ext>
+              </a:extLst>
+            </p:cNvPr>
+            <p:cNvCxnSpPr>
+              <a:cxnSpLocks/>
+            </p:cNvCxnSpPr>
+            <p:nvPr/>
+          </p:nvCxnSpPr>
+          <p:spPr>
+            <a:xfrm flipH="1">
+              <a:off x="5499121" y="3527485"/>
+              <a:ext cx="986313" cy="0"/>
+            </a:xfrm>
+            <a:prstGeom prst="straightConnector1">
+              <a:avLst/>
+            </a:prstGeom>
+            <a:ln w="57150">
+              <a:tailEnd type="triangle"/>
+            </a:ln>
+          </p:spPr>
+          <p:style>
+            <a:lnRef idx="1">
+              <a:schemeClr val="accent1"/>
+            </a:lnRef>
+            <a:fillRef idx="0">
+              <a:schemeClr val="accent1"/>
+            </a:fillRef>
+            <a:effectRef idx="0">
+              <a:schemeClr val="accent1"/>
+            </a:effectRef>
+            <a:fontRef idx="minor">
+              <a:schemeClr val="tx1"/>
+            </a:fontRef>
+          </p:style>
+        </p:cxnSp>
+        <p:sp>
+          <p:nvSpPr>
+            <p:cNvPr id="7" name="TextBox 6">
+              <a:extLst>
+                <a:ext uri="{FF2B5EF4-FFF2-40B4-BE49-F238E27FC236}">
+                  <a16:creationId xmlns:a16="http://schemas.microsoft.com/office/drawing/2014/main" id="{C6459FDC-31BF-4766-8630-6A92416DF887}"/>
+                </a:ext>
+              </a:extLst>
+            </p:cNvPr>
+            <p:cNvSpPr txBox="1"/>
+            <p:nvPr/>
+          </p:nvSpPr>
+          <p:spPr>
+            <a:xfrm>
+              <a:off x="6837629" y="3044279"/>
+              <a:ext cx="4907497" cy="1446550"/>
+            </a:xfrm>
+            <a:prstGeom prst="rect">
+              <a:avLst/>
+            </a:prstGeom>
+            <a:noFill/>
+          </p:spPr>
+          <p:txBody>
+            <a:bodyPr wrap="none" rtlCol="0">
+              <a:spAutoFit/>
+            </a:bodyPr>
+            <a:lstStyle/>
+            <a:p>
+              <a:r>
+                <a:rPr lang="en-US" sz="4400" dirty="0">
+                  <a:solidFill>
+                    <a:schemeClr val="accent1"/>
+                  </a:solidFill>
+                </a:rPr>
+                <a:t>always include these</a:t>
+              </a:r>
+              <a:br>
+                <a:rPr lang="en-US" sz="4400" dirty="0">
+                  <a:solidFill>
+                    <a:schemeClr val="accent1"/>
+                  </a:solidFill>
+                </a:rPr>
+              </a:br>
+              <a:r>
+                <a:rPr lang="en-US" sz="4400" dirty="0">
+                  <a:solidFill>
+                    <a:schemeClr val="accent1"/>
+                  </a:solidFill>
+                </a:rPr>
+                <a:t>in document setup</a:t>
+              </a:r>
+            </a:p>
+          </p:txBody>
+        </p:sp>
+      </p:grpSp>
+    </p:spTree>
+    <p:extLst>
+      <p:ext uri="{BB962C8B-B14F-4D97-AF65-F5344CB8AC3E}">
+        <p14:creationId xmlns:p14="http://schemas.microsoft.com/office/powerpoint/2010/main" val="2151489817"/>
+      </p:ext>
+    </p:extLst>
+  </p:cSld>
+  <p:clrMapOvr>
+    <a:masterClrMapping/>
+  </p:clrMapOvr>
+</p:sld>
+</file>
+
+<file path=ppt/slides/slide11.xml><?xml version="1.0" encoding="utf-8"?>
+<p:sld xmlns:a="http://schemas.openxmlformats.org/drawingml/2006/main" xmlns:r="http://schemas.openxmlformats.org/officeDocument/2006/relationships" xmlns:p="http://schemas.openxmlformats.org/presentationml/2006/main">
+  <p:cSld>
+    <p:spTree>
+      <p:nvGrpSpPr>
+        <p:cNvPr id="1" name=""/>
+        <p:cNvGrpSpPr/>
+        <p:nvPr/>
+      </p:nvGrpSpPr>
+      <p:grpSpPr>
+        <a:xfrm>
+          <a:off x="0" y="0"/>
+          <a:ext cx="0" cy="0"/>
+          <a:chOff x="0" y="0"/>
+          <a:chExt cx="0" cy="0"/>
+        </a:xfrm>
+      </p:grpSpPr>
+      <p:sp>
+        <p:nvSpPr>
+          <p:cNvPr id="2" name="Rectangle 1">
+            <a:extLst>
+              <a:ext uri="{FF2B5EF4-FFF2-40B4-BE49-F238E27FC236}">
+                <a16:creationId xmlns:a16="http://schemas.microsoft.com/office/drawing/2014/main" id="{DFFE11A8-9E50-4EFC-9ACE-16C4F7DF96E4}"/>
+              </a:ext>
+            </a:extLst>
+          </p:cNvPr>
+          <p:cNvSpPr/>
+          <p:nvPr/>
+        </p:nvSpPr>
+        <p:spPr>
+          <a:xfrm>
+            <a:off x="1772873" y="169038"/>
+            <a:ext cx="6096000" cy="5909310"/>
+          </a:xfrm>
+          <a:prstGeom prst="rect">
+            <a:avLst/>
+          </a:prstGeom>
+        </p:spPr>
+        <p:txBody>
+          <a:bodyPr>
+            <a:spAutoFit/>
+          </a:bodyPr>
+          <a:lstStyle/>
+          <a:p>
+            <a:r>
+              <a:rPr lang="en-US" dirty="0">
+                <a:latin typeface="Courier New" panose="02070309020205020404" pitchFamily="49" charset="0"/>
+                <a:cs typeface="Courier New" panose="02070309020205020404" pitchFamily="49" charset="0"/>
+              </a:rPr>
+              <a:t>---</a:t>
+            </a:r>
+          </a:p>
+          <a:p>
+            <a:r>
+              <a:rPr lang="en-US" dirty="0">
+                <a:latin typeface="Courier New" panose="02070309020205020404" pitchFamily="49" charset="0"/>
+                <a:cs typeface="Courier New" panose="02070309020205020404" pitchFamily="49" charset="0"/>
+              </a:rPr>
+              <a:t>title: "Markdown Document Overview"</a:t>
+            </a:r>
+          </a:p>
+          <a:p>
+            <a:r>
+              <a:rPr lang="en-US" dirty="0">
+                <a:latin typeface="Courier New" panose="02070309020205020404" pitchFamily="49" charset="0"/>
+                <a:cs typeface="Courier New" panose="02070309020205020404" pitchFamily="49" charset="0"/>
+              </a:rPr>
+              <a:t>output: </a:t>
+            </a:r>
+            <a:r>
+              <a:rPr lang="en-US" dirty="0" err="1">
+                <a:latin typeface="Courier New" panose="02070309020205020404" pitchFamily="49" charset="0"/>
+                <a:cs typeface="Courier New" panose="02070309020205020404" pitchFamily="49" charset="0"/>
+              </a:rPr>
+              <a:t>html_document</a:t>
+            </a:r>
+            <a:r>
+              <a:rPr lang="en-US" dirty="0">
+                <a:latin typeface="Courier New" panose="02070309020205020404" pitchFamily="49" charset="0"/>
+                <a:cs typeface="Courier New" panose="02070309020205020404" pitchFamily="49" charset="0"/>
+              </a:rPr>
+              <a:t>:</a:t>
+            </a:r>
+          </a:p>
+          <a:p>
+            <a:r>
+              <a:rPr lang="en-US" dirty="0">
+                <a:latin typeface="Courier New" panose="02070309020205020404" pitchFamily="49" charset="0"/>
+                <a:cs typeface="Courier New" panose="02070309020205020404" pitchFamily="49" charset="0"/>
+              </a:rPr>
+              <a:t>---</a:t>
+            </a:r>
+          </a:p>
+          <a:p>
+            <a:endParaRPr lang="en-US" dirty="0">
+              <a:latin typeface="Courier New" panose="02070309020205020404" pitchFamily="49" charset="0"/>
+              <a:cs typeface="Courier New" panose="02070309020205020404" pitchFamily="49" charset="0"/>
+            </a:endParaRPr>
+          </a:p>
+          <a:p>
+            <a:r>
+              <a:rPr lang="en-US" dirty="0">
+                <a:latin typeface="Courier New" panose="02070309020205020404" pitchFamily="49" charset="0"/>
+                <a:cs typeface="Courier New" panose="02070309020205020404" pitchFamily="49" charset="0"/>
+              </a:rPr>
+              <a:t># Setup</a:t>
+            </a:r>
+          </a:p>
+          <a:p>
+            <a:endParaRPr lang="en-US" dirty="0">
+              <a:latin typeface="Courier New" panose="02070309020205020404" pitchFamily="49" charset="0"/>
+              <a:cs typeface="Courier New" panose="02070309020205020404" pitchFamily="49" charset="0"/>
+            </a:endParaRPr>
+          </a:p>
+          <a:p>
+            <a:pPr marL="285750" indent="-285750">
+              <a:buFont typeface="Arial" panose="020B0604020202020204" pitchFamily="34" charset="0"/>
+              <a:buChar char="•"/>
+            </a:pPr>
+            <a:r>
+              <a:rPr lang="en-US" dirty="0">
+                <a:latin typeface="Courier New" panose="02070309020205020404" pitchFamily="49" charset="0"/>
+                <a:cs typeface="Courier New" panose="02070309020205020404" pitchFamily="49" charset="0"/>
+              </a:rPr>
+              <a:t>Set global options</a:t>
+            </a:r>
+          </a:p>
+          <a:p>
+            <a:pPr marL="285750" indent="-285750">
+              <a:buFont typeface="Arial" panose="020B0604020202020204" pitchFamily="34" charset="0"/>
+              <a:buChar char="•"/>
+            </a:pPr>
+            <a:r>
+              <a:rPr lang="en-US" dirty="0">
+                <a:latin typeface="Courier New" panose="02070309020205020404" pitchFamily="49" charset="0"/>
+                <a:cs typeface="Courier New" panose="02070309020205020404" pitchFamily="49" charset="0"/>
+              </a:rPr>
+              <a:t>Load packages</a:t>
+            </a:r>
+          </a:p>
+          <a:p>
+            <a:pPr marL="285750" indent="-285750">
+              <a:buFont typeface="Arial" panose="020B0604020202020204" pitchFamily="34" charset="0"/>
+              <a:buChar char="•"/>
+            </a:pPr>
+            <a:r>
+              <a:rPr lang="en-US" dirty="0">
+                <a:latin typeface="Courier New" panose="02070309020205020404" pitchFamily="49" charset="0"/>
+                <a:cs typeface="Courier New" panose="02070309020205020404" pitchFamily="49" charset="0"/>
+              </a:rPr>
+              <a:t>Load data</a:t>
+            </a:r>
+          </a:p>
+          <a:p>
+            <a:pPr marL="285750" indent="-285750">
+              <a:buFont typeface="Arial" panose="020B0604020202020204" pitchFamily="34" charset="0"/>
+              <a:buChar char="•"/>
+            </a:pPr>
+            <a:endParaRPr lang="en-US" dirty="0">
+              <a:latin typeface="Courier New" panose="02070309020205020404" pitchFamily="49" charset="0"/>
+              <a:cs typeface="Courier New" panose="02070309020205020404" pitchFamily="49" charset="0"/>
+            </a:endParaRPr>
+          </a:p>
+          <a:p>
+            <a:r>
+              <a:rPr lang="en-US" dirty="0">
+                <a:latin typeface="Courier New" panose="02070309020205020404" pitchFamily="49" charset="0"/>
+                <a:cs typeface="Courier New" panose="02070309020205020404" pitchFamily="49" charset="0"/>
+              </a:rPr>
+              <a:t># Your Work Here</a:t>
+            </a:r>
+          </a:p>
+          <a:p>
+            <a:endParaRPr lang="en-US" dirty="0">
+              <a:latin typeface="Courier New" panose="02070309020205020404" pitchFamily="49" charset="0"/>
+              <a:cs typeface="Courier New" panose="02070309020205020404" pitchFamily="49" charset="0"/>
+            </a:endParaRPr>
+          </a:p>
+          <a:p>
+            <a:endParaRPr lang="en-US" dirty="0">
+              <a:latin typeface="Courier New" panose="02070309020205020404" pitchFamily="49" charset="0"/>
+              <a:cs typeface="Courier New" panose="02070309020205020404" pitchFamily="49" charset="0"/>
+            </a:endParaRPr>
+          </a:p>
+          <a:p>
+            <a:r>
+              <a:rPr lang="en-US" dirty="0">
+                <a:latin typeface="Courier New" panose="02070309020205020404" pitchFamily="49" charset="0"/>
+                <a:cs typeface="Courier New" panose="02070309020205020404" pitchFamily="49" charset="0"/>
+              </a:rPr>
+              <a:t>```{</a:t>
+            </a:r>
+            <a:r>
+              <a:rPr lang="en-US" dirty="0" err="1">
+                <a:latin typeface="Courier New" panose="02070309020205020404" pitchFamily="49" charset="0"/>
+                <a:cs typeface="Courier New" panose="02070309020205020404" pitchFamily="49" charset="0"/>
+              </a:rPr>
+              <a:t>css</a:t>
+            </a:r>
+            <a:r>
+              <a:rPr lang="en-US" dirty="0">
+                <a:latin typeface="Courier New" panose="02070309020205020404" pitchFamily="49" charset="0"/>
+                <a:cs typeface="Courier New" panose="02070309020205020404" pitchFamily="49" charset="0"/>
+              </a:rPr>
+              <a:t>, echo=F}</a:t>
+            </a:r>
+          </a:p>
+          <a:p>
+            <a:r>
+              <a:rPr lang="en-US" dirty="0">
+                <a:latin typeface="Courier New" panose="02070309020205020404" pitchFamily="49" charset="0"/>
+                <a:cs typeface="Courier New" panose="02070309020205020404" pitchFamily="49" charset="0"/>
+              </a:rPr>
+              <a:t>table</a:t>
+            </a:r>
+          </a:p>
+          <a:p>
+            <a:r>
+              <a:rPr lang="en-US" dirty="0">
+                <a:latin typeface="Courier New" panose="02070309020205020404" pitchFamily="49" charset="0"/>
+                <a:cs typeface="Courier New" panose="02070309020205020404" pitchFamily="49" charset="0"/>
+              </a:rPr>
+              <a:t>{ </a:t>
+            </a:r>
+          </a:p>
+          <a:p>
+            <a:r>
+              <a:rPr lang="en-US" dirty="0">
+                <a:latin typeface="Courier New" panose="02070309020205020404" pitchFamily="49" charset="0"/>
+                <a:cs typeface="Courier New" panose="02070309020205020404" pitchFamily="49" charset="0"/>
+              </a:rPr>
+              <a:t>    margin-top:60px;</a:t>
+            </a:r>
+          </a:p>
+          <a:p>
+            <a:r>
+              <a:rPr lang="en-US" dirty="0">
+                <a:latin typeface="Courier New" panose="02070309020205020404" pitchFamily="49" charset="0"/>
+                <a:cs typeface="Courier New" panose="02070309020205020404" pitchFamily="49" charset="0"/>
+              </a:rPr>
+              <a:t>    margin-bottom:60px;</a:t>
+            </a:r>
+          </a:p>
+          <a:p>
+            <a:r>
+              <a:rPr lang="en-US" dirty="0">
+                <a:latin typeface="Courier New" panose="02070309020205020404" pitchFamily="49" charset="0"/>
+                <a:cs typeface="Courier New" panose="02070309020205020404" pitchFamily="49" charset="0"/>
+              </a:rPr>
+              <a:t>}</a:t>
+            </a:r>
+          </a:p>
+          <a:p>
+            <a:r>
+              <a:rPr lang="en-US" dirty="0">
+                <a:latin typeface="Courier New" panose="02070309020205020404" pitchFamily="49" charset="0"/>
+                <a:cs typeface="Courier New" panose="02070309020205020404" pitchFamily="49" charset="0"/>
+              </a:rPr>
+              <a:t>```</a:t>
+            </a:r>
+          </a:p>
+        </p:txBody>
+      </p:sp>
+    </p:spTree>
+    <p:extLst>
+      <p:ext uri="{BB962C8B-B14F-4D97-AF65-F5344CB8AC3E}">
+        <p14:creationId xmlns:p14="http://schemas.microsoft.com/office/powerpoint/2010/main" val="3986940796"/>
       </p:ext>
     </p:extLst>
   </p:cSld>
@@ -8207,6 +8902,89 @@
 </p:sld>
 </file>
 
+<file path=ppt/slides/slide9.xml><?xml version="1.0" encoding="utf-8"?>
+<p:sld xmlns:a="http://schemas.openxmlformats.org/drawingml/2006/main" xmlns:r="http://schemas.openxmlformats.org/officeDocument/2006/relationships" xmlns:p="http://schemas.openxmlformats.org/presentationml/2006/main">
+  <p:cSld>
+    <p:spTree>
+      <p:nvGrpSpPr>
+        <p:cNvPr id="1" name=""/>
+        <p:cNvGrpSpPr/>
+        <p:nvPr/>
+      </p:nvGrpSpPr>
+      <p:grpSpPr>
+        <a:xfrm>
+          <a:off x="0" y="0"/>
+          <a:ext cx="0" cy="0"/>
+          <a:chOff x="0" y="0"/>
+          <a:chExt cx="0" cy="0"/>
+        </a:xfrm>
+      </p:grpSpPr>
+      <p:sp>
+        <p:nvSpPr>
+          <p:cNvPr id="2" name="Title 1">
+            <a:extLst>
+              <a:ext uri="{FF2B5EF4-FFF2-40B4-BE49-F238E27FC236}">
+                <a16:creationId xmlns:a16="http://schemas.microsoft.com/office/drawing/2014/main" id="{87A4B904-7F30-4667-9F12-CF03DEAA33AE}"/>
+              </a:ext>
+            </a:extLst>
+          </p:cNvPr>
+          <p:cNvSpPr>
+            <a:spLocks noGrp="1"/>
+          </p:cNvSpPr>
+          <p:nvPr>
+            <p:ph type="title"/>
+          </p:nvPr>
+        </p:nvSpPr>
+        <p:spPr/>
+        <p:txBody>
+          <a:bodyPr/>
+          <a:lstStyle/>
+          <a:p>
+            <a:r>
+              <a:rPr lang="en-US" dirty="0"/>
+              <a:t>R Markdown Settings</a:t>
+            </a:r>
+          </a:p>
+        </p:txBody>
+      </p:sp>
+      <p:sp>
+        <p:nvSpPr>
+          <p:cNvPr id="3" name="Text Placeholder 2">
+            <a:extLst>
+              <a:ext uri="{FF2B5EF4-FFF2-40B4-BE49-F238E27FC236}">
+                <a16:creationId xmlns:a16="http://schemas.microsoft.com/office/drawing/2014/main" id="{30ED00EB-F014-4702-A0CB-D15D70EDC750}"/>
+              </a:ext>
+            </a:extLst>
+          </p:cNvPr>
+          <p:cNvSpPr>
+            <a:spLocks noGrp="1"/>
+          </p:cNvSpPr>
+          <p:nvPr>
+            <p:ph type="body" idx="1"/>
+          </p:nvPr>
+        </p:nvSpPr>
+        <p:spPr/>
+        <p:txBody>
+          <a:bodyPr/>
+          <a:lstStyle/>
+          <a:p>
+            <a:endParaRPr lang="en-US"/>
+          </a:p>
+        </p:txBody>
+      </p:sp>
+    </p:spTree>
+    <p:extLst>
+      <p:ext uri="{BB962C8B-B14F-4D97-AF65-F5344CB8AC3E}">
+        <p14:creationId xmlns:p14="http://schemas.microsoft.com/office/powerpoint/2010/main" val="182200794"/>
+      </p:ext>
+    </p:extLst>
+  </p:cSld>
+  <p:clrMapOvr>
+    <a:masterClrMapping/>
+  </p:clrMapOvr>
+</p:sld>
+</file>
+
 <file path=ppt/theme/theme1.xml><?xml version="1.0" encoding="utf-8"?>
 <a:theme xmlns:a="http://schemas.openxmlformats.org/drawingml/2006/main" name="Office Theme">
   <a:themeElements>

--- a/TEXTBOOK/figures/figures.pptx
+++ b/TEXTBOOK/figures/figures.pptx
@@ -4504,10 +4504,10 @@
         </p:nvGrpSpPr>
         <p:grpSpPr>
           <a:xfrm>
-            <a:off x="1147308" y="528403"/>
-            <a:ext cx="10010279" cy="4760124"/>
+            <a:off x="463127" y="318678"/>
+            <a:ext cx="11265745" cy="5920832"/>
             <a:chOff x="1147308" y="528403"/>
-            <a:chExt cx="10010279" cy="4760124"/>
+            <a:chExt cx="11265745" cy="5920832"/>
           </a:xfrm>
         </p:grpSpPr>
         <p:sp>
@@ -4525,7 +4525,7 @@
           <p:spPr>
             <a:xfrm>
               <a:off x="1147308" y="1872207"/>
-              <a:ext cx="7189789" cy="3416320"/>
+              <a:ext cx="8480207" cy="3416320"/>
             </a:xfrm>
             <a:prstGeom prst="rect">
               <a:avLst/>
@@ -4541,11 +4541,18 @@
             <a:lstStyle/>
             <a:p>
               <a:r>
+                <a:rPr lang="en-US" sz="2400" dirty="0" err="1">
+                  <a:latin typeface="Courier New" panose="02070309020205020404" pitchFamily="49" charset="0"/>
+                  <a:cs typeface="Courier New" panose="02070309020205020404" pitchFamily="49" charset="0"/>
+                </a:rPr>
+                <a:t>makeCookies</a:t>
+              </a:r>
+              <a:r>
                 <a:rPr lang="en-US" sz="2400" dirty="0">
                   <a:latin typeface="Courier New" panose="02070309020205020404" pitchFamily="49" charset="0"/>
                   <a:cs typeface="Courier New" panose="02070309020205020404" pitchFamily="49" charset="0"/>
                 </a:rPr>
-                <a:t>function( flour, eggs, sugar )</a:t>
+                <a:t> &lt;- function( flour, eggs, sugar )</a:t>
               </a:r>
             </a:p>
             <a:p>
@@ -4629,7 +4636,7 @@
           </p:nvCxnSpPr>
           <p:spPr>
             <a:xfrm>
-              <a:off x="4673086" y="1297844"/>
+              <a:off x="7256898" y="1297844"/>
               <a:ext cx="0" cy="416689"/>
             </a:xfrm>
             <a:prstGeom prst="straightConnector1">
@@ -4668,8 +4675,8 @@
           </p:nvSpPr>
           <p:spPr>
             <a:xfrm>
-              <a:off x="3463524" y="528403"/>
-              <a:ext cx="2640338" cy="769441"/>
+              <a:off x="6047336" y="528403"/>
+              <a:ext cx="6365717" cy="769441"/>
             </a:xfrm>
             <a:prstGeom prst="rect">
               <a:avLst/>
@@ -4688,7 +4695,7 @@
                     <a:schemeClr val="accent1"/>
                   </a:solidFill>
                 </a:rPr>
-                <a:t>arguments</a:t>
+                <a:t>arguments (function input)</a:t>
               </a:r>
             </a:p>
           </p:txBody>
@@ -4710,8 +4717,8 @@
           </p:nvCxnSpPr>
           <p:spPr>
             <a:xfrm flipH="1" flipV="1">
-              <a:off x="6451600" y="4455160"/>
-              <a:ext cx="2172943" cy="251405"/>
+              <a:off x="3830053" y="4588778"/>
+              <a:ext cx="1000849" cy="1475737"/>
             </a:xfrm>
             <a:prstGeom prst="straightConnector1">
               <a:avLst/>
@@ -4749,8 +4756,8 @@
           </p:nvSpPr>
           <p:spPr>
             <a:xfrm>
-              <a:off x="8624543" y="4321844"/>
-              <a:ext cx="1631344" cy="769441"/>
+              <a:off x="4830902" y="5679794"/>
+              <a:ext cx="7066871" cy="769441"/>
             </a:xfrm>
             <a:prstGeom prst="rect">
               <a:avLst/>
@@ -4769,7 +4776,7 @@
                     <a:schemeClr val="accent1"/>
                   </a:solidFill>
                 </a:rPr>
-                <a:t>return</a:t>
+                <a:t>return value (function output)</a:t>
               </a:r>
             </a:p>
           </p:txBody>
@@ -4874,7 +4881,7 @@
           </p:nvCxnSpPr>
           <p:spPr>
             <a:xfrm>
-              <a:off x="3723126" y="1297844"/>
+              <a:off x="6306938" y="1297844"/>
               <a:ext cx="0" cy="416689"/>
             </a:xfrm>
             <a:prstGeom prst="straightConnector1">
@@ -4915,7 +4922,7 @@
           </p:nvCxnSpPr>
           <p:spPr>
             <a:xfrm>
-              <a:off x="5780526" y="1297844"/>
+              <a:off x="8364338" y="1297844"/>
               <a:ext cx="0" cy="416689"/>
             </a:xfrm>
             <a:prstGeom prst="straightConnector1">

--- a/TEXTBOOK/figures/figures.pptx
+++ b/TEXTBOOK/figures/figures.pptx
@@ -16,6 +16,10 @@
     <p:sldId id="267" r:id="rId10"/>
     <p:sldId id="265" r:id="rId11"/>
     <p:sldId id="266" r:id="rId12"/>
+    <p:sldId id="269" r:id="rId13"/>
+    <p:sldId id="270" r:id="rId14"/>
+    <p:sldId id="271" r:id="rId15"/>
+    <p:sldId id="268" r:id="rId16"/>
   </p:sldIdLst>
   <p:sldSz cx="12192000" cy="6858000"/>
   <p:notesSz cx="6858000" cy="9144000"/>
@@ -269,7 +273,7 @@
           <a:p>
             <a:fld id="{38FE5E9D-AE82-4CD7-95FF-A719BBDC69C0}" type="datetimeFigureOut">
               <a:rPr lang="en-US" smtClean="0"/>
-              <a:t>8/25/2018</a:t>
+              <a:t>8/28/2018</a:t>
             </a:fld>
             <a:endParaRPr lang="en-US"/>
           </a:p>
@@ -467,7 +471,7 @@
           <a:p>
             <a:fld id="{38FE5E9D-AE82-4CD7-95FF-A719BBDC69C0}" type="datetimeFigureOut">
               <a:rPr lang="en-US" smtClean="0"/>
-              <a:t>8/25/2018</a:t>
+              <a:t>8/28/2018</a:t>
             </a:fld>
             <a:endParaRPr lang="en-US"/>
           </a:p>
@@ -675,7 +679,7 @@
           <a:p>
             <a:fld id="{38FE5E9D-AE82-4CD7-95FF-A719BBDC69C0}" type="datetimeFigureOut">
               <a:rPr lang="en-US" smtClean="0"/>
-              <a:t>8/25/2018</a:t>
+              <a:t>8/28/2018</a:t>
             </a:fld>
             <a:endParaRPr lang="en-US"/>
           </a:p>
@@ -873,7 +877,7 @@
           <a:p>
             <a:fld id="{38FE5E9D-AE82-4CD7-95FF-A719BBDC69C0}" type="datetimeFigureOut">
               <a:rPr lang="en-US" smtClean="0"/>
-              <a:t>8/25/2018</a:t>
+              <a:t>8/28/2018</a:t>
             </a:fld>
             <a:endParaRPr lang="en-US"/>
           </a:p>
@@ -1148,7 +1152,7 @@
           <a:p>
             <a:fld id="{38FE5E9D-AE82-4CD7-95FF-A719BBDC69C0}" type="datetimeFigureOut">
               <a:rPr lang="en-US" smtClean="0"/>
-              <a:t>8/25/2018</a:t>
+              <a:t>8/28/2018</a:t>
             </a:fld>
             <a:endParaRPr lang="en-US"/>
           </a:p>
@@ -1413,7 +1417,7 @@
           <a:p>
             <a:fld id="{38FE5E9D-AE82-4CD7-95FF-A719BBDC69C0}" type="datetimeFigureOut">
               <a:rPr lang="en-US" smtClean="0"/>
-              <a:t>8/25/2018</a:t>
+              <a:t>8/28/2018</a:t>
             </a:fld>
             <a:endParaRPr lang="en-US"/>
           </a:p>
@@ -1825,7 +1829,7 @@
           <a:p>
             <a:fld id="{38FE5E9D-AE82-4CD7-95FF-A719BBDC69C0}" type="datetimeFigureOut">
               <a:rPr lang="en-US" smtClean="0"/>
-              <a:t>8/25/2018</a:t>
+              <a:t>8/28/2018</a:t>
             </a:fld>
             <a:endParaRPr lang="en-US"/>
           </a:p>
@@ -1966,7 +1970,7 @@
           <a:p>
             <a:fld id="{38FE5E9D-AE82-4CD7-95FF-A719BBDC69C0}" type="datetimeFigureOut">
               <a:rPr lang="en-US" smtClean="0"/>
-              <a:t>8/25/2018</a:t>
+              <a:t>8/28/2018</a:t>
             </a:fld>
             <a:endParaRPr lang="en-US"/>
           </a:p>
@@ -2079,7 +2083,7 @@
           <a:p>
             <a:fld id="{38FE5E9D-AE82-4CD7-95FF-A719BBDC69C0}" type="datetimeFigureOut">
               <a:rPr lang="en-US" smtClean="0"/>
-              <a:t>8/25/2018</a:t>
+              <a:t>8/28/2018</a:t>
             </a:fld>
             <a:endParaRPr lang="en-US"/>
           </a:p>
@@ -2390,7 +2394,7 @@
           <a:p>
             <a:fld id="{38FE5E9D-AE82-4CD7-95FF-A719BBDC69C0}" type="datetimeFigureOut">
               <a:rPr lang="en-US" smtClean="0"/>
-              <a:t>8/25/2018</a:t>
+              <a:t>8/28/2018</a:t>
             </a:fld>
             <a:endParaRPr lang="en-US"/>
           </a:p>
@@ -2678,7 +2682,7 @@
           <a:p>
             <a:fld id="{38FE5E9D-AE82-4CD7-95FF-A719BBDC69C0}" type="datetimeFigureOut">
               <a:rPr lang="en-US" smtClean="0"/>
-              <a:t>8/25/2018</a:t>
+              <a:t>8/28/2018</a:t>
             </a:fld>
             <a:endParaRPr lang="en-US"/>
           </a:p>
@@ -2919,7 +2923,7 @@
           <a:p>
             <a:fld id="{38FE5E9D-AE82-4CD7-95FF-A719BBDC69C0}" type="datetimeFigureOut">
               <a:rPr lang="en-US" smtClean="0"/>
-              <a:t>8/25/2018</a:t>
+              <a:t>8/28/2018</a:t>
             </a:fld>
             <a:endParaRPr lang="en-US"/>
           </a:p>
@@ -4085,6 +4089,895 @@
     <p:extLst>
       <p:ext uri="{BB962C8B-B14F-4D97-AF65-F5344CB8AC3E}">
         <p14:creationId xmlns:p14="http://schemas.microsoft.com/office/powerpoint/2010/main" val="3986940796"/>
+      </p:ext>
+    </p:extLst>
+  </p:cSld>
+  <p:clrMapOvr>
+    <a:masterClrMapping/>
+  </p:clrMapOvr>
+</p:sld>
+</file>
+
+<file path=ppt/slides/slide12.xml><?xml version="1.0" encoding="utf-8"?>
+<p:sld xmlns:a="http://schemas.openxmlformats.org/drawingml/2006/main" xmlns:r="http://schemas.openxmlformats.org/officeDocument/2006/relationships" xmlns:p="http://schemas.openxmlformats.org/presentationml/2006/main">
+  <p:cSld>
+    <p:spTree>
+      <p:nvGrpSpPr>
+        <p:cNvPr id="1" name=""/>
+        <p:cNvGrpSpPr/>
+        <p:nvPr/>
+      </p:nvGrpSpPr>
+      <p:grpSpPr>
+        <a:xfrm>
+          <a:off x="0" y="0"/>
+          <a:ext cx="0" cy="0"/>
+          <a:chOff x="0" y="0"/>
+          <a:chExt cx="0" cy="0"/>
+        </a:xfrm>
+      </p:grpSpPr>
+      <p:grpSp>
+        <p:nvGrpSpPr>
+          <p:cNvPr id="10" name="Group 9">
+            <a:extLst>
+              <a:ext uri="{FF2B5EF4-FFF2-40B4-BE49-F238E27FC236}">
+                <a16:creationId xmlns:a16="http://schemas.microsoft.com/office/drawing/2014/main" id="{BB0D6EE1-BEC0-4D88-8FDF-472F019CD7C0}"/>
+              </a:ext>
+            </a:extLst>
+          </p:cNvPr>
+          <p:cNvGrpSpPr/>
+          <p:nvPr/>
+        </p:nvGrpSpPr>
+        <p:grpSpPr>
+          <a:xfrm>
+            <a:off x="2461120" y="225232"/>
+            <a:ext cx="6934200" cy="6397875"/>
+            <a:chOff x="2461120" y="225232"/>
+            <a:chExt cx="6934200" cy="6397875"/>
+          </a:xfrm>
+        </p:grpSpPr>
+        <p:sp>
+          <p:nvSpPr>
+            <p:cNvPr id="2" name="Oval 1">
+              <a:extLst>
+                <a:ext uri="{FF2B5EF4-FFF2-40B4-BE49-F238E27FC236}">
+                  <a16:creationId xmlns:a16="http://schemas.microsoft.com/office/drawing/2014/main" id="{125A9120-8340-410F-9D58-C6E4114E3CF8}"/>
+                </a:ext>
+              </a:extLst>
+            </p:cNvPr>
+            <p:cNvSpPr/>
+            <p:nvPr/>
+          </p:nvSpPr>
+          <p:spPr>
+            <a:xfrm>
+              <a:off x="4636386" y="234893"/>
+              <a:ext cx="1359016" cy="1359015"/>
+            </a:xfrm>
+            <a:prstGeom prst="ellipse">
+              <a:avLst/>
+            </a:prstGeom>
+            <a:noFill/>
+            <a:ln w="25400"/>
+          </p:spPr>
+          <p:style>
+            <a:lnRef idx="2">
+              <a:schemeClr val="accent1">
+                <a:shade val="50000"/>
+              </a:schemeClr>
+            </a:lnRef>
+            <a:fillRef idx="1">
+              <a:schemeClr val="accent1"/>
+            </a:fillRef>
+            <a:effectRef idx="0">
+              <a:schemeClr val="accent1"/>
+            </a:effectRef>
+            <a:fontRef idx="minor">
+              <a:schemeClr val="lt1"/>
+            </a:fontRef>
+          </p:style>
+          <p:txBody>
+            <a:bodyPr rtlCol="0" anchor="ctr"/>
+            <a:lstStyle/>
+            <a:p>
+              <a:pPr algn="ctr"/>
+              <a:endParaRPr lang="en-US"/>
+            </a:p>
+          </p:txBody>
+        </p:sp>
+        <p:sp>
+          <p:nvSpPr>
+            <p:cNvPr id="4" name="Oval 3">
+              <a:extLst>
+                <a:ext uri="{FF2B5EF4-FFF2-40B4-BE49-F238E27FC236}">
+                  <a16:creationId xmlns:a16="http://schemas.microsoft.com/office/drawing/2014/main" id="{A580E60A-97C4-4153-9DCA-4294E0A1FE9C}"/>
+                </a:ext>
+              </a:extLst>
+            </p:cNvPr>
+            <p:cNvSpPr/>
+            <p:nvPr/>
+          </p:nvSpPr>
+          <p:spPr>
+            <a:xfrm>
+              <a:off x="5223545" y="234892"/>
+              <a:ext cx="1359016" cy="1359015"/>
+            </a:xfrm>
+            <a:prstGeom prst="ellipse">
+              <a:avLst/>
+            </a:prstGeom>
+            <a:noFill/>
+            <a:ln w="25400"/>
+          </p:spPr>
+          <p:style>
+            <a:lnRef idx="2">
+              <a:schemeClr val="accent1">
+                <a:shade val="50000"/>
+              </a:schemeClr>
+            </a:lnRef>
+            <a:fillRef idx="1">
+              <a:schemeClr val="accent1"/>
+            </a:fillRef>
+            <a:effectRef idx="0">
+              <a:schemeClr val="accent1"/>
+            </a:effectRef>
+            <a:fontRef idx="minor">
+              <a:schemeClr val="lt1"/>
+            </a:fontRef>
+          </p:style>
+          <p:txBody>
+            <a:bodyPr rtlCol="0" anchor="ctr"/>
+            <a:lstStyle/>
+            <a:p>
+              <a:pPr algn="ctr"/>
+              <a:endParaRPr lang="en-US"/>
+            </a:p>
+          </p:txBody>
+        </p:sp>
+        <p:sp>
+          <p:nvSpPr>
+            <p:cNvPr id="3" name="TextBox 2">
+              <a:extLst>
+                <a:ext uri="{FF2B5EF4-FFF2-40B4-BE49-F238E27FC236}">
+                  <a16:creationId xmlns:a16="http://schemas.microsoft.com/office/drawing/2014/main" id="{A1F0F481-219F-453B-982F-3D4F06234BC2}"/>
+                </a:ext>
+              </a:extLst>
+            </p:cNvPr>
+            <p:cNvSpPr txBox="1"/>
+            <p:nvPr/>
+          </p:nvSpPr>
+          <p:spPr>
+            <a:xfrm>
+              <a:off x="4155234" y="225232"/>
+              <a:ext cx="516488" cy="646331"/>
+            </a:xfrm>
+            <a:prstGeom prst="rect">
+              <a:avLst/>
+            </a:prstGeom>
+            <a:noFill/>
+          </p:spPr>
+          <p:txBody>
+            <a:bodyPr wrap="none" rtlCol="0">
+              <a:spAutoFit/>
+            </a:bodyPr>
+            <a:lstStyle/>
+            <a:p>
+              <a:r>
+                <a:rPr lang="en-US" sz="3600" dirty="0">
+                  <a:solidFill>
+                    <a:srgbClr val="41719C"/>
+                  </a:solidFill>
+                  <a:latin typeface="Bahnschrift Light" panose="020B0502040204020203" pitchFamily="34" charset="0"/>
+                </a:rPr>
+                <a:t>x</a:t>
+              </a:r>
+              <a:r>
+                <a:rPr lang="en-US" sz="3200" dirty="0"/>
+                <a:t> </a:t>
+              </a:r>
+            </a:p>
+          </p:txBody>
+        </p:sp>
+        <p:sp>
+          <p:nvSpPr>
+            <p:cNvPr id="6" name="TextBox 5">
+              <a:extLst>
+                <a:ext uri="{FF2B5EF4-FFF2-40B4-BE49-F238E27FC236}">
+                  <a16:creationId xmlns:a16="http://schemas.microsoft.com/office/drawing/2014/main" id="{09890D84-BE8B-4347-A362-29F7B5B6F19F}"/>
+                </a:ext>
+              </a:extLst>
+            </p:cNvPr>
+            <p:cNvSpPr txBox="1"/>
+            <p:nvPr/>
+          </p:nvSpPr>
+          <p:spPr>
+            <a:xfrm>
+              <a:off x="6717390" y="225232"/>
+              <a:ext cx="383438" cy="584775"/>
+            </a:xfrm>
+            <a:prstGeom prst="rect">
+              <a:avLst/>
+            </a:prstGeom>
+            <a:noFill/>
+          </p:spPr>
+          <p:txBody>
+            <a:bodyPr wrap="none" rtlCol="0">
+              <a:spAutoFit/>
+            </a:bodyPr>
+            <a:lstStyle/>
+            <a:p>
+              <a:r>
+                <a:rPr lang="en-US" sz="3200" dirty="0">
+                  <a:solidFill>
+                    <a:srgbClr val="41719C"/>
+                  </a:solidFill>
+                  <a:latin typeface="Bahnschrift Light" panose="020B0502040204020203" pitchFamily="34" charset="0"/>
+                </a:rPr>
+                <a:t>y</a:t>
+              </a:r>
+            </a:p>
+          </p:txBody>
+        </p:sp>
+        <p:pic>
+          <p:nvPicPr>
+            <p:cNvPr id="9" name="Picture 8">
+              <a:extLst>
+                <a:ext uri="{FF2B5EF4-FFF2-40B4-BE49-F238E27FC236}">
+                  <a16:creationId xmlns:a16="http://schemas.microsoft.com/office/drawing/2014/main" id="{D8410EF1-C6C6-4F85-A931-95CBB27B00AC}"/>
+                </a:ext>
+              </a:extLst>
+            </p:cNvPr>
+            <p:cNvPicPr>
+              <a:picLocks noChangeAspect="1"/>
+            </p:cNvPicPr>
+            <p:nvPr/>
+          </p:nvPicPr>
+          <p:blipFill>
+            <a:blip r:embed="rId2"/>
+            <a:stretch>
+              <a:fillRect/>
+            </a:stretch>
+          </p:blipFill>
+          <p:spPr>
+            <a:xfrm>
+              <a:off x="2461120" y="2022532"/>
+              <a:ext cx="6934200" cy="4600575"/>
+            </a:xfrm>
+            <a:prstGeom prst="rect">
+              <a:avLst/>
+            </a:prstGeom>
+          </p:spPr>
+        </p:pic>
+      </p:grpSp>
+    </p:spTree>
+    <p:extLst>
+      <p:ext uri="{BB962C8B-B14F-4D97-AF65-F5344CB8AC3E}">
+        <p14:creationId xmlns:p14="http://schemas.microsoft.com/office/powerpoint/2010/main" val="387509383"/>
+      </p:ext>
+    </p:extLst>
+  </p:cSld>
+  <p:clrMapOvr>
+    <a:masterClrMapping/>
+  </p:clrMapOvr>
+</p:sld>
+</file>
+
+<file path=ppt/slides/slide13.xml><?xml version="1.0" encoding="utf-8"?>
+<p:sld xmlns:a="http://schemas.openxmlformats.org/drawingml/2006/main" xmlns:r="http://schemas.openxmlformats.org/officeDocument/2006/relationships" xmlns:p="http://schemas.openxmlformats.org/presentationml/2006/main">
+  <p:cSld>
+    <p:spTree>
+      <p:nvGrpSpPr>
+        <p:cNvPr id="1" name=""/>
+        <p:cNvGrpSpPr/>
+        <p:nvPr/>
+      </p:nvGrpSpPr>
+      <p:grpSpPr>
+        <a:xfrm>
+          <a:off x="0" y="0"/>
+          <a:ext cx="0" cy="0"/>
+          <a:chOff x="0" y="0"/>
+          <a:chExt cx="0" cy="0"/>
+        </a:xfrm>
+      </p:grpSpPr>
+      <p:grpSp>
+        <p:nvGrpSpPr>
+          <p:cNvPr id="10" name="Group 9">
+            <a:extLst>
+              <a:ext uri="{FF2B5EF4-FFF2-40B4-BE49-F238E27FC236}">
+                <a16:creationId xmlns:a16="http://schemas.microsoft.com/office/drawing/2014/main" id="{BB0D6EE1-BEC0-4D88-8FDF-472F019CD7C0}"/>
+              </a:ext>
+            </a:extLst>
+          </p:cNvPr>
+          <p:cNvGrpSpPr/>
+          <p:nvPr/>
+        </p:nvGrpSpPr>
+        <p:grpSpPr>
+          <a:xfrm>
+            <a:off x="2461120" y="225232"/>
+            <a:ext cx="6934200" cy="6397875"/>
+            <a:chOff x="2461120" y="225232"/>
+            <a:chExt cx="6934200" cy="6397875"/>
+          </a:xfrm>
+        </p:grpSpPr>
+        <p:sp>
+          <p:nvSpPr>
+            <p:cNvPr id="2" name="Oval 1">
+              <a:extLst>
+                <a:ext uri="{FF2B5EF4-FFF2-40B4-BE49-F238E27FC236}">
+                  <a16:creationId xmlns:a16="http://schemas.microsoft.com/office/drawing/2014/main" id="{125A9120-8340-410F-9D58-C6E4114E3CF8}"/>
+                </a:ext>
+              </a:extLst>
+            </p:cNvPr>
+            <p:cNvSpPr/>
+            <p:nvPr/>
+          </p:nvSpPr>
+          <p:spPr>
+            <a:xfrm>
+              <a:off x="4636386" y="234893"/>
+              <a:ext cx="1359016" cy="1359015"/>
+            </a:xfrm>
+            <a:prstGeom prst="ellipse">
+              <a:avLst/>
+            </a:prstGeom>
+            <a:noFill/>
+            <a:ln w="25400"/>
+          </p:spPr>
+          <p:style>
+            <a:lnRef idx="2">
+              <a:schemeClr val="accent1">
+                <a:shade val="50000"/>
+              </a:schemeClr>
+            </a:lnRef>
+            <a:fillRef idx="1">
+              <a:schemeClr val="accent1"/>
+            </a:fillRef>
+            <a:effectRef idx="0">
+              <a:schemeClr val="accent1"/>
+            </a:effectRef>
+            <a:fontRef idx="minor">
+              <a:schemeClr val="lt1"/>
+            </a:fontRef>
+          </p:style>
+          <p:txBody>
+            <a:bodyPr rtlCol="0" anchor="ctr"/>
+            <a:lstStyle/>
+            <a:p>
+              <a:pPr algn="ctr"/>
+              <a:endParaRPr lang="en-US"/>
+            </a:p>
+          </p:txBody>
+        </p:sp>
+        <p:sp>
+          <p:nvSpPr>
+            <p:cNvPr id="4" name="Oval 3">
+              <a:extLst>
+                <a:ext uri="{FF2B5EF4-FFF2-40B4-BE49-F238E27FC236}">
+                  <a16:creationId xmlns:a16="http://schemas.microsoft.com/office/drawing/2014/main" id="{A580E60A-97C4-4153-9DCA-4294E0A1FE9C}"/>
+                </a:ext>
+              </a:extLst>
+            </p:cNvPr>
+            <p:cNvSpPr/>
+            <p:nvPr/>
+          </p:nvSpPr>
+          <p:spPr>
+            <a:xfrm>
+              <a:off x="5223545" y="234892"/>
+              <a:ext cx="1359016" cy="1359015"/>
+            </a:xfrm>
+            <a:prstGeom prst="ellipse">
+              <a:avLst/>
+            </a:prstGeom>
+            <a:noFill/>
+            <a:ln w="25400"/>
+          </p:spPr>
+          <p:style>
+            <a:lnRef idx="2">
+              <a:schemeClr val="accent1">
+                <a:shade val="50000"/>
+              </a:schemeClr>
+            </a:lnRef>
+            <a:fillRef idx="1">
+              <a:schemeClr val="accent1"/>
+            </a:fillRef>
+            <a:effectRef idx="0">
+              <a:schemeClr val="accent1"/>
+            </a:effectRef>
+            <a:fontRef idx="minor">
+              <a:schemeClr val="lt1"/>
+            </a:fontRef>
+          </p:style>
+          <p:txBody>
+            <a:bodyPr rtlCol="0" anchor="ctr"/>
+            <a:lstStyle/>
+            <a:p>
+              <a:pPr algn="ctr"/>
+              <a:endParaRPr lang="en-US"/>
+            </a:p>
+          </p:txBody>
+        </p:sp>
+        <p:sp>
+          <p:nvSpPr>
+            <p:cNvPr id="3" name="TextBox 2">
+              <a:extLst>
+                <a:ext uri="{FF2B5EF4-FFF2-40B4-BE49-F238E27FC236}">
+                  <a16:creationId xmlns:a16="http://schemas.microsoft.com/office/drawing/2014/main" id="{A1F0F481-219F-453B-982F-3D4F06234BC2}"/>
+                </a:ext>
+              </a:extLst>
+            </p:cNvPr>
+            <p:cNvSpPr txBox="1"/>
+            <p:nvPr/>
+          </p:nvSpPr>
+          <p:spPr>
+            <a:xfrm>
+              <a:off x="4155234" y="225232"/>
+              <a:ext cx="516488" cy="646331"/>
+            </a:xfrm>
+            <a:prstGeom prst="rect">
+              <a:avLst/>
+            </a:prstGeom>
+            <a:noFill/>
+          </p:spPr>
+          <p:txBody>
+            <a:bodyPr wrap="none" rtlCol="0">
+              <a:spAutoFit/>
+            </a:bodyPr>
+            <a:lstStyle/>
+            <a:p>
+              <a:r>
+                <a:rPr lang="en-US" sz="3600" dirty="0">
+                  <a:solidFill>
+                    <a:srgbClr val="41719C"/>
+                  </a:solidFill>
+                  <a:latin typeface="Bahnschrift Light" panose="020B0502040204020203" pitchFamily="34" charset="0"/>
+                </a:rPr>
+                <a:t>x</a:t>
+              </a:r>
+              <a:r>
+                <a:rPr lang="en-US" sz="3200" dirty="0"/>
+                <a:t> </a:t>
+              </a:r>
+            </a:p>
+          </p:txBody>
+        </p:sp>
+        <p:sp>
+          <p:nvSpPr>
+            <p:cNvPr id="6" name="TextBox 5">
+              <a:extLst>
+                <a:ext uri="{FF2B5EF4-FFF2-40B4-BE49-F238E27FC236}">
+                  <a16:creationId xmlns:a16="http://schemas.microsoft.com/office/drawing/2014/main" id="{09890D84-BE8B-4347-A362-29F7B5B6F19F}"/>
+                </a:ext>
+              </a:extLst>
+            </p:cNvPr>
+            <p:cNvSpPr txBox="1"/>
+            <p:nvPr/>
+          </p:nvSpPr>
+          <p:spPr>
+            <a:xfrm>
+              <a:off x="6717390" y="225232"/>
+              <a:ext cx="383438" cy="584775"/>
+            </a:xfrm>
+            <a:prstGeom prst="rect">
+              <a:avLst/>
+            </a:prstGeom>
+            <a:noFill/>
+          </p:spPr>
+          <p:txBody>
+            <a:bodyPr wrap="none" rtlCol="0">
+              <a:spAutoFit/>
+            </a:bodyPr>
+            <a:lstStyle/>
+            <a:p>
+              <a:r>
+                <a:rPr lang="en-US" sz="3200" dirty="0">
+                  <a:solidFill>
+                    <a:srgbClr val="41719C"/>
+                  </a:solidFill>
+                  <a:latin typeface="Bahnschrift Light" panose="020B0502040204020203" pitchFamily="34" charset="0"/>
+                </a:rPr>
+                <a:t>y</a:t>
+              </a:r>
+            </a:p>
+          </p:txBody>
+        </p:sp>
+        <p:pic>
+          <p:nvPicPr>
+            <p:cNvPr id="9" name="Picture 8">
+              <a:extLst>
+                <a:ext uri="{FF2B5EF4-FFF2-40B4-BE49-F238E27FC236}">
+                  <a16:creationId xmlns:a16="http://schemas.microsoft.com/office/drawing/2014/main" id="{D8410EF1-C6C6-4F85-A931-95CBB27B00AC}"/>
+                </a:ext>
+              </a:extLst>
+            </p:cNvPr>
+            <p:cNvPicPr>
+              <a:picLocks noChangeAspect="1"/>
+            </p:cNvPicPr>
+            <p:nvPr/>
+          </p:nvPicPr>
+          <p:blipFill>
+            <a:blip r:embed="rId2"/>
+            <a:stretch>
+              <a:fillRect/>
+            </a:stretch>
+          </p:blipFill>
+          <p:spPr>
+            <a:xfrm>
+              <a:off x="2461120" y="2022532"/>
+              <a:ext cx="6934200" cy="4600575"/>
+            </a:xfrm>
+            <a:prstGeom prst="rect">
+              <a:avLst/>
+            </a:prstGeom>
+          </p:spPr>
+        </p:pic>
+      </p:grpSp>
+    </p:spTree>
+    <p:extLst>
+      <p:ext uri="{BB962C8B-B14F-4D97-AF65-F5344CB8AC3E}">
+        <p14:creationId xmlns:p14="http://schemas.microsoft.com/office/powerpoint/2010/main" val="1950844831"/>
+      </p:ext>
+    </p:extLst>
+  </p:cSld>
+  <p:clrMapOvr>
+    <a:masterClrMapping/>
+  </p:clrMapOvr>
+</p:sld>
+</file>
+
+<file path=ppt/slides/slide14.xml><?xml version="1.0" encoding="utf-8"?>
+<p:sld xmlns:a="http://schemas.openxmlformats.org/drawingml/2006/main" xmlns:r="http://schemas.openxmlformats.org/officeDocument/2006/relationships" xmlns:p="http://schemas.openxmlformats.org/presentationml/2006/main">
+  <p:cSld>
+    <p:spTree>
+      <p:nvGrpSpPr>
+        <p:cNvPr id="1" name=""/>
+        <p:cNvGrpSpPr/>
+        <p:nvPr/>
+      </p:nvGrpSpPr>
+      <p:grpSpPr>
+        <a:xfrm>
+          <a:off x="0" y="0"/>
+          <a:ext cx="0" cy="0"/>
+          <a:chOff x="0" y="0"/>
+          <a:chExt cx="0" cy="0"/>
+        </a:xfrm>
+      </p:grpSpPr>
+      <p:sp>
+        <p:nvSpPr>
+          <p:cNvPr id="6" name="TextBox 5"/>
+          <p:cNvSpPr txBox="1"/>
+          <p:nvPr/>
+        </p:nvSpPr>
+        <p:spPr>
+          <a:xfrm>
+            <a:off x="5153014" y="419450"/>
+            <a:ext cx="2252540" cy="646331"/>
+          </a:xfrm>
+          <a:prstGeom prst="rect">
+            <a:avLst/>
+          </a:prstGeom>
+          <a:noFill/>
+        </p:spPr>
+        <p:txBody>
+          <a:bodyPr wrap="none" rtlCol="0">
+            <a:spAutoFit/>
+          </a:bodyPr>
+          <a:lstStyle/>
+          <a:p>
+            <a:r>
+              <a:rPr lang="en-US" dirty="0">
+                <a:latin typeface="Courier New" panose="02070309020205020404" pitchFamily="49" charset="0"/>
+                <a:cs typeface="Courier New" panose="02070309020205020404" pitchFamily="49" charset="0"/>
+              </a:rPr>
+              <a:t>X &lt;- c(“A”,”B”)</a:t>
+            </a:r>
+          </a:p>
+          <a:p>
+            <a:r>
+              <a:rPr lang="en-US" dirty="0">
+                <a:latin typeface="Courier New" panose="02070309020205020404" pitchFamily="49" charset="0"/>
+                <a:cs typeface="Courier New" panose="02070309020205020404" pitchFamily="49" charset="0"/>
+              </a:rPr>
+              <a:t>Y &lt;- c(“B”,”C”)</a:t>
+            </a:r>
+          </a:p>
+        </p:txBody>
+      </p:sp>
+      <p:grpSp>
+        <p:nvGrpSpPr>
+          <p:cNvPr id="7" name="Group 6">
+            <a:extLst>
+              <a:ext uri="{FF2B5EF4-FFF2-40B4-BE49-F238E27FC236}">
+                <a16:creationId xmlns:a16="http://schemas.microsoft.com/office/drawing/2014/main" id="{5C08E82B-62B5-4FC4-A63F-1BE7777E59DD}"/>
+              </a:ext>
+            </a:extLst>
+          </p:cNvPr>
+          <p:cNvGrpSpPr/>
+          <p:nvPr/>
+        </p:nvGrpSpPr>
+        <p:grpSpPr>
+          <a:xfrm>
+            <a:off x="5308909" y="2883912"/>
+            <a:ext cx="2701531" cy="2245157"/>
+            <a:chOff x="5308909" y="2883912"/>
+            <a:chExt cx="2701531" cy="2245157"/>
+          </a:xfrm>
+        </p:grpSpPr>
+        <p:sp>
+          <p:nvSpPr>
+            <p:cNvPr id="2" name="Oval 1"/>
+            <p:cNvSpPr/>
+            <p:nvPr/>
+          </p:nvSpPr>
+          <p:spPr>
+            <a:xfrm>
+              <a:off x="6201216" y="3450868"/>
+              <a:ext cx="1809224" cy="1678201"/>
+            </a:xfrm>
+            <a:prstGeom prst="ellipse">
+              <a:avLst/>
+            </a:prstGeom>
+            <a:noFill/>
+          </p:spPr>
+          <p:style>
+            <a:lnRef idx="2">
+              <a:schemeClr val="accent1">
+                <a:shade val="50000"/>
+              </a:schemeClr>
+            </a:lnRef>
+            <a:fillRef idx="1">
+              <a:schemeClr val="accent1"/>
+            </a:fillRef>
+            <a:effectRef idx="0">
+              <a:schemeClr val="accent1"/>
+            </a:effectRef>
+            <a:fontRef idx="minor">
+              <a:schemeClr val="lt1"/>
+            </a:fontRef>
+          </p:style>
+          <p:txBody>
+            <a:bodyPr rtlCol="0" anchor="ctr"/>
+            <a:lstStyle/>
+            <a:p>
+              <a:pPr algn="ctr"/>
+              <a:endParaRPr lang="en-US" dirty="0"/>
+            </a:p>
+          </p:txBody>
+        </p:sp>
+        <p:sp>
+          <p:nvSpPr>
+            <p:cNvPr id="8" name="TextBox 7"/>
+            <p:cNvSpPr txBox="1"/>
+            <p:nvPr/>
+          </p:nvSpPr>
+          <p:spPr>
+            <a:xfrm>
+              <a:off x="5664450" y="3968124"/>
+              <a:ext cx="393056" cy="523220"/>
+            </a:xfrm>
+            <a:prstGeom prst="rect">
+              <a:avLst/>
+            </a:prstGeom>
+            <a:noFill/>
+          </p:spPr>
+          <p:txBody>
+            <a:bodyPr wrap="none" rtlCol="0">
+              <a:spAutoFit/>
+            </a:bodyPr>
+            <a:lstStyle/>
+            <a:p>
+              <a:r>
+                <a:rPr lang="en-US" sz="2800" dirty="0">
+                  <a:solidFill>
+                    <a:srgbClr val="2F528F"/>
+                  </a:solidFill>
+                </a:rPr>
+                <a:t>A</a:t>
+              </a:r>
+            </a:p>
+          </p:txBody>
+        </p:sp>
+        <p:sp>
+          <p:nvSpPr>
+            <p:cNvPr id="10" name="TextBox 9"/>
+            <p:cNvSpPr txBox="1"/>
+            <p:nvPr/>
+          </p:nvSpPr>
+          <p:spPr>
+            <a:xfrm>
+              <a:off x="6505659" y="3968124"/>
+              <a:ext cx="380232" cy="523220"/>
+            </a:xfrm>
+            <a:prstGeom prst="rect">
+              <a:avLst/>
+            </a:prstGeom>
+            <a:noFill/>
+          </p:spPr>
+          <p:txBody>
+            <a:bodyPr wrap="none" rtlCol="0">
+              <a:spAutoFit/>
+            </a:bodyPr>
+            <a:lstStyle/>
+            <a:p>
+              <a:r>
+                <a:rPr lang="en-US" sz="2800" dirty="0">
+                  <a:solidFill>
+                    <a:srgbClr val="2F528F"/>
+                  </a:solidFill>
+                </a:rPr>
+                <a:t>B</a:t>
+              </a:r>
+            </a:p>
+          </p:txBody>
+        </p:sp>
+        <p:sp>
+          <p:nvSpPr>
+            <p:cNvPr id="18" name="TextBox 17"/>
+            <p:cNvSpPr txBox="1"/>
+            <p:nvPr/>
+          </p:nvSpPr>
+          <p:spPr>
+            <a:xfrm>
+              <a:off x="7405554" y="3968124"/>
+              <a:ext cx="375424" cy="523220"/>
+            </a:xfrm>
+            <a:prstGeom prst="rect">
+              <a:avLst/>
+            </a:prstGeom>
+            <a:noFill/>
+          </p:spPr>
+          <p:txBody>
+            <a:bodyPr wrap="none" rtlCol="0">
+              <a:spAutoFit/>
+            </a:bodyPr>
+            <a:lstStyle/>
+            <a:p>
+              <a:r>
+                <a:rPr lang="en-US" sz="2800" dirty="0">
+                  <a:solidFill>
+                    <a:srgbClr val="2F528F"/>
+                  </a:solidFill>
+                </a:rPr>
+                <a:t>C</a:t>
+              </a:r>
+            </a:p>
+          </p:txBody>
+        </p:sp>
+        <p:sp>
+          <p:nvSpPr>
+            <p:cNvPr id="4" name="TextBox 3"/>
+            <p:cNvSpPr txBox="1"/>
+            <p:nvPr/>
+          </p:nvSpPr>
+          <p:spPr>
+            <a:xfrm>
+              <a:off x="5908670" y="2883912"/>
+              <a:ext cx="370614" cy="523220"/>
+            </a:xfrm>
+            <a:prstGeom prst="rect">
+              <a:avLst/>
+            </a:prstGeom>
+            <a:noFill/>
+          </p:spPr>
+          <p:txBody>
+            <a:bodyPr wrap="none" rtlCol="0">
+              <a:spAutoFit/>
+            </a:bodyPr>
+            <a:lstStyle/>
+            <a:p>
+              <a:r>
+                <a:rPr lang="en-US" sz="2800" dirty="0"/>
+                <a:t>X</a:t>
+              </a:r>
+            </a:p>
+          </p:txBody>
+        </p:sp>
+        <p:sp>
+          <p:nvSpPr>
+            <p:cNvPr id="11" name="TextBox 10"/>
+            <p:cNvSpPr txBox="1"/>
+            <p:nvPr/>
+          </p:nvSpPr>
+          <p:spPr>
+            <a:xfrm>
+              <a:off x="6932826" y="2883912"/>
+              <a:ext cx="370614" cy="523220"/>
+            </a:xfrm>
+            <a:prstGeom prst="rect">
+              <a:avLst/>
+            </a:prstGeom>
+            <a:noFill/>
+          </p:spPr>
+          <p:txBody>
+            <a:bodyPr wrap="none" rtlCol="0">
+              <a:spAutoFit/>
+            </a:bodyPr>
+            <a:lstStyle/>
+            <a:p>
+              <a:r>
+                <a:rPr lang="en-US" sz="2800" dirty="0"/>
+                <a:t>Y</a:t>
+              </a:r>
+            </a:p>
+          </p:txBody>
+        </p:sp>
+        <p:sp>
+          <p:nvSpPr>
+            <p:cNvPr id="12" name="Oval 11">
+              <a:extLst>
+                <a:ext uri="{FF2B5EF4-FFF2-40B4-BE49-F238E27FC236}">
+                  <a16:creationId xmlns:a16="http://schemas.microsoft.com/office/drawing/2014/main" id="{092D9784-E893-4ECB-8CDD-6613D32D764E}"/>
+                </a:ext>
+              </a:extLst>
+            </p:cNvPr>
+            <p:cNvSpPr/>
+            <p:nvPr/>
+          </p:nvSpPr>
+          <p:spPr>
+            <a:xfrm>
+              <a:off x="5308909" y="3450868"/>
+              <a:ext cx="1809224" cy="1678201"/>
+            </a:xfrm>
+            <a:prstGeom prst="ellipse">
+              <a:avLst/>
+            </a:prstGeom>
+            <a:noFill/>
+          </p:spPr>
+          <p:style>
+            <a:lnRef idx="2">
+              <a:schemeClr val="accent1">
+                <a:shade val="50000"/>
+              </a:schemeClr>
+            </a:lnRef>
+            <a:fillRef idx="1">
+              <a:schemeClr val="accent1"/>
+            </a:fillRef>
+            <a:effectRef idx="0">
+              <a:schemeClr val="accent1"/>
+            </a:effectRef>
+            <a:fontRef idx="minor">
+              <a:schemeClr val="lt1"/>
+            </a:fontRef>
+          </p:style>
+          <p:txBody>
+            <a:bodyPr rtlCol="0" anchor="ctr"/>
+            <a:lstStyle/>
+            <a:p>
+              <a:pPr algn="ctr"/>
+              <a:endParaRPr lang="en-US" dirty="0"/>
+            </a:p>
+          </p:txBody>
+        </p:sp>
+      </p:grpSp>
+    </p:spTree>
+    <p:extLst>
+      <p:ext uri="{BB962C8B-B14F-4D97-AF65-F5344CB8AC3E}">
+        <p14:creationId xmlns:p14="http://schemas.microsoft.com/office/powerpoint/2010/main" val="487100428"/>
+      </p:ext>
+    </p:extLst>
+  </p:cSld>
+  <p:clrMapOvr>
+    <a:masterClrMapping/>
+  </p:clrMapOvr>
+</p:sld>
+</file>
+
+<file path=ppt/slides/slide15.xml><?xml version="1.0" encoding="utf-8"?>
+<p:sld xmlns:a="http://schemas.openxmlformats.org/drawingml/2006/main" xmlns:r="http://schemas.openxmlformats.org/officeDocument/2006/relationships" xmlns:p="http://schemas.openxmlformats.org/presentationml/2006/main">
+  <p:cSld>
+    <p:spTree>
+      <p:nvGrpSpPr>
+        <p:cNvPr id="1" name=""/>
+        <p:cNvGrpSpPr/>
+        <p:nvPr/>
+      </p:nvGrpSpPr>
+      <p:grpSpPr>
+        <a:xfrm>
+          <a:off x="0" y="0"/>
+          <a:ext cx="0" cy="0"/>
+          <a:chOff x="0" y="0"/>
+          <a:chExt cx="0" cy="0"/>
+        </a:xfrm>
+      </p:grpSpPr>
+    </p:spTree>
+    <p:extLst>
+      <p:ext uri="{BB962C8B-B14F-4D97-AF65-F5344CB8AC3E}">
+        <p14:creationId xmlns:p14="http://schemas.microsoft.com/office/powerpoint/2010/main" val="950111986"/>
       </p:ext>
     </p:extLst>
   </p:cSld>

--- a/TEXTBOOK/figures/figures.pptx
+++ b/TEXTBOOK/figures/figures.pptx
@@ -16,10 +16,14 @@
     <p:sldId id="267" r:id="rId10"/>
     <p:sldId id="265" r:id="rId11"/>
     <p:sldId id="266" r:id="rId12"/>
-    <p:sldId id="269" r:id="rId13"/>
-    <p:sldId id="270" r:id="rId14"/>
-    <p:sldId id="271" r:id="rId15"/>
-    <p:sldId id="268" r:id="rId16"/>
+    <p:sldId id="272" r:id="rId13"/>
+    <p:sldId id="273" r:id="rId14"/>
+    <p:sldId id="274" r:id="rId15"/>
+    <p:sldId id="275" r:id="rId16"/>
+    <p:sldId id="269" r:id="rId17"/>
+    <p:sldId id="270" r:id="rId18"/>
+    <p:sldId id="271" r:id="rId19"/>
+    <p:sldId id="268" r:id="rId20"/>
   </p:sldIdLst>
   <p:sldSz cx="12192000" cy="6858000"/>
   <p:notesSz cx="6858000" cy="9144000"/>
@@ -273,7 +277,7 @@
           <a:p>
             <a:fld id="{38FE5E9D-AE82-4CD7-95FF-A719BBDC69C0}" type="datetimeFigureOut">
               <a:rPr lang="en-US" smtClean="0"/>
-              <a:t>8/28/2018</a:t>
+              <a:t>8/31/2018</a:t>
             </a:fld>
             <a:endParaRPr lang="en-US"/>
           </a:p>
@@ -471,7 +475,7 @@
           <a:p>
             <a:fld id="{38FE5E9D-AE82-4CD7-95FF-A719BBDC69C0}" type="datetimeFigureOut">
               <a:rPr lang="en-US" smtClean="0"/>
-              <a:t>8/28/2018</a:t>
+              <a:t>8/31/2018</a:t>
             </a:fld>
             <a:endParaRPr lang="en-US"/>
           </a:p>
@@ -679,7 +683,7 @@
           <a:p>
             <a:fld id="{38FE5E9D-AE82-4CD7-95FF-A719BBDC69C0}" type="datetimeFigureOut">
               <a:rPr lang="en-US" smtClean="0"/>
-              <a:t>8/28/2018</a:t>
+              <a:t>8/31/2018</a:t>
             </a:fld>
             <a:endParaRPr lang="en-US"/>
           </a:p>
@@ -877,7 +881,7 @@
           <a:p>
             <a:fld id="{38FE5E9D-AE82-4CD7-95FF-A719BBDC69C0}" type="datetimeFigureOut">
               <a:rPr lang="en-US" smtClean="0"/>
-              <a:t>8/28/2018</a:t>
+              <a:t>8/31/2018</a:t>
             </a:fld>
             <a:endParaRPr lang="en-US"/>
           </a:p>
@@ -1152,7 +1156,7 @@
           <a:p>
             <a:fld id="{38FE5E9D-AE82-4CD7-95FF-A719BBDC69C0}" type="datetimeFigureOut">
               <a:rPr lang="en-US" smtClean="0"/>
-              <a:t>8/28/2018</a:t>
+              <a:t>8/31/2018</a:t>
             </a:fld>
             <a:endParaRPr lang="en-US"/>
           </a:p>
@@ -1417,7 +1421,7 @@
           <a:p>
             <a:fld id="{38FE5E9D-AE82-4CD7-95FF-A719BBDC69C0}" type="datetimeFigureOut">
               <a:rPr lang="en-US" smtClean="0"/>
-              <a:t>8/28/2018</a:t>
+              <a:t>8/31/2018</a:t>
             </a:fld>
             <a:endParaRPr lang="en-US"/>
           </a:p>
@@ -1829,7 +1833,7 @@
           <a:p>
             <a:fld id="{38FE5E9D-AE82-4CD7-95FF-A719BBDC69C0}" type="datetimeFigureOut">
               <a:rPr lang="en-US" smtClean="0"/>
-              <a:t>8/28/2018</a:t>
+              <a:t>8/31/2018</a:t>
             </a:fld>
             <a:endParaRPr lang="en-US"/>
           </a:p>
@@ -1970,7 +1974,7 @@
           <a:p>
             <a:fld id="{38FE5E9D-AE82-4CD7-95FF-A719BBDC69C0}" type="datetimeFigureOut">
               <a:rPr lang="en-US" smtClean="0"/>
-              <a:t>8/28/2018</a:t>
+              <a:t>8/31/2018</a:t>
             </a:fld>
             <a:endParaRPr lang="en-US"/>
           </a:p>
@@ -2083,7 +2087,7 @@
           <a:p>
             <a:fld id="{38FE5E9D-AE82-4CD7-95FF-A719BBDC69C0}" type="datetimeFigureOut">
               <a:rPr lang="en-US" smtClean="0"/>
-              <a:t>8/28/2018</a:t>
+              <a:t>8/31/2018</a:t>
             </a:fld>
             <a:endParaRPr lang="en-US"/>
           </a:p>
@@ -2394,7 +2398,7 @@
           <a:p>
             <a:fld id="{38FE5E9D-AE82-4CD7-95FF-A719BBDC69C0}" type="datetimeFigureOut">
               <a:rPr lang="en-US" smtClean="0"/>
-              <a:t>8/28/2018</a:t>
+              <a:t>8/31/2018</a:t>
             </a:fld>
             <a:endParaRPr lang="en-US"/>
           </a:p>
@@ -2682,7 +2686,7 @@
           <a:p>
             <a:fld id="{38FE5E9D-AE82-4CD7-95FF-A719BBDC69C0}" type="datetimeFigureOut">
               <a:rPr lang="en-US" smtClean="0"/>
-              <a:t>8/28/2018</a:t>
+              <a:t>8/31/2018</a:t>
             </a:fld>
             <a:endParaRPr lang="en-US"/>
           </a:p>
@@ -2923,7 +2927,7 @@
           <a:p>
             <a:fld id="{38FE5E9D-AE82-4CD7-95FF-A719BBDC69C0}" type="datetimeFigureOut">
               <a:rPr lang="en-US" smtClean="0"/>
-              <a:t>8/28/2018</a:t>
+              <a:t>8/31/2018</a:t>
             </a:fld>
             <a:endParaRPr lang="en-US"/>
           </a:p>
@@ -4115,6 +4119,3337 @@
           <a:chExt cx="0" cy="0"/>
         </a:xfrm>
       </p:grpSpPr>
+      <p:sp>
+        <p:nvSpPr>
+          <p:cNvPr id="2" name="Title 1">
+            <a:extLst>
+              <a:ext uri="{FF2B5EF4-FFF2-40B4-BE49-F238E27FC236}">
+                <a16:creationId xmlns:a16="http://schemas.microsoft.com/office/drawing/2014/main" id="{FA6FFFF5-AA0A-46BB-B30F-15CEFFA99207}"/>
+              </a:ext>
+            </a:extLst>
+          </p:cNvPr>
+          <p:cNvSpPr>
+            <a:spLocks noGrp="1"/>
+          </p:cNvSpPr>
+          <p:nvPr>
+            <p:ph type="title"/>
+          </p:nvPr>
+        </p:nvSpPr>
+        <p:spPr/>
+        <p:txBody>
+          <a:bodyPr/>
+          <a:lstStyle/>
+          <a:p>
+            <a:r>
+              <a:rPr lang="en-US" dirty="0"/>
+              <a:t>Logical Statements</a:t>
+            </a:r>
+          </a:p>
+        </p:txBody>
+      </p:sp>
+      <p:sp>
+        <p:nvSpPr>
+          <p:cNvPr id="3" name="Text Placeholder 2">
+            <a:extLst>
+              <a:ext uri="{FF2B5EF4-FFF2-40B4-BE49-F238E27FC236}">
+                <a16:creationId xmlns:a16="http://schemas.microsoft.com/office/drawing/2014/main" id="{BE246EF9-43E0-4D54-8E3C-0396DD72E20B}"/>
+              </a:ext>
+            </a:extLst>
+          </p:cNvPr>
+          <p:cNvSpPr>
+            <a:spLocks noGrp="1"/>
+          </p:cNvSpPr>
+          <p:nvPr>
+            <p:ph type="body" idx="1"/>
+          </p:nvPr>
+        </p:nvSpPr>
+        <p:spPr/>
+        <p:txBody>
+          <a:bodyPr/>
+          <a:lstStyle/>
+          <a:p>
+            <a:endParaRPr lang="en-US"/>
+          </a:p>
+        </p:txBody>
+      </p:sp>
+    </p:spTree>
+    <p:extLst>
+      <p:ext uri="{BB962C8B-B14F-4D97-AF65-F5344CB8AC3E}">
+        <p14:creationId xmlns:p14="http://schemas.microsoft.com/office/powerpoint/2010/main" val="856420994"/>
+      </p:ext>
+    </p:extLst>
+  </p:cSld>
+  <p:clrMapOvr>
+    <a:masterClrMapping/>
+  </p:clrMapOvr>
+</p:sld>
+</file>
+
+<file path=ppt/slides/slide13.xml><?xml version="1.0" encoding="utf-8"?>
+<p:sld xmlns:a="http://schemas.openxmlformats.org/drawingml/2006/main" xmlns:r="http://schemas.openxmlformats.org/officeDocument/2006/relationships" xmlns:p="http://schemas.openxmlformats.org/presentationml/2006/main">
+  <p:cSld>
+    <p:spTree>
+      <p:nvGrpSpPr>
+        <p:cNvPr id="1" name=""/>
+        <p:cNvGrpSpPr/>
+        <p:nvPr/>
+      </p:nvGrpSpPr>
+      <p:grpSpPr>
+        <a:xfrm>
+          <a:off x="0" y="0"/>
+          <a:ext cx="0" cy="0"/>
+          <a:chOff x="0" y="0"/>
+          <a:chExt cx="0" cy="0"/>
+        </a:xfrm>
+      </p:grpSpPr>
+      <p:sp>
+        <p:nvSpPr>
+          <p:cNvPr id="2" name="Rectangle 1">
+            <a:extLst>
+              <a:ext uri="{FF2B5EF4-FFF2-40B4-BE49-F238E27FC236}">
+                <a16:creationId xmlns:a16="http://schemas.microsoft.com/office/drawing/2014/main" id="{FCB6D7BE-A91F-4DB4-89A8-9F784D26305D}"/>
+              </a:ext>
+            </a:extLst>
+          </p:cNvPr>
+          <p:cNvSpPr/>
+          <p:nvPr/>
+        </p:nvSpPr>
+        <p:spPr>
+          <a:xfrm>
+            <a:off x="3838755" y="1932317"/>
+            <a:ext cx="4209690" cy="2320506"/>
+          </a:xfrm>
+          <a:prstGeom prst="rect">
+            <a:avLst/>
+          </a:prstGeom>
+        </p:spPr>
+        <p:style>
+          <a:lnRef idx="2">
+            <a:schemeClr val="accent1">
+              <a:shade val="50000"/>
+            </a:schemeClr>
+          </a:lnRef>
+          <a:fillRef idx="1">
+            <a:schemeClr val="accent1"/>
+          </a:fillRef>
+          <a:effectRef idx="0">
+            <a:schemeClr val="accent1"/>
+          </a:effectRef>
+          <a:fontRef idx="minor">
+            <a:schemeClr val="lt1"/>
+          </a:fontRef>
+        </p:style>
+        <p:txBody>
+          <a:bodyPr rtlCol="0" anchor="ctr"/>
+          <a:lstStyle/>
+          <a:p>
+            <a:pPr algn="ctr"/>
+            <a:r>
+              <a:rPr lang="en-US" dirty="0"/>
+              <a:t>Male</a:t>
+            </a:r>
+          </a:p>
+        </p:txBody>
+      </p:sp>
+      <p:sp>
+        <p:nvSpPr>
+          <p:cNvPr id="3" name="Oval 2">
+            <a:extLst>
+              <a:ext uri="{FF2B5EF4-FFF2-40B4-BE49-F238E27FC236}">
+                <a16:creationId xmlns:a16="http://schemas.microsoft.com/office/drawing/2014/main" id="{EDA30E5F-D14E-4E77-AC39-94E304C5CA45}"/>
+              </a:ext>
+            </a:extLst>
+          </p:cNvPr>
+          <p:cNvSpPr/>
+          <p:nvPr/>
+        </p:nvSpPr>
+        <p:spPr>
+          <a:xfrm>
+            <a:off x="5311389" y="2192511"/>
+            <a:ext cx="2050646" cy="1555455"/>
+          </a:xfrm>
+          <a:prstGeom prst="ellipse">
+            <a:avLst/>
+          </a:prstGeom>
+          <a:solidFill>
+            <a:schemeClr val="bg1"/>
+          </a:solidFill>
+        </p:spPr>
+        <p:style>
+          <a:lnRef idx="2">
+            <a:schemeClr val="accent1">
+              <a:shade val="50000"/>
+            </a:schemeClr>
+          </a:lnRef>
+          <a:fillRef idx="1">
+            <a:schemeClr val="accent1"/>
+          </a:fillRef>
+          <a:effectRef idx="0">
+            <a:schemeClr val="accent1"/>
+          </a:effectRef>
+          <a:fontRef idx="minor">
+            <a:schemeClr val="lt1"/>
+          </a:fontRef>
+        </p:style>
+        <p:txBody>
+          <a:bodyPr rtlCol="0" anchor="ctr"/>
+          <a:lstStyle/>
+          <a:p>
+            <a:pPr algn="ctr"/>
+            <a:r>
+              <a:rPr lang="en-US" sz="2400" b="1" dirty="0">
+                <a:solidFill>
+                  <a:schemeClr val="accent1">
+                    <a:lumMod val="75000"/>
+                  </a:schemeClr>
+                </a:solidFill>
+              </a:rPr>
+              <a:t>TRUE</a:t>
+            </a:r>
+          </a:p>
+        </p:txBody>
+      </p:sp>
+      <p:sp>
+        <p:nvSpPr>
+          <p:cNvPr id="4" name="TextBox 3">
+            <a:extLst>
+              <a:ext uri="{FF2B5EF4-FFF2-40B4-BE49-F238E27FC236}">
+                <a16:creationId xmlns:a16="http://schemas.microsoft.com/office/drawing/2014/main" id="{5E1E1FEF-676C-4C18-9FE5-688351D6ACE8}"/>
+              </a:ext>
+            </a:extLst>
+          </p:cNvPr>
+          <p:cNvSpPr txBox="1"/>
+          <p:nvPr/>
+        </p:nvSpPr>
+        <p:spPr>
+          <a:xfrm flipH="1">
+            <a:off x="4249207" y="3429000"/>
+            <a:ext cx="1237673" cy="461665"/>
+          </a:xfrm>
+          <a:prstGeom prst="rect">
+            <a:avLst/>
+          </a:prstGeom>
+          <a:noFill/>
+        </p:spPr>
+        <p:txBody>
+          <a:bodyPr wrap="square" rtlCol="0">
+            <a:spAutoFit/>
+          </a:bodyPr>
+          <a:lstStyle/>
+          <a:p>
+            <a:r>
+              <a:rPr lang="en-US" sz="2400" b="1" dirty="0">
+                <a:solidFill>
+                  <a:schemeClr val="bg1"/>
+                </a:solidFill>
+              </a:rPr>
+              <a:t>FALSE</a:t>
+            </a:r>
+          </a:p>
+        </p:txBody>
+      </p:sp>
+      <p:sp>
+        <p:nvSpPr>
+          <p:cNvPr id="5" name="TextBox 4">
+            <a:extLst>
+              <a:ext uri="{FF2B5EF4-FFF2-40B4-BE49-F238E27FC236}">
+                <a16:creationId xmlns:a16="http://schemas.microsoft.com/office/drawing/2014/main" id="{43A3CB4F-7BAD-46A1-9B3B-9E6E325FFAC4}"/>
+              </a:ext>
+            </a:extLst>
+          </p:cNvPr>
+          <p:cNvSpPr txBox="1"/>
+          <p:nvPr/>
+        </p:nvSpPr>
+        <p:spPr>
+          <a:xfrm>
+            <a:off x="1941629" y="2677071"/>
+            <a:ext cx="1124026" cy="830997"/>
+          </a:xfrm>
+          <a:prstGeom prst="rect">
+            <a:avLst/>
+          </a:prstGeom>
+          <a:noFill/>
+        </p:spPr>
+        <p:txBody>
+          <a:bodyPr wrap="none" rtlCol="0">
+            <a:spAutoFit/>
+          </a:bodyPr>
+          <a:lstStyle/>
+          <a:p>
+            <a:pPr algn="r"/>
+            <a:r>
+              <a:rPr lang="en-US" sz="2400" b="1" cap="small" dirty="0">
+                <a:solidFill>
+                  <a:schemeClr val="tx1">
+                    <a:lumMod val="50000"/>
+                    <a:lumOff val="50000"/>
+                  </a:schemeClr>
+                </a:solidFill>
+                <a:latin typeface="Century Gothic" panose="020B0502020202020204" pitchFamily="34" charset="0"/>
+              </a:rPr>
+              <a:t>Study </a:t>
+            </a:r>
+          </a:p>
+          <a:p>
+            <a:pPr algn="r"/>
+            <a:r>
+              <a:rPr lang="en-US" sz="2400" b="1" cap="small" dirty="0">
+                <a:solidFill>
+                  <a:schemeClr val="tx1">
+                    <a:lumMod val="50000"/>
+                    <a:lumOff val="50000"/>
+                  </a:schemeClr>
+                </a:solidFill>
+                <a:latin typeface="Century Gothic" panose="020B0502020202020204" pitchFamily="34" charset="0"/>
+              </a:rPr>
+              <a:t>Sample</a:t>
+            </a:r>
+          </a:p>
+        </p:txBody>
+      </p:sp>
+      <p:sp>
+        <p:nvSpPr>
+          <p:cNvPr id="7" name="TextBox 6">
+            <a:extLst>
+              <a:ext uri="{FF2B5EF4-FFF2-40B4-BE49-F238E27FC236}">
+                <a16:creationId xmlns:a16="http://schemas.microsoft.com/office/drawing/2014/main" id="{E8202D32-F765-4BA4-A98C-9E7581CAE0B5}"/>
+              </a:ext>
+            </a:extLst>
+          </p:cNvPr>
+          <p:cNvSpPr txBox="1"/>
+          <p:nvPr/>
+        </p:nvSpPr>
+        <p:spPr>
+          <a:xfrm>
+            <a:off x="3281695" y="1349736"/>
+            <a:ext cx="5416868" cy="400110"/>
+          </a:xfrm>
+          <a:prstGeom prst="rect">
+            <a:avLst/>
+          </a:prstGeom>
+          <a:noFill/>
+        </p:spPr>
+        <p:txBody>
+          <a:bodyPr wrap="none" rtlCol="0">
+            <a:spAutoFit/>
+          </a:bodyPr>
+          <a:lstStyle/>
+          <a:p>
+            <a:r>
+              <a:rPr lang="en-US" sz="2000" b="1" dirty="0" err="1">
+                <a:latin typeface="Courier New" panose="02070309020205020404" pitchFamily="49" charset="0"/>
+                <a:cs typeface="Courier New" panose="02070309020205020404" pitchFamily="49" charset="0"/>
+              </a:rPr>
+              <a:t>these.female</a:t>
+            </a:r>
+            <a:r>
+              <a:rPr lang="en-US" sz="2000" b="1" dirty="0">
+                <a:latin typeface="Courier New" panose="02070309020205020404" pitchFamily="49" charset="0"/>
+                <a:cs typeface="Courier New" panose="02070309020205020404" pitchFamily="49" charset="0"/>
+              </a:rPr>
+              <a:t> &lt;- gender == “female”</a:t>
+            </a:r>
+          </a:p>
+        </p:txBody>
+      </p:sp>
+      <p:sp>
+        <p:nvSpPr>
+          <p:cNvPr id="8" name="Left Brace 7">
+            <a:extLst>
+              <a:ext uri="{FF2B5EF4-FFF2-40B4-BE49-F238E27FC236}">
+                <a16:creationId xmlns:a16="http://schemas.microsoft.com/office/drawing/2014/main" id="{7D3CE69F-7304-49FB-881C-95E8C19E5EBA}"/>
+              </a:ext>
+            </a:extLst>
+          </p:cNvPr>
+          <p:cNvSpPr/>
+          <p:nvPr/>
+        </p:nvSpPr>
+        <p:spPr>
+          <a:xfrm>
+            <a:off x="3195454" y="1932317"/>
+            <a:ext cx="383703" cy="2320506"/>
+          </a:xfrm>
+          <a:prstGeom prst="leftBrace">
+            <a:avLst>
+              <a:gd name="adj1" fmla="val 8333"/>
+              <a:gd name="adj2" fmla="val 50398"/>
+            </a:avLst>
+          </a:prstGeom>
+          <a:ln w="12700">
+            <a:solidFill>
+              <a:schemeClr val="bg2">
+                <a:lumMod val="25000"/>
+              </a:schemeClr>
+            </a:solidFill>
+          </a:ln>
+        </p:spPr>
+        <p:style>
+          <a:lnRef idx="1">
+            <a:schemeClr val="accent1"/>
+          </a:lnRef>
+          <a:fillRef idx="0">
+            <a:schemeClr val="accent1"/>
+          </a:fillRef>
+          <a:effectRef idx="0">
+            <a:schemeClr val="accent1"/>
+          </a:effectRef>
+          <a:fontRef idx="minor">
+            <a:schemeClr val="tx1"/>
+          </a:fontRef>
+        </p:style>
+        <p:txBody>
+          <a:bodyPr rtlCol="0" anchor="ctr"/>
+          <a:lstStyle/>
+          <a:p>
+            <a:pPr algn="ctr"/>
+            <a:endParaRPr lang="en-US"/>
+          </a:p>
+        </p:txBody>
+      </p:sp>
+    </p:spTree>
+    <p:extLst>
+      <p:ext uri="{BB962C8B-B14F-4D97-AF65-F5344CB8AC3E}">
+        <p14:creationId xmlns:p14="http://schemas.microsoft.com/office/powerpoint/2010/main" val="833133490"/>
+      </p:ext>
+    </p:extLst>
+  </p:cSld>
+  <p:clrMapOvr>
+    <a:masterClrMapping/>
+  </p:clrMapOvr>
+</p:sld>
+</file>
+
+<file path=ppt/slides/slide14.xml><?xml version="1.0" encoding="utf-8"?>
+<p:sld xmlns:a="http://schemas.openxmlformats.org/drawingml/2006/main" xmlns:r="http://schemas.openxmlformats.org/officeDocument/2006/relationships" xmlns:p="http://schemas.openxmlformats.org/presentationml/2006/main">
+  <p:cSld>
+    <p:spTree>
+      <p:nvGrpSpPr>
+        <p:cNvPr id="1" name=""/>
+        <p:cNvGrpSpPr/>
+        <p:nvPr/>
+      </p:nvGrpSpPr>
+      <p:grpSpPr>
+        <a:xfrm>
+          <a:off x="0" y="0"/>
+          <a:ext cx="0" cy="0"/>
+          <a:chOff x="0" y="0"/>
+          <a:chExt cx="0" cy="0"/>
+        </a:xfrm>
+      </p:grpSpPr>
+      <p:grpSp>
+        <p:nvGrpSpPr>
+          <p:cNvPr id="37" name="Group 36">
+            <a:extLst>
+              <a:ext uri="{FF2B5EF4-FFF2-40B4-BE49-F238E27FC236}">
+                <a16:creationId xmlns:a16="http://schemas.microsoft.com/office/drawing/2014/main" id="{E886E327-AE1C-40DC-BF1A-6EFC7B1B8391}"/>
+              </a:ext>
+            </a:extLst>
+          </p:cNvPr>
+          <p:cNvGrpSpPr/>
+          <p:nvPr/>
+        </p:nvGrpSpPr>
+        <p:grpSpPr>
+          <a:xfrm>
+            <a:off x="2411783" y="1326486"/>
+            <a:ext cx="7593152" cy="4945004"/>
+            <a:chOff x="2411783" y="1326486"/>
+            <a:chExt cx="7593152" cy="4945004"/>
+          </a:xfrm>
+        </p:grpSpPr>
+        <p:grpSp>
+          <p:nvGrpSpPr>
+            <p:cNvPr id="31" name="Group 30">
+              <a:extLst>
+                <a:ext uri="{FF2B5EF4-FFF2-40B4-BE49-F238E27FC236}">
+                  <a16:creationId xmlns:a16="http://schemas.microsoft.com/office/drawing/2014/main" id="{95C63C4C-293E-4B2F-980B-75D5CC451C1B}"/>
+                </a:ext>
+              </a:extLst>
+            </p:cNvPr>
+            <p:cNvGrpSpPr/>
+            <p:nvPr/>
+          </p:nvGrpSpPr>
+          <p:grpSpPr>
+            <a:xfrm>
+              <a:off x="2411783" y="1326486"/>
+              <a:ext cx="7593152" cy="4945004"/>
+              <a:chOff x="1922256" y="716886"/>
+              <a:chExt cx="7593152" cy="4945004"/>
+            </a:xfrm>
+          </p:grpSpPr>
+          <p:sp>
+            <p:nvSpPr>
+              <p:cNvPr id="2" name="Rectangle 1">
+                <a:extLst>
+                  <a:ext uri="{FF2B5EF4-FFF2-40B4-BE49-F238E27FC236}">
+                    <a16:creationId xmlns:a16="http://schemas.microsoft.com/office/drawing/2014/main" id="{55CCE965-0D4F-4A41-A5C6-674F7AF757DF}"/>
+                  </a:ext>
+                </a:extLst>
+              </p:cNvPr>
+              <p:cNvSpPr/>
+              <p:nvPr/>
+            </p:nvSpPr>
+            <p:spPr>
+              <a:xfrm>
+                <a:off x="4193309" y="3121890"/>
+                <a:ext cx="1588655" cy="508000"/>
+              </a:xfrm>
+              <a:prstGeom prst="rect">
+                <a:avLst/>
+              </a:prstGeom>
+              <a:solidFill>
+                <a:schemeClr val="accent1">
+                  <a:lumMod val="75000"/>
+                </a:schemeClr>
+              </a:solidFill>
+            </p:spPr>
+            <p:style>
+              <a:lnRef idx="2">
+                <a:schemeClr val="accent1">
+                  <a:shade val="50000"/>
+                </a:schemeClr>
+              </a:lnRef>
+              <a:fillRef idx="1">
+                <a:schemeClr val="accent1"/>
+              </a:fillRef>
+              <a:effectRef idx="0">
+                <a:schemeClr val="accent1"/>
+              </a:effectRef>
+              <a:fontRef idx="minor">
+                <a:schemeClr val="lt1"/>
+              </a:fontRef>
+            </p:style>
+            <p:txBody>
+              <a:bodyPr rtlCol="0" anchor="ctr"/>
+              <a:lstStyle/>
+              <a:p>
+                <a:pPr algn="ctr"/>
+                <a:r>
+                  <a:rPr lang="en-US" dirty="0">
+                    <a:solidFill>
+                      <a:schemeClr val="tx1"/>
+                    </a:solidFill>
+                  </a:rPr>
+                  <a:t>Female</a:t>
+                </a:r>
+              </a:p>
+            </p:txBody>
+          </p:sp>
+          <p:sp>
+            <p:nvSpPr>
+              <p:cNvPr id="3" name="Rectangle 2">
+                <a:extLst>
+                  <a:ext uri="{FF2B5EF4-FFF2-40B4-BE49-F238E27FC236}">
+                    <a16:creationId xmlns:a16="http://schemas.microsoft.com/office/drawing/2014/main" id="{C3D98583-321A-4A96-851D-281F2A9EAB1C}"/>
+                  </a:ext>
+                </a:extLst>
+              </p:cNvPr>
+              <p:cNvSpPr/>
+              <p:nvPr/>
+            </p:nvSpPr>
+            <p:spPr>
+              <a:xfrm>
+                <a:off x="4193309" y="3629890"/>
+                <a:ext cx="1588655" cy="508000"/>
+              </a:xfrm>
+              <a:prstGeom prst="rect">
+                <a:avLst/>
+              </a:prstGeom>
+              <a:noFill/>
+            </p:spPr>
+            <p:style>
+              <a:lnRef idx="2">
+                <a:schemeClr val="accent1">
+                  <a:shade val="50000"/>
+                </a:schemeClr>
+              </a:lnRef>
+              <a:fillRef idx="1">
+                <a:schemeClr val="accent1"/>
+              </a:fillRef>
+              <a:effectRef idx="0">
+                <a:schemeClr val="accent1"/>
+              </a:effectRef>
+              <a:fontRef idx="minor">
+                <a:schemeClr val="lt1"/>
+              </a:fontRef>
+            </p:style>
+            <p:txBody>
+              <a:bodyPr rtlCol="0" anchor="ctr"/>
+              <a:lstStyle/>
+              <a:p>
+                <a:pPr algn="ctr"/>
+                <a:r>
+                  <a:rPr lang="en-US" dirty="0">
+                    <a:solidFill>
+                      <a:schemeClr val="tx1"/>
+                    </a:solidFill>
+                  </a:rPr>
+                  <a:t>Female</a:t>
+                </a:r>
+              </a:p>
+            </p:txBody>
+          </p:sp>
+          <p:sp>
+            <p:nvSpPr>
+              <p:cNvPr id="4" name="Rectangle 3">
+                <a:extLst>
+                  <a:ext uri="{FF2B5EF4-FFF2-40B4-BE49-F238E27FC236}">
+                    <a16:creationId xmlns:a16="http://schemas.microsoft.com/office/drawing/2014/main" id="{488F4EF6-CF6E-4371-8669-796C999EB412}"/>
+                  </a:ext>
+                </a:extLst>
+              </p:cNvPr>
+              <p:cNvSpPr/>
+              <p:nvPr/>
+            </p:nvSpPr>
+            <p:spPr>
+              <a:xfrm>
+                <a:off x="4193309" y="4137890"/>
+                <a:ext cx="1588655" cy="508000"/>
+              </a:xfrm>
+              <a:prstGeom prst="rect">
+                <a:avLst/>
+              </a:prstGeom>
+              <a:noFill/>
+            </p:spPr>
+            <p:style>
+              <a:lnRef idx="2">
+                <a:schemeClr val="accent1">
+                  <a:shade val="50000"/>
+                </a:schemeClr>
+              </a:lnRef>
+              <a:fillRef idx="1">
+                <a:schemeClr val="accent1"/>
+              </a:fillRef>
+              <a:effectRef idx="0">
+                <a:schemeClr val="accent1"/>
+              </a:effectRef>
+              <a:fontRef idx="minor">
+                <a:schemeClr val="lt1"/>
+              </a:fontRef>
+            </p:style>
+            <p:txBody>
+              <a:bodyPr rtlCol="0" anchor="ctr"/>
+              <a:lstStyle/>
+              <a:p>
+                <a:pPr algn="ctr"/>
+                <a:r>
+                  <a:rPr lang="en-US" dirty="0">
+                    <a:solidFill>
+                      <a:schemeClr val="tx1">
+                        <a:lumMod val="50000"/>
+                        <a:lumOff val="50000"/>
+                      </a:schemeClr>
+                    </a:solidFill>
+                  </a:rPr>
+                  <a:t>male</a:t>
+                </a:r>
+              </a:p>
+            </p:txBody>
+          </p:sp>
+          <p:sp>
+            <p:nvSpPr>
+              <p:cNvPr id="5" name="Rectangle 4">
+                <a:extLst>
+                  <a:ext uri="{FF2B5EF4-FFF2-40B4-BE49-F238E27FC236}">
+                    <a16:creationId xmlns:a16="http://schemas.microsoft.com/office/drawing/2014/main" id="{2FF20727-0245-40D2-ABD9-9AE382D39613}"/>
+                  </a:ext>
+                </a:extLst>
+              </p:cNvPr>
+              <p:cNvSpPr/>
+              <p:nvPr/>
+            </p:nvSpPr>
+            <p:spPr>
+              <a:xfrm>
+                <a:off x="4193309" y="4645890"/>
+                <a:ext cx="1588655" cy="508000"/>
+              </a:xfrm>
+              <a:prstGeom prst="rect">
+                <a:avLst/>
+              </a:prstGeom>
+              <a:noFill/>
+            </p:spPr>
+            <p:style>
+              <a:lnRef idx="2">
+                <a:schemeClr val="accent1">
+                  <a:shade val="50000"/>
+                </a:schemeClr>
+              </a:lnRef>
+              <a:fillRef idx="1">
+                <a:schemeClr val="accent1"/>
+              </a:fillRef>
+              <a:effectRef idx="0">
+                <a:schemeClr val="accent1"/>
+              </a:effectRef>
+              <a:fontRef idx="minor">
+                <a:schemeClr val="lt1"/>
+              </a:fontRef>
+            </p:style>
+            <p:txBody>
+              <a:bodyPr rtlCol="0" anchor="ctr"/>
+              <a:lstStyle/>
+              <a:p>
+                <a:pPr algn="ctr"/>
+                <a:r>
+                  <a:rPr lang="en-US" dirty="0">
+                    <a:solidFill>
+                      <a:schemeClr val="tx1">
+                        <a:lumMod val="50000"/>
+                        <a:lumOff val="50000"/>
+                      </a:schemeClr>
+                    </a:solidFill>
+                  </a:rPr>
+                  <a:t>female</a:t>
+                </a:r>
+              </a:p>
+            </p:txBody>
+          </p:sp>
+          <p:sp>
+            <p:nvSpPr>
+              <p:cNvPr id="6" name="Rectangle 5">
+                <a:extLst>
+                  <a:ext uri="{FF2B5EF4-FFF2-40B4-BE49-F238E27FC236}">
+                    <a16:creationId xmlns:a16="http://schemas.microsoft.com/office/drawing/2014/main" id="{F033D587-4251-43EA-9E60-811E18383C55}"/>
+                  </a:ext>
+                </a:extLst>
+              </p:cNvPr>
+              <p:cNvSpPr/>
+              <p:nvPr/>
+            </p:nvSpPr>
+            <p:spPr>
+              <a:xfrm>
+                <a:off x="4193308" y="2613890"/>
+                <a:ext cx="1588655" cy="508000"/>
+              </a:xfrm>
+              <a:prstGeom prst="rect">
+                <a:avLst/>
+              </a:prstGeom>
+              <a:noFill/>
+            </p:spPr>
+            <p:style>
+              <a:lnRef idx="2">
+                <a:schemeClr val="accent1">
+                  <a:shade val="50000"/>
+                </a:schemeClr>
+              </a:lnRef>
+              <a:fillRef idx="1">
+                <a:schemeClr val="accent1"/>
+              </a:fillRef>
+              <a:effectRef idx="0">
+                <a:schemeClr val="accent1"/>
+              </a:effectRef>
+              <a:fontRef idx="minor">
+                <a:schemeClr val="lt1"/>
+              </a:fontRef>
+            </p:style>
+            <p:txBody>
+              <a:bodyPr rtlCol="0" anchor="ctr"/>
+              <a:lstStyle/>
+              <a:p>
+                <a:pPr algn="ctr"/>
+                <a:r>
+                  <a:rPr lang="en-US" dirty="0">
+                    <a:solidFill>
+                      <a:schemeClr val="tx1">
+                        <a:lumMod val="50000"/>
+                        <a:lumOff val="50000"/>
+                      </a:schemeClr>
+                    </a:solidFill>
+                  </a:rPr>
+                  <a:t>female</a:t>
+                </a:r>
+              </a:p>
+            </p:txBody>
+          </p:sp>
+          <p:sp>
+            <p:nvSpPr>
+              <p:cNvPr id="7" name="Rectangle 6">
+                <a:extLst>
+                  <a:ext uri="{FF2B5EF4-FFF2-40B4-BE49-F238E27FC236}">
+                    <a16:creationId xmlns:a16="http://schemas.microsoft.com/office/drawing/2014/main" id="{06B7F190-A46A-45C7-A537-39A2A8E5A89D}"/>
+                  </a:ext>
+                </a:extLst>
+              </p:cNvPr>
+              <p:cNvSpPr/>
+              <p:nvPr/>
+            </p:nvSpPr>
+            <p:spPr>
+              <a:xfrm>
+                <a:off x="4193307" y="5153890"/>
+                <a:ext cx="1588655" cy="508000"/>
+              </a:xfrm>
+              <a:prstGeom prst="rect">
+                <a:avLst/>
+              </a:prstGeom>
+              <a:noFill/>
+            </p:spPr>
+            <p:style>
+              <a:lnRef idx="2">
+                <a:schemeClr val="accent1">
+                  <a:shade val="50000"/>
+                </a:schemeClr>
+              </a:lnRef>
+              <a:fillRef idx="1">
+                <a:schemeClr val="accent1"/>
+              </a:fillRef>
+              <a:effectRef idx="0">
+                <a:schemeClr val="accent1"/>
+              </a:effectRef>
+              <a:fontRef idx="minor">
+                <a:schemeClr val="lt1"/>
+              </a:fontRef>
+            </p:style>
+            <p:txBody>
+              <a:bodyPr rtlCol="0" anchor="ctr"/>
+              <a:lstStyle/>
+              <a:p>
+                <a:pPr algn="ctr"/>
+                <a:r>
+                  <a:rPr lang="en-US" dirty="0">
+                    <a:solidFill>
+                      <a:schemeClr val="tx1">
+                        <a:lumMod val="50000"/>
+                        <a:lumOff val="50000"/>
+                      </a:schemeClr>
+                    </a:solidFill>
+                  </a:rPr>
+                  <a:t>male</a:t>
+                </a:r>
+              </a:p>
+            </p:txBody>
+          </p:sp>
+          <p:sp>
+            <p:nvSpPr>
+              <p:cNvPr id="8" name="Rectangle 7">
+                <a:extLst>
+                  <a:ext uri="{FF2B5EF4-FFF2-40B4-BE49-F238E27FC236}">
+                    <a16:creationId xmlns:a16="http://schemas.microsoft.com/office/drawing/2014/main" id="{5DCF0FF3-9461-4A88-87DF-96944EC607E2}"/>
+                  </a:ext>
+                </a:extLst>
+              </p:cNvPr>
+              <p:cNvSpPr/>
+              <p:nvPr/>
+            </p:nvSpPr>
+            <p:spPr>
+              <a:xfrm>
+                <a:off x="4193306" y="2105890"/>
+                <a:ext cx="1588655" cy="508000"/>
+              </a:xfrm>
+              <a:prstGeom prst="rect">
+                <a:avLst/>
+              </a:prstGeom>
+              <a:noFill/>
+            </p:spPr>
+            <p:style>
+              <a:lnRef idx="2">
+                <a:schemeClr val="accent1">
+                  <a:shade val="50000"/>
+                </a:schemeClr>
+              </a:lnRef>
+              <a:fillRef idx="1">
+                <a:schemeClr val="accent1"/>
+              </a:fillRef>
+              <a:effectRef idx="0">
+                <a:schemeClr val="accent1"/>
+              </a:effectRef>
+              <a:fontRef idx="minor">
+                <a:schemeClr val="lt1"/>
+              </a:fontRef>
+            </p:style>
+            <p:txBody>
+              <a:bodyPr rtlCol="0" anchor="ctr"/>
+              <a:lstStyle/>
+              <a:p>
+                <a:pPr algn="ctr"/>
+                <a:r>
+                  <a:rPr lang="en-US" dirty="0">
+                    <a:solidFill>
+                      <a:schemeClr val="tx1">
+                        <a:lumMod val="50000"/>
+                        <a:lumOff val="50000"/>
+                      </a:schemeClr>
+                    </a:solidFill>
+                  </a:rPr>
+                  <a:t>male</a:t>
+                </a:r>
+              </a:p>
+            </p:txBody>
+          </p:sp>
+          <p:sp>
+            <p:nvSpPr>
+              <p:cNvPr id="16" name="TextBox 15">
+                <a:extLst>
+                  <a:ext uri="{FF2B5EF4-FFF2-40B4-BE49-F238E27FC236}">
+                    <a16:creationId xmlns:a16="http://schemas.microsoft.com/office/drawing/2014/main" id="{E7DA0442-072A-4FC7-B636-2FDA0C6B2544}"/>
+                  </a:ext>
+                </a:extLst>
+              </p:cNvPr>
+              <p:cNvSpPr txBox="1"/>
+              <p:nvPr/>
+            </p:nvSpPr>
+            <p:spPr>
+              <a:xfrm>
+                <a:off x="2484269" y="716886"/>
+                <a:ext cx="6494086" cy="400110"/>
+              </a:xfrm>
+              <a:prstGeom prst="rect">
+                <a:avLst/>
+              </a:prstGeom>
+              <a:noFill/>
+            </p:spPr>
+            <p:txBody>
+              <a:bodyPr wrap="none" rtlCol="0">
+                <a:spAutoFit/>
+              </a:bodyPr>
+              <a:lstStyle/>
+              <a:p>
+                <a:pPr algn="ctr"/>
+                <a:r>
+                  <a:rPr lang="en-US" sz="2000" b="1" dirty="0">
+                    <a:latin typeface="Courier New" panose="02070309020205020404" pitchFamily="49" charset="0"/>
+                    <a:cs typeface="Courier New" panose="02070309020205020404" pitchFamily="49" charset="0"/>
+                  </a:rPr>
+                  <a:t>gender == “female”  &amp;  study == “control”</a:t>
+                </a:r>
+              </a:p>
+            </p:txBody>
+          </p:sp>
+          <p:sp>
+            <p:nvSpPr>
+              <p:cNvPr id="17" name="Rectangle 16">
+                <a:extLst>
+                  <a:ext uri="{FF2B5EF4-FFF2-40B4-BE49-F238E27FC236}">
+                    <a16:creationId xmlns:a16="http://schemas.microsoft.com/office/drawing/2014/main" id="{7A0510F4-1A8D-4228-B735-25DEE5DAE005}"/>
+                  </a:ext>
+                </a:extLst>
+              </p:cNvPr>
+              <p:cNvSpPr/>
+              <p:nvPr/>
+            </p:nvSpPr>
+            <p:spPr>
+              <a:xfrm>
+                <a:off x="5781964" y="3121890"/>
+                <a:ext cx="1588655" cy="508000"/>
+              </a:xfrm>
+              <a:prstGeom prst="rect">
+                <a:avLst/>
+              </a:prstGeom>
+              <a:solidFill>
+                <a:schemeClr val="accent1">
+                  <a:lumMod val="75000"/>
+                </a:schemeClr>
+              </a:solidFill>
+              <a:ln>
+                <a:solidFill>
+                  <a:schemeClr val="bg1"/>
+                </a:solidFill>
+              </a:ln>
+            </p:spPr>
+            <p:style>
+              <a:lnRef idx="2">
+                <a:schemeClr val="accent1">
+                  <a:shade val="50000"/>
+                </a:schemeClr>
+              </a:lnRef>
+              <a:fillRef idx="1">
+                <a:schemeClr val="accent1"/>
+              </a:fillRef>
+              <a:effectRef idx="0">
+                <a:schemeClr val="accent1"/>
+              </a:effectRef>
+              <a:fontRef idx="minor">
+                <a:schemeClr val="lt1"/>
+              </a:fontRef>
+            </p:style>
+            <p:txBody>
+              <a:bodyPr rtlCol="0" anchor="ctr"/>
+              <a:lstStyle/>
+              <a:p>
+                <a:pPr algn="ctr"/>
+                <a:r>
+                  <a:rPr lang="en-US" dirty="0">
+                    <a:solidFill>
+                      <a:schemeClr val="bg1"/>
+                    </a:solidFill>
+                  </a:rPr>
+                  <a:t>control</a:t>
+                </a:r>
+              </a:p>
+            </p:txBody>
+          </p:sp>
+          <p:sp>
+            <p:nvSpPr>
+              <p:cNvPr id="18" name="Rectangle 17">
+                <a:extLst>
+                  <a:ext uri="{FF2B5EF4-FFF2-40B4-BE49-F238E27FC236}">
+                    <a16:creationId xmlns:a16="http://schemas.microsoft.com/office/drawing/2014/main" id="{E73CAB7B-D0AB-416E-BA02-A94AB53D2D27}"/>
+                  </a:ext>
+                </a:extLst>
+              </p:cNvPr>
+              <p:cNvSpPr/>
+              <p:nvPr/>
+            </p:nvSpPr>
+            <p:spPr>
+              <a:xfrm>
+                <a:off x="5781964" y="3629890"/>
+                <a:ext cx="1588655" cy="508000"/>
+              </a:xfrm>
+              <a:prstGeom prst="rect">
+                <a:avLst/>
+              </a:prstGeom>
+              <a:noFill/>
+            </p:spPr>
+            <p:style>
+              <a:lnRef idx="2">
+                <a:schemeClr val="accent1">
+                  <a:shade val="50000"/>
+                </a:schemeClr>
+              </a:lnRef>
+              <a:fillRef idx="1">
+                <a:schemeClr val="accent1"/>
+              </a:fillRef>
+              <a:effectRef idx="0">
+                <a:schemeClr val="accent1"/>
+              </a:effectRef>
+              <a:fontRef idx="minor">
+                <a:schemeClr val="lt1"/>
+              </a:fontRef>
+            </p:style>
+            <p:txBody>
+              <a:bodyPr rtlCol="0" anchor="ctr"/>
+              <a:lstStyle/>
+              <a:p>
+                <a:pPr algn="ctr"/>
+                <a:r>
+                  <a:rPr lang="en-US" dirty="0">
+                    <a:solidFill>
+                      <a:schemeClr val="tx1"/>
+                    </a:solidFill>
+                  </a:rPr>
+                  <a:t>control</a:t>
+                </a:r>
+              </a:p>
+            </p:txBody>
+          </p:sp>
+          <p:sp>
+            <p:nvSpPr>
+              <p:cNvPr id="19" name="Rectangle 18">
+                <a:extLst>
+                  <a:ext uri="{FF2B5EF4-FFF2-40B4-BE49-F238E27FC236}">
+                    <a16:creationId xmlns:a16="http://schemas.microsoft.com/office/drawing/2014/main" id="{ADF91CEF-DD2C-4754-B831-C302E7295136}"/>
+                  </a:ext>
+                </a:extLst>
+              </p:cNvPr>
+              <p:cNvSpPr/>
+              <p:nvPr/>
+            </p:nvSpPr>
+            <p:spPr>
+              <a:xfrm>
+                <a:off x="5781964" y="4137890"/>
+                <a:ext cx="1588655" cy="508000"/>
+              </a:xfrm>
+              <a:prstGeom prst="rect">
+                <a:avLst/>
+              </a:prstGeom>
+              <a:noFill/>
+            </p:spPr>
+            <p:style>
+              <a:lnRef idx="2">
+                <a:schemeClr val="accent1">
+                  <a:shade val="50000"/>
+                </a:schemeClr>
+              </a:lnRef>
+              <a:fillRef idx="1">
+                <a:schemeClr val="accent1"/>
+              </a:fillRef>
+              <a:effectRef idx="0">
+                <a:schemeClr val="accent1"/>
+              </a:effectRef>
+              <a:fontRef idx="minor">
+                <a:schemeClr val="lt1"/>
+              </a:fontRef>
+            </p:style>
+            <p:txBody>
+              <a:bodyPr rtlCol="0" anchor="ctr"/>
+              <a:lstStyle/>
+              <a:p>
+                <a:pPr algn="ctr"/>
+                <a:r>
+                  <a:rPr lang="en-US" dirty="0">
+                    <a:solidFill>
+                      <a:schemeClr val="tx1">
+                        <a:lumMod val="50000"/>
+                        <a:lumOff val="50000"/>
+                      </a:schemeClr>
+                    </a:solidFill>
+                  </a:rPr>
+                  <a:t>control</a:t>
+                </a:r>
+              </a:p>
+            </p:txBody>
+          </p:sp>
+          <p:sp>
+            <p:nvSpPr>
+              <p:cNvPr id="20" name="Rectangle 19">
+                <a:extLst>
+                  <a:ext uri="{FF2B5EF4-FFF2-40B4-BE49-F238E27FC236}">
+                    <a16:creationId xmlns:a16="http://schemas.microsoft.com/office/drawing/2014/main" id="{149476E6-8A30-47B4-A11A-E06847F424BC}"/>
+                  </a:ext>
+                </a:extLst>
+              </p:cNvPr>
+              <p:cNvSpPr/>
+              <p:nvPr/>
+            </p:nvSpPr>
+            <p:spPr>
+              <a:xfrm>
+                <a:off x="5781964" y="4645890"/>
+                <a:ext cx="1588655" cy="508000"/>
+              </a:xfrm>
+              <a:prstGeom prst="rect">
+                <a:avLst/>
+              </a:prstGeom>
+              <a:noFill/>
+            </p:spPr>
+            <p:style>
+              <a:lnRef idx="2">
+                <a:schemeClr val="accent1">
+                  <a:shade val="50000"/>
+                </a:schemeClr>
+              </a:lnRef>
+              <a:fillRef idx="1">
+                <a:schemeClr val="accent1"/>
+              </a:fillRef>
+              <a:effectRef idx="0">
+                <a:schemeClr val="accent1"/>
+              </a:effectRef>
+              <a:fontRef idx="minor">
+                <a:schemeClr val="lt1"/>
+              </a:fontRef>
+            </p:style>
+            <p:txBody>
+              <a:bodyPr rtlCol="0" anchor="ctr"/>
+              <a:lstStyle/>
+              <a:p>
+                <a:pPr algn="ctr"/>
+                <a:r>
+                  <a:rPr lang="en-US" dirty="0">
+                    <a:solidFill>
+                      <a:schemeClr val="tx1">
+                        <a:lumMod val="50000"/>
+                        <a:lumOff val="50000"/>
+                      </a:schemeClr>
+                    </a:solidFill>
+                  </a:rPr>
+                  <a:t>treatment</a:t>
+                </a:r>
+              </a:p>
+            </p:txBody>
+          </p:sp>
+          <p:sp>
+            <p:nvSpPr>
+              <p:cNvPr id="21" name="Rectangle 20">
+                <a:extLst>
+                  <a:ext uri="{FF2B5EF4-FFF2-40B4-BE49-F238E27FC236}">
+                    <a16:creationId xmlns:a16="http://schemas.microsoft.com/office/drawing/2014/main" id="{1BE0B8D5-F29D-4AC4-93E3-C9A85E99904C}"/>
+                  </a:ext>
+                </a:extLst>
+              </p:cNvPr>
+              <p:cNvSpPr/>
+              <p:nvPr/>
+            </p:nvSpPr>
+            <p:spPr>
+              <a:xfrm>
+                <a:off x="5781963" y="2613890"/>
+                <a:ext cx="1588655" cy="508000"/>
+              </a:xfrm>
+              <a:prstGeom prst="rect">
+                <a:avLst/>
+              </a:prstGeom>
+              <a:noFill/>
+            </p:spPr>
+            <p:style>
+              <a:lnRef idx="2">
+                <a:schemeClr val="accent1">
+                  <a:shade val="50000"/>
+                </a:schemeClr>
+              </a:lnRef>
+              <a:fillRef idx="1">
+                <a:schemeClr val="accent1"/>
+              </a:fillRef>
+              <a:effectRef idx="0">
+                <a:schemeClr val="accent1"/>
+              </a:effectRef>
+              <a:fontRef idx="minor">
+                <a:schemeClr val="lt1"/>
+              </a:fontRef>
+            </p:style>
+            <p:txBody>
+              <a:bodyPr rtlCol="0" anchor="ctr"/>
+              <a:lstStyle/>
+              <a:p>
+                <a:pPr algn="ctr"/>
+                <a:r>
+                  <a:rPr lang="en-US" dirty="0">
+                    <a:solidFill>
+                      <a:schemeClr val="tx1">
+                        <a:lumMod val="50000"/>
+                        <a:lumOff val="50000"/>
+                      </a:schemeClr>
+                    </a:solidFill>
+                  </a:rPr>
+                  <a:t>treatment</a:t>
+                </a:r>
+              </a:p>
+            </p:txBody>
+          </p:sp>
+          <p:sp>
+            <p:nvSpPr>
+              <p:cNvPr id="22" name="Rectangle 21">
+                <a:extLst>
+                  <a:ext uri="{FF2B5EF4-FFF2-40B4-BE49-F238E27FC236}">
+                    <a16:creationId xmlns:a16="http://schemas.microsoft.com/office/drawing/2014/main" id="{0A4ADA72-8D75-47C7-A2A6-9DF2BF8450D7}"/>
+                  </a:ext>
+                </a:extLst>
+              </p:cNvPr>
+              <p:cNvSpPr/>
+              <p:nvPr/>
+            </p:nvSpPr>
+            <p:spPr>
+              <a:xfrm>
+                <a:off x="5781962" y="5153890"/>
+                <a:ext cx="1588655" cy="508000"/>
+              </a:xfrm>
+              <a:prstGeom prst="rect">
+                <a:avLst/>
+              </a:prstGeom>
+              <a:noFill/>
+            </p:spPr>
+            <p:style>
+              <a:lnRef idx="2">
+                <a:schemeClr val="accent1">
+                  <a:shade val="50000"/>
+                </a:schemeClr>
+              </a:lnRef>
+              <a:fillRef idx="1">
+                <a:schemeClr val="accent1"/>
+              </a:fillRef>
+              <a:effectRef idx="0">
+                <a:schemeClr val="accent1"/>
+              </a:effectRef>
+              <a:fontRef idx="minor">
+                <a:schemeClr val="lt1"/>
+              </a:fontRef>
+            </p:style>
+            <p:txBody>
+              <a:bodyPr rtlCol="0" anchor="ctr"/>
+              <a:lstStyle/>
+              <a:p>
+                <a:pPr algn="ctr"/>
+                <a:r>
+                  <a:rPr lang="en-US" dirty="0">
+                    <a:solidFill>
+                      <a:schemeClr val="tx1">
+                        <a:lumMod val="50000"/>
+                        <a:lumOff val="50000"/>
+                      </a:schemeClr>
+                    </a:solidFill>
+                  </a:rPr>
+                  <a:t>treatment</a:t>
+                </a:r>
+              </a:p>
+            </p:txBody>
+          </p:sp>
+          <p:sp>
+            <p:nvSpPr>
+              <p:cNvPr id="23" name="Rectangle 22">
+                <a:extLst>
+                  <a:ext uri="{FF2B5EF4-FFF2-40B4-BE49-F238E27FC236}">
+                    <a16:creationId xmlns:a16="http://schemas.microsoft.com/office/drawing/2014/main" id="{73276385-1246-47F6-AF3B-FEE565AC1BB9}"/>
+                  </a:ext>
+                </a:extLst>
+              </p:cNvPr>
+              <p:cNvSpPr/>
+              <p:nvPr/>
+            </p:nvSpPr>
+            <p:spPr>
+              <a:xfrm>
+                <a:off x="5781961" y="2105890"/>
+                <a:ext cx="1588655" cy="508000"/>
+              </a:xfrm>
+              <a:prstGeom prst="rect">
+                <a:avLst/>
+              </a:prstGeom>
+              <a:noFill/>
+            </p:spPr>
+            <p:style>
+              <a:lnRef idx="2">
+                <a:schemeClr val="accent1">
+                  <a:shade val="50000"/>
+                </a:schemeClr>
+              </a:lnRef>
+              <a:fillRef idx="1">
+                <a:schemeClr val="accent1"/>
+              </a:fillRef>
+              <a:effectRef idx="0">
+                <a:schemeClr val="accent1"/>
+              </a:effectRef>
+              <a:fontRef idx="minor">
+                <a:schemeClr val="lt1"/>
+              </a:fontRef>
+            </p:style>
+            <p:txBody>
+              <a:bodyPr rtlCol="0" anchor="ctr"/>
+              <a:lstStyle/>
+              <a:p>
+                <a:pPr algn="ctr"/>
+                <a:r>
+                  <a:rPr lang="en-US" dirty="0">
+                    <a:solidFill>
+                      <a:schemeClr val="tx1">
+                        <a:lumMod val="50000"/>
+                        <a:lumOff val="50000"/>
+                      </a:schemeClr>
+                    </a:solidFill>
+                  </a:rPr>
+                  <a:t>control</a:t>
+                </a:r>
+              </a:p>
+            </p:txBody>
+          </p:sp>
+          <p:sp>
+            <p:nvSpPr>
+              <p:cNvPr id="24" name="Rectangle 23">
+                <a:extLst>
+                  <a:ext uri="{FF2B5EF4-FFF2-40B4-BE49-F238E27FC236}">
+                    <a16:creationId xmlns:a16="http://schemas.microsoft.com/office/drawing/2014/main" id="{B7035B74-CD3A-4281-AB96-047CFCBC1303}"/>
+                  </a:ext>
+                </a:extLst>
+              </p:cNvPr>
+              <p:cNvSpPr/>
+              <p:nvPr/>
+            </p:nvSpPr>
+            <p:spPr>
+              <a:xfrm>
+                <a:off x="4193306" y="3121890"/>
+                <a:ext cx="1588655" cy="508000"/>
+              </a:xfrm>
+              <a:prstGeom prst="rect">
+                <a:avLst/>
+              </a:prstGeom>
+              <a:solidFill>
+                <a:schemeClr val="accent1">
+                  <a:lumMod val="75000"/>
+                </a:schemeClr>
+              </a:solidFill>
+              <a:ln>
+                <a:solidFill>
+                  <a:schemeClr val="bg1"/>
+                </a:solidFill>
+              </a:ln>
+            </p:spPr>
+            <p:style>
+              <a:lnRef idx="2">
+                <a:schemeClr val="accent1">
+                  <a:shade val="50000"/>
+                </a:schemeClr>
+              </a:lnRef>
+              <a:fillRef idx="1">
+                <a:schemeClr val="accent1"/>
+              </a:fillRef>
+              <a:effectRef idx="0">
+                <a:schemeClr val="accent1"/>
+              </a:effectRef>
+              <a:fontRef idx="minor">
+                <a:schemeClr val="lt1"/>
+              </a:fontRef>
+            </p:style>
+            <p:txBody>
+              <a:bodyPr rtlCol="0" anchor="ctr"/>
+              <a:lstStyle/>
+              <a:p>
+                <a:pPr algn="ctr"/>
+                <a:r>
+                  <a:rPr lang="en-US" dirty="0">
+                    <a:solidFill>
+                      <a:schemeClr val="bg1"/>
+                    </a:solidFill>
+                  </a:rPr>
+                  <a:t>female</a:t>
+                </a:r>
+              </a:p>
+            </p:txBody>
+          </p:sp>
+          <p:sp>
+            <p:nvSpPr>
+              <p:cNvPr id="25" name="Rectangle 24">
+                <a:extLst>
+                  <a:ext uri="{FF2B5EF4-FFF2-40B4-BE49-F238E27FC236}">
+                    <a16:creationId xmlns:a16="http://schemas.microsoft.com/office/drawing/2014/main" id="{83B4DCF9-1C50-424D-BF05-AC8016173A26}"/>
+                  </a:ext>
+                </a:extLst>
+              </p:cNvPr>
+              <p:cNvSpPr/>
+              <p:nvPr/>
+            </p:nvSpPr>
+            <p:spPr>
+              <a:xfrm>
+                <a:off x="4193306" y="3629890"/>
+                <a:ext cx="1588655" cy="508000"/>
+              </a:xfrm>
+              <a:prstGeom prst="rect">
+                <a:avLst/>
+              </a:prstGeom>
+              <a:solidFill>
+                <a:schemeClr val="accent1">
+                  <a:lumMod val="75000"/>
+                </a:schemeClr>
+              </a:solidFill>
+              <a:ln>
+                <a:solidFill>
+                  <a:schemeClr val="bg1"/>
+                </a:solidFill>
+              </a:ln>
+            </p:spPr>
+            <p:style>
+              <a:lnRef idx="2">
+                <a:schemeClr val="accent1">
+                  <a:shade val="50000"/>
+                </a:schemeClr>
+              </a:lnRef>
+              <a:fillRef idx="1">
+                <a:schemeClr val="accent1"/>
+              </a:fillRef>
+              <a:effectRef idx="0">
+                <a:schemeClr val="accent1"/>
+              </a:effectRef>
+              <a:fontRef idx="minor">
+                <a:schemeClr val="lt1"/>
+              </a:fontRef>
+            </p:style>
+            <p:txBody>
+              <a:bodyPr rtlCol="0" anchor="ctr"/>
+              <a:lstStyle/>
+              <a:p>
+                <a:pPr algn="ctr"/>
+                <a:r>
+                  <a:rPr lang="en-US" dirty="0">
+                    <a:solidFill>
+                      <a:schemeClr val="bg1"/>
+                    </a:solidFill>
+                  </a:rPr>
+                  <a:t>female</a:t>
+                </a:r>
+              </a:p>
+            </p:txBody>
+          </p:sp>
+          <p:sp>
+            <p:nvSpPr>
+              <p:cNvPr id="26" name="Rectangle 25">
+                <a:extLst>
+                  <a:ext uri="{FF2B5EF4-FFF2-40B4-BE49-F238E27FC236}">
+                    <a16:creationId xmlns:a16="http://schemas.microsoft.com/office/drawing/2014/main" id="{DBA8EE56-022A-43D6-8813-CA3BCC80C001}"/>
+                  </a:ext>
+                </a:extLst>
+              </p:cNvPr>
+              <p:cNvSpPr/>
+              <p:nvPr/>
+            </p:nvSpPr>
+            <p:spPr>
+              <a:xfrm>
+                <a:off x="5781961" y="3629890"/>
+                <a:ext cx="1588655" cy="508000"/>
+              </a:xfrm>
+              <a:prstGeom prst="rect">
+                <a:avLst/>
+              </a:prstGeom>
+              <a:solidFill>
+                <a:schemeClr val="accent1">
+                  <a:lumMod val="75000"/>
+                </a:schemeClr>
+              </a:solidFill>
+              <a:ln>
+                <a:solidFill>
+                  <a:schemeClr val="bg1"/>
+                </a:solidFill>
+              </a:ln>
+            </p:spPr>
+            <p:style>
+              <a:lnRef idx="2">
+                <a:schemeClr val="accent1">
+                  <a:shade val="50000"/>
+                </a:schemeClr>
+              </a:lnRef>
+              <a:fillRef idx="1">
+                <a:schemeClr val="accent1"/>
+              </a:fillRef>
+              <a:effectRef idx="0">
+                <a:schemeClr val="accent1"/>
+              </a:effectRef>
+              <a:fontRef idx="minor">
+                <a:schemeClr val="lt1"/>
+              </a:fontRef>
+            </p:style>
+            <p:txBody>
+              <a:bodyPr rtlCol="0" anchor="ctr"/>
+              <a:lstStyle/>
+              <a:p>
+                <a:pPr algn="ctr"/>
+                <a:r>
+                  <a:rPr lang="en-US" dirty="0">
+                    <a:solidFill>
+                      <a:schemeClr val="bg1"/>
+                    </a:solidFill>
+                  </a:rPr>
+                  <a:t>control</a:t>
+                </a:r>
+              </a:p>
+            </p:txBody>
+          </p:sp>
+          <p:sp>
+            <p:nvSpPr>
+              <p:cNvPr id="27" name="TextBox 26">
+                <a:extLst>
+                  <a:ext uri="{FF2B5EF4-FFF2-40B4-BE49-F238E27FC236}">
+                    <a16:creationId xmlns:a16="http://schemas.microsoft.com/office/drawing/2014/main" id="{35D664FD-FBFB-4208-B427-399406CDD6A3}"/>
+                  </a:ext>
+                </a:extLst>
+              </p:cNvPr>
+              <p:cNvSpPr txBox="1"/>
+              <p:nvPr/>
+            </p:nvSpPr>
+            <p:spPr>
+              <a:xfrm>
+                <a:off x="1922256" y="3468391"/>
+                <a:ext cx="1124026" cy="830997"/>
+              </a:xfrm>
+              <a:prstGeom prst="rect">
+                <a:avLst/>
+              </a:prstGeom>
+              <a:noFill/>
+            </p:spPr>
+            <p:txBody>
+              <a:bodyPr wrap="none" rtlCol="0">
+                <a:spAutoFit/>
+              </a:bodyPr>
+              <a:lstStyle/>
+              <a:p>
+                <a:pPr algn="r"/>
+                <a:r>
+                  <a:rPr lang="en-US" sz="2400" b="1" cap="small" dirty="0">
+                    <a:solidFill>
+                      <a:schemeClr val="tx1">
+                        <a:lumMod val="50000"/>
+                        <a:lumOff val="50000"/>
+                      </a:schemeClr>
+                    </a:solidFill>
+                    <a:latin typeface="Century Gothic" panose="020B0502020202020204" pitchFamily="34" charset="0"/>
+                  </a:rPr>
+                  <a:t>Study </a:t>
+                </a:r>
+              </a:p>
+              <a:p>
+                <a:pPr algn="r"/>
+                <a:r>
+                  <a:rPr lang="en-US" sz="2400" b="1" cap="small" dirty="0">
+                    <a:solidFill>
+                      <a:schemeClr val="tx1">
+                        <a:lumMod val="50000"/>
+                        <a:lumOff val="50000"/>
+                      </a:schemeClr>
+                    </a:solidFill>
+                    <a:latin typeface="Century Gothic" panose="020B0502020202020204" pitchFamily="34" charset="0"/>
+                  </a:rPr>
+                  <a:t>Sample</a:t>
+                </a:r>
+              </a:p>
+            </p:txBody>
+          </p:sp>
+          <p:sp>
+            <p:nvSpPr>
+              <p:cNvPr id="28" name="Left Brace 27">
+                <a:extLst>
+                  <a:ext uri="{FF2B5EF4-FFF2-40B4-BE49-F238E27FC236}">
+                    <a16:creationId xmlns:a16="http://schemas.microsoft.com/office/drawing/2014/main" id="{6D029E89-E43F-45F1-AE24-F6DA3CECAF58}"/>
+                  </a:ext>
+                </a:extLst>
+              </p:cNvPr>
+              <p:cNvSpPr/>
+              <p:nvPr/>
+            </p:nvSpPr>
+            <p:spPr>
+              <a:xfrm>
+                <a:off x="3284426" y="2105890"/>
+                <a:ext cx="383703" cy="3556000"/>
+              </a:xfrm>
+              <a:prstGeom prst="leftBrace">
+                <a:avLst>
+                  <a:gd name="adj1" fmla="val 8333"/>
+                  <a:gd name="adj2" fmla="val 50398"/>
+                </a:avLst>
+              </a:prstGeom>
+              <a:ln w="12700">
+                <a:solidFill>
+                  <a:schemeClr val="bg2">
+                    <a:lumMod val="25000"/>
+                  </a:schemeClr>
+                </a:solidFill>
+              </a:ln>
+            </p:spPr>
+            <p:style>
+              <a:lnRef idx="1">
+                <a:schemeClr val="accent1"/>
+              </a:lnRef>
+              <a:fillRef idx="0">
+                <a:schemeClr val="accent1"/>
+              </a:fillRef>
+              <a:effectRef idx="0">
+                <a:schemeClr val="accent1"/>
+              </a:effectRef>
+              <a:fontRef idx="minor">
+                <a:schemeClr val="tx1"/>
+              </a:fontRef>
+            </p:style>
+            <p:txBody>
+              <a:bodyPr rtlCol="0" anchor="ctr"/>
+              <a:lstStyle/>
+              <a:p>
+                <a:pPr algn="ctr"/>
+                <a:endParaRPr lang="en-US"/>
+              </a:p>
+            </p:txBody>
+          </p:sp>
+          <p:sp>
+            <p:nvSpPr>
+              <p:cNvPr id="29" name="Left Brace 28">
+                <a:extLst>
+                  <a:ext uri="{FF2B5EF4-FFF2-40B4-BE49-F238E27FC236}">
+                    <a16:creationId xmlns:a16="http://schemas.microsoft.com/office/drawing/2014/main" id="{AAEC459E-03D6-4CFC-AE50-CD092EDD5A96}"/>
+                  </a:ext>
+                </a:extLst>
+              </p:cNvPr>
+              <p:cNvSpPr/>
+              <p:nvPr/>
+            </p:nvSpPr>
+            <p:spPr>
+              <a:xfrm flipH="1">
+                <a:off x="7751412" y="3168140"/>
+                <a:ext cx="383703" cy="923498"/>
+              </a:xfrm>
+              <a:prstGeom prst="leftBrace">
+                <a:avLst>
+                  <a:gd name="adj1" fmla="val 8333"/>
+                  <a:gd name="adj2" fmla="val 50398"/>
+                </a:avLst>
+              </a:prstGeom>
+              <a:ln w="12700">
+                <a:solidFill>
+                  <a:schemeClr val="bg2">
+                    <a:lumMod val="25000"/>
+                  </a:schemeClr>
+                </a:solidFill>
+              </a:ln>
+            </p:spPr>
+            <p:style>
+              <a:lnRef idx="1">
+                <a:schemeClr val="accent1"/>
+              </a:lnRef>
+              <a:fillRef idx="0">
+                <a:schemeClr val="accent1"/>
+              </a:fillRef>
+              <a:effectRef idx="0">
+                <a:schemeClr val="accent1"/>
+              </a:effectRef>
+              <a:fontRef idx="minor">
+                <a:schemeClr val="tx1"/>
+              </a:fontRef>
+            </p:style>
+            <p:txBody>
+              <a:bodyPr rtlCol="0" anchor="ctr"/>
+              <a:lstStyle/>
+              <a:p>
+                <a:pPr algn="ctr"/>
+                <a:endParaRPr lang="en-US"/>
+              </a:p>
+            </p:txBody>
+          </p:sp>
+          <p:sp>
+            <p:nvSpPr>
+              <p:cNvPr id="30" name="TextBox 29">
+                <a:extLst>
+                  <a:ext uri="{FF2B5EF4-FFF2-40B4-BE49-F238E27FC236}">
+                    <a16:creationId xmlns:a16="http://schemas.microsoft.com/office/drawing/2014/main" id="{84A38634-C2CF-4B6D-806B-FAA73A22718A}"/>
+                  </a:ext>
+                </a:extLst>
+              </p:cNvPr>
+              <p:cNvSpPr txBox="1"/>
+              <p:nvPr/>
+            </p:nvSpPr>
+            <p:spPr>
+              <a:xfrm>
+                <a:off x="8207037" y="3214391"/>
+                <a:ext cx="1308371" cy="830997"/>
+              </a:xfrm>
+              <a:prstGeom prst="rect">
+                <a:avLst/>
+              </a:prstGeom>
+              <a:noFill/>
+            </p:spPr>
+            <p:txBody>
+              <a:bodyPr wrap="none" rtlCol="0">
+                <a:spAutoFit/>
+              </a:bodyPr>
+              <a:lstStyle/>
+              <a:p>
+                <a:pPr algn="ctr"/>
+                <a:r>
+                  <a:rPr lang="en-US" sz="2400" b="1" cap="small" dirty="0">
+                    <a:solidFill>
+                      <a:schemeClr val="tx1">
+                        <a:lumMod val="50000"/>
+                        <a:lumOff val="50000"/>
+                      </a:schemeClr>
+                    </a:solidFill>
+                    <a:latin typeface="Century Gothic" panose="020B0502020202020204" pitchFamily="34" charset="0"/>
+                  </a:rPr>
+                  <a:t>Selected</a:t>
+                </a:r>
+                <a:br>
+                  <a:rPr lang="en-US" sz="2400" b="1" cap="small" dirty="0">
+                    <a:solidFill>
+                      <a:schemeClr val="tx1">
+                        <a:lumMod val="50000"/>
+                        <a:lumOff val="50000"/>
+                      </a:schemeClr>
+                    </a:solidFill>
+                    <a:latin typeface="Century Gothic" panose="020B0502020202020204" pitchFamily="34" charset="0"/>
+                  </a:rPr>
+                </a:br>
+                <a:r>
+                  <a:rPr lang="en-US" sz="2400" b="1" cap="small" dirty="0">
+                    <a:solidFill>
+                      <a:schemeClr val="tx1">
+                        <a:lumMod val="50000"/>
+                        <a:lumOff val="50000"/>
+                      </a:schemeClr>
+                    </a:solidFill>
+                    <a:latin typeface="Century Gothic" panose="020B0502020202020204" pitchFamily="34" charset="0"/>
+                  </a:rPr>
+                  <a:t>Group</a:t>
+                </a:r>
+              </a:p>
+            </p:txBody>
+          </p:sp>
+        </p:grpSp>
+        <p:sp>
+          <p:nvSpPr>
+            <p:cNvPr id="32" name="TextBox 31">
+              <a:extLst>
+                <a:ext uri="{FF2B5EF4-FFF2-40B4-BE49-F238E27FC236}">
+                  <a16:creationId xmlns:a16="http://schemas.microsoft.com/office/drawing/2014/main" id="{D5E27DED-5894-4B46-AD8D-CE0393FEE808}"/>
+                </a:ext>
+              </a:extLst>
+            </p:cNvPr>
+            <p:cNvSpPr txBox="1"/>
+            <p:nvPr/>
+          </p:nvSpPr>
+          <p:spPr>
+            <a:xfrm>
+              <a:off x="4933581" y="2236070"/>
+              <a:ext cx="1087157" cy="400110"/>
+            </a:xfrm>
+            <a:prstGeom prst="rect">
+              <a:avLst/>
+            </a:prstGeom>
+            <a:noFill/>
+          </p:spPr>
+          <p:txBody>
+            <a:bodyPr wrap="none" rtlCol="0">
+              <a:spAutoFit/>
+            </a:bodyPr>
+            <a:lstStyle/>
+            <a:p>
+              <a:pPr algn="r"/>
+              <a:r>
+                <a:rPr lang="en-US" sz="2000" b="1" dirty="0">
+                  <a:solidFill>
+                    <a:schemeClr val="tx1">
+                      <a:lumMod val="50000"/>
+                      <a:lumOff val="50000"/>
+                    </a:schemeClr>
+                  </a:solidFill>
+                  <a:latin typeface="Century Gothic" panose="020B0502020202020204" pitchFamily="34" charset="0"/>
+                </a:rPr>
+                <a:t>gender</a:t>
+              </a:r>
+            </a:p>
+          </p:txBody>
+        </p:sp>
+        <p:sp>
+          <p:nvSpPr>
+            <p:cNvPr id="33" name="TextBox 32">
+              <a:extLst>
+                <a:ext uri="{FF2B5EF4-FFF2-40B4-BE49-F238E27FC236}">
+                  <a16:creationId xmlns:a16="http://schemas.microsoft.com/office/drawing/2014/main" id="{5B6DB129-1C9F-4369-8DBA-AB4A1577FEDD}"/>
+                </a:ext>
+              </a:extLst>
+            </p:cNvPr>
+            <p:cNvSpPr txBox="1"/>
+            <p:nvPr/>
+          </p:nvSpPr>
+          <p:spPr>
+            <a:xfrm>
+              <a:off x="6680933" y="2234596"/>
+              <a:ext cx="846707" cy="400110"/>
+            </a:xfrm>
+            <a:prstGeom prst="rect">
+              <a:avLst/>
+            </a:prstGeom>
+            <a:noFill/>
+          </p:spPr>
+          <p:txBody>
+            <a:bodyPr wrap="none" rtlCol="0">
+              <a:spAutoFit/>
+            </a:bodyPr>
+            <a:lstStyle/>
+            <a:p>
+              <a:pPr algn="r"/>
+              <a:r>
+                <a:rPr lang="en-US" sz="2000" b="1" dirty="0">
+                  <a:solidFill>
+                    <a:schemeClr val="tx1">
+                      <a:lumMod val="50000"/>
+                      <a:lumOff val="50000"/>
+                    </a:schemeClr>
+                  </a:solidFill>
+                  <a:latin typeface="Century Gothic" panose="020B0502020202020204" pitchFamily="34" charset="0"/>
+                </a:rPr>
+                <a:t>study</a:t>
+              </a:r>
+            </a:p>
+          </p:txBody>
+        </p:sp>
+      </p:grpSp>
+    </p:spTree>
+    <p:extLst>
+      <p:ext uri="{BB962C8B-B14F-4D97-AF65-F5344CB8AC3E}">
+        <p14:creationId xmlns:p14="http://schemas.microsoft.com/office/powerpoint/2010/main" val="1041487758"/>
+      </p:ext>
+    </p:extLst>
+  </p:cSld>
+  <p:clrMapOvr>
+    <a:masterClrMapping/>
+  </p:clrMapOvr>
+</p:sld>
+</file>
+
+<file path=ppt/slides/slide15.xml><?xml version="1.0" encoding="utf-8"?>
+<p:sld xmlns:a="http://schemas.openxmlformats.org/drawingml/2006/main" xmlns:r="http://schemas.openxmlformats.org/officeDocument/2006/relationships" xmlns:p="http://schemas.openxmlformats.org/presentationml/2006/main">
+  <p:cSld>
+    <p:spTree>
+      <p:nvGrpSpPr>
+        <p:cNvPr id="1" name=""/>
+        <p:cNvGrpSpPr/>
+        <p:nvPr/>
+      </p:nvGrpSpPr>
+      <p:grpSpPr>
+        <a:xfrm>
+          <a:off x="0" y="0"/>
+          <a:ext cx="0" cy="0"/>
+          <a:chOff x="0" y="0"/>
+          <a:chExt cx="0" cy="0"/>
+        </a:xfrm>
+      </p:grpSpPr>
+      <p:grpSp>
+        <p:nvGrpSpPr>
+          <p:cNvPr id="11" name="Group 10">
+            <a:extLst>
+              <a:ext uri="{FF2B5EF4-FFF2-40B4-BE49-F238E27FC236}">
+                <a16:creationId xmlns:a16="http://schemas.microsoft.com/office/drawing/2014/main" id="{43B1AFAC-D7E4-46E3-BBC2-12321745FFFC}"/>
+              </a:ext>
+            </a:extLst>
+          </p:cNvPr>
+          <p:cNvGrpSpPr/>
+          <p:nvPr/>
+        </p:nvGrpSpPr>
+        <p:grpSpPr>
+          <a:xfrm>
+            <a:off x="2255964" y="884051"/>
+            <a:ext cx="7761891" cy="5387439"/>
+            <a:chOff x="2255964" y="884051"/>
+            <a:chExt cx="7761891" cy="5387439"/>
+          </a:xfrm>
+        </p:grpSpPr>
+        <p:sp>
+          <p:nvSpPr>
+            <p:cNvPr id="16" name="TextBox 15">
+              <a:extLst>
+                <a:ext uri="{FF2B5EF4-FFF2-40B4-BE49-F238E27FC236}">
+                  <a16:creationId xmlns:a16="http://schemas.microsoft.com/office/drawing/2014/main" id="{E7DA0442-072A-4FC7-B636-2FDA0C6B2544}"/>
+                </a:ext>
+              </a:extLst>
+            </p:cNvPr>
+            <p:cNvSpPr txBox="1"/>
+            <p:nvPr/>
+          </p:nvSpPr>
+          <p:spPr>
+            <a:xfrm>
+              <a:off x="2772013" y="884051"/>
+              <a:ext cx="6647974" cy="1323439"/>
+            </a:xfrm>
+            <a:prstGeom prst="rect">
+              <a:avLst/>
+            </a:prstGeom>
+            <a:noFill/>
+          </p:spPr>
+          <p:txBody>
+            <a:bodyPr wrap="none" rtlCol="0">
+              <a:spAutoFit/>
+            </a:bodyPr>
+            <a:lstStyle/>
+            <a:p>
+              <a:pPr algn="ctr"/>
+              <a:r>
+                <a:rPr lang="en-US" sz="2000" b="1" dirty="0">
+                  <a:latin typeface="Courier New" panose="02070309020205020404" pitchFamily="49" charset="0"/>
+                  <a:cs typeface="Courier New" panose="02070309020205020404" pitchFamily="49" charset="0"/>
+                </a:rPr>
+                <a:t>gender == “male” &amp;  beard == TRUE</a:t>
+              </a:r>
+            </a:p>
+            <a:p>
+              <a:pPr algn="ctr"/>
+              <a:r>
+                <a:rPr lang="en-US" sz="2000" b="1" dirty="0">
+                  <a:latin typeface="Courier New" panose="02070309020205020404" pitchFamily="49" charset="0"/>
+                  <a:cs typeface="Courier New" panose="02070309020205020404" pitchFamily="49" charset="0"/>
+                </a:rPr>
+                <a:t>!( gender == “male” &amp;  beard == TRUE ) </a:t>
+              </a:r>
+            </a:p>
+            <a:p>
+              <a:pPr algn="ctr"/>
+              <a:r>
+                <a:rPr lang="en-US" sz="2000" b="1" dirty="0">
+                  <a:latin typeface="Courier New" panose="02070309020205020404" pitchFamily="49" charset="0"/>
+                  <a:cs typeface="Courier New" panose="02070309020205020404" pitchFamily="49" charset="0"/>
+                </a:rPr>
+                <a:t>    gender == “male” &amp;  beard == FALSE   </a:t>
+              </a:r>
+            </a:p>
+            <a:p>
+              <a:pPr algn="ctr"/>
+              <a:endParaRPr lang="en-US" sz="2000" b="1" dirty="0">
+                <a:latin typeface="Courier New" panose="02070309020205020404" pitchFamily="49" charset="0"/>
+                <a:cs typeface="Courier New" panose="02070309020205020404" pitchFamily="49" charset="0"/>
+              </a:endParaRPr>
+            </a:p>
+          </p:txBody>
+        </p:sp>
+        <p:sp>
+          <p:nvSpPr>
+            <p:cNvPr id="3" name="Rectangle 2">
+              <a:extLst>
+                <a:ext uri="{FF2B5EF4-FFF2-40B4-BE49-F238E27FC236}">
+                  <a16:creationId xmlns:a16="http://schemas.microsoft.com/office/drawing/2014/main" id="{C3D98583-321A-4A96-851D-281F2A9EAB1C}"/>
+                </a:ext>
+              </a:extLst>
+            </p:cNvPr>
+            <p:cNvSpPr/>
+            <p:nvPr/>
+          </p:nvSpPr>
+          <p:spPr>
+            <a:xfrm>
+              <a:off x="4682836" y="4239490"/>
+              <a:ext cx="1588655" cy="508000"/>
+            </a:xfrm>
+            <a:prstGeom prst="rect">
+              <a:avLst/>
+            </a:prstGeom>
+            <a:noFill/>
+          </p:spPr>
+          <p:style>
+            <a:lnRef idx="2">
+              <a:schemeClr val="accent1">
+                <a:shade val="50000"/>
+              </a:schemeClr>
+            </a:lnRef>
+            <a:fillRef idx="1">
+              <a:schemeClr val="accent1"/>
+            </a:fillRef>
+            <a:effectRef idx="0">
+              <a:schemeClr val="accent1"/>
+            </a:effectRef>
+            <a:fontRef idx="minor">
+              <a:schemeClr val="lt1"/>
+            </a:fontRef>
+          </p:style>
+          <p:txBody>
+            <a:bodyPr rtlCol="0" anchor="ctr"/>
+            <a:lstStyle/>
+            <a:p>
+              <a:pPr algn="ctr"/>
+              <a:r>
+                <a:rPr lang="en-US" dirty="0">
+                  <a:solidFill>
+                    <a:schemeClr val="tx1">
+                      <a:lumMod val="50000"/>
+                      <a:lumOff val="50000"/>
+                    </a:schemeClr>
+                  </a:solidFill>
+                </a:rPr>
+                <a:t>female</a:t>
+              </a:r>
+            </a:p>
+          </p:txBody>
+        </p:sp>
+        <p:sp>
+          <p:nvSpPr>
+            <p:cNvPr id="4" name="Rectangle 3">
+              <a:extLst>
+                <a:ext uri="{FF2B5EF4-FFF2-40B4-BE49-F238E27FC236}">
+                  <a16:creationId xmlns:a16="http://schemas.microsoft.com/office/drawing/2014/main" id="{488F4EF6-CF6E-4371-8669-796C999EB412}"/>
+                </a:ext>
+              </a:extLst>
+            </p:cNvPr>
+            <p:cNvSpPr/>
+            <p:nvPr/>
+          </p:nvSpPr>
+          <p:spPr>
+            <a:xfrm>
+              <a:off x="4682836" y="4747490"/>
+              <a:ext cx="1588655" cy="508000"/>
+            </a:xfrm>
+            <a:prstGeom prst="rect">
+              <a:avLst/>
+            </a:prstGeom>
+            <a:solidFill>
+              <a:schemeClr val="tx1">
+                <a:lumMod val="65000"/>
+                <a:lumOff val="35000"/>
+              </a:schemeClr>
+            </a:solidFill>
+            <a:ln>
+              <a:solidFill>
+                <a:schemeClr val="bg1"/>
+              </a:solidFill>
+            </a:ln>
+          </p:spPr>
+          <p:style>
+            <a:lnRef idx="2">
+              <a:schemeClr val="accent1">
+                <a:shade val="50000"/>
+              </a:schemeClr>
+            </a:lnRef>
+            <a:fillRef idx="1">
+              <a:schemeClr val="accent1"/>
+            </a:fillRef>
+            <a:effectRef idx="0">
+              <a:schemeClr val="accent1"/>
+            </a:effectRef>
+            <a:fontRef idx="minor">
+              <a:schemeClr val="lt1"/>
+            </a:fontRef>
+          </p:style>
+          <p:txBody>
+            <a:bodyPr rtlCol="0" anchor="ctr"/>
+            <a:lstStyle/>
+            <a:p>
+              <a:pPr algn="ctr"/>
+              <a:r>
+                <a:rPr lang="en-US" dirty="0">
+                  <a:solidFill>
+                    <a:schemeClr val="bg1"/>
+                  </a:solidFill>
+                </a:rPr>
+                <a:t>male</a:t>
+              </a:r>
+            </a:p>
+          </p:txBody>
+        </p:sp>
+        <p:sp>
+          <p:nvSpPr>
+            <p:cNvPr id="5" name="Rectangle 4">
+              <a:extLst>
+                <a:ext uri="{FF2B5EF4-FFF2-40B4-BE49-F238E27FC236}">
+                  <a16:creationId xmlns:a16="http://schemas.microsoft.com/office/drawing/2014/main" id="{2FF20727-0245-40D2-ABD9-9AE382D39613}"/>
+                </a:ext>
+              </a:extLst>
+            </p:cNvPr>
+            <p:cNvSpPr/>
+            <p:nvPr/>
+          </p:nvSpPr>
+          <p:spPr>
+            <a:xfrm>
+              <a:off x="4682836" y="5255490"/>
+              <a:ext cx="1588655" cy="508000"/>
+            </a:xfrm>
+            <a:prstGeom prst="rect">
+              <a:avLst/>
+            </a:prstGeom>
+            <a:solidFill>
+              <a:schemeClr val="tx1">
+                <a:lumMod val="65000"/>
+                <a:lumOff val="35000"/>
+              </a:schemeClr>
+            </a:solidFill>
+            <a:ln>
+              <a:solidFill>
+                <a:schemeClr val="bg1"/>
+              </a:solidFill>
+            </a:ln>
+          </p:spPr>
+          <p:style>
+            <a:lnRef idx="2">
+              <a:schemeClr val="accent1">
+                <a:shade val="50000"/>
+              </a:schemeClr>
+            </a:lnRef>
+            <a:fillRef idx="1">
+              <a:schemeClr val="accent1"/>
+            </a:fillRef>
+            <a:effectRef idx="0">
+              <a:schemeClr val="accent1"/>
+            </a:effectRef>
+            <a:fontRef idx="minor">
+              <a:schemeClr val="lt1"/>
+            </a:fontRef>
+          </p:style>
+          <p:txBody>
+            <a:bodyPr rtlCol="0" anchor="ctr"/>
+            <a:lstStyle/>
+            <a:p>
+              <a:pPr algn="ctr"/>
+              <a:r>
+                <a:rPr lang="en-US" dirty="0">
+                  <a:solidFill>
+                    <a:schemeClr val="bg1"/>
+                  </a:solidFill>
+                </a:rPr>
+                <a:t>male</a:t>
+              </a:r>
+            </a:p>
+          </p:txBody>
+        </p:sp>
+        <p:sp>
+          <p:nvSpPr>
+            <p:cNvPr id="6" name="Rectangle 5">
+              <a:extLst>
+                <a:ext uri="{FF2B5EF4-FFF2-40B4-BE49-F238E27FC236}">
+                  <a16:creationId xmlns:a16="http://schemas.microsoft.com/office/drawing/2014/main" id="{F033D587-4251-43EA-9E60-811E18383C55}"/>
+                </a:ext>
+              </a:extLst>
+            </p:cNvPr>
+            <p:cNvSpPr/>
+            <p:nvPr/>
+          </p:nvSpPr>
+          <p:spPr>
+            <a:xfrm>
+              <a:off x="4682835" y="3223490"/>
+              <a:ext cx="1588655" cy="508000"/>
+            </a:xfrm>
+            <a:prstGeom prst="rect">
+              <a:avLst/>
+            </a:prstGeom>
+            <a:solidFill>
+              <a:schemeClr val="tx1">
+                <a:lumMod val="65000"/>
+                <a:lumOff val="35000"/>
+              </a:schemeClr>
+            </a:solidFill>
+            <a:ln>
+              <a:solidFill>
+                <a:schemeClr val="bg1"/>
+              </a:solidFill>
+            </a:ln>
+          </p:spPr>
+          <p:style>
+            <a:lnRef idx="2">
+              <a:schemeClr val="accent1">
+                <a:shade val="50000"/>
+              </a:schemeClr>
+            </a:lnRef>
+            <a:fillRef idx="1">
+              <a:schemeClr val="accent1"/>
+            </a:fillRef>
+            <a:effectRef idx="0">
+              <a:schemeClr val="accent1"/>
+            </a:effectRef>
+            <a:fontRef idx="minor">
+              <a:schemeClr val="lt1"/>
+            </a:fontRef>
+          </p:style>
+          <p:txBody>
+            <a:bodyPr rtlCol="0" anchor="ctr"/>
+            <a:lstStyle/>
+            <a:p>
+              <a:pPr algn="ctr"/>
+              <a:r>
+                <a:rPr lang="en-US" dirty="0">
+                  <a:solidFill>
+                    <a:schemeClr val="bg1"/>
+                  </a:solidFill>
+                </a:rPr>
+                <a:t>male</a:t>
+              </a:r>
+            </a:p>
+          </p:txBody>
+        </p:sp>
+        <p:sp>
+          <p:nvSpPr>
+            <p:cNvPr id="8" name="Rectangle 7">
+              <a:extLst>
+                <a:ext uri="{FF2B5EF4-FFF2-40B4-BE49-F238E27FC236}">
+                  <a16:creationId xmlns:a16="http://schemas.microsoft.com/office/drawing/2014/main" id="{5DCF0FF3-9461-4A88-87DF-96944EC607E2}"/>
+                </a:ext>
+              </a:extLst>
+            </p:cNvPr>
+            <p:cNvSpPr/>
+            <p:nvPr/>
+          </p:nvSpPr>
+          <p:spPr>
+            <a:xfrm>
+              <a:off x="4682833" y="2715490"/>
+              <a:ext cx="1588655" cy="508000"/>
+            </a:xfrm>
+            <a:prstGeom prst="rect">
+              <a:avLst/>
+            </a:prstGeom>
+            <a:solidFill>
+              <a:schemeClr val="tx1">
+                <a:lumMod val="65000"/>
+                <a:lumOff val="35000"/>
+              </a:schemeClr>
+            </a:solidFill>
+            <a:ln>
+              <a:solidFill>
+                <a:schemeClr val="bg1"/>
+              </a:solidFill>
+            </a:ln>
+          </p:spPr>
+          <p:style>
+            <a:lnRef idx="2">
+              <a:schemeClr val="accent1">
+                <a:shade val="50000"/>
+              </a:schemeClr>
+            </a:lnRef>
+            <a:fillRef idx="1">
+              <a:schemeClr val="accent1"/>
+            </a:fillRef>
+            <a:effectRef idx="0">
+              <a:schemeClr val="accent1"/>
+            </a:effectRef>
+            <a:fontRef idx="minor">
+              <a:schemeClr val="lt1"/>
+            </a:fontRef>
+          </p:style>
+          <p:txBody>
+            <a:bodyPr rtlCol="0" anchor="ctr"/>
+            <a:lstStyle/>
+            <a:p>
+              <a:pPr algn="ctr"/>
+              <a:r>
+                <a:rPr lang="en-US" dirty="0">
+                  <a:solidFill>
+                    <a:schemeClr val="bg1"/>
+                  </a:solidFill>
+                </a:rPr>
+                <a:t>male</a:t>
+              </a:r>
+            </a:p>
+          </p:txBody>
+        </p:sp>
+        <p:sp>
+          <p:nvSpPr>
+            <p:cNvPr id="17" name="Rectangle 16">
+              <a:extLst>
+                <a:ext uri="{FF2B5EF4-FFF2-40B4-BE49-F238E27FC236}">
+                  <a16:creationId xmlns:a16="http://schemas.microsoft.com/office/drawing/2014/main" id="{7A0510F4-1A8D-4228-B735-25DEE5DAE005}"/>
+                </a:ext>
+              </a:extLst>
+            </p:cNvPr>
+            <p:cNvSpPr/>
+            <p:nvPr/>
+          </p:nvSpPr>
+          <p:spPr>
+            <a:xfrm>
+              <a:off x="6271491" y="3731490"/>
+              <a:ext cx="1588655" cy="508000"/>
+            </a:xfrm>
+            <a:prstGeom prst="rect">
+              <a:avLst/>
+            </a:prstGeom>
+            <a:noFill/>
+            <a:ln>
+              <a:solidFill>
+                <a:schemeClr val="tx1"/>
+              </a:solidFill>
+            </a:ln>
+          </p:spPr>
+          <p:style>
+            <a:lnRef idx="2">
+              <a:schemeClr val="accent1">
+                <a:shade val="50000"/>
+              </a:schemeClr>
+            </a:lnRef>
+            <a:fillRef idx="1">
+              <a:schemeClr val="accent1"/>
+            </a:fillRef>
+            <a:effectRef idx="0">
+              <a:schemeClr val="accent1"/>
+            </a:effectRef>
+            <a:fontRef idx="minor">
+              <a:schemeClr val="lt1"/>
+            </a:fontRef>
+          </p:style>
+          <p:txBody>
+            <a:bodyPr rtlCol="0" anchor="ctr"/>
+            <a:lstStyle/>
+            <a:p>
+              <a:pPr algn="ctr"/>
+              <a:r>
+                <a:rPr lang="en-US" dirty="0">
+                  <a:solidFill>
+                    <a:schemeClr val="tx1">
+                      <a:lumMod val="50000"/>
+                      <a:lumOff val="50000"/>
+                    </a:schemeClr>
+                  </a:solidFill>
+                </a:rPr>
+                <a:t>FALSE</a:t>
+              </a:r>
+            </a:p>
+          </p:txBody>
+        </p:sp>
+        <p:sp>
+          <p:nvSpPr>
+            <p:cNvPr id="19" name="Rectangle 18">
+              <a:extLst>
+                <a:ext uri="{FF2B5EF4-FFF2-40B4-BE49-F238E27FC236}">
+                  <a16:creationId xmlns:a16="http://schemas.microsoft.com/office/drawing/2014/main" id="{ADF91CEF-DD2C-4754-B831-C302E7295136}"/>
+                </a:ext>
+              </a:extLst>
+            </p:cNvPr>
+            <p:cNvSpPr/>
+            <p:nvPr/>
+          </p:nvSpPr>
+          <p:spPr>
+            <a:xfrm>
+              <a:off x="6271491" y="4747490"/>
+              <a:ext cx="1588655" cy="508000"/>
+            </a:xfrm>
+            <a:prstGeom prst="rect">
+              <a:avLst/>
+            </a:prstGeom>
+            <a:solidFill>
+              <a:schemeClr val="tx1">
+                <a:lumMod val="65000"/>
+                <a:lumOff val="35000"/>
+              </a:schemeClr>
+            </a:solidFill>
+            <a:ln>
+              <a:solidFill>
+                <a:schemeClr val="bg1"/>
+              </a:solidFill>
+            </a:ln>
+          </p:spPr>
+          <p:style>
+            <a:lnRef idx="2">
+              <a:schemeClr val="accent1">
+                <a:shade val="50000"/>
+              </a:schemeClr>
+            </a:lnRef>
+            <a:fillRef idx="1">
+              <a:schemeClr val="accent1"/>
+            </a:fillRef>
+            <a:effectRef idx="0">
+              <a:schemeClr val="accent1"/>
+            </a:effectRef>
+            <a:fontRef idx="minor">
+              <a:schemeClr val="lt1"/>
+            </a:fontRef>
+          </p:style>
+          <p:txBody>
+            <a:bodyPr rtlCol="0" anchor="ctr"/>
+            <a:lstStyle/>
+            <a:p>
+              <a:pPr algn="ctr"/>
+              <a:r>
+                <a:rPr lang="en-US" dirty="0">
+                  <a:solidFill>
+                    <a:schemeClr val="bg1"/>
+                  </a:solidFill>
+                </a:rPr>
+                <a:t>FALSE</a:t>
+              </a:r>
+            </a:p>
+          </p:txBody>
+        </p:sp>
+        <p:sp>
+          <p:nvSpPr>
+            <p:cNvPr id="20" name="Rectangle 19">
+              <a:extLst>
+                <a:ext uri="{FF2B5EF4-FFF2-40B4-BE49-F238E27FC236}">
+                  <a16:creationId xmlns:a16="http://schemas.microsoft.com/office/drawing/2014/main" id="{149476E6-8A30-47B4-A11A-E06847F424BC}"/>
+                </a:ext>
+              </a:extLst>
+            </p:cNvPr>
+            <p:cNvSpPr/>
+            <p:nvPr/>
+          </p:nvSpPr>
+          <p:spPr>
+            <a:xfrm>
+              <a:off x="6271491" y="5255490"/>
+              <a:ext cx="1588655" cy="508000"/>
+            </a:xfrm>
+            <a:prstGeom prst="rect">
+              <a:avLst/>
+            </a:prstGeom>
+            <a:solidFill>
+              <a:schemeClr val="tx1">
+                <a:lumMod val="65000"/>
+                <a:lumOff val="35000"/>
+              </a:schemeClr>
+            </a:solidFill>
+            <a:ln>
+              <a:solidFill>
+                <a:schemeClr val="bg1"/>
+              </a:solidFill>
+            </a:ln>
+          </p:spPr>
+          <p:style>
+            <a:lnRef idx="2">
+              <a:schemeClr val="accent1">
+                <a:shade val="50000"/>
+              </a:schemeClr>
+            </a:lnRef>
+            <a:fillRef idx="1">
+              <a:schemeClr val="accent1"/>
+            </a:fillRef>
+            <a:effectRef idx="0">
+              <a:schemeClr val="accent1"/>
+            </a:effectRef>
+            <a:fontRef idx="minor">
+              <a:schemeClr val="lt1"/>
+            </a:fontRef>
+          </p:style>
+          <p:txBody>
+            <a:bodyPr rtlCol="0" anchor="ctr"/>
+            <a:lstStyle/>
+            <a:p>
+              <a:pPr algn="ctr"/>
+              <a:r>
+                <a:rPr lang="en-US" dirty="0">
+                  <a:solidFill>
+                    <a:schemeClr val="bg1"/>
+                  </a:solidFill>
+                </a:rPr>
+                <a:t>FALSE</a:t>
+              </a:r>
+            </a:p>
+          </p:txBody>
+        </p:sp>
+        <p:sp>
+          <p:nvSpPr>
+            <p:cNvPr id="21" name="Rectangle 20">
+              <a:extLst>
+                <a:ext uri="{FF2B5EF4-FFF2-40B4-BE49-F238E27FC236}">
+                  <a16:creationId xmlns:a16="http://schemas.microsoft.com/office/drawing/2014/main" id="{1BE0B8D5-F29D-4AC4-93E3-C9A85E99904C}"/>
+                </a:ext>
+              </a:extLst>
+            </p:cNvPr>
+            <p:cNvSpPr/>
+            <p:nvPr/>
+          </p:nvSpPr>
+          <p:spPr>
+            <a:xfrm>
+              <a:off x="6271490" y="3223490"/>
+              <a:ext cx="1588655" cy="508000"/>
+            </a:xfrm>
+            <a:prstGeom prst="rect">
+              <a:avLst/>
+            </a:prstGeom>
+            <a:solidFill>
+              <a:schemeClr val="tx1">
+                <a:lumMod val="65000"/>
+                <a:lumOff val="35000"/>
+              </a:schemeClr>
+            </a:solidFill>
+            <a:ln>
+              <a:solidFill>
+                <a:schemeClr val="bg1"/>
+              </a:solidFill>
+            </a:ln>
+          </p:spPr>
+          <p:style>
+            <a:lnRef idx="2">
+              <a:schemeClr val="accent1">
+                <a:shade val="50000"/>
+              </a:schemeClr>
+            </a:lnRef>
+            <a:fillRef idx="1">
+              <a:schemeClr val="accent1"/>
+            </a:fillRef>
+            <a:effectRef idx="0">
+              <a:schemeClr val="accent1"/>
+            </a:effectRef>
+            <a:fontRef idx="minor">
+              <a:schemeClr val="lt1"/>
+            </a:fontRef>
+          </p:style>
+          <p:txBody>
+            <a:bodyPr rtlCol="0" anchor="ctr"/>
+            <a:lstStyle/>
+            <a:p>
+              <a:pPr algn="ctr"/>
+              <a:r>
+                <a:rPr lang="en-US" dirty="0">
+                  <a:solidFill>
+                    <a:schemeClr val="bg1"/>
+                  </a:solidFill>
+                </a:rPr>
+                <a:t>TRUE</a:t>
+              </a:r>
+            </a:p>
+          </p:txBody>
+        </p:sp>
+        <p:sp>
+          <p:nvSpPr>
+            <p:cNvPr id="23" name="Rectangle 22">
+              <a:extLst>
+                <a:ext uri="{FF2B5EF4-FFF2-40B4-BE49-F238E27FC236}">
+                  <a16:creationId xmlns:a16="http://schemas.microsoft.com/office/drawing/2014/main" id="{73276385-1246-47F6-AF3B-FEE565AC1BB9}"/>
+                </a:ext>
+              </a:extLst>
+            </p:cNvPr>
+            <p:cNvSpPr/>
+            <p:nvPr/>
+          </p:nvSpPr>
+          <p:spPr>
+            <a:xfrm>
+              <a:off x="6271488" y="2715490"/>
+              <a:ext cx="1588655" cy="508000"/>
+            </a:xfrm>
+            <a:prstGeom prst="rect">
+              <a:avLst/>
+            </a:prstGeom>
+            <a:solidFill>
+              <a:schemeClr val="tx1">
+                <a:lumMod val="65000"/>
+                <a:lumOff val="35000"/>
+              </a:schemeClr>
+            </a:solidFill>
+            <a:ln>
+              <a:solidFill>
+                <a:schemeClr val="bg1"/>
+              </a:solidFill>
+            </a:ln>
+          </p:spPr>
+          <p:style>
+            <a:lnRef idx="2">
+              <a:schemeClr val="accent1">
+                <a:shade val="50000"/>
+              </a:schemeClr>
+            </a:lnRef>
+            <a:fillRef idx="1">
+              <a:schemeClr val="accent1"/>
+            </a:fillRef>
+            <a:effectRef idx="0">
+              <a:schemeClr val="accent1"/>
+            </a:effectRef>
+            <a:fontRef idx="minor">
+              <a:schemeClr val="lt1"/>
+            </a:fontRef>
+          </p:style>
+          <p:txBody>
+            <a:bodyPr rtlCol="0" anchor="ctr"/>
+            <a:lstStyle/>
+            <a:p>
+              <a:pPr algn="ctr"/>
+              <a:r>
+                <a:rPr lang="en-US" dirty="0">
+                  <a:solidFill>
+                    <a:schemeClr val="bg1"/>
+                  </a:solidFill>
+                </a:rPr>
+                <a:t>TRUE</a:t>
+              </a:r>
+            </a:p>
+          </p:txBody>
+        </p:sp>
+        <p:sp>
+          <p:nvSpPr>
+            <p:cNvPr id="24" name="Rectangle 23">
+              <a:extLst>
+                <a:ext uri="{FF2B5EF4-FFF2-40B4-BE49-F238E27FC236}">
+                  <a16:creationId xmlns:a16="http://schemas.microsoft.com/office/drawing/2014/main" id="{B7035B74-CD3A-4281-AB96-047CFCBC1303}"/>
+                </a:ext>
+              </a:extLst>
+            </p:cNvPr>
+            <p:cNvSpPr/>
+            <p:nvPr/>
+          </p:nvSpPr>
+          <p:spPr>
+            <a:xfrm>
+              <a:off x="4682833" y="3731490"/>
+              <a:ext cx="1588655" cy="508000"/>
+            </a:xfrm>
+            <a:prstGeom prst="rect">
+              <a:avLst/>
+            </a:prstGeom>
+            <a:noFill/>
+            <a:ln>
+              <a:solidFill>
+                <a:schemeClr val="tx1"/>
+              </a:solidFill>
+            </a:ln>
+          </p:spPr>
+          <p:style>
+            <a:lnRef idx="2">
+              <a:schemeClr val="accent1">
+                <a:shade val="50000"/>
+              </a:schemeClr>
+            </a:lnRef>
+            <a:fillRef idx="1">
+              <a:schemeClr val="accent1"/>
+            </a:fillRef>
+            <a:effectRef idx="0">
+              <a:schemeClr val="accent1"/>
+            </a:effectRef>
+            <a:fontRef idx="minor">
+              <a:schemeClr val="lt1"/>
+            </a:fontRef>
+          </p:style>
+          <p:txBody>
+            <a:bodyPr rtlCol="0" anchor="ctr"/>
+            <a:lstStyle/>
+            <a:p>
+              <a:pPr algn="ctr"/>
+              <a:r>
+                <a:rPr lang="en-US" dirty="0">
+                  <a:solidFill>
+                    <a:schemeClr val="tx1">
+                      <a:lumMod val="50000"/>
+                      <a:lumOff val="50000"/>
+                    </a:schemeClr>
+                  </a:solidFill>
+                </a:rPr>
+                <a:t>female</a:t>
+              </a:r>
+            </a:p>
+          </p:txBody>
+        </p:sp>
+        <p:sp>
+          <p:nvSpPr>
+            <p:cNvPr id="26" name="Rectangle 25">
+              <a:extLst>
+                <a:ext uri="{FF2B5EF4-FFF2-40B4-BE49-F238E27FC236}">
+                  <a16:creationId xmlns:a16="http://schemas.microsoft.com/office/drawing/2014/main" id="{DBA8EE56-022A-43D6-8813-CA3BCC80C001}"/>
+                </a:ext>
+              </a:extLst>
+            </p:cNvPr>
+            <p:cNvSpPr/>
+            <p:nvPr/>
+          </p:nvSpPr>
+          <p:spPr>
+            <a:xfrm>
+              <a:off x="6271488" y="4239490"/>
+              <a:ext cx="1588655" cy="508000"/>
+            </a:xfrm>
+            <a:prstGeom prst="rect">
+              <a:avLst/>
+            </a:prstGeom>
+            <a:noFill/>
+            <a:ln>
+              <a:solidFill>
+                <a:schemeClr val="tx1"/>
+              </a:solidFill>
+            </a:ln>
+          </p:spPr>
+          <p:style>
+            <a:lnRef idx="2">
+              <a:schemeClr val="accent1">
+                <a:shade val="50000"/>
+              </a:schemeClr>
+            </a:lnRef>
+            <a:fillRef idx="1">
+              <a:schemeClr val="accent1"/>
+            </a:fillRef>
+            <a:effectRef idx="0">
+              <a:schemeClr val="accent1"/>
+            </a:effectRef>
+            <a:fontRef idx="minor">
+              <a:schemeClr val="lt1"/>
+            </a:fontRef>
+          </p:style>
+          <p:txBody>
+            <a:bodyPr rtlCol="0" anchor="ctr"/>
+            <a:lstStyle/>
+            <a:p>
+              <a:pPr algn="ctr"/>
+              <a:r>
+                <a:rPr lang="en-US" dirty="0">
+                  <a:solidFill>
+                    <a:schemeClr val="tx1">
+                      <a:lumMod val="50000"/>
+                      <a:lumOff val="50000"/>
+                    </a:schemeClr>
+                  </a:solidFill>
+                </a:rPr>
+                <a:t>FALSE</a:t>
+              </a:r>
+            </a:p>
+          </p:txBody>
+        </p:sp>
+        <p:sp>
+          <p:nvSpPr>
+            <p:cNvPr id="32" name="TextBox 31">
+              <a:extLst>
+                <a:ext uri="{FF2B5EF4-FFF2-40B4-BE49-F238E27FC236}">
+                  <a16:creationId xmlns:a16="http://schemas.microsoft.com/office/drawing/2014/main" id="{D5E27DED-5894-4B46-AD8D-CE0393FEE808}"/>
+                </a:ext>
+              </a:extLst>
+            </p:cNvPr>
+            <p:cNvSpPr txBox="1"/>
+            <p:nvPr/>
+          </p:nvSpPr>
+          <p:spPr>
+            <a:xfrm>
+              <a:off x="4933581" y="2236070"/>
+              <a:ext cx="1087157" cy="400110"/>
+            </a:xfrm>
+            <a:prstGeom prst="rect">
+              <a:avLst/>
+            </a:prstGeom>
+            <a:noFill/>
+          </p:spPr>
+          <p:txBody>
+            <a:bodyPr wrap="none" rtlCol="0">
+              <a:spAutoFit/>
+            </a:bodyPr>
+            <a:lstStyle/>
+            <a:p>
+              <a:pPr algn="r"/>
+              <a:r>
+                <a:rPr lang="en-US" sz="2000" b="1" dirty="0">
+                  <a:solidFill>
+                    <a:schemeClr val="tx1">
+                      <a:lumMod val="50000"/>
+                      <a:lumOff val="50000"/>
+                    </a:schemeClr>
+                  </a:solidFill>
+                  <a:latin typeface="Century Gothic" panose="020B0502020202020204" pitchFamily="34" charset="0"/>
+                </a:rPr>
+                <a:t>gender</a:t>
+              </a:r>
+            </a:p>
+          </p:txBody>
+        </p:sp>
+        <p:sp>
+          <p:nvSpPr>
+            <p:cNvPr id="33" name="TextBox 32">
+              <a:extLst>
+                <a:ext uri="{FF2B5EF4-FFF2-40B4-BE49-F238E27FC236}">
+                  <a16:creationId xmlns:a16="http://schemas.microsoft.com/office/drawing/2014/main" id="{5B6DB129-1C9F-4369-8DBA-AB4A1577FEDD}"/>
+                </a:ext>
+              </a:extLst>
+            </p:cNvPr>
+            <p:cNvSpPr txBox="1"/>
+            <p:nvPr/>
+          </p:nvSpPr>
+          <p:spPr>
+            <a:xfrm>
+              <a:off x="6587959" y="2234596"/>
+              <a:ext cx="939681" cy="400110"/>
+            </a:xfrm>
+            <a:prstGeom prst="rect">
+              <a:avLst/>
+            </a:prstGeom>
+            <a:noFill/>
+          </p:spPr>
+          <p:txBody>
+            <a:bodyPr wrap="none" rtlCol="0">
+              <a:spAutoFit/>
+            </a:bodyPr>
+            <a:lstStyle/>
+            <a:p>
+              <a:pPr algn="r"/>
+              <a:r>
+                <a:rPr lang="en-US" sz="2000" b="1" dirty="0">
+                  <a:solidFill>
+                    <a:schemeClr val="tx1">
+                      <a:lumMod val="50000"/>
+                      <a:lumOff val="50000"/>
+                    </a:schemeClr>
+                  </a:solidFill>
+                  <a:latin typeface="Century Gothic" panose="020B0502020202020204" pitchFamily="34" charset="0"/>
+                </a:rPr>
+                <a:t>beard</a:t>
+              </a:r>
+            </a:p>
+          </p:txBody>
+        </p:sp>
+        <p:sp>
+          <p:nvSpPr>
+            <p:cNvPr id="34" name="Left Brace 33">
+              <a:extLst>
+                <a:ext uri="{FF2B5EF4-FFF2-40B4-BE49-F238E27FC236}">
+                  <a16:creationId xmlns:a16="http://schemas.microsoft.com/office/drawing/2014/main" id="{2602F8B3-4E71-494F-936C-98784706745E}"/>
+                </a:ext>
+              </a:extLst>
+            </p:cNvPr>
+            <p:cNvSpPr/>
+            <p:nvPr/>
+          </p:nvSpPr>
+          <p:spPr>
+            <a:xfrm flipH="1">
+              <a:off x="8159777" y="4747490"/>
+              <a:ext cx="383703" cy="923498"/>
+            </a:xfrm>
+            <a:prstGeom prst="leftBrace">
+              <a:avLst>
+                <a:gd name="adj1" fmla="val 8333"/>
+                <a:gd name="adj2" fmla="val 50398"/>
+              </a:avLst>
+            </a:prstGeom>
+            <a:ln w="12700">
+              <a:solidFill>
+                <a:schemeClr val="bg2">
+                  <a:lumMod val="25000"/>
+                </a:schemeClr>
+              </a:solidFill>
+            </a:ln>
+          </p:spPr>
+          <p:style>
+            <a:lnRef idx="1">
+              <a:schemeClr val="accent1"/>
+            </a:lnRef>
+            <a:fillRef idx="0">
+              <a:schemeClr val="accent1"/>
+            </a:fillRef>
+            <a:effectRef idx="0">
+              <a:schemeClr val="accent1"/>
+            </a:effectRef>
+            <a:fontRef idx="minor">
+              <a:schemeClr val="tx1"/>
+            </a:fontRef>
+          </p:style>
+          <p:txBody>
+            <a:bodyPr rtlCol="0" anchor="ctr"/>
+            <a:lstStyle/>
+            <a:p>
+              <a:pPr algn="ctr"/>
+              <a:endParaRPr lang="en-US"/>
+            </a:p>
+          </p:txBody>
+        </p:sp>
+        <p:sp>
+          <p:nvSpPr>
+            <p:cNvPr id="35" name="TextBox 34">
+              <a:extLst>
+                <a:ext uri="{FF2B5EF4-FFF2-40B4-BE49-F238E27FC236}">
+                  <a16:creationId xmlns:a16="http://schemas.microsoft.com/office/drawing/2014/main" id="{7DF30EB6-1E08-415C-889C-704F212E0134}"/>
+                </a:ext>
+              </a:extLst>
+            </p:cNvPr>
+            <p:cNvSpPr txBox="1"/>
+            <p:nvPr/>
+          </p:nvSpPr>
+          <p:spPr>
+            <a:xfrm>
+              <a:off x="8747957" y="4609074"/>
+              <a:ext cx="1269898" cy="1200329"/>
+            </a:xfrm>
+            <a:prstGeom prst="rect">
+              <a:avLst/>
+            </a:prstGeom>
+            <a:noFill/>
+          </p:spPr>
+          <p:txBody>
+            <a:bodyPr wrap="none" rtlCol="0">
+              <a:spAutoFit/>
+            </a:bodyPr>
+            <a:lstStyle/>
+            <a:p>
+              <a:pPr algn="ctr"/>
+              <a:r>
+                <a:rPr lang="en-US" sz="2400" b="1" cap="small" dirty="0">
+                  <a:solidFill>
+                    <a:schemeClr val="tx1">
+                      <a:lumMod val="50000"/>
+                      <a:lumOff val="50000"/>
+                    </a:schemeClr>
+                  </a:solidFill>
+                  <a:latin typeface="Century Gothic" panose="020B0502020202020204" pitchFamily="34" charset="0"/>
+                </a:rPr>
+                <a:t>Men </a:t>
+              </a:r>
+              <a:br>
+                <a:rPr lang="en-US" sz="2400" b="1" cap="small" dirty="0">
+                  <a:solidFill>
+                    <a:schemeClr val="tx1">
+                      <a:lumMod val="50000"/>
+                      <a:lumOff val="50000"/>
+                    </a:schemeClr>
+                  </a:solidFill>
+                  <a:latin typeface="Century Gothic" panose="020B0502020202020204" pitchFamily="34" charset="0"/>
+                </a:rPr>
+              </a:br>
+              <a:r>
+                <a:rPr lang="en-US" sz="2400" b="1" cap="small" dirty="0">
+                  <a:solidFill>
+                    <a:schemeClr val="tx1">
+                      <a:lumMod val="50000"/>
+                      <a:lumOff val="50000"/>
+                    </a:schemeClr>
+                  </a:solidFill>
+                  <a:latin typeface="Century Gothic" panose="020B0502020202020204" pitchFamily="34" charset="0"/>
+                </a:rPr>
+                <a:t>Without</a:t>
+              </a:r>
+              <a:br>
+                <a:rPr lang="en-US" sz="2400" b="1" cap="small" dirty="0">
+                  <a:solidFill>
+                    <a:schemeClr val="tx1">
+                      <a:lumMod val="50000"/>
+                      <a:lumOff val="50000"/>
+                    </a:schemeClr>
+                  </a:solidFill>
+                  <a:latin typeface="Century Gothic" panose="020B0502020202020204" pitchFamily="34" charset="0"/>
+                </a:rPr>
+              </a:br>
+              <a:r>
+                <a:rPr lang="en-US" sz="2400" b="1" cap="small" dirty="0">
+                  <a:solidFill>
+                    <a:schemeClr val="tx1">
+                      <a:lumMod val="50000"/>
+                      <a:lumOff val="50000"/>
+                    </a:schemeClr>
+                  </a:solidFill>
+                  <a:latin typeface="Century Gothic" panose="020B0502020202020204" pitchFamily="34" charset="0"/>
+                </a:rPr>
+                <a:t>Beards</a:t>
+              </a:r>
+            </a:p>
+          </p:txBody>
+        </p:sp>
+        <p:sp>
+          <p:nvSpPr>
+            <p:cNvPr id="36" name="Left Brace 35">
+              <a:extLst>
+                <a:ext uri="{FF2B5EF4-FFF2-40B4-BE49-F238E27FC236}">
+                  <a16:creationId xmlns:a16="http://schemas.microsoft.com/office/drawing/2014/main" id="{E1BB3A01-1EE1-4B70-B6F4-1A95EBE2FFE8}"/>
+                </a:ext>
+              </a:extLst>
+            </p:cNvPr>
+            <p:cNvSpPr/>
+            <p:nvPr/>
+          </p:nvSpPr>
+          <p:spPr>
+            <a:xfrm flipV="1">
+              <a:off x="3855220" y="3796144"/>
+              <a:ext cx="383703" cy="2475345"/>
+            </a:xfrm>
+            <a:prstGeom prst="leftBrace">
+              <a:avLst>
+                <a:gd name="adj1" fmla="val 8333"/>
+                <a:gd name="adj2" fmla="val 50398"/>
+              </a:avLst>
+            </a:prstGeom>
+            <a:ln w="12700">
+              <a:solidFill>
+                <a:schemeClr val="bg2">
+                  <a:lumMod val="25000"/>
+                </a:schemeClr>
+              </a:solidFill>
+            </a:ln>
+          </p:spPr>
+          <p:style>
+            <a:lnRef idx="1">
+              <a:schemeClr val="accent1"/>
+            </a:lnRef>
+            <a:fillRef idx="0">
+              <a:schemeClr val="accent1"/>
+            </a:fillRef>
+            <a:effectRef idx="0">
+              <a:schemeClr val="accent1"/>
+            </a:effectRef>
+            <a:fontRef idx="minor">
+              <a:schemeClr val="tx1"/>
+            </a:fontRef>
+          </p:style>
+          <p:txBody>
+            <a:bodyPr rtlCol="0" anchor="ctr"/>
+            <a:lstStyle/>
+            <a:p>
+              <a:pPr algn="ctr"/>
+              <a:endParaRPr lang="en-US"/>
+            </a:p>
+          </p:txBody>
+        </p:sp>
+        <p:sp>
+          <p:nvSpPr>
+            <p:cNvPr id="38" name="TextBox 37">
+              <a:extLst>
+                <a:ext uri="{FF2B5EF4-FFF2-40B4-BE49-F238E27FC236}">
+                  <a16:creationId xmlns:a16="http://schemas.microsoft.com/office/drawing/2014/main" id="{8A75A67B-319E-4BFF-9216-C45D97B94B73}"/>
+                </a:ext>
+              </a:extLst>
+            </p:cNvPr>
+            <p:cNvSpPr txBox="1"/>
+            <p:nvPr/>
+          </p:nvSpPr>
+          <p:spPr>
+            <a:xfrm>
+              <a:off x="2255964" y="4401325"/>
+              <a:ext cx="1377300" cy="1200329"/>
+            </a:xfrm>
+            <a:prstGeom prst="rect">
+              <a:avLst/>
+            </a:prstGeom>
+            <a:noFill/>
+          </p:spPr>
+          <p:txBody>
+            <a:bodyPr wrap="none" rtlCol="0">
+              <a:spAutoFit/>
+            </a:bodyPr>
+            <a:lstStyle/>
+            <a:p>
+              <a:pPr algn="ctr"/>
+              <a:r>
+                <a:rPr lang="en-US" sz="2400" b="1" cap="small" dirty="0">
+                  <a:solidFill>
+                    <a:schemeClr val="tx1">
+                      <a:lumMod val="50000"/>
+                      <a:lumOff val="50000"/>
+                    </a:schemeClr>
+                  </a:solidFill>
+                  <a:latin typeface="Century Gothic" panose="020B0502020202020204" pitchFamily="34" charset="0"/>
+                </a:rPr>
+                <a:t>Not (!)</a:t>
+              </a:r>
+              <a:br>
+                <a:rPr lang="en-US" sz="2400" b="1" cap="small" dirty="0">
+                  <a:solidFill>
+                    <a:schemeClr val="tx1">
+                      <a:lumMod val="50000"/>
+                      <a:lumOff val="50000"/>
+                    </a:schemeClr>
+                  </a:solidFill>
+                  <a:latin typeface="Century Gothic" panose="020B0502020202020204" pitchFamily="34" charset="0"/>
+                </a:rPr>
+              </a:br>
+              <a:r>
+                <a:rPr lang="en-US" sz="2400" b="1" cap="small" dirty="0">
+                  <a:solidFill>
+                    <a:schemeClr val="tx1">
+                      <a:lumMod val="50000"/>
+                      <a:lumOff val="50000"/>
+                    </a:schemeClr>
+                  </a:solidFill>
+                  <a:latin typeface="Century Gothic" panose="020B0502020202020204" pitchFamily="34" charset="0"/>
+                </a:rPr>
+                <a:t> Bearded</a:t>
+              </a:r>
+              <a:br>
+                <a:rPr lang="en-US" sz="2400" b="1" cap="small" dirty="0">
+                  <a:solidFill>
+                    <a:schemeClr val="tx1">
+                      <a:lumMod val="50000"/>
+                      <a:lumOff val="50000"/>
+                    </a:schemeClr>
+                  </a:solidFill>
+                  <a:latin typeface="Century Gothic" panose="020B0502020202020204" pitchFamily="34" charset="0"/>
+                </a:rPr>
+              </a:br>
+              <a:r>
+                <a:rPr lang="en-US" sz="2400" b="1" cap="small" dirty="0">
+                  <a:solidFill>
+                    <a:schemeClr val="tx1">
+                      <a:lumMod val="50000"/>
+                      <a:lumOff val="50000"/>
+                    </a:schemeClr>
+                  </a:solidFill>
+                  <a:latin typeface="Century Gothic" panose="020B0502020202020204" pitchFamily="34" charset="0"/>
+                </a:rPr>
+                <a:t>Men</a:t>
+              </a:r>
+            </a:p>
+          </p:txBody>
+        </p:sp>
+        <p:sp>
+          <p:nvSpPr>
+            <p:cNvPr id="40" name="Rectangle 39">
+              <a:extLst>
+                <a:ext uri="{FF2B5EF4-FFF2-40B4-BE49-F238E27FC236}">
+                  <a16:creationId xmlns:a16="http://schemas.microsoft.com/office/drawing/2014/main" id="{91D684D2-C0FD-4ACF-925C-AB3ACA64C54E}"/>
+                </a:ext>
+              </a:extLst>
+            </p:cNvPr>
+            <p:cNvSpPr/>
+            <p:nvPr/>
+          </p:nvSpPr>
+          <p:spPr>
+            <a:xfrm>
+              <a:off x="6271488" y="5763490"/>
+              <a:ext cx="1588655" cy="508000"/>
+            </a:xfrm>
+            <a:prstGeom prst="rect">
+              <a:avLst/>
+            </a:prstGeom>
+            <a:noFill/>
+            <a:ln>
+              <a:solidFill>
+                <a:schemeClr val="tx1"/>
+              </a:solidFill>
+            </a:ln>
+          </p:spPr>
+          <p:style>
+            <a:lnRef idx="2">
+              <a:schemeClr val="accent1">
+                <a:shade val="50000"/>
+              </a:schemeClr>
+            </a:lnRef>
+            <a:fillRef idx="1">
+              <a:schemeClr val="accent1"/>
+            </a:fillRef>
+            <a:effectRef idx="0">
+              <a:schemeClr val="accent1"/>
+            </a:effectRef>
+            <a:fontRef idx="minor">
+              <a:schemeClr val="lt1"/>
+            </a:fontRef>
+          </p:style>
+          <p:txBody>
+            <a:bodyPr rtlCol="0" anchor="ctr"/>
+            <a:lstStyle/>
+            <a:p>
+              <a:pPr algn="ctr"/>
+              <a:r>
+                <a:rPr lang="en-US" dirty="0">
+                  <a:solidFill>
+                    <a:schemeClr val="tx1">
+                      <a:lumMod val="50000"/>
+                      <a:lumOff val="50000"/>
+                    </a:schemeClr>
+                  </a:solidFill>
+                </a:rPr>
+                <a:t>TRUE</a:t>
+              </a:r>
+            </a:p>
+          </p:txBody>
+        </p:sp>
+        <p:sp>
+          <p:nvSpPr>
+            <p:cNvPr id="41" name="Rectangle 40">
+              <a:extLst>
+                <a:ext uri="{FF2B5EF4-FFF2-40B4-BE49-F238E27FC236}">
+                  <a16:creationId xmlns:a16="http://schemas.microsoft.com/office/drawing/2014/main" id="{6EB77607-B3EF-4D8C-81E0-A88A8701F100}"/>
+                </a:ext>
+              </a:extLst>
+            </p:cNvPr>
+            <p:cNvSpPr/>
+            <p:nvPr/>
+          </p:nvSpPr>
+          <p:spPr>
+            <a:xfrm>
+              <a:off x="4682830" y="5763490"/>
+              <a:ext cx="1588655" cy="508000"/>
+            </a:xfrm>
+            <a:prstGeom prst="rect">
+              <a:avLst/>
+            </a:prstGeom>
+            <a:noFill/>
+            <a:ln>
+              <a:solidFill>
+                <a:schemeClr val="tx1"/>
+              </a:solidFill>
+            </a:ln>
+          </p:spPr>
+          <p:style>
+            <a:lnRef idx="2">
+              <a:schemeClr val="accent1">
+                <a:shade val="50000"/>
+              </a:schemeClr>
+            </a:lnRef>
+            <a:fillRef idx="1">
+              <a:schemeClr val="accent1"/>
+            </a:fillRef>
+            <a:effectRef idx="0">
+              <a:schemeClr val="accent1"/>
+            </a:effectRef>
+            <a:fontRef idx="minor">
+              <a:schemeClr val="lt1"/>
+            </a:fontRef>
+          </p:style>
+          <p:txBody>
+            <a:bodyPr rtlCol="0" anchor="ctr"/>
+            <a:lstStyle/>
+            <a:p>
+              <a:pPr algn="ctr"/>
+              <a:r>
+                <a:rPr lang="en-US" dirty="0">
+                  <a:solidFill>
+                    <a:schemeClr val="tx1">
+                      <a:lumMod val="50000"/>
+                      <a:lumOff val="50000"/>
+                    </a:schemeClr>
+                  </a:solidFill>
+                </a:rPr>
+                <a:t>female</a:t>
+              </a:r>
+            </a:p>
+          </p:txBody>
+        </p:sp>
+        <p:sp>
+          <p:nvSpPr>
+            <p:cNvPr id="43" name="Left Brace 42">
+              <a:extLst>
+                <a:ext uri="{FF2B5EF4-FFF2-40B4-BE49-F238E27FC236}">
+                  <a16:creationId xmlns:a16="http://schemas.microsoft.com/office/drawing/2014/main" id="{0E278E2D-9EDF-489A-A0DF-69A33FCB9C42}"/>
+                </a:ext>
+              </a:extLst>
+            </p:cNvPr>
+            <p:cNvSpPr/>
+            <p:nvPr/>
+          </p:nvSpPr>
+          <p:spPr>
+            <a:xfrm flipV="1">
+              <a:off x="3849918" y="2715490"/>
+              <a:ext cx="383703" cy="1016000"/>
+            </a:xfrm>
+            <a:prstGeom prst="leftBrace">
+              <a:avLst>
+                <a:gd name="adj1" fmla="val 8333"/>
+                <a:gd name="adj2" fmla="val 50398"/>
+              </a:avLst>
+            </a:prstGeom>
+            <a:ln w="12700">
+              <a:solidFill>
+                <a:schemeClr val="bg2">
+                  <a:lumMod val="25000"/>
+                </a:schemeClr>
+              </a:solidFill>
+            </a:ln>
+          </p:spPr>
+          <p:style>
+            <a:lnRef idx="1">
+              <a:schemeClr val="accent1"/>
+            </a:lnRef>
+            <a:fillRef idx="0">
+              <a:schemeClr val="accent1"/>
+            </a:fillRef>
+            <a:effectRef idx="0">
+              <a:schemeClr val="accent1"/>
+            </a:effectRef>
+            <a:fontRef idx="minor">
+              <a:schemeClr val="tx1"/>
+            </a:fontRef>
+          </p:style>
+          <p:txBody>
+            <a:bodyPr rtlCol="0" anchor="ctr"/>
+            <a:lstStyle/>
+            <a:p>
+              <a:pPr algn="ctr"/>
+              <a:endParaRPr lang="en-US"/>
+            </a:p>
+          </p:txBody>
+        </p:sp>
+        <p:sp>
+          <p:nvSpPr>
+            <p:cNvPr id="44" name="TextBox 43">
+              <a:extLst>
+                <a:ext uri="{FF2B5EF4-FFF2-40B4-BE49-F238E27FC236}">
+                  <a16:creationId xmlns:a16="http://schemas.microsoft.com/office/drawing/2014/main" id="{526399BB-622C-4F93-8C3F-CF26D72E2155}"/>
+                </a:ext>
+              </a:extLst>
+            </p:cNvPr>
+            <p:cNvSpPr txBox="1"/>
+            <p:nvPr/>
+          </p:nvSpPr>
+          <p:spPr>
+            <a:xfrm>
+              <a:off x="2299245" y="2807991"/>
+              <a:ext cx="1290738" cy="830997"/>
+            </a:xfrm>
+            <a:prstGeom prst="rect">
+              <a:avLst/>
+            </a:prstGeom>
+            <a:noFill/>
+          </p:spPr>
+          <p:txBody>
+            <a:bodyPr wrap="none" rtlCol="0">
+              <a:spAutoFit/>
+            </a:bodyPr>
+            <a:lstStyle/>
+            <a:p>
+              <a:pPr algn="ctr"/>
+              <a:r>
+                <a:rPr lang="en-US" sz="2400" b="1" cap="small" dirty="0">
+                  <a:solidFill>
+                    <a:schemeClr val="tx1">
+                      <a:lumMod val="50000"/>
+                      <a:lumOff val="50000"/>
+                    </a:schemeClr>
+                  </a:solidFill>
+                  <a:latin typeface="Century Gothic" panose="020B0502020202020204" pitchFamily="34" charset="0"/>
+                </a:rPr>
+                <a:t>Bearded</a:t>
+              </a:r>
+              <a:br>
+                <a:rPr lang="en-US" sz="2400" b="1" cap="small" dirty="0">
+                  <a:solidFill>
+                    <a:schemeClr val="tx1">
+                      <a:lumMod val="50000"/>
+                      <a:lumOff val="50000"/>
+                    </a:schemeClr>
+                  </a:solidFill>
+                  <a:latin typeface="Century Gothic" panose="020B0502020202020204" pitchFamily="34" charset="0"/>
+                </a:rPr>
+              </a:br>
+              <a:r>
+                <a:rPr lang="en-US" sz="2400" b="1" cap="small" dirty="0">
+                  <a:solidFill>
+                    <a:schemeClr val="tx1">
+                      <a:lumMod val="50000"/>
+                      <a:lumOff val="50000"/>
+                    </a:schemeClr>
+                  </a:solidFill>
+                  <a:latin typeface="Century Gothic" panose="020B0502020202020204" pitchFamily="34" charset="0"/>
+                </a:rPr>
+                <a:t>Men</a:t>
+              </a:r>
+            </a:p>
+          </p:txBody>
+        </p:sp>
+      </p:grpSp>
+    </p:spTree>
+    <p:extLst>
+      <p:ext uri="{BB962C8B-B14F-4D97-AF65-F5344CB8AC3E}">
+        <p14:creationId xmlns:p14="http://schemas.microsoft.com/office/powerpoint/2010/main" val="630482694"/>
+      </p:ext>
+    </p:extLst>
+  </p:cSld>
+  <p:clrMapOvr>
+    <a:masterClrMapping/>
+  </p:clrMapOvr>
+</p:sld>
+</file>
+
+<file path=ppt/slides/slide16.xml><?xml version="1.0" encoding="utf-8"?>
+<p:sld xmlns:a="http://schemas.openxmlformats.org/drawingml/2006/main" xmlns:r="http://schemas.openxmlformats.org/officeDocument/2006/relationships" xmlns:p="http://schemas.openxmlformats.org/presentationml/2006/main">
+  <p:cSld>
+    <p:spTree>
+      <p:nvGrpSpPr>
+        <p:cNvPr id="1" name=""/>
+        <p:cNvGrpSpPr/>
+        <p:nvPr/>
+      </p:nvGrpSpPr>
+      <p:grpSpPr>
+        <a:xfrm>
+          <a:off x="0" y="0"/>
+          <a:ext cx="0" cy="0"/>
+          <a:chOff x="0" y="0"/>
+          <a:chExt cx="0" cy="0"/>
+        </a:xfrm>
+      </p:grpSpPr>
       <p:grpSp>
         <p:nvGrpSpPr>
           <p:cNvPr id="10" name="Group 9">
@@ -4359,7 +7694,7 @@
 </p:sld>
 </file>
 
-<file path=ppt/slides/slide13.xml><?xml version="1.0" encoding="utf-8"?>
+<file path=ppt/slides/slide17.xml><?xml version="1.0" encoding="utf-8"?>
 <p:sld xmlns:a="http://schemas.openxmlformats.org/drawingml/2006/main" xmlns:r="http://schemas.openxmlformats.org/officeDocument/2006/relationships" xmlns:p="http://schemas.openxmlformats.org/presentationml/2006/main">
   <p:cSld>
     <p:spTree>
@@ -4620,7 +7955,7 @@
 </p:sld>
 </file>
 
-<file path=ppt/slides/slide14.xml><?xml version="1.0" encoding="utf-8"?>
+<file path=ppt/slides/slide18.xml><?xml version="1.0" encoding="utf-8"?>
 <p:sld xmlns:a="http://schemas.openxmlformats.org/drawingml/2006/main" xmlns:r="http://schemas.openxmlformats.org/officeDocument/2006/relationships" xmlns:p="http://schemas.openxmlformats.org/presentationml/2006/main">
   <p:cSld>
     <p:spTree>
@@ -4957,7 +8292,7 @@
 </p:sld>
 </file>
 
-<file path=ppt/slides/slide15.xml><?xml version="1.0" encoding="utf-8"?>
+<file path=ppt/slides/slide19.xml><?xml version="1.0" encoding="utf-8"?>
 <p:sld xmlns:a="http://schemas.openxmlformats.org/drawingml/2006/main" xmlns:r="http://schemas.openxmlformats.org/officeDocument/2006/relationships" xmlns:p="http://schemas.openxmlformats.org/presentationml/2006/main">
   <p:cSld>
     <p:spTree>

--- a/TEXTBOOK/figures/figures.pptx
+++ b/TEXTBOOK/figures/figures.pptx
@@ -20,10 +20,11 @@
     <p:sldId id="273" r:id="rId14"/>
     <p:sldId id="274" r:id="rId15"/>
     <p:sldId id="275" r:id="rId16"/>
-    <p:sldId id="269" r:id="rId17"/>
-    <p:sldId id="270" r:id="rId18"/>
-    <p:sldId id="271" r:id="rId19"/>
-    <p:sldId id="268" r:id="rId20"/>
+    <p:sldId id="276" r:id="rId17"/>
+    <p:sldId id="269" r:id="rId18"/>
+    <p:sldId id="270" r:id="rId19"/>
+    <p:sldId id="271" r:id="rId20"/>
+    <p:sldId id="268" r:id="rId21"/>
   </p:sldIdLst>
   <p:sldSz cx="12192000" cy="6858000"/>
   <p:notesSz cx="6858000" cy="9144000"/>
@@ -277,7 +278,7 @@
           <a:p>
             <a:fld id="{38FE5E9D-AE82-4CD7-95FF-A719BBDC69C0}" type="datetimeFigureOut">
               <a:rPr lang="en-US" smtClean="0"/>
-              <a:t>8/31/2018</a:t>
+              <a:t>9/1/2018</a:t>
             </a:fld>
             <a:endParaRPr lang="en-US"/>
           </a:p>
@@ -475,7 +476,7 @@
           <a:p>
             <a:fld id="{38FE5E9D-AE82-4CD7-95FF-A719BBDC69C0}" type="datetimeFigureOut">
               <a:rPr lang="en-US" smtClean="0"/>
-              <a:t>8/31/2018</a:t>
+              <a:t>9/1/2018</a:t>
             </a:fld>
             <a:endParaRPr lang="en-US"/>
           </a:p>
@@ -683,7 +684,7 @@
           <a:p>
             <a:fld id="{38FE5E9D-AE82-4CD7-95FF-A719BBDC69C0}" type="datetimeFigureOut">
               <a:rPr lang="en-US" smtClean="0"/>
-              <a:t>8/31/2018</a:t>
+              <a:t>9/1/2018</a:t>
             </a:fld>
             <a:endParaRPr lang="en-US"/>
           </a:p>
@@ -881,7 +882,7 @@
           <a:p>
             <a:fld id="{38FE5E9D-AE82-4CD7-95FF-A719BBDC69C0}" type="datetimeFigureOut">
               <a:rPr lang="en-US" smtClean="0"/>
-              <a:t>8/31/2018</a:t>
+              <a:t>9/1/2018</a:t>
             </a:fld>
             <a:endParaRPr lang="en-US"/>
           </a:p>
@@ -1156,7 +1157,7 @@
           <a:p>
             <a:fld id="{38FE5E9D-AE82-4CD7-95FF-A719BBDC69C0}" type="datetimeFigureOut">
               <a:rPr lang="en-US" smtClean="0"/>
-              <a:t>8/31/2018</a:t>
+              <a:t>9/1/2018</a:t>
             </a:fld>
             <a:endParaRPr lang="en-US"/>
           </a:p>
@@ -1421,7 +1422,7 @@
           <a:p>
             <a:fld id="{38FE5E9D-AE82-4CD7-95FF-A719BBDC69C0}" type="datetimeFigureOut">
               <a:rPr lang="en-US" smtClean="0"/>
-              <a:t>8/31/2018</a:t>
+              <a:t>9/1/2018</a:t>
             </a:fld>
             <a:endParaRPr lang="en-US"/>
           </a:p>
@@ -1833,7 +1834,7 @@
           <a:p>
             <a:fld id="{38FE5E9D-AE82-4CD7-95FF-A719BBDC69C0}" type="datetimeFigureOut">
               <a:rPr lang="en-US" smtClean="0"/>
-              <a:t>8/31/2018</a:t>
+              <a:t>9/1/2018</a:t>
             </a:fld>
             <a:endParaRPr lang="en-US"/>
           </a:p>
@@ -1974,7 +1975,7 @@
           <a:p>
             <a:fld id="{38FE5E9D-AE82-4CD7-95FF-A719BBDC69C0}" type="datetimeFigureOut">
               <a:rPr lang="en-US" smtClean="0"/>
-              <a:t>8/31/2018</a:t>
+              <a:t>9/1/2018</a:t>
             </a:fld>
             <a:endParaRPr lang="en-US"/>
           </a:p>
@@ -2087,7 +2088,7 @@
           <a:p>
             <a:fld id="{38FE5E9D-AE82-4CD7-95FF-A719BBDC69C0}" type="datetimeFigureOut">
               <a:rPr lang="en-US" smtClean="0"/>
-              <a:t>8/31/2018</a:t>
+              <a:t>9/1/2018</a:t>
             </a:fld>
             <a:endParaRPr lang="en-US"/>
           </a:p>
@@ -2398,7 +2399,7 @@
           <a:p>
             <a:fld id="{38FE5E9D-AE82-4CD7-95FF-A719BBDC69C0}" type="datetimeFigureOut">
               <a:rPr lang="en-US" smtClean="0"/>
-              <a:t>8/31/2018</a:t>
+              <a:t>9/1/2018</a:t>
             </a:fld>
             <a:endParaRPr lang="en-US"/>
           </a:p>
@@ -2686,7 +2687,7 @@
           <a:p>
             <a:fld id="{38FE5E9D-AE82-4CD7-95FF-A719BBDC69C0}" type="datetimeFigureOut">
               <a:rPr lang="en-US" smtClean="0"/>
-              <a:t>8/31/2018</a:t>
+              <a:t>9/1/2018</a:t>
             </a:fld>
             <a:endParaRPr lang="en-US"/>
           </a:p>
@@ -2927,7 +2928,7 @@
           <a:p>
             <a:fld id="{38FE5E9D-AE82-4CD7-95FF-A719BBDC69C0}" type="datetimeFigureOut">
               <a:rPr lang="en-US" smtClean="0"/>
-              <a:t>8/31/2018</a:t>
+              <a:t>9/1/2018</a:t>
             </a:fld>
             <a:endParaRPr lang="en-US"/>
           </a:p>
@@ -5959,6 +5960,1534 @@
       </p:grpSpPr>
       <p:grpSp>
         <p:nvGrpSpPr>
+          <p:cNvPr id="7" name="Group 6">
+            <a:extLst>
+              <a:ext uri="{FF2B5EF4-FFF2-40B4-BE49-F238E27FC236}">
+                <a16:creationId xmlns:a16="http://schemas.microsoft.com/office/drawing/2014/main" id="{C84D8952-D3B8-4EDB-A7AE-FB79E8D30E6A}"/>
+              </a:ext>
+            </a:extLst>
+          </p:cNvPr>
+          <p:cNvGrpSpPr/>
+          <p:nvPr/>
+        </p:nvGrpSpPr>
+        <p:grpSpPr>
+          <a:xfrm>
+            <a:off x="2126121" y="884051"/>
+            <a:ext cx="7891734" cy="5387439"/>
+            <a:chOff x="2126121" y="884051"/>
+            <a:chExt cx="7891734" cy="5387439"/>
+          </a:xfrm>
+        </p:grpSpPr>
+        <p:grpSp>
+          <p:nvGrpSpPr>
+            <p:cNvPr id="11" name="Group 10">
+              <a:extLst>
+                <a:ext uri="{FF2B5EF4-FFF2-40B4-BE49-F238E27FC236}">
+                  <a16:creationId xmlns:a16="http://schemas.microsoft.com/office/drawing/2014/main" id="{43B1AFAC-D7E4-46E3-BBC2-12321745FFFC}"/>
+                </a:ext>
+              </a:extLst>
+            </p:cNvPr>
+            <p:cNvGrpSpPr/>
+            <p:nvPr/>
+          </p:nvGrpSpPr>
+          <p:grpSpPr>
+            <a:xfrm>
+              <a:off x="2126121" y="884051"/>
+              <a:ext cx="7891734" cy="5387439"/>
+              <a:chOff x="2126121" y="884051"/>
+              <a:chExt cx="7891734" cy="5387439"/>
+            </a:xfrm>
+          </p:grpSpPr>
+          <p:sp>
+            <p:nvSpPr>
+              <p:cNvPr id="16" name="TextBox 15">
+                <a:extLst>
+                  <a:ext uri="{FF2B5EF4-FFF2-40B4-BE49-F238E27FC236}">
+                    <a16:creationId xmlns:a16="http://schemas.microsoft.com/office/drawing/2014/main" id="{E7DA0442-072A-4FC7-B636-2FDA0C6B2544}"/>
+                  </a:ext>
+                </a:extLst>
+              </p:cNvPr>
+              <p:cNvSpPr txBox="1"/>
+              <p:nvPr/>
+            </p:nvSpPr>
+            <p:spPr>
+              <a:xfrm>
+                <a:off x="2772013" y="884051"/>
+                <a:ext cx="6647974" cy="1323439"/>
+              </a:xfrm>
+              <a:prstGeom prst="rect">
+                <a:avLst/>
+              </a:prstGeom>
+              <a:noFill/>
+            </p:spPr>
+            <p:txBody>
+              <a:bodyPr wrap="none" rtlCol="0">
+                <a:spAutoFit/>
+              </a:bodyPr>
+              <a:lstStyle/>
+              <a:p>
+                <a:pPr algn="ctr"/>
+                <a:r>
+                  <a:rPr lang="en-US" sz="2000" b="1" dirty="0">
+                    <a:solidFill>
+                      <a:schemeClr val="tx1">
+                        <a:lumMod val="50000"/>
+                        <a:lumOff val="50000"/>
+                      </a:schemeClr>
+                    </a:solidFill>
+                    <a:latin typeface="Courier New" panose="02070309020205020404" pitchFamily="49" charset="0"/>
+                    <a:cs typeface="Courier New" panose="02070309020205020404" pitchFamily="49" charset="0"/>
+                  </a:rPr>
+                  <a:t>gender == “male” &amp;  beard == TRUE</a:t>
+                </a:r>
+              </a:p>
+              <a:p>
+                <a:pPr algn="ctr"/>
+                <a:r>
+                  <a:rPr lang="en-US" sz="2000" b="1" dirty="0">
+                    <a:solidFill>
+                      <a:schemeClr val="tx1">
+                        <a:lumMod val="50000"/>
+                        <a:lumOff val="50000"/>
+                      </a:schemeClr>
+                    </a:solidFill>
+                    <a:latin typeface="Courier New" panose="02070309020205020404" pitchFamily="49" charset="0"/>
+                    <a:cs typeface="Courier New" panose="02070309020205020404" pitchFamily="49" charset="0"/>
+                  </a:rPr>
+                  <a:t>!( gender == “male” &amp;  beard == TRUE ) </a:t>
+                </a:r>
+              </a:p>
+              <a:p>
+                <a:pPr algn="ctr"/>
+                <a:r>
+                  <a:rPr lang="en-US" sz="2000" b="1" dirty="0">
+                    <a:solidFill>
+                      <a:schemeClr val="tx1">
+                        <a:lumMod val="50000"/>
+                        <a:lumOff val="50000"/>
+                      </a:schemeClr>
+                    </a:solidFill>
+                    <a:latin typeface="Courier New" panose="02070309020205020404" pitchFamily="49" charset="0"/>
+                    <a:cs typeface="Courier New" panose="02070309020205020404" pitchFamily="49" charset="0"/>
+                  </a:rPr>
+                  <a:t>    gender == “male” &amp;  beard == FALSE   </a:t>
+                </a:r>
+              </a:p>
+              <a:p>
+                <a:pPr algn="ctr"/>
+                <a:endParaRPr lang="en-US" sz="2000" b="1" dirty="0">
+                  <a:latin typeface="Courier New" panose="02070309020205020404" pitchFamily="49" charset="0"/>
+                  <a:cs typeface="Courier New" panose="02070309020205020404" pitchFamily="49" charset="0"/>
+                </a:endParaRPr>
+              </a:p>
+            </p:txBody>
+          </p:sp>
+          <p:sp>
+            <p:nvSpPr>
+              <p:cNvPr id="3" name="Rectangle 2">
+                <a:extLst>
+                  <a:ext uri="{FF2B5EF4-FFF2-40B4-BE49-F238E27FC236}">
+                    <a16:creationId xmlns:a16="http://schemas.microsoft.com/office/drawing/2014/main" id="{C3D98583-321A-4A96-851D-281F2A9EAB1C}"/>
+                  </a:ext>
+                </a:extLst>
+              </p:cNvPr>
+              <p:cNvSpPr/>
+              <p:nvPr/>
+            </p:nvSpPr>
+            <p:spPr>
+              <a:xfrm>
+                <a:off x="4682836" y="4239490"/>
+                <a:ext cx="1588655" cy="508000"/>
+              </a:xfrm>
+              <a:prstGeom prst="rect">
+                <a:avLst/>
+              </a:prstGeom>
+              <a:noFill/>
+            </p:spPr>
+            <p:style>
+              <a:lnRef idx="2">
+                <a:schemeClr val="accent1">
+                  <a:shade val="50000"/>
+                </a:schemeClr>
+              </a:lnRef>
+              <a:fillRef idx="1">
+                <a:schemeClr val="accent1"/>
+              </a:fillRef>
+              <a:effectRef idx="0">
+                <a:schemeClr val="accent1"/>
+              </a:effectRef>
+              <a:fontRef idx="minor">
+                <a:schemeClr val="lt1"/>
+              </a:fontRef>
+            </p:style>
+            <p:txBody>
+              <a:bodyPr rtlCol="0" anchor="ctr"/>
+              <a:lstStyle/>
+              <a:p>
+                <a:pPr algn="ctr"/>
+                <a:r>
+                  <a:rPr lang="en-US" dirty="0">
+                    <a:solidFill>
+                      <a:schemeClr val="tx1">
+                        <a:lumMod val="50000"/>
+                        <a:lumOff val="50000"/>
+                      </a:schemeClr>
+                    </a:solidFill>
+                  </a:rPr>
+                  <a:t>female</a:t>
+                </a:r>
+              </a:p>
+            </p:txBody>
+          </p:sp>
+          <p:sp>
+            <p:nvSpPr>
+              <p:cNvPr id="4" name="Rectangle 3">
+                <a:extLst>
+                  <a:ext uri="{FF2B5EF4-FFF2-40B4-BE49-F238E27FC236}">
+                    <a16:creationId xmlns:a16="http://schemas.microsoft.com/office/drawing/2014/main" id="{488F4EF6-CF6E-4371-8669-796C999EB412}"/>
+                  </a:ext>
+                </a:extLst>
+              </p:cNvPr>
+              <p:cNvSpPr/>
+              <p:nvPr/>
+            </p:nvSpPr>
+            <p:spPr>
+              <a:xfrm>
+                <a:off x="4682836" y="4747490"/>
+                <a:ext cx="1588655" cy="508000"/>
+              </a:xfrm>
+              <a:prstGeom prst="rect">
+                <a:avLst/>
+              </a:prstGeom>
+              <a:solidFill>
+                <a:srgbClr val="2F528F"/>
+              </a:solidFill>
+              <a:ln>
+                <a:solidFill>
+                  <a:schemeClr val="bg1"/>
+                </a:solidFill>
+              </a:ln>
+            </p:spPr>
+            <p:style>
+              <a:lnRef idx="2">
+                <a:schemeClr val="accent1">
+                  <a:shade val="50000"/>
+                </a:schemeClr>
+              </a:lnRef>
+              <a:fillRef idx="1">
+                <a:schemeClr val="accent1"/>
+              </a:fillRef>
+              <a:effectRef idx="0">
+                <a:schemeClr val="accent1"/>
+              </a:effectRef>
+              <a:fontRef idx="minor">
+                <a:schemeClr val="lt1"/>
+              </a:fontRef>
+            </p:style>
+            <p:txBody>
+              <a:bodyPr rtlCol="0" anchor="ctr"/>
+              <a:lstStyle/>
+              <a:p>
+                <a:pPr algn="ctr"/>
+                <a:r>
+                  <a:rPr lang="en-US" dirty="0">
+                    <a:solidFill>
+                      <a:schemeClr val="bg1"/>
+                    </a:solidFill>
+                  </a:rPr>
+                  <a:t>male</a:t>
+                </a:r>
+              </a:p>
+            </p:txBody>
+          </p:sp>
+          <p:sp>
+            <p:nvSpPr>
+              <p:cNvPr id="5" name="Rectangle 4">
+                <a:extLst>
+                  <a:ext uri="{FF2B5EF4-FFF2-40B4-BE49-F238E27FC236}">
+                    <a16:creationId xmlns:a16="http://schemas.microsoft.com/office/drawing/2014/main" id="{2FF20727-0245-40D2-ABD9-9AE382D39613}"/>
+                  </a:ext>
+                </a:extLst>
+              </p:cNvPr>
+              <p:cNvSpPr/>
+              <p:nvPr/>
+            </p:nvSpPr>
+            <p:spPr>
+              <a:xfrm>
+                <a:off x="4682836" y="5255490"/>
+                <a:ext cx="1588655" cy="508000"/>
+              </a:xfrm>
+              <a:prstGeom prst="rect">
+                <a:avLst/>
+              </a:prstGeom>
+              <a:solidFill>
+                <a:srgbClr val="2F528F"/>
+              </a:solidFill>
+              <a:ln>
+                <a:solidFill>
+                  <a:schemeClr val="bg1"/>
+                </a:solidFill>
+              </a:ln>
+            </p:spPr>
+            <p:style>
+              <a:lnRef idx="2">
+                <a:schemeClr val="accent1">
+                  <a:shade val="50000"/>
+                </a:schemeClr>
+              </a:lnRef>
+              <a:fillRef idx="1">
+                <a:schemeClr val="accent1"/>
+              </a:fillRef>
+              <a:effectRef idx="0">
+                <a:schemeClr val="accent1"/>
+              </a:effectRef>
+              <a:fontRef idx="minor">
+                <a:schemeClr val="lt1"/>
+              </a:fontRef>
+            </p:style>
+            <p:txBody>
+              <a:bodyPr rtlCol="0" anchor="ctr"/>
+              <a:lstStyle/>
+              <a:p>
+                <a:pPr algn="ctr"/>
+                <a:r>
+                  <a:rPr lang="en-US" dirty="0">
+                    <a:solidFill>
+                      <a:schemeClr val="bg1"/>
+                    </a:solidFill>
+                  </a:rPr>
+                  <a:t>male</a:t>
+                </a:r>
+              </a:p>
+            </p:txBody>
+          </p:sp>
+          <p:sp>
+            <p:nvSpPr>
+              <p:cNvPr id="6" name="Rectangle 5">
+                <a:extLst>
+                  <a:ext uri="{FF2B5EF4-FFF2-40B4-BE49-F238E27FC236}">
+                    <a16:creationId xmlns:a16="http://schemas.microsoft.com/office/drawing/2014/main" id="{F033D587-4251-43EA-9E60-811E18383C55}"/>
+                  </a:ext>
+                </a:extLst>
+              </p:cNvPr>
+              <p:cNvSpPr/>
+              <p:nvPr/>
+            </p:nvSpPr>
+            <p:spPr>
+              <a:xfrm>
+                <a:off x="4682835" y="3223490"/>
+                <a:ext cx="1588655" cy="508000"/>
+              </a:xfrm>
+              <a:prstGeom prst="rect">
+                <a:avLst/>
+              </a:prstGeom>
+              <a:solidFill>
+                <a:srgbClr val="2F528F"/>
+              </a:solidFill>
+              <a:ln>
+                <a:solidFill>
+                  <a:schemeClr val="bg1"/>
+                </a:solidFill>
+              </a:ln>
+            </p:spPr>
+            <p:style>
+              <a:lnRef idx="2">
+                <a:schemeClr val="accent1">
+                  <a:shade val="50000"/>
+                </a:schemeClr>
+              </a:lnRef>
+              <a:fillRef idx="1">
+                <a:schemeClr val="accent1"/>
+              </a:fillRef>
+              <a:effectRef idx="0">
+                <a:schemeClr val="accent1"/>
+              </a:effectRef>
+              <a:fontRef idx="minor">
+                <a:schemeClr val="lt1"/>
+              </a:fontRef>
+            </p:style>
+            <p:txBody>
+              <a:bodyPr rtlCol="0" anchor="ctr"/>
+              <a:lstStyle/>
+              <a:p>
+                <a:pPr algn="ctr"/>
+                <a:r>
+                  <a:rPr lang="en-US" dirty="0">
+                    <a:solidFill>
+                      <a:schemeClr val="bg1"/>
+                    </a:solidFill>
+                  </a:rPr>
+                  <a:t>male</a:t>
+                </a:r>
+              </a:p>
+            </p:txBody>
+          </p:sp>
+          <p:sp>
+            <p:nvSpPr>
+              <p:cNvPr id="8" name="Rectangle 7">
+                <a:extLst>
+                  <a:ext uri="{FF2B5EF4-FFF2-40B4-BE49-F238E27FC236}">
+                    <a16:creationId xmlns:a16="http://schemas.microsoft.com/office/drawing/2014/main" id="{5DCF0FF3-9461-4A88-87DF-96944EC607E2}"/>
+                  </a:ext>
+                </a:extLst>
+              </p:cNvPr>
+              <p:cNvSpPr/>
+              <p:nvPr/>
+            </p:nvSpPr>
+            <p:spPr>
+              <a:xfrm>
+                <a:off x="4682833" y="2715490"/>
+                <a:ext cx="1588655" cy="508000"/>
+              </a:xfrm>
+              <a:prstGeom prst="rect">
+                <a:avLst/>
+              </a:prstGeom>
+              <a:solidFill>
+                <a:srgbClr val="2F528F"/>
+              </a:solidFill>
+              <a:ln>
+                <a:solidFill>
+                  <a:schemeClr val="bg1"/>
+                </a:solidFill>
+              </a:ln>
+            </p:spPr>
+            <p:style>
+              <a:lnRef idx="2">
+                <a:schemeClr val="accent1">
+                  <a:shade val="50000"/>
+                </a:schemeClr>
+              </a:lnRef>
+              <a:fillRef idx="1">
+                <a:schemeClr val="accent1"/>
+              </a:fillRef>
+              <a:effectRef idx="0">
+                <a:schemeClr val="accent1"/>
+              </a:effectRef>
+              <a:fontRef idx="minor">
+                <a:schemeClr val="lt1"/>
+              </a:fontRef>
+            </p:style>
+            <p:txBody>
+              <a:bodyPr rtlCol="0" anchor="ctr"/>
+              <a:lstStyle/>
+              <a:p>
+                <a:pPr algn="ctr"/>
+                <a:r>
+                  <a:rPr lang="en-US" dirty="0">
+                    <a:solidFill>
+                      <a:schemeClr val="bg1"/>
+                    </a:solidFill>
+                  </a:rPr>
+                  <a:t>male</a:t>
+                </a:r>
+              </a:p>
+            </p:txBody>
+          </p:sp>
+          <p:sp>
+            <p:nvSpPr>
+              <p:cNvPr id="17" name="Rectangle 16">
+                <a:extLst>
+                  <a:ext uri="{FF2B5EF4-FFF2-40B4-BE49-F238E27FC236}">
+                    <a16:creationId xmlns:a16="http://schemas.microsoft.com/office/drawing/2014/main" id="{7A0510F4-1A8D-4228-B735-25DEE5DAE005}"/>
+                  </a:ext>
+                </a:extLst>
+              </p:cNvPr>
+              <p:cNvSpPr/>
+              <p:nvPr/>
+            </p:nvSpPr>
+            <p:spPr>
+              <a:xfrm>
+                <a:off x="6271491" y="3731490"/>
+                <a:ext cx="1588655" cy="508000"/>
+              </a:xfrm>
+              <a:prstGeom prst="rect">
+                <a:avLst/>
+              </a:prstGeom>
+              <a:noFill/>
+              <a:ln>
+                <a:solidFill>
+                  <a:schemeClr val="tx1"/>
+                </a:solidFill>
+              </a:ln>
+            </p:spPr>
+            <p:style>
+              <a:lnRef idx="2">
+                <a:schemeClr val="accent1">
+                  <a:shade val="50000"/>
+                </a:schemeClr>
+              </a:lnRef>
+              <a:fillRef idx="1">
+                <a:schemeClr val="accent1"/>
+              </a:fillRef>
+              <a:effectRef idx="0">
+                <a:schemeClr val="accent1"/>
+              </a:effectRef>
+              <a:fontRef idx="minor">
+                <a:schemeClr val="lt1"/>
+              </a:fontRef>
+            </p:style>
+            <p:txBody>
+              <a:bodyPr rtlCol="0" anchor="ctr"/>
+              <a:lstStyle/>
+              <a:p>
+                <a:pPr algn="ctr"/>
+                <a:r>
+                  <a:rPr lang="en-US" dirty="0">
+                    <a:solidFill>
+                      <a:schemeClr val="tx1">
+                        <a:lumMod val="50000"/>
+                        <a:lumOff val="50000"/>
+                      </a:schemeClr>
+                    </a:solidFill>
+                  </a:rPr>
+                  <a:t>FALSE</a:t>
+                </a:r>
+              </a:p>
+            </p:txBody>
+          </p:sp>
+          <p:sp>
+            <p:nvSpPr>
+              <p:cNvPr id="19" name="Rectangle 18">
+                <a:extLst>
+                  <a:ext uri="{FF2B5EF4-FFF2-40B4-BE49-F238E27FC236}">
+                    <a16:creationId xmlns:a16="http://schemas.microsoft.com/office/drawing/2014/main" id="{ADF91CEF-DD2C-4754-B831-C302E7295136}"/>
+                  </a:ext>
+                </a:extLst>
+              </p:cNvPr>
+              <p:cNvSpPr/>
+              <p:nvPr/>
+            </p:nvSpPr>
+            <p:spPr>
+              <a:xfrm>
+                <a:off x="6271491" y="4747490"/>
+                <a:ext cx="1588655" cy="508000"/>
+              </a:xfrm>
+              <a:prstGeom prst="rect">
+                <a:avLst/>
+              </a:prstGeom>
+              <a:solidFill>
+                <a:srgbClr val="2F528F"/>
+              </a:solidFill>
+              <a:ln>
+                <a:solidFill>
+                  <a:schemeClr val="bg1"/>
+                </a:solidFill>
+              </a:ln>
+            </p:spPr>
+            <p:style>
+              <a:lnRef idx="2">
+                <a:schemeClr val="accent1">
+                  <a:shade val="50000"/>
+                </a:schemeClr>
+              </a:lnRef>
+              <a:fillRef idx="1">
+                <a:schemeClr val="accent1"/>
+              </a:fillRef>
+              <a:effectRef idx="0">
+                <a:schemeClr val="accent1"/>
+              </a:effectRef>
+              <a:fontRef idx="minor">
+                <a:schemeClr val="lt1"/>
+              </a:fontRef>
+            </p:style>
+            <p:txBody>
+              <a:bodyPr rtlCol="0" anchor="ctr"/>
+              <a:lstStyle/>
+              <a:p>
+                <a:pPr algn="ctr"/>
+                <a:r>
+                  <a:rPr lang="en-US" dirty="0">
+                    <a:solidFill>
+                      <a:schemeClr val="bg1"/>
+                    </a:solidFill>
+                  </a:rPr>
+                  <a:t>FALSE</a:t>
+                </a:r>
+              </a:p>
+            </p:txBody>
+          </p:sp>
+          <p:sp>
+            <p:nvSpPr>
+              <p:cNvPr id="20" name="Rectangle 19">
+                <a:extLst>
+                  <a:ext uri="{FF2B5EF4-FFF2-40B4-BE49-F238E27FC236}">
+                    <a16:creationId xmlns:a16="http://schemas.microsoft.com/office/drawing/2014/main" id="{149476E6-8A30-47B4-A11A-E06847F424BC}"/>
+                  </a:ext>
+                </a:extLst>
+              </p:cNvPr>
+              <p:cNvSpPr/>
+              <p:nvPr/>
+            </p:nvSpPr>
+            <p:spPr>
+              <a:xfrm>
+                <a:off x="6271491" y="5255490"/>
+                <a:ext cx="1588655" cy="508000"/>
+              </a:xfrm>
+              <a:prstGeom prst="rect">
+                <a:avLst/>
+              </a:prstGeom>
+              <a:solidFill>
+                <a:srgbClr val="2F528F"/>
+              </a:solidFill>
+              <a:ln>
+                <a:solidFill>
+                  <a:schemeClr val="bg1"/>
+                </a:solidFill>
+              </a:ln>
+            </p:spPr>
+            <p:style>
+              <a:lnRef idx="2">
+                <a:schemeClr val="accent1">
+                  <a:shade val="50000"/>
+                </a:schemeClr>
+              </a:lnRef>
+              <a:fillRef idx="1">
+                <a:schemeClr val="accent1"/>
+              </a:fillRef>
+              <a:effectRef idx="0">
+                <a:schemeClr val="accent1"/>
+              </a:effectRef>
+              <a:fontRef idx="minor">
+                <a:schemeClr val="lt1"/>
+              </a:fontRef>
+            </p:style>
+            <p:txBody>
+              <a:bodyPr rtlCol="0" anchor="ctr"/>
+              <a:lstStyle/>
+              <a:p>
+                <a:pPr algn="ctr"/>
+                <a:r>
+                  <a:rPr lang="en-US" dirty="0">
+                    <a:solidFill>
+                      <a:schemeClr val="bg1"/>
+                    </a:solidFill>
+                  </a:rPr>
+                  <a:t>FALSE</a:t>
+                </a:r>
+              </a:p>
+            </p:txBody>
+          </p:sp>
+          <p:sp>
+            <p:nvSpPr>
+              <p:cNvPr id="21" name="Rectangle 20">
+                <a:extLst>
+                  <a:ext uri="{FF2B5EF4-FFF2-40B4-BE49-F238E27FC236}">
+                    <a16:creationId xmlns:a16="http://schemas.microsoft.com/office/drawing/2014/main" id="{1BE0B8D5-F29D-4AC4-93E3-C9A85E99904C}"/>
+                  </a:ext>
+                </a:extLst>
+              </p:cNvPr>
+              <p:cNvSpPr/>
+              <p:nvPr/>
+            </p:nvSpPr>
+            <p:spPr>
+              <a:xfrm>
+                <a:off x="6271490" y="3223490"/>
+                <a:ext cx="1588655" cy="508000"/>
+              </a:xfrm>
+              <a:prstGeom prst="rect">
+                <a:avLst/>
+              </a:prstGeom>
+              <a:solidFill>
+                <a:srgbClr val="2F528F"/>
+              </a:solidFill>
+              <a:ln>
+                <a:solidFill>
+                  <a:schemeClr val="bg1"/>
+                </a:solidFill>
+              </a:ln>
+            </p:spPr>
+            <p:style>
+              <a:lnRef idx="2">
+                <a:schemeClr val="accent1">
+                  <a:shade val="50000"/>
+                </a:schemeClr>
+              </a:lnRef>
+              <a:fillRef idx="1">
+                <a:schemeClr val="accent1"/>
+              </a:fillRef>
+              <a:effectRef idx="0">
+                <a:schemeClr val="accent1"/>
+              </a:effectRef>
+              <a:fontRef idx="minor">
+                <a:schemeClr val="lt1"/>
+              </a:fontRef>
+            </p:style>
+            <p:txBody>
+              <a:bodyPr rtlCol="0" anchor="ctr"/>
+              <a:lstStyle/>
+              <a:p>
+                <a:pPr algn="ctr"/>
+                <a:r>
+                  <a:rPr lang="en-US" dirty="0">
+                    <a:solidFill>
+                      <a:schemeClr val="bg1"/>
+                    </a:solidFill>
+                  </a:rPr>
+                  <a:t>TRUE</a:t>
+                </a:r>
+              </a:p>
+            </p:txBody>
+          </p:sp>
+          <p:sp>
+            <p:nvSpPr>
+              <p:cNvPr id="23" name="Rectangle 22">
+                <a:extLst>
+                  <a:ext uri="{FF2B5EF4-FFF2-40B4-BE49-F238E27FC236}">
+                    <a16:creationId xmlns:a16="http://schemas.microsoft.com/office/drawing/2014/main" id="{73276385-1246-47F6-AF3B-FEE565AC1BB9}"/>
+                  </a:ext>
+                </a:extLst>
+              </p:cNvPr>
+              <p:cNvSpPr/>
+              <p:nvPr/>
+            </p:nvSpPr>
+            <p:spPr>
+              <a:xfrm>
+                <a:off x="6271488" y="2715490"/>
+                <a:ext cx="1588655" cy="508000"/>
+              </a:xfrm>
+              <a:prstGeom prst="rect">
+                <a:avLst/>
+              </a:prstGeom>
+              <a:solidFill>
+                <a:srgbClr val="2F528F"/>
+              </a:solidFill>
+              <a:ln>
+                <a:solidFill>
+                  <a:schemeClr val="bg1"/>
+                </a:solidFill>
+              </a:ln>
+            </p:spPr>
+            <p:style>
+              <a:lnRef idx="2">
+                <a:schemeClr val="accent1">
+                  <a:shade val="50000"/>
+                </a:schemeClr>
+              </a:lnRef>
+              <a:fillRef idx="1">
+                <a:schemeClr val="accent1"/>
+              </a:fillRef>
+              <a:effectRef idx="0">
+                <a:schemeClr val="accent1"/>
+              </a:effectRef>
+              <a:fontRef idx="minor">
+                <a:schemeClr val="lt1"/>
+              </a:fontRef>
+            </p:style>
+            <p:txBody>
+              <a:bodyPr rtlCol="0" anchor="ctr"/>
+              <a:lstStyle/>
+              <a:p>
+                <a:pPr algn="ctr"/>
+                <a:r>
+                  <a:rPr lang="en-US" dirty="0">
+                    <a:solidFill>
+                      <a:schemeClr val="bg1"/>
+                    </a:solidFill>
+                  </a:rPr>
+                  <a:t>TRUE</a:t>
+                </a:r>
+              </a:p>
+            </p:txBody>
+          </p:sp>
+          <p:sp>
+            <p:nvSpPr>
+              <p:cNvPr id="24" name="Rectangle 23">
+                <a:extLst>
+                  <a:ext uri="{FF2B5EF4-FFF2-40B4-BE49-F238E27FC236}">
+                    <a16:creationId xmlns:a16="http://schemas.microsoft.com/office/drawing/2014/main" id="{B7035B74-CD3A-4281-AB96-047CFCBC1303}"/>
+                  </a:ext>
+                </a:extLst>
+              </p:cNvPr>
+              <p:cNvSpPr/>
+              <p:nvPr/>
+            </p:nvSpPr>
+            <p:spPr>
+              <a:xfrm>
+                <a:off x="4682833" y="3731490"/>
+                <a:ext cx="1588655" cy="508000"/>
+              </a:xfrm>
+              <a:prstGeom prst="rect">
+                <a:avLst/>
+              </a:prstGeom>
+              <a:noFill/>
+              <a:ln>
+                <a:solidFill>
+                  <a:schemeClr val="tx1"/>
+                </a:solidFill>
+              </a:ln>
+            </p:spPr>
+            <p:style>
+              <a:lnRef idx="2">
+                <a:schemeClr val="accent1">
+                  <a:shade val="50000"/>
+                </a:schemeClr>
+              </a:lnRef>
+              <a:fillRef idx="1">
+                <a:schemeClr val="accent1"/>
+              </a:fillRef>
+              <a:effectRef idx="0">
+                <a:schemeClr val="accent1"/>
+              </a:effectRef>
+              <a:fontRef idx="minor">
+                <a:schemeClr val="lt1"/>
+              </a:fontRef>
+            </p:style>
+            <p:txBody>
+              <a:bodyPr rtlCol="0" anchor="ctr"/>
+              <a:lstStyle/>
+              <a:p>
+                <a:pPr algn="ctr"/>
+                <a:r>
+                  <a:rPr lang="en-US" dirty="0">
+                    <a:solidFill>
+                      <a:schemeClr val="tx1">
+                        <a:lumMod val="50000"/>
+                        <a:lumOff val="50000"/>
+                      </a:schemeClr>
+                    </a:solidFill>
+                  </a:rPr>
+                  <a:t>female</a:t>
+                </a:r>
+              </a:p>
+            </p:txBody>
+          </p:sp>
+          <p:sp>
+            <p:nvSpPr>
+              <p:cNvPr id="26" name="Rectangle 25">
+                <a:extLst>
+                  <a:ext uri="{FF2B5EF4-FFF2-40B4-BE49-F238E27FC236}">
+                    <a16:creationId xmlns:a16="http://schemas.microsoft.com/office/drawing/2014/main" id="{DBA8EE56-022A-43D6-8813-CA3BCC80C001}"/>
+                  </a:ext>
+                </a:extLst>
+              </p:cNvPr>
+              <p:cNvSpPr/>
+              <p:nvPr/>
+            </p:nvSpPr>
+            <p:spPr>
+              <a:xfrm>
+                <a:off x="6271488" y="4239490"/>
+                <a:ext cx="1588655" cy="508000"/>
+              </a:xfrm>
+              <a:prstGeom prst="rect">
+                <a:avLst/>
+              </a:prstGeom>
+              <a:noFill/>
+              <a:ln>
+                <a:solidFill>
+                  <a:schemeClr val="tx1"/>
+                </a:solidFill>
+              </a:ln>
+            </p:spPr>
+            <p:style>
+              <a:lnRef idx="2">
+                <a:schemeClr val="accent1">
+                  <a:shade val="50000"/>
+                </a:schemeClr>
+              </a:lnRef>
+              <a:fillRef idx="1">
+                <a:schemeClr val="accent1"/>
+              </a:fillRef>
+              <a:effectRef idx="0">
+                <a:schemeClr val="accent1"/>
+              </a:effectRef>
+              <a:fontRef idx="minor">
+                <a:schemeClr val="lt1"/>
+              </a:fontRef>
+            </p:style>
+            <p:txBody>
+              <a:bodyPr rtlCol="0" anchor="ctr"/>
+              <a:lstStyle/>
+              <a:p>
+                <a:pPr algn="ctr"/>
+                <a:r>
+                  <a:rPr lang="en-US" dirty="0">
+                    <a:solidFill>
+                      <a:schemeClr val="tx1">
+                        <a:lumMod val="50000"/>
+                        <a:lumOff val="50000"/>
+                      </a:schemeClr>
+                    </a:solidFill>
+                  </a:rPr>
+                  <a:t>FALSE</a:t>
+                </a:r>
+              </a:p>
+            </p:txBody>
+          </p:sp>
+          <p:sp>
+            <p:nvSpPr>
+              <p:cNvPr id="32" name="TextBox 31">
+                <a:extLst>
+                  <a:ext uri="{FF2B5EF4-FFF2-40B4-BE49-F238E27FC236}">
+                    <a16:creationId xmlns:a16="http://schemas.microsoft.com/office/drawing/2014/main" id="{D5E27DED-5894-4B46-AD8D-CE0393FEE808}"/>
+                  </a:ext>
+                </a:extLst>
+              </p:cNvPr>
+              <p:cNvSpPr txBox="1"/>
+              <p:nvPr/>
+            </p:nvSpPr>
+            <p:spPr>
+              <a:xfrm>
+                <a:off x="4933581" y="2236070"/>
+                <a:ext cx="1087157" cy="400110"/>
+              </a:xfrm>
+              <a:prstGeom prst="rect">
+                <a:avLst/>
+              </a:prstGeom>
+              <a:noFill/>
+            </p:spPr>
+            <p:txBody>
+              <a:bodyPr wrap="none" rtlCol="0">
+                <a:spAutoFit/>
+              </a:bodyPr>
+              <a:lstStyle/>
+              <a:p>
+                <a:pPr algn="r"/>
+                <a:r>
+                  <a:rPr lang="en-US" sz="2000" b="1" dirty="0">
+                    <a:solidFill>
+                      <a:schemeClr val="tx1">
+                        <a:lumMod val="50000"/>
+                        <a:lumOff val="50000"/>
+                      </a:schemeClr>
+                    </a:solidFill>
+                    <a:latin typeface="Century Gothic" panose="020B0502020202020204" pitchFamily="34" charset="0"/>
+                  </a:rPr>
+                  <a:t>gender</a:t>
+                </a:r>
+              </a:p>
+            </p:txBody>
+          </p:sp>
+          <p:sp>
+            <p:nvSpPr>
+              <p:cNvPr id="33" name="TextBox 32">
+                <a:extLst>
+                  <a:ext uri="{FF2B5EF4-FFF2-40B4-BE49-F238E27FC236}">
+                    <a16:creationId xmlns:a16="http://schemas.microsoft.com/office/drawing/2014/main" id="{5B6DB129-1C9F-4369-8DBA-AB4A1577FEDD}"/>
+                  </a:ext>
+                </a:extLst>
+              </p:cNvPr>
+              <p:cNvSpPr txBox="1"/>
+              <p:nvPr/>
+            </p:nvSpPr>
+            <p:spPr>
+              <a:xfrm>
+                <a:off x="6587959" y="2234596"/>
+                <a:ext cx="939681" cy="400110"/>
+              </a:xfrm>
+              <a:prstGeom prst="rect">
+                <a:avLst/>
+              </a:prstGeom>
+              <a:noFill/>
+            </p:spPr>
+            <p:txBody>
+              <a:bodyPr wrap="none" rtlCol="0">
+                <a:spAutoFit/>
+              </a:bodyPr>
+              <a:lstStyle/>
+              <a:p>
+                <a:pPr algn="r"/>
+                <a:r>
+                  <a:rPr lang="en-US" sz="2000" b="1" dirty="0">
+                    <a:solidFill>
+                      <a:schemeClr val="tx1">
+                        <a:lumMod val="50000"/>
+                        <a:lumOff val="50000"/>
+                      </a:schemeClr>
+                    </a:solidFill>
+                    <a:latin typeface="Century Gothic" panose="020B0502020202020204" pitchFamily="34" charset="0"/>
+                  </a:rPr>
+                  <a:t>beard</a:t>
+                </a:r>
+              </a:p>
+            </p:txBody>
+          </p:sp>
+          <p:sp>
+            <p:nvSpPr>
+              <p:cNvPr id="34" name="Left Brace 33">
+                <a:extLst>
+                  <a:ext uri="{FF2B5EF4-FFF2-40B4-BE49-F238E27FC236}">
+                    <a16:creationId xmlns:a16="http://schemas.microsoft.com/office/drawing/2014/main" id="{2602F8B3-4E71-494F-936C-98784706745E}"/>
+                  </a:ext>
+                </a:extLst>
+              </p:cNvPr>
+              <p:cNvSpPr/>
+              <p:nvPr/>
+            </p:nvSpPr>
+            <p:spPr>
+              <a:xfrm flipH="1">
+                <a:off x="8159777" y="4747490"/>
+                <a:ext cx="383703" cy="923498"/>
+              </a:xfrm>
+              <a:prstGeom prst="leftBrace">
+                <a:avLst>
+                  <a:gd name="adj1" fmla="val 8333"/>
+                  <a:gd name="adj2" fmla="val 50398"/>
+                </a:avLst>
+              </a:prstGeom>
+              <a:ln w="19050">
+                <a:solidFill>
+                  <a:srgbClr val="4472C4"/>
+                </a:solidFill>
+              </a:ln>
+            </p:spPr>
+            <p:style>
+              <a:lnRef idx="1">
+                <a:schemeClr val="accent1"/>
+              </a:lnRef>
+              <a:fillRef idx="0">
+                <a:schemeClr val="accent1"/>
+              </a:fillRef>
+              <a:effectRef idx="0">
+                <a:schemeClr val="accent1"/>
+              </a:effectRef>
+              <a:fontRef idx="minor">
+                <a:schemeClr val="tx1"/>
+              </a:fontRef>
+            </p:style>
+            <p:txBody>
+              <a:bodyPr rtlCol="0" anchor="ctr"/>
+              <a:lstStyle/>
+              <a:p>
+                <a:pPr algn="ctr"/>
+                <a:endParaRPr lang="en-US"/>
+              </a:p>
+            </p:txBody>
+          </p:sp>
+          <p:sp>
+            <p:nvSpPr>
+              <p:cNvPr id="35" name="TextBox 34">
+                <a:extLst>
+                  <a:ext uri="{FF2B5EF4-FFF2-40B4-BE49-F238E27FC236}">
+                    <a16:creationId xmlns:a16="http://schemas.microsoft.com/office/drawing/2014/main" id="{7DF30EB6-1E08-415C-889C-704F212E0134}"/>
+                  </a:ext>
+                </a:extLst>
+              </p:cNvPr>
+              <p:cNvSpPr txBox="1"/>
+              <p:nvPr/>
+            </p:nvSpPr>
+            <p:spPr>
+              <a:xfrm>
+                <a:off x="8747957" y="4609074"/>
+                <a:ext cx="1269898" cy="1200329"/>
+              </a:xfrm>
+              <a:prstGeom prst="rect">
+                <a:avLst/>
+              </a:prstGeom>
+              <a:noFill/>
+            </p:spPr>
+            <p:txBody>
+              <a:bodyPr wrap="none" rtlCol="0">
+                <a:spAutoFit/>
+              </a:bodyPr>
+              <a:lstStyle/>
+              <a:p>
+                <a:pPr algn="ctr"/>
+                <a:r>
+                  <a:rPr lang="en-US" sz="2400" b="1" cap="small" dirty="0">
+                    <a:solidFill>
+                      <a:srgbClr val="2F528F"/>
+                    </a:solidFill>
+                    <a:latin typeface="Century Gothic" panose="020B0502020202020204" pitchFamily="34" charset="0"/>
+                  </a:rPr>
+                  <a:t>3. Men </a:t>
+                </a:r>
+                <a:br>
+                  <a:rPr lang="en-US" sz="2400" b="1" cap="small" dirty="0">
+                    <a:solidFill>
+                      <a:srgbClr val="2F528F"/>
+                    </a:solidFill>
+                    <a:latin typeface="Century Gothic" panose="020B0502020202020204" pitchFamily="34" charset="0"/>
+                  </a:rPr>
+                </a:br>
+                <a:r>
+                  <a:rPr lang="en-US" sz="2400" b="1" cap="small" dirty="0">
+                    <a:solidFill>
+                      <a:srgbClr val="2F528F"/>
+                    </a:solidFill>
+                    <a:latin typeface="Century Gothic" panose="020B0502020202020204" pitchFamily="34" charset="0"/>
+                  </a:rPr>
+                  <a:t>Without</a:t>
+                </a:r>
+                <a:br>
+                  <a:rPr lang="en-US" sz="2400" b="1" cap="small" dirty="0">
+                    <a:solidFill>
+                      <a:srgbClr val="2F528F"/>
+                    </a:solidFill>
+                    <a:latin typeface="Century Gothic" panose="020B0502020202020204" pitchFamily="34" charset="0"/>
+                  </a:rPr>
+                </a:br>
+                <a:r>
+                  <a:rPr lang="en-US" sz="2400" b="1" cap="small" dirty="0">
+                    <a:solidFill>
+                      <a:srgbClr val="2F528F"/>
+                    </a:solidFill>
+                    <a:latin typeface="Century Gothic" panose="020B0502020202020204" pitchFamily="34" charset="0"/>
+                  </a:rPr>
+                  <a:t>Beards</a:t>
+                </a:r>
+              </a:p>
+            </p:txBody>
+          </p:sp>
+          <p:sp>
+            <p:nvSpPr>
+              <p:cNvPr id="36" name="Left Brace 35">
+                <a:extLst>
+                  <a:ext uri="{FF2B5EF4-FFF2-40B4-BE49-F238E27FC236}">
+                    <a16:creationId xmlns:a16="http://schemas.microsoft.com/office/drawing/2014/main" id="{E1BB3A01-1EE1-4B70-B6F4-1A95EBE2FFE8}"/>
+                  </a:ext>
+                </a:extLst>
+              </p:cNvPr>
+              <p:cNvSpPr/>
+              <p:nvPr/>
+            </p:nvSpPr>
+            <p:spPr>
+              <a:xfrm flipV="1">
+                <a:off x="3855220" y="3796144"/>
+                <a:ext cx="383703" cy="2475345"/>
+              </a:xfrm>
+              <a:prstGeom prst="leftBrace">
+                <a:avLst>
+                  <a:gd name="adj1" fmla="val 8333"/>
+                  <a:gd name="adj2" fmla="val 50398"/>
+                </a:avLst>
+              </a:prstGeom>
+              <a:ln w="19050">
+                <a:solidFill>
+                  <a:srgbClr val="4472C4"/>
+                </a:solidFill>
+              </a:ln>
+            </p:spPr>
+            <p:style>
+              <a:lnRef idx="1">
+                <a:schemeClr val="accent1"/>
+              </a:lnRef>
+              <a:fillRef idx="0">
+                <a:schemeClr val="accent1"/>
+              </a:fillRef>
+              <a:effectRef idx="0">
+                <a:schemeClr val="accent1"/>
+              </a:effectRef>
+              <a:fontRef idx="minor">
+                <a:schemeClr val="tx1"/>
+              </a:fontRef>
+            </p:style>
+            <p:txBody>
+              <a:bodyPr rtlCol="0" anchor="ctr"/>
+              <a:lstStyle/>
+              <a:p>
+                <a:pPr algn="ctr"/>
+                <a:endParaRPr lang="en-US"/>
+              </a:p>
+            </p:txBody>
+          </p:sp>
+          <p:sp>
+            <p:nvSpPr>
+              <p:cNvPr id="38" name="TextBox 37">
+                <a:extLst>
+                  <a:ext uri="{FF2B5EF4-FFF2-40B4-BE49-F238E27FC236}">
+                    <a16:creationId xmlns:a16="http://schemas.microsoft.com/office/drawing/2014/main" id="{8A75A67B-319E-4BFF-9216-C45D97B94B73}"/>
+                  </a:ext>
+                </a:extLst>
+              </p:cNvPr>
+              <p:cNvSpPr txBox="1"/>
+              <p:nvPr/>
+            </p:nvSpPr>
+            <p:spPr>
+              <a:xfrm>
+                <a:off x="2206271" y="4401325"/>
+                <a:ext cx="1476687" cy="1200329"/>
+              </a:xfrm>
+              <a:prstGeom prst="rect">
+                <a:avLst/>
+              </a:prstGeom>
+              <a:noFill/>
+            </p:spPr>
+            <p:txBody>
+              <a:bodyPr wrap="none" rtlCol="0">
+                <a:spAutoFit/>
+              </a:bodyPr>
+              <a:lstStyle/>
+              <a:p>
+                <a:pPr algn="ctr"/>
+                <a:r>
+                  <a:rPr lang="en-US" sz="2400" b="1" cap="small" dirty="0">
+                    <a:solidFill>
+                      <a:srgbClr val="2F528F"/>
+                    </a:solidFill>
+                    <a:latin typeface="Century Gothic" panose="020B0502020202020204" pitchFamily="34" charset="0"/>
+                  </a:rPr>
+                  <a:t>2. Not (!)</a:t>
+                </a:r>
+                <a:br>
+                  <a:rPr lang="en-US" sz="2400" b="1" cap="small" dirty="0">
+                    <a:solidFill>
+                      <a:srgbClr val="2F528F"/>
+                    </a:solidFill>
+                    <a:latin typeface="Century Gothic" panose="020B0502020202020204" pitchFamily="34" charset="0"/>
+                  </a:rPr>
+                </a:br>
+                <a:r>
+                  <a:rPr lang="en-US" sz="2400" b="1" cap="small" dirty="0">
+                    <a:solidFill>
+                      <a:srgbClr val="2F528F"/>
+                    </a:solidFill>
+                    <a:latin typeface="Century Gothic" panose="020B0502020202020204" pitchFamily="34" charset="0"/>
+                  </a:rPr>
+                  <a:t> Bearded</a:t>
+                </a:r>
+                <a:br>
+                  <a:rPr lang="en-US" sz="2400" b="1" cap="small" dirty="0">
+                    <a:solidFill>
+                      <a:srgbClr val="2F528F"/>
+                    </a:solidFill>
+                    <a:latin typeface="Century Gothic" panose="020B0502020202020204" pitchFamily="34" charset="0"/>
+                  </a:rPr>
+                </a:br>
+                <a:r>
+                  <a:rPr lang="en-US" sz="2400" b="1" cap="small" dirty="0">
+                    <a:solidFill>
+                      <a:srgbClr val="2F528F"/>
+                    </a:solidFill>
+                    <a:latin typeface="Century Gothic" panose="020B0502020202020204" pitchFamily="34" charset="0"/>
+                  </a:rPr>
+                  <a:t>Men</a:t>
+                </a:r>
+              </a:p>
+            </p:txBody>
+          </p:sp>
+          <p:sp>
+            <p:nvSpPr>
+              <p:cNvPr id="40" name="Rectangle 39">
+                <a:extLst>
+                  <a:ext uri="{FF2B5EF4-FFF2-40B4-BE49-F238E27FC236}">
+                    <a16:creationId xmlns:a16="http://schemas.microsoft.com/office/drawing/2014/main" id="{91D684D2-C0FD-4ACF-925C-AB3ACA64C54E}"/>
+                  </a:ext>
+                </a:extLst>
+              </p:cNvPr>
+              <p:cNvSpPr/>
+              <p:nvPr/>
+            </p:nvSpPr>
+            <p:spPr>
+              <a:xfrm>
+                <a:off x="6271488" y="5763490"/>
+                <a:ext cx="1588655" cy="508000"/>
+              </a:xfrm>
+              <a:prstGeom prst="rect">
+                <a:avLst/>
+              </a:prstGeom>
+              <a:noFill/>
+              <a:ln>
+                <a:solidFill>
+                  <a:schemeClr val="tx1"/>
+                </a:solidFill>
+              </a:ln>
+            </p:spPr>
+            <p:style>
+              <a:lnRef idx="2">
+                <a:schemeClr val="accent1">
+                  <a:shade val="50000"/>
+                </a:schemeClr>
+              </a:lnRef>
+              <a:fillRef idx="1">
+                <a:schemeClr val="accent1"/>
+              </a:fillRef>
+              <a:effectRef idx="0">
+                <a:schemeClr val="accent1"/>
+              </a:effectRef>
+              <a:fontRef idx="minor">
+                <a:schemeClr val="lt1"/>
+              </a:fontRef>
+            </p:style>
+            <p:txBody>
+              <a:bodyPr rtlCol="0" anchor="ctr"/>
+              <a:lstStyle/>
+              <a:p>
+                <a:pPr algn="ctr"/>
+                <a:r>
+                  <a:rPr lang="en-US" dirty="0">
+                    <a:solidFill>
+                      <a:schemeClr val="tx1">
+                        <a:lumMod val="50000"/>
+                        <a:lumOff val="50000"/>
+                      </a:schemeClr>
+                    </a:solidFill>
+                  </a:rPr>
+                  <a:t>TRUE</a:t>
+                </a:r>
+              </a:p>
+            </p:txBody>
+          </p:sp>
+          <p:sp>
+            <p:nvSpPr>
+              <p:cNvPr id="41" name="Rectangle 40">
+                <a:extLst>
+                  <a:ext uri="{FF2B5EF4-FFF2-40B4-BE49-F238E27FC236}">
+                    <a16:creationId xmlns:a16="http://schemas.microsoft.com/office/drawing/2014/main" id="{6EB77607-B3EF-4D8C-81E0-A88A8701F100}"/>
+                  </a:ext>
+                </a:extLst>
+              </p:cNvPr>
+              <p:cNvSpPr/>
+              <p:nvPr/>
+            </p:nvSpPr>
+            <p:spPr>
+              <a:xfrm>
+                <a:off x="4682830" y="5763490"/>
+                <a:ext cx="1588655" cy="508000"/>
+              </a:xfrm>
+              <a:prstGeom prst="rect">
+                <a:avLst/>
+              </a:prstGeom>
+              <a:noFill/>
+              <a:ln>
+                <a:solidFill>
+                  <a:schemeClr val="tx1"/>
+                </a:solidFill>
+              </a:ln>
+            </p:spPr>
+            <p:style>
+              <a:lnRef idx="2">
+                <a:schemeClr val="accent1">
+                  <a:shade val="50000"/>
+                </a:schemeClr>
+              </a:lnRef>
+              <a:fillRef idx="1">
+                <a:schemeClr val="accent1"/>
+              </a:fillRef>
+              <a:effectRef idx="0">
+                <a:schemeClr val="accent1"/>
+              </a:effectRef>
+              <a:fontRef idx="minor">
+                <a:schemeClr val="lt1"/>
+              </a:fontRef>
+            </p:style>
+            <p:txBody>
+              <a:bodyPr rtlCol="0" anchor="ctr"/>
+              <a:lstStyle/>
+              <a:p>
+                <a:pPr algn="ctr"/>
+                <a:r>
+                  <a:rPr lang="en-US" dirty="0">
+                    <a:solidFill>
+                      <a:schemeClr val="tx1">
+                        <a:lumMod val="50000"/>
+                        <a:lumOff val="50000"/>
+                      </a:schemeClr>
+                    </a:solidFill>
+                  </a:rPr>
+                  <a:t>female</a:t>
+                </a:r>
+              </a:p>
+            </p:txBody>
+          </p:sp>
+          <p:sp>
+            <p:nvSpPr>
+              <p:cNvPr id="43" name="Left Brace 42">
+                <a:extLst>
+                  <a:ext uri="{FF2B5EF4-FFF2-40B4-BE49-F238E27FC236}">
+                    <a16:creationId xmlns:a16="http://schemas.microsoft.com/office/drawing/2014/main" id="{0E278E2D-9EDF-489A-A0DF-69A33FCB9C42}"/>
+                  </a:ext>
+                </a:extLst>
+              </p:cNvPr>
+              <p:cNvSpPr/>
+              <p:nvPr/>
+            </p:nvSpPr>
+            <p:spPr>
+              <a:xfrm flipV="1">
+                <a:off x="3849918" y="2715490"/>
+                <a:ext cx="383703" cy="1016000"/>
+              </a:xfrm>
+              <a:prstGeom prst="leftBrace">
+                <a:avLst>
+                  <a:gd name="adj1" fmla="val 8333"/>
+                  <a:gd name="adj2" fmla="val 50398"/>
+                </a:avLst>
+              </a:prstGeom>
+              <a:ln w="19050">
+                <a:solidFill>
+                  <a:srgbClr val="4472C4"/>
+                </a:solidFill>
+              </a:ln>
+            </p:spPr>
+            <p:style>
+              <a:lnRef idx="1">
+                <a:schemeClr val="accent1"/>
+              </a:lnRef>
+              <a:fillRef idx="0">
+                <a:schemeClr val="accent1"/>
+              </a:fillRef>
+              <a:effectRef idx="0">
+                <a:schemeClr val="accent1"/>
+              </a:effectRef>
+              <a:fontRef idx="minor">
+                <a:schemeClr val="tx1"/>
+              </a:fontRef>
+            </p:style>
+            <p:txBody>
+              <a:bodyPr rtlCol="0" anchor="ctr"/>
+              <a:lstStyle/>
+              <a:p>
+                <a:pPr algn="ctr"/>
+                <a:endParaRPr lang="en-US"/>
+              </a:p>
+            </p:txBody>
+          </p:sp>
+          <p:sp>
+            <p:nvSpPr>
+              <p:cNvPr id="44" name="TextBox 43">
+                <a:extLst>
+                  <a:ext uri="{FF2B5EF4-FFF2-40B4-BE49-F238E27FC236}">
+                    <a16:creationId xmlns:a16="http://schemas.microsoft.com/office/drawing/2014/main" id="{526399BB-622C-4F93-8C3F-CF26D72E2155}"/>
+                  </a:ext>
+                </a:extLst>
+              </p:cNvPr>
+              <p:cNvSpPr txBox="1"/>
+              <p:nvPr/>
+            </p:nvSpPr>
+            <p:spPr>
+              <a:xfrm>
+                <a:off x="2126121" y="2807991"/>
+                <a:ext cx="1636987" cy="830997"/>
+              </a:xfrm>
+              <a:prstGeom prst="rect">
+                <a:avLst/>
+              </a:prstGeom>
+              <a:noFill/>
+            </p:spPr>
+            <p:txBody>
+              <a:bodyPr wrap="none" rtlCol="0">
+                <a:spAutoFit/>
+              </a:bodyPr>
+              <a:lstStyle/>
+              <a:p>
+                <a:pPr algn="ctr"/>
+                <a:r>
+                  <a:rPr lang="en-US" sz="2400" b="1" cap="small" dirty="0">
+                    <a:solidFill>
+                      <a:srgbClr val="2F528F"/>
+                    </a:solidFill>
+                    <a:latin typeface="Century Gothic" panose="020B0502020202020204" pitchFamily="34" charset="0"/>
+                  </a:rPr>
+                  <a:t>1. Bearded</a:t>
+                </a:r>
+                <a:br>
+                  <a:rPr lang="en-US" sz="2400" b="1" cap="small" dirty="0">
+                    <a:solidFill>
+                      <a:srgbClr val="2F528F"/>
+                    </a:solidFill>
+                    <a:latin typeface="Century Gothic" panose="020B0502020202020204" pitchFamily="34" charset="0"/>
+                  </a:rPr>
+                </a:br>
+                <a:r>
+                  <a:rPr lang="en-US" sz="2400" b="1" cap="small" dirty="0">
+                    <a:solidFill>
+                      <a:srgbClr val="2F528F"/>
+                    </a:solidFill>
+                    <a:latin typeface="Century Gothic" panose="020B0502020202020204" pitchFamily="34" charset="0"/>
+                  </a:rPr>
+                  <a:t>Men</a:t>
+                </a:r>
+              </a:p>
+            </p:txBody>
+          </p:sp>
+        </p:grpSp>
+        <p:sp>
+          <p:nvSpPr>
+            <p:cNvPr id="2" name="TextBox 1">
+              <a:extLst>
+                <a:ext uri="{FF2B5EF4-FFF2-40B4-BE49-F238E27FC236}">
+                  <a16:creationId xmlns:a16="http://schemas.microsoft.com/office/drawing/2014/main" id="{6945348C-081E-423F-8159-0C24CEB958D9}"/>
+                </a:ext>
+              </a:extLst>
+            </p:cNvPr>
+            <p:cNvSpPr txBox="1"/>
+            <p:nvPr/>
+          </p:nvSpPr>
+          <p:spPr>
+            <a:xfrm>
+              <a:off x="2514219" y="884051"/>
+              <a:ext cx="492443" cy="1015663"/>
+            </a:xfrm>
+            <a:prstGeom prst="rect">
+              <a:avLst/>
+            </a:prstGeom>
+            <a:noFill/>
+          </p:spPr>
+          <p:txBody>
+            <a:bodyPr wrap="none" rtlCol="0">
+              <a:spAutoFit/>
+            </a:bodyPr>
+            <a:lstStyle/>
+            <a:p>
+              <a:r>
+                <a:rPr lang="en-US" sz="2000" b="1" dirty="0">
+                  <a:solidFill>
+                    <a:srgbClr val="2F528F"/>
+                  </a:solidFill>
+                  <a:latin typeface="Courier New" panose="02070309020205020404" pitchFamily="49" charset="0"/>
+                  <a:cs typeface="Courier New" panose="02070309020205020404" pitchFamily="49" charset="0"/>
+                </a:rPr>
+                <a:t>1.</a:t>
+              </a:r>
+            </a:p>
+            <a:p>
+              <a:r>
+                <a:rPr lang="en-US" sz="2000" b="1" dirty="0">
+                  <a:solidFill>
+                    <a:srgbClr val="2F528F"/>
+                  </a:solidFill>
+                  <a:latin typeface="Courier New" panose="02070309020205020404" pitchFamily="49" charset="0"/>
+                  <a:cs typeface="Courier New" panose="02070309020205020404" pitchFamily="49" charset="0"/>
+                </a:rPr>
+                <a:t>2.</a:t>
+              </a:r>
+            </a:p>
+            <a:p>
+              <a:r>
+                <a:rPr lang="en-US" sz="2000" b="1" dirty="0">
+                  <a:solidFill>
+                    <a:srgbClr val="2F528F"/>
+                  </a:solidFill>
+                  <a:latin typeface="Courier New" panose="02070309020205020404" pitchFamily="49" charset="0"/>
+                  <a:cs typeface="Courier New" panose="02070309020205020404" pitchFamily="49" charset="0"/>
+                </a:rPr>
+                <a:t>3.</a:t>
+              </a:r>
+            </a:p>
+          </p:txBody>
+        </p:sp>
+      </p:grpSp>
+    </p:spTree>
+    <p:extLst>
+      <p:ext uri="{BB962C8B-B14F-4D97-AF65-F5344CB8AC3E}">
+        <p14:creationId xmlns:p14="http://schemas.microsoft.com/office/powerpoint/2010/main" val="630482694"/>
+      </p:ext>
+    </p:extLst>
+  </p:cSld>
+  <p:clrMapOvr>
+    <a:masterClrMapping/>
+  </p:clrMapOvr>
+</p:sld>
+</file>
+
+<file path=ppt/slides/slide16.xml><?xml version="1.0" encoding="utf-8"?>
+<p:sld xmlns:a="http://schemas.openxmlformats.org/drawingml/2006/main" xmlns:r="http://schemas.openxmlformats.org/officeDocument/2006/relationships" xmlns:p="http://schemas.openxmlformats.org/presentationml/2006/main">
+  <p:cSld>
+    <p:spTree>
+      <p:nvGrpSpPr>
+        <p:cNvPr id="1" name=""/>
+        <p:cNvGrpSpPr/>
+        <p:nvPr/>
+      </p:nvGrpSpPr>
+      <p:grpSpPr>
+        <a:xfrm>
+          <a:off x="0" y="0"/>
+          <a:ext cx="0" cy="0"/>
+          <a:chOff x="0" y="0"/>
+          <a:chExt cx="0" cy="0"/>
+        </a:xfrm>
+      </p:grpSpPr>
+      <p:grpSp>
+        <p:nvGrpSpPr>
           <p:cNvPr id="11" name="Group 10">
             <a:extLst>
               <a:ext uri="{FF2B5EF4-FFF2-40B4-BE49-F238E27FC236}">
@@ -7423,7 +8952,7 @@
     </p:spTree>
     <p:extLst>
       <p:ext uri="{BB962C8B-B14F-4D97-AF65-F5344CB8AC3E}">
-        <p14:creationId xmlns:p14="http://schemas.microsoft.com/office/powerpoint/2010/main" val="630482694"/>
+        <p14:creationId xmlns:p14="http://schemas.microsoft.com/office/powerpoint/2010/main" val="514396174"/>
       </p:ext>
     </p:extLst>
   </p:cSld>
@@ -7433,9 +8962,17 @@
 </p:sld>
 </file>
 
-<file path=ppt/slides/slide16.xml><?xml version="1.0" encoding="utf-8"?>
+<file path=ppt/slides/slide17.xml><?xml version="1.0" encoding="utf-8"?>
 <p:sld xmlns:a="http://schemas.openxmlformats.org/drawingml/2006/main" xmlns:r="http://schemas.openxmlformats.org/officeDocument/2006/relationships" xmlns:p="http://schemas.openxmlformats.org/presentationml/2006/main">
   <p:cSld>
+    <p:bg>
+      <p:bgPr>
+        <a:solidFill>
+          <a:schemeClr val="bg1"/>
+        </a:solidFill>
+        <a:effectLst/>
+      </p:bgPr>
+    </p:bg>
     <p:spTree>
       <p:nvGrpSpPr>
         <p:cNvPr id="1" name=""/>
@@ -7452,10 +8989,10 @@
       </p:grpSpPr>
       <p:grpSp>
         <p:nvGrpSpPr>
-          <p:cNvPr id="10" name="Group 9">
+          <p:cNvPr id="17" name="Group 16">
             <a:extLst>
               <a:ext uri="{FF2B5EF4-FFF2-40B4-BE49-F238E27FC236}">
-                <a16:creationId xmlns:a16="http://schemas.microsoft.com/office/drawing/2014/main" id="{BB0D6EE1-BEC0-4D88-8FDF-472F019CD7C0}"/>
+                <a16:creationId xmlns:a16="http://schemas.microsoft.com/office/drawing/2014/main" id="{093CD95F-B560-47E1-8B8D-4EE08039677E}"/>
               </a:ext>
             </a:extLst>
           </p:cNvPr>
@@ -7464,10 +9001,10 @@
         </p:nvGrpSpPr>
         <p:grpSpPr>
           <a:xfrm>
-            <a:off x="2461120" y="225232"/>
-            <a:ext cx="6934200" cy="6397875"/>
-            <a:chOff x="2461120" y="225232"/>
-            <a:chExt cx="6934200" cy="6397875"/>
+            <a:off x="658262" y="79342"/>
+            <a:ext cx="10875475" cy="6605806"/>
+            <a:chOff x="658262" y="79342"/>
+            <a:chExt cx="10875475" cy="6605806"/>
           </a:xfrm>
         </p:grpSpPr>
         <p:sp>
@@ -7484,13 +9021,17 @@
           </p:nvSpPr>
           <p:spPr>
             <a:xfrm>
-              <a:off x="4636386" y="234893"/>
-              <a:ext cx="1359016" cy="1359015"/>
+              <a:off x="5013208" y="976057"/>
+              <a:ext cx="1211702" cy="1159485"/>
             </a:xfrm>
             <a:prstGeom prst="ellipse">
               <a:avLst/>
             </a:prstGeom>
-            <a:noFill/>
+            <a:solidFill>
+              <a:schemeClr val="accent1">
+                <a:alpha val="30000"/>
+              </a:schemeClr>
+            </a:solidFill>
             <a:ln w="25400"/>
           </p:spPr>
           <p:style>
@@ -7532,13 +9073,17 @@
           </p:nvSpPr>
           <p:spPr>
             <a:xfrm>
-              <a:off x="5223545" y="234892"/>
-              <a:ext cx="1359016" cy="1359015"/>
+              <a:off x="5536720" y="976057"/>
+              <a:ext cx="1211702" cy="1159485"/>
             </a:xfrm>
             <a:prstGeom prst="ellipse">
               <a:avLst/>
             </a:prstGeom>
-            <a:noFill/>
+            <a:solidFill>
+              <a:schemeClr val="accent1">
+                <a:alpha val="30000"/>
+              </a:schemeClr>
+            </a:solidFill>
             <a:ln w="25400"/>
           </p:spPr>
           <p:style>
@@ -7562,7 +9107,7 @@
             <a:lstStyle/>
             <a:p>
               <a:pPr algn="ctr"/>
-              <a:endParaRPr lang="en-US"/>
+              <a:endParaRPr lang="en-US" dirty="0"/>
             </a:p>
           </p:txBody>
         </p:sp>
@@ -7580,8 +9125,8 @@
           </p:nvSpPr>
           <p:spPr>
             <a:xfrm>
-              <a:off x="4155234" y="225232"/>
-              <a:ext cx="516488" cy="646331"/>
+              <a:off x="2017107" y="1232633"/>
+              <a:ext cx="2919389" cy="461665"/>
             </a:xfrm>
             <a:prstGeom prst="rect">
               <a:avLst/>
@@ -7595,16 +9140,20 @@
             <a:lstStyle/>
             <a:p>
               <a:r>
-                <a:rPr lang="en-US" sz="3600" dirty="0">
+                <a:rPr lang="en-US" sz="2400" b="1" dirty="0">
                   <a:solidFill>
                     <a:srgbClr val="41719C"/>
                   </a:solidFill>
-                  <a:latin typeface="Bahnschrift Light" panose="020B0502040204020203" pitchFamily="34" charset="0"/>
+                  <a:latin typeface="Courier New" panose="02070309020205020404" pitchFamily="49" charset="0"/>
+                  <a:cs typeface="Courier New" panose="02070309020205020404" pitchFamily="49" charset="0"/>
                 </a:rPr>
-                <a:t>x</a:t>
+                <a:t>x == “control”</a:t>
               </a:r>
               <a:r>
-                <a:rPr lang="en-US" sz="3200" dirty="0"/>
+                <a:rPr lang="en-US" sz="2000" b="1" dirty="0">
+                  <a:latin typeface="Courier New" panose="02070309020205020404" pitchFamily="49" charset="0"/>
+                  <a:cs typeface="Courier New" panose="02070309020205020404" pitchFamily="49" charset="0"/>
+                </a:rPr>
                 <a:t> </a:t>
               </a:r>
             </a:p>
@@ -7624,8 +9173,8 @@
           </p:nvSpPr>
           <p:spPr>
             <a:xfrm>
-              <a:off x="6717390" y="225232"/>
-              <a:ext cx="383438" cy="584775"/>
+              <a:off x="7171967" y="1294188"/>
+              <a:ext cx="2185215" cy="400110"/>
             </a:xfrm>
             <a:prstGeom prst="rect">
               <a:avLst/>
@@ -7639,13 +9188,14 @@
             <a:lstStyle/>
             <a:p>
               <a:r>
-                <a:rPr lang="en-US" sz="3200" dirty="0">
+                <a:rPr lang="en-US" sz="2000" b="1" dirty="0">
                   <a:solidFill>
                     <a:srgbClr val="41719C"/>
                   </a:solidFill>
-                  <a:latin typeface="Bahnschrift Light" panose="020B0502040204020203" pitchFamily="34" charset="0"/>
+                  <a:latin typeface="Courier New" panose="02070309020205020404" pitchFamily="49" charset="0"/>
+                  <a:cs typeface="Courier New" panose="02070309020205020404" pitchFamily="49" charset="0"/>
                 </a:rPr>
-                <a:t>y</a:t>
+                <a:t>y == “female”</a:t>
               </a:r>
             </a:p>
           </p:txBody>
@@ -7672,14 +9222,353 @@
           </p:blipFill>
           <p:spPr>
             <a:xfrm>
-              <a:off x="2461120" y="2022532"/>
-              <a:ext cx="6934200" cy="4600575"/>
+              <a:off x="3004726" y="2760028"/>
+              <a:ext cx="6182548" cy="3925120"/>
             </a:xfrm>
             <a:prstGeom prst="rect">
               <a:avLst/>
             </a:prstGeom>
           </p:spPr>
         </p:pic>
+        <p:sp>
+          <p:nvSpPr>
+            <p:cNvPr id="5" name="TextBox 4">
+              <a:extLst>
+                <a:ext uri="{FF2B5EF4-FFF2-40B4-BE49-F238E27FC236}">
+                  <a16:creationId xmlns:a16="http://schemas.microsoft.com/office/drawing/2014/main" id="{CAB26906-52AE-446E-8FB2-D75B5054E14F}"/>
+                </a:ext>
+              </a:extLst>
+            </p:cNvPr>
+            <p:cNvSpPr txBox="1"/>
+            <p:nvPr/>
+          </p:nvSpPr>
+          <p:spPr>
+            <a:xfrm>
+              <a:off x="4930082" y="79342"/>
+              <a:ext cx="1812177" cy="646331"/>
+            </a:xfrm>
+            <a:prstGeom prst="rect">
+              <a:avLst/>
+            </a:prstGeom>
+            <a:noFill/>
+          </p:spPr>
+          <p:txBody>
+            <a:bodyPr wrap="square" rtlCol="0">
+              <a:spAutoFit/>
+            </a:bodyPr>
+            <a:lstStyle/>
+            <a:p>
+              <a:pPr algn="ctr"/>
+              <a:r>
+                <a:rPr lang="en-US" dirty="0">
+                  <a:solidFill>
+                    <a:schemeClr val="accent1">
+                      <a:lumMod val="50000"/>
+                    </a:schemeClr>
+                  </a:solidFill>
+                </a:rPr>
+                <a:t>Women in the control group</a:t>
+              </a:r>
+            </a:p>
+          </p:txBody>
+        </p:sp>
+        <p:cxnSp>
+          <p:nvCxnSpPr>
+            <p:cNvPr id="8" name="Straight Arrow Connector 7">
+              <a:extLst>
+                <a:ext uri="{FF2B5EF4-FFF2-40B4-BE49-F238E27FC236}">
+                  <a16:creationId xmlns:a16="http://schemas.microsoft.com/office/drawing/2014/main" id="{889F707F-FE47-47E8-8F0B-35D4F4158B33}"/>
+                </a:ext>
+              </a:extLst>
+            </p:cNvPr>
+            <p:cNvCxnSpPr/>
+            <p:nvPr/>
+          </p:nvCxnSpPr>
+          <p:spPr>
+            <a:xfrm>
+              <a:off x="5882349" y="661022"/>
+              <a:ext cx="0" cy="635408"/>
+            </a:xfrm>
+            <a:prstGeom prst="straightConnector1">
+              <a:avLst/>
+            </a:prstGeom>
+            <a:ln w="44450">
+              <a:solidFill>
+                <a:schemeClr val="tx1">
+                  <a:lumMod val="50000"/>
+                  <a:lumOff val="50000"/>
+                </a:schemeClr>
+              </a:solidFill>
+              <a:tailEnd type="triangle"/>
+            </a:ln>
+          </p:spPr>
+          <p:style>
+            <a:lnRef idx="1">
+              <a:schemeClr val="accent1"/>
+            </a:lnRef>
+            <a:fillRef idx="0">
+              <a:schemeClr val="accent1"/>
+            </a:fillRef>
+            <a:effectRef idx="0">
+              <a:schemeClr val="accent1"/>
+            </a:effectRef>
+            <a:fontRef idx="minor">
+              <a:schemeClr val="tx1"/>
+            </a:fontRef>
+          </p:style>
+        </p:cxnSp>
+        <p:sp>
+          <p:nvSpPr>
+            <p:cNvPr id="11" name="TextBox 10">
+              <a:extLst>
+                <a:ext uri="{FF2B5EF4-FFF2-40B4-BE49-F238E27FC236}">
+                  <a16:creationId xmlns:a16="http://schemas.microsoft.com/office/drawing/2014/main" id="{DD1E3091-8377-4444-B996-C5B77B9AC103}"/>
+                </a:ext>
+              </a:extLst>
+            </p:cNvPr>
+            <p:cNvSpPr txBox="1"/>
+            <p:nvPr/>
+          </p:nvSpPr>
+          <p:spPr>
+            <a:xfrm>
+              <a:off x="785091" y="2895722"/>
+              <a:ext cx="1685349" cy="923330"/>
+            </a:xfrm>
+            <a:prstGeom prst="rect">
+              <a:avLst/>
+            </a:prstGeom>
+            <a:noFill/>
+          </p:spPr>
+          <p:txBody>
+            <a:bodyPr wrap="square" rtlCol="0">
+              <a:spAutoFit/>
+            </a:bodyPr>
+            <a:lstStyle/>
+            <a:p>
+              <a:pPr algn="ctr"/>
+              <a:r>
+                <a:rPr lang="en-US" dirty="0">
+                  <a:solidFill>
+                    <a:schemeClr val="accent1">
+                      <a:lumMod val="50000"/>
+                    </a:schemeClr>
+                  </a:solidFill>
+                </a:rPr>
+                <a:t>Men and women in the control group</a:t>
+              </a:r>
+            </a:p>
+          </p:txBody>
+        </p:sp>
+        <p:sp>
+          <p:nvSpPr>
+            <p:cNvPr id="12" name="TextBox 11">
+              <a:extLst>
+                <a:ext uri="{FF2B5EF4-FFF2-40B4-BE49-F238E27FC236}">
+                  <a16:creationId xmlns:a16="http://schemas.microsoft.com/office/drawing/2014/main" id="{80785690-AD92-4193-83C5-12EC9AD59381}"/>
+                </a:ext>
+              </a:extLst>
+            </p:cNvPr>
+            <p:cNvSpPr txBox="1"/>
+            <p:nvPr/>
+          </p:nvSpPr>
+          <p:spPr>
+            <a:xfrm>
+              <a:off x="658262" y="4260923"/>
+              <a:ext cx="1812177" cy="923330"/>
+            </a:xfrm>
+            <a:prstGeom prst="rect">
+              <a:avLst/>
+            </a:prstGeom>
+            <a:noFill/>
+          </p:spPr>
+          <p:txBody>
+            <a:bodyPr wrap="square" rtlCol="0">
+              <a:spAutoFit/>
+            </a:bodyPr>
+            <a:lstStyle/>
+            <a:p>
+              <a:pPr algn="ctr"/>
+              <a:r>
+                <a:rPr lang="en-US" dirty="0">
+                  <a:solidFill>
+                    <a:schemeClr val="accent1">
+                      <a:lumMod val="50000"/>
+                    </a:schemeClr>
+                  </a:solidFill>
+                </a:rPr>
+                <a:t>Men in the control group and all women</a:t>
+              </a:r>
+            </a:p>
+          </p:txBody>
+        </p:sp>
+        <p:sp>
+          <p:nvSpPr>
+            <p:cNvPr id="13" name="TextBox 12">
+              <a:extLst>
+                <a:ext uri="{FF2B5EF4-FFF2-40B4-BE49-F238E27FC236}">
+                  <a16:creationId xmlns:a16="http://schemas.microsoft.com/office/drawing/2014/main" id="{6D3699B0-B021-440A-9C13-A1884BE3B08B}"/>
+                </a:ext>
+              </a:extLst>
+            </p:cNvPr>
+            <p:cNvSpPr txBox="1"/>
+            <p:nvPr/>
+          </p:nvSpPr>
+          <p:spPr>
+            <a:xfrm>
+              <a:off x="658262" y="5865513"/>
+              <a:ext cx="1812177" cy="369332"/>
+            </a:xfrm>
+            <a:prstGeom prst="rect">
+              <a:avLst/>
+            </a:prstGeom>
+            <a:noFill/>
+          </p:spPr>
+          <p:txBody>
+            <a:bodyPr wrap="square" rtlCol="0">
+              <a:spAutoFit/>
+            </a:bodyPr>
+            <a:lstStyle/>
+            <a:p>
+              <a:pPr algn="ctr"/>
+              <a:r>
+                <a:rPr lang="en-US" dirty="0">
+                  <a:solidFill>
+                    <a:schemeClr val="accent1">
+                      <a:lumMod val="50000"/>
+                    </a:schemeClr>
+                  </a:solidFill>
+                </a:rPr>
+                <a:t>All women</a:t>
+              </a:r>
+            </a:p>
+          </p:txBody>
+        </p:sp>
+        <p:sp>
+          <p:nvSpPr>
+            <p:cNvPr id="14" name="TextBox 13">
+              <a:extLst>
+                <a:ext uri="{FF2B5EF4-FFF2-40B4-BE49-F238E27FC236}">
+                  <a16:creationId xmlns:a16="http://schemas.microsoft.com/office/drawing/2014/main" id="{BAB582EA-EB83-4465-A59B-3F6E4837176A}"/>
+                </a:ext>
+              </a:extLst>
+            </p:cNvPr>
+            <p:cNvSpPr txBox="1"/>
+            <p:nvPr/>
+          </p:nvSpPr>
+          <p:spPr>
+            <a:xfrm>
+              <a:off x="9721560" y="3105834"/>
+              <a:ext cx="1812177" cy="646331"/>
+            </a:xfrm>
+            <a:prstGeom prst="rect">
+              <a:avLst/>
+            </a:prstGeom>
+            <a:noFill/>
+          </p:spPr>
+          <p:txBody>
+            <a:bodyPr wrap="square" rtlCol="0">
+              <a:spAutoFit/>
+            </a:bodyPr>
+            <a:lstStyle/>
+            <a:p>
+              <a:pPr algn="ctr"/>
+              <a:r>
+                <a:rPr lang="en-US" dirty="0">
+                  <a:solidFill>
+                    <a:schemeClr val="accent1">
+                      <a:lumMod val="50000"/>
+                    </a:schemeClr>
+                  </a:solidFill>
+                </a:rPr>
+                <a:t>Women not in the control group</a:t>
+              </a:r>
+            </a:p>
+          </p:txBody>
+        </p:sp>
+        <p:sp>
+          <p:nvSpPr>
+            <p:cNvPr id="15" name="TextBox 14">
+              <a:extLst>
+                <a:ext uri="{FF2B5EF4-FFF2-40B4-BE49-F238E27FC236}">
+                  <a16:creationId xmlns:a16="http://schemas.microsoft.com/office/drawing/2014/main" id="{EBEB90F0-E8CC-4507-AA74-C3257A74E31D}"/>
+                </a:ext>
+              </a:extLst>
+            </p:cNvPr>
+            <p:cNvSpPr txBox="1"/>
+            <p:nvPr/>
+          </p:nvSpPr>
+          <p:spPr>
+            <a:xfrm>
+              <a:off x="9721558" y="4416423"/>
+              <a:ext cx="1812177" cy="646331"/>
+            </a:xfrm>
+            <a:prstGeom prst="rect">
+              <a:avLst/>
+            </a:prstGeom>
+            <a:noFill/>
+          </p:spPr>
+          <p:txBody>
+            <a:bodyPr wrap="square" rtlCol="0">
+              <a:spAutoFit/>
+            </a:bodyPr>
+            <a:lstStyle/>
+            <a:p>
+              <a:pPr algn="ctr"/>
+              <a:r>
+                <a:rPr lang="en-US" dirty="0">
+                  <a:solidFill>
+                    <a:schemeClr val="accent1">
+                      <a:lumMod val="50000"/>
+                    </a:schemeClr>
+                  </a:solidFill>
+                </a:rPr>
+                <a:t>Women in the control group</a:t>
+              </a:r>
+            </a:p>
+          </p:txBody>
+        </p:sp>
+        <p:sp>
+          <p:nvSpPr>
+            <p:cNvPr id="16" name="TextBox 15">
+              <a:extLst>
+                <a:ext uri="{FF2B5EF4-FFF2-40B4-BE49-F238E27FC236}">
+                  <a16:creationId xmlns:a16="http://schemas.microsoft.com/office/drawing/2014/main" id="{DAC91616-ABD3-4E88-9ACF-8AEF79E9BA29}"/>
+                </a:ext>
+              </a:extLst>
+            </p:cNvPr>
+            <p:cNvSpPr txBox="1"/>
+            <p:nvPr/>
+          </p:nvSpPr>
+          <p:spPr>
+            <a:xfrm>
+              <a:off x="9721559" y="5727013"/>
+              <a:ext cx="1812177" cy="646331"/>
+            </a:xfrm>
+            <a:prstGeom prst="rect">
+              <a:avLst/>
+            </a:prstGeom>
+            <a:noFill/>
+          </p:spPr>
+          <p:txBody>
+            <a:bodyPr wrap="square" rtlCol="0">
+              <a:spAutoFit/>
+            </a:bodyPr>
+            <a:lstStyle/>
+            <a:p>
+              <a:pPr algn="ctr"/>
+              <a:r>
+                <a:rPr lang="en-US" dirty="0">
+                  <a:solidFill>
+                    <a:schemeClr val="accent1">
+                      <a:lumMod val="50000"/>
+                    </a:schemeClr>
+                  </a:solidFill>
+                </a:rPr>
+                <a:t>Men in the control group</a:t>
+              </a:r>
+            </a:p>
+          </p:txBody>
+        </p:sp>
       </p:grpSp>
     </p:spTree>
     <p:extLst>
@@ -7694,7 +9583,7 @@
 </p:sld>
 </file>
 
-<file path=ppt/slides/slide17.xml><?xml version="1.0" encoding="utf-8"?>
+<file path=ppt/slides/slide18.xml><?xml version="1.0" encoding="utf-8"?>
 <p:sld xmlns:a="http://schemas.openxmlformats.org/drawingml/2006/main" xmlns:r="http://schemas.openxmlformats.org/officeDocument/2006/relationships" xmlns:p="http://schemas.openxmlformats.org/presentationml/2006/main">
   <p:cSld>
     <p:spTree>
@@ -7955,7 +9844,7 @@
 </p:sld>
 </file>
 
-<file path=ppt/slides/slide18.xml><?xml version="1.0" encoding="utf-8"?>
+<file path=ppt/slides/slide19.xml><?xml version="1.0" encoding="utf-8"?>
 <p:sld xmlns:a="http://schemas.openxmlformats.org/drawingml/2006/main" xmlns:r="http://schemas.openxmlformats.org/officeDocument/2006/relationships" xmlns:p="http://schemas.openxmlformats.org/presentationml/2006/main">
   <p:cSld>
     <p:spTree>
@@ -8283,36 +10172,6 @@
     <p:extLst>
       <p:ext uri="{BB962C8B-B14F-4D97-AF65-F5344CB8AC3E}">
         <p14:creationId xmlns:p14="http://schemas.microsoft.com/office/powerpoint/2010/main" val="487100428"/>
-      </p:ext>
-    </p:extLst>
-  </p:cSld>
-  <p:clrMapOvr>
-    <a:masterClrMapping/>
-  </p:clrMapOvr>
-</p:sld>
-</file>
-
-<file path=ppt/slides/slide19.xml><?xml version="1.0" encoding="utf-8"?>
-<p:sld xmlns:a="http://schemas.openxmlformats.org/drawingml/2006/main" xmlns:r="http://schemas.openxmlformats.org/officeDocument/2006/relationships" xmlns:p="http://schemas.openxmlformats.org/presentationml/2006/main">
-  <p:cSld>
-    <p:spTree>
-      <p:nvGrpSpPr>
-        <p:cNvPr id="1" name=""/>
-        <p:cNvGrpSpPr/>
-        <p:nvPr/>
-      </p:nvGrpSpPr>
-      <p:grpSpPr>
-        <a:xfrm>
-          <a:off x="0" y="0"/>
-          <a:ext cx="0" cy="0"/>
-          <a:chOff x="0" y="0"/>
-          <a:chExt cx="0" cy="0"/>
-        </a:xfrm>
-      </p:grpSpPr>
-    </p:spTree>
-    <p:extLst>
-      <p:ext uri="{BB962C8B-B14F-4D97-AF65-F5344CB8AC3E}">
-        <p14:creationId xmlns:p14="http://schemas.microsoft.com/office/powerpoint/2010/main" val="950111986"/>
       </p:ext>
     </p:extLst>
   </p:cSld>
@@ -8692,6 +10551,36 @@
     <p:extLst>
       <p:ext uri="{BB962C8B-B14F-4D97-AF65-F5344CB8AC3E}">
         <p14:creationId xmlns:p14="http://schemas.microsoft.com/office/powerpoint/2010/main" val="2411774593"/>
+      </p:ext>
+    </p:extLst>
+  </p:cSld>
+  <p:clrMapOvr>
+    <a:masterClrMapping/>
+  </p:clrMapOvr>
+</p:sld>
+</file>
+
+<file path=ppt/slides/slide20.xml><?xml version="1.0" encoding="utf-8"?>
+<p:sld xmlns:a="http://schemas.openxmlformats.org/drawingml/2006/main" xmlns:r="http://schemas.openxmlformats.org/officeDocument/2006/relationships" xmlns:p="http://schemas.openxmlformats.org/presentationml/2006/main">
+  <p:cSld>
+    <p:spTree>
+      <p:nvGrpSpPr>
+        <p:cNvPr id="1" name=""/>
+        <p:cNvGrpSpPr/>
+        <p:nvPr/>
+      </p:nvGrpSpPr>
+      <p:grpSpPr>
+        <a:xfrm>
+          <a:off x="0" y="0"/>
+          <a:ext cx="0" cy="0"/>
+          <a:chOff x="0" y="0"/>
+          <a:chExt cx="0" cy="0"/>
+        </a:xfrm>
+      </p:grpSpPr>
+    </p:spTree>
+    <p:extLst>
+      <p:ext uri="{BB962C8B-B14F-4D97-AF65-F5344CB8AC3E}">
+        <p14:creationId xmlns:p14="http://schemas.microsoft.com/office/powerpoint/2010/main" val="950111986"/>
       </p:ext>
     </p:extLst>
   </p:cSld>

--- a/TEXTBOOK/figures/figures.pptx
+++ b/TEXTBOOK/figures/figures.pptx
@@ -26,15 +26,23 @@
     <p:sldId id="271" r:id="rId20"/>
     <p:sldId id="277" r:id="rId21"/>
     <p:sldId id="283" r:id="rId22"/>
-    <p:sldId id="282" r:id="rId23"/>
-    <p:sldId id="278" r:id="rId24"/>
-    <p:sldId id="281" r:id="rId25"/>
-    <p:sldId id="268" r:id="rId26"/>
-    <p:sldId id="279" r:id="rId27"/>
-    <p:sldId id="284" r:id="rId28"/>
-    <p:sldId id="280" r:id="rId29"/>
-    <p:sldId id="285" r:id="rId30"/>
-    <p:sldId id="286" r:id="rId31"/>
+    <p:sldId id="287" r:id="rId23"/>
+    <p:sldId id="282" r:id="rId24"/>
+    <p:sldId id="278" r:id="rId25"/>
+    <p:sldId id="281" r:id="rId26"/>
+    <p:sldId id="268" r:id="rId27"/>
+    <p:sldId id="279" r:id="rId28"/>
+    <p:sldId id="284" r:id="rId29"/>
+    <p:sldId id="280" r:id="rId30"/>
+    <p:sldId id="289" r:id="rId31"/>
+    <p:sldId id="285" r:id="rId32"/>
+    <p:sldId id="286" r:id="rId33"/>
+    <p:sldId id="288" r:id="rId34"/>
+    <p:sldId id="290" r:id="rId35"/>
+    <p:sldId id="293" r:id="rId36"/>
+    <p:sldId id="294" r:id="rId37"/>
+    <p:sldId id="291" r:id="rId38"/>
+    <p:sldId id="292" r:id="rId39"/>
   </p:sldIdLst>
   <p:sldSz cx="12192000" cy="6858000"/>
   <p:notesSz cx="6858000" cy="9144000"/>
@@ -288,7 +296,7 @@
           <a:p>
             <a:fld id="{38FE5E9D-AE82-4CD7-95FF-A719BBDC69C0}" type="datetimeFigureOut">
               <a:rPr lang="en-US" smtClean="0"/>
-              <a:t>9/8/2018</a:t>
+              <a:t>9/16/2018</a:t>
             </a:fld>
             <a:endParaRPr lang="en-US"/>
           </a:p>
@@ -486,7 +494,7 @@
           <a:p>
             <a:fld id="{38FE5E9D-AE82-4CD7-95FF-A719BBDC69C0}" type="datetimeFigureOut">
               <a:rPr lang="en-US" smtClean="0"/>
-              <a:t>9/8/2018</a:t>
+              <a:t>9/16/2018</a:t>
             </a:fld>
             <a:endParaRPr lang="en-US"/>
           </a:p>
@@ -694,7 +702,7 @@
           <a:p>
             <a:fld id="{38FE5E9D-AE82-4CD7-95FF-A719BBDC69C0}" type="datetimeFigureOut">
               <a:rPr lang="en-US" smtClean="0"/>
-              <a:t>9/8/2018</a:t>
+              <a:t>9/16/2018</a:t>
             </a:fld>
             <a:endParaRPr lang="en-US"/>
           </a:p>
@@ -892,7 +900,7 @@
           <a:p>
             <a:fld id="{38FE5E9D-AE82-4CD7-95FF-A719BBDC69C0}" type="datetimeFigureOut">
               <a:rPr lang="en-US" smtClean="0"/>
-              <a:t>9/8/2018</a:t>
+              <a:t>9/16/2018</a:t>
             </a:fld>
             <a:endParaRPr lang="en-US"/>
           </a:p>
@@ -1167,7 +1175,7 @@
           <a:p>
             <a:fld id="{38FE5E9D-AE82-4CD7-95FF-A719BBDC69C0}" type="datetimeFigureOut">
               <a:rPr lang="en-US" smtClean="0"/>
-              <a:t>9/8/2018</a:t>
+              <a:t>9/16/2018</a:t>
             </a:fld>
             <a:endParaRPr lang="en-US"/>
           </a:p>
@@ -1432,7 +1440,7 @@
           <a:p>
             <a:fld id="{38FE5E9D-AE82-4CD7-95FF-A719BBDC69C0}" type="datetimeFigureOut">
               <a:rPr lang="en-US" smtClean="0"/>
-              <a:t>9/8/2018</a:t>
+              <a:t>9/16/2018</a:t>
             </a:fld>
             <a:endParaRPr lang="en-US"/>
           </a:p>
@@ -1844,7 +1852,7 @@
           <a:p>
             <a:fld id="{38FE5E9D-AE82-4CD7-95FF-A719BBDC69C0}" type="datetimeFigureOut">
               <a:rPr lang="en-US" smtClean="0"/>
-              <a:t>9/8/2018</a:t>
+              <a:t>9/16/2018</a:t>
             </a:fld>
             <a:endParaRPr lang="en-US"/>
           </a:p>
@@ -1985,7 +1993,7 @@
           <a:p>
             <a:fld id="{38FE5E9D-AE82-4CD7-95FF-A719BBDC69C0}" type="datetimeFigureOut">
               <a:rPr lang="en-US" smtClean="0"/>
-              <a:t>9/8/2018</a:t>
+              <a:t>9/16/2018</a:t>
             </a:fld>
             <a:endParaRPr lang="en-US"/>
           </a:p>
@@ -2098,7 +2106,7 @@
           <a:p>
             <a:fld id="{38FE5E9D-AE82-4CD7-95FF-A719BBDC69C0}" type="datetimeFigureOut">
               <a:rPr lang="en-US" smtClean="0"/>
-              <a:t>9/8/2018</a:t>
+              <a:t>9/16/2018</a:t>
             </a:fld>
             <a:endParaRPr lang="en-US"/>
           </a:p>
@@ -2409,7 +2417,7 @@
           <a:p>
             <a:fld id="{38FE5E9D-AE82-4CD7-95FF-A719BBDC69C0}" type="datetimeFigureOut">
               <a:rPr lang="en-US" smtClean="0"/>
-              <a:t>9/8/2018</a:t>
+              <a:t>9/16/2018</a:t>
             </a:fld>
             <a:endParaRPr lang="en-US"/>
           </a:p>
@@ -2697,7 +2705,7 @@
           <a:p>
             <a:fld id="{38FE5E9D-AE82-4CD7-95FF-A719BBDC69C0}" type="datetimeFigureOut">
               <a:rPr lang="en-US" smtClean="0"/>
-              <a:t>9/8/2018</a:t>
+              <a:t>9/16/2018</a:t>
             </a:fld>
             <a:endParaRPr lang="en-US"/>
           </a:p>
@@ -2938,7 +2946,7 @@
           <a:p>
             <a:fld id="{38FE5E9D-AE82-4CD7-95FF-A719BBDC69C0}" type="datetimeFigureOut">
               <a:rPr lang="en-US" smtClean="0"/>
-              <a:t>9/8/2018</a:t>
+              <a:t>9/16/2018</a:t>
             </a:fld>
             <a:endParaRPr lang="en-US"/>
           </a:p>
@@ -12712,6 +12720,2082 @@
       </p:grpSpPr>
       <p:grpSp>
         <p:nvGrpSpPr>
+          <p:cNvPr id="42" name="Group 41">
+            <a:extLst>
+              <a:ext uri="{FF2B5EF4-FFF2-40B4-BE49-F238E27FC236}">
+                <a16:creationId xmlns:a16="http://schemas.microsoft.com/office/drawing/2014/main" id="{9311F7CF-74CD-40D7-946D-8BA6DD4A83E4}"/>
+              </a:ext>
+            </a:extLst>
+          </p:cNvPr>
+          <p:cNvGrpSpPr/>
+          <p:nvPr/>
+        </p:nvGrpSpPr>
+        <p:grpSpPr>
+          <a:xfrm>
+            <a:off x="2509451" y="1329644"/>
+            <a:ext cx="7921505" cy="3994710"/>
+            <a:chOff x="2509451" y="1329644"/>
+            <a:chExt cx="7921505" cy="3994710"/>
+          </a:xfrm>
+        </p:grpSpPr>
+        <p:grpSp>
+          <p:nvGrpSpPr>
+            <p:cNvPr id="40" name="Group 39">
+              <a:extLst>
+                <a:ext uri="{FF2B5EF4-FFF2-40B4-BE49-F238E27FC236}">
+                  <a16:creationId xmlns:a16="http://schemas.microsoft.com/office/drawing/2014/main" id="{91E00E99-2039-4370-A267-6E0C4A72D9AC}"/>
+                </a:ext>
+              </a:extLst>
+            </p:cNvPr>
+            <p:cNvGrpSpPr/>
+            <p:nvPr/>
+          </p:nvGrpSpPr>
+          <p:grpSpPr>
+            <a:xfrm>
+              <a:off x="2509451" y="1329644"/>
+              <a:ext cx="7921505" cy="3561898"/>
+              <a:chOff x="2509451" y="1329644"/>
+              <a:chExt cx="7921505" cy="3561898"/>
+            </a:xfrm>
+          </p:grpSpPr>
+          <p:grpSp>
+            <p:nvGrpSpPr>
+              <p:cNvPr id="13" name="Group 12">
+                <a:extLst>
+                  <a:ext uri="{FF2B5EF4-FFF2-40B4-BE49-F238E27FC236}">
+                    <a16:creationId xmlns:a16="http://schemas.microsoft.com/office/drawing/2014/main" id="{15514B6C-3063-4072-98A6-996275F89825}"/>
+                  </a:ext>
+                </a:extLst>
+              </p:cNvPr>
+              <p:cNvGrpSpPr/>
+              <p:nvPr/>
+            </p:nvGrpSpPr>
+            <p:grpSpPr>
+              <a:xfrm>
+                <a:off x="2509451" y="2276300"/>
+                <a:ext cx="1371600" cy="1371600"/>
+                <a:chOff x="2152073" y="1828800"/>
+                <a:chExt cx="1371600" cy="1371600"/>
+              </a:xfrm>
+            </p:grpSpPr>
+            <p:sp>
+              <p:nvSpPr>
+                <p:cNvPr id="2" name="Oval 1">
+                  <a:extLst>
+                    <a:ext uri="{FF2B5EF4-FFF2-40B4-BE49-F238E27FC236}">
+                      <a16:creationId xmlns:a16="http://schemas.microsoft.com/office/drawing/2014/main" id="{80C62DD7-304F-4A03-83B7-63B1F0CCCE67}"/>
+                    </a:ext>
+                  </a:extLst>
+                </p:cNvPr>
+                <p:cNvSpPr/>
+                <p:nvPr/>
+              </p:nvSpPr>
+              <p:spPr>
+                <a:xfrm>
+                  <a:off x="2152073" y="1828800"/>
+                  <a:ext cx="1371600" cy="1371600"/>
+                </a:xfrm>
+                <a:prstGeom prst="ellipse">
+                  <a:avLst/>
+                </a:prstGeom>
+                <a:solidFill>
+                  <a:schemeClr val="accent1">
+                    <a:lumMod val="75000"/>
+                  </a:schemeClr>
+                </a:solidFill>
+              </p:spPr>
+              <p:style>
+                <a:lnRef idx="2">
+                  <a:schemeClr val="accent1">
+                    <a:shade val="50000"/>
+                  </a:schemeClr>
+                </a:lnRef>
+                <a:fillRef idx="1">
+                  <a:schemeClr val="accent1"/>
+                </a:fillRef>
+                <a:effectRef idx="0">
+                  <a:schemeClr val="accent1"/>
+                </a:effectRef>
+                <a:fontRef idx="minor">
+                  <a:schemeClr val="lt1"/>
+                </a:fontRef>
+              </p:style>
+              <p:txBody>
+                <a:bodyPr rtlCol="0" anchor="ctr"/>
+                <a:lstStyle/>
+                <a:p>
+                  <a:pPr algn="ctr"/>
+                  <a:endParaRPr lang="en-US" dirty="0"/>
+                </a:p>
+              </p:txBody>
+            </p:sp>
+            <p:grpSp>
+              <p:nvGrpSpPr>
+                <p:cNvPr id="12" name="Group 11">
+                  <a:extLst>
+                    <a:ext uri="{FF2B5EF4-FFF2-40B4-BE49-F238E27FC236}">
+                      <a16:creationId xmlns:a16="http://schemas.microsoft.com/office/drawing/2014/main" id="{15786A07-0DEF-404C-A6EC-28FE528E2C31}"/>
+                    </a:ext>
+                  </a:extLst>
+                </p:cNvPr>
+                <p:cNvGrpSpPr/>
+                <p:nvPr/>
+              </p:nvGrpSpPr>
+              <p:grpSpPr>
+                <a:xfrm>
+                  <a:off x="2419928" y="2103120"/>
+                  <a:ext cx="835890" cy="822960"/>
+                  <a:chOff x="4789982" y="1539240"/>
+                  <a:chExt cx="835890" cy="822960"/>
+                </a:xfrm>
+              </p:grpSpPr>
+              <p:sp>
+                <p:nvSpPr>
+                  <p:cNvPr id="3" name="Rectangle 2">
+                    <a:extLst>
+                      <a:ext uri="{FF2B5EF4-FFF2-40B4-BE49-F238E27FC236}">
+                        <a16:creationId xmlns:a16="http://schemas.microsoft.com/office/drawing/2014/main" id="{44B4097B-8D5B-458A-9A22-E4EFBB8ED5DF}"/>
+                      </a:ext>
+                    </a:extLst>
+                  </p:cNvPr>
+                  <p:cNvSpPr/>
+                  <p:nvPr/>
+                </p:nvSpPr>
+                <p:spPr>
+                  <a:xfrm>
+                    <a:off x="4789982" y="1539240"/>
+                    <a:ext cx="274320" cy="274320"/>
+                  </a:xfrm>
+                  <a:prstGeom prst="rect">
+                    <a:avLst/>
+                  </a:prstGeom>
+                  <a:noFill/>
+                  <a:ln w="25400">
+                    <a:solidFill>
+                      <a:schemeClr val="bg2">
+                        <a:lumMod val="90000"/>
+                      </a:schemeClr>
+                    </a:solidFill>
+                  </a:ln>
+                </p:spPr>
+                <p:style>
+                  <a:lnRef idx="2">
+                    <a:schemeClr val="accent1">
+                      <a:shade val="50000"/>
+                    </a:schemeClr>
+                  </a:lnRef>
+                  <a:fillRef idx="1">
+                    <a:schemeClr val="accent1"/>
+                  </a:fillRef>
+                  <a:effectRef idx="0">
+                    <a:schemeClr val="accent1"/>
+                  </a:effectRef>
+                  <a:fontRef idx="minor">
+                    <a:schemeClr val="lt1"/>
+                  </a:fontRef>
+                </p:style>
+                <p:txBody>
+                  <a:bodyPr rtlCol="0" anchor="ctr"/>
+                  <a:lstStyle/>
+                  <a:p>
+                    <a:pPr algn="ctr"/>
+                    <a:endParaRPr lang="en-US" dirty="0"/>
+                  </a:p>
+                </p:txBody>
+              </p:sp>
+              <p:sp>
+                <p:nvSpPr>
+                  <p:cNvPr id="4" name="Rectangle 3">
+                    <a:extLst>
+                      <a:ext uri="{FF2B5EF4-FFF2-40B4-BE49-F238E27FC236}">
+                        <a16:creationId xmlns:a16="http://schemas.microsoft.com/office/drawing/2014/main" id="{BB8EB1FB-80C3-4664-BBC7-BD9F7A3A0CC8}"/>
+                      </a:ext>
+                    </a:extLst>
+                  </p:cNvPr>
+                  <p:cNvSpPr/>
+                  <p:nvPr/>
+                </p:nvSpPr>
+                <p:spPr>
+                  <a:xfrm>
+                    <a:off x="5067534" y="1539240"/>
+                    <a:ext cx="274320" cy="274320"/>
+                  </a:xfrm>
+                  <a:prstGeom prst="rect">
+                    <a:avLst/>
+                  </a:prstGeom>
+                  <a:noFill/>
+                  <a:ln w="25400">
+                    <a:solidFill>
+                      <a:schemeClr val="bg2">
+                        <a:lumMod val="90000"/>
+                      </a:schemeClr>
+                    </a:solidFill>
+                  </a:ln>
+                </p:spPr>
+                <p:style>
+                  <a:lnRef idx="2">
+                    <a:schemeClr val="accent1">
+                      <a:shade val="50000"/>
+                    </a:schemeClr>
+                  </a:lnRef>
+                  <a:fillRef idx="1">
+                    <a:schemeClr val="accent1"/>
+                  </a:fillRef>
+                  <a:effectRef idx="0">
+                    <a:schemeClr val="accent1"/>
+                  </a:effectRef>
+                  <a:fontRef idx="minor">
+                    <a:schemeClr val="lt1"/>
+                  </a:fontRef>
+                </p:style>
+                <p:txBody>
+                  <a:bodyPr rtlCol="0" anchor="ctr"/>
+                  <a:lstStyle/>
+                  <a:p>
+                    <a:pPr algn="ctr"/>
+                    <a:endParaRPr lang="en-US" dirty="0"/>
+                  </a:p>
+                </p:txBody>
+              </p:sp>
+              <p:sp>
+                <p:nvSpPr>
+                  <p:cNvPr id="5" name="Rectangle 4">
+                    <a:extLst>
+                      <a:ext uri="{FF2B5EF4-FFF2-40B4-BE49-F238E27FC236}">
+                        <a16:creationId xmlns:a16="http://schemas.microsoft.com/office/drawing/2014/main" id="{760E944F-9F7E-42A6-AD70-82A10D0804E4}"/>
+                      </a:ext>
+                    </a:extLst>
+                  </p:cNvPr>
+                  <p:cNvSpPr/>
+                  <p:nvPr/>
+                </p:nvSpPr>
+                <p:spPr>
+                  <a:xfrm>
+                    <a:off x="5351552" y="1539240"/>
+                    <a:ext cx="274320" cy="274320"/>
+                  </a:xfrm>
+                  <a:prstGeom prst="rect">
+                    <a:avLst/>
+                  </a:prstGeom>
+                  <a:noFill/>
+                  <a:ln w="25400">
+                    <a:solidFill>
+                      <a:schemeClr val="bg2">
+                        <a:lumMod val="90000"/>
+                      </a:schemeClr>
+                    </a:solidFill>
+                  </a:ln>
+                </p:spPr>
+                <p:style>
+                  <a:lnRef idx="2">
+                    <a:schemeClr val="accent1">
+                      <a:shade val="50000"/>
+                    </a:schemeClr>
+                  </a:lnRef>
+                  <a:fillRef idx="1">
+                    <a:schemeClr val="accent1"/>
+                  </a:fillRef>
+                  <a:effectRef idx="0">
+                    <a:schemeClr val="accent1"/>
+                  </a:effectRef>
+                  <a:fontRef idx="minor">
+                    <a:schemeClr val="lt1"/>
+                  </a:fontRef>
+                </p:style>
+                <p:txBody>
+                  <a:bodyPr rtlCol="0" anchor="ctr"/>
+                  <a:lstStyle/>
+                  <a:p>
+                    <a:pPr algn="ctr"/>
+                    <a:endParaRPr lang="en-US" dirty="0"/>
+                  </a:p>
+                </p:txBody>
+              </p:sp>
+              <p:sp>
+                <p:nvSpPr>
+                  <p:cNvPr id="6" name="Rectangle 5">
+                    <a:extLst>
+                      <a:ext uri="{FF2B5EF4-FFF2-40B4-BE49-F238E27FC236}">
+                        <a16:creationId xmlns:a16="http://schemas.microsoft.com/office/drawing/2014/main" id="{12082720-BC79-4866-A2C5-7108280D052B}"/>
+                      </a:ext>
+                    </a:extLst>
+                  </p:cNvPr>
+                  <p:cNvSpPr/>
+                  <p:nvPr/>
+                </p:nvSpPr>
+                <p:spPr>
+                  <a:xfrm>
+                    <a:off x="4789982" y="1813560"/>
+                    <a:ext cx="274320" cy="274320"/>
+                  </a:xfrm>
+                  <a:prstGeom prst="rect">
+                    <a:avLst/>
+                  </a:prstGeom>
+                  <a:noFill/>
+                  <a:ln w="25400">
+                    <a:solidFill>
+                      <a:schemeClr val="bg2">
+                        <a:lumMod val="90000"/>
+                      </a:schemeClr>
+                    </a:solidFill>
+                  </a:ln>
+                </p:spPr>
+                <p:style>
+                  <a:lnRef idx="2">
+                    <a:schemeClr val="accent1">
+                      <a:shade val="50000"/>
+                    </a:schemeClr>
+                  </a:lnRef>
+                  <a:fillRef idx="1">
+                    <a:schemeClr val="accent1"/>
+                  </a:fillRef>
+                  <a:effectRef idx="0">
+                    <a:schemeClr val="accent1"/>
+                  </a:effectRef>
+                  <a:fontRef idx="minor">
+                    <a:schemeClr val="lt1"/>
+                  </a:fontRef>
+                </p:style>
+                <p:txBody>
+                  <a:bodyPr rtlCol="0" anchor="ctr"/>
+                  <a:lstStyle/>
+                  <a:p>
+                    <a:pPr algn="ctr"/>
+                    <a:endParaRPr lang="en-US" dirty="0"/>
+                  </a:p>
+                </p:txBody>
+              </p:sp>
+              <p:sp>
+                <p:nvSpPr>
+                  <p:cNvPr id="7" name="Rectangle 6">
+                    <a:extLst>
+                      <a:ext uri="{FF2B5EF4-FFF2-40B4-BE49-F238E27FC236}">
+                        <a16:creationId xmlns:a16="http://schemas.microsoft.com/office/drawing/2014/main" id="{F6F9A4FD-560A-400E-B8A8-590DA6947F88}"/>
+                      </a:ext>
+                    </a:extLst>
+                  </p:cNvPr>
+                  <p:cNvSpPr/>
+                  <p:nvPr/>
+                </p:nvSpPr>
+                <p:spPr>
+                  <a:xfrm>
+                    <a:off x="5067534" y="1813560"/>
+                    <a:ext cx="274320" cy="274320"/>
+                  </a:xfrm>
+                  <a:prstGeom prst="rect">
+                    <a:avLst/>
+                  </a:prstGeom>
+                  <a:noFill/>
+                  <a:ln w="25400">
+                    <a:solidFill>
+                      <a:schemeClr val="bg2">
+                        <a:lumMod val="90000"/>
+                      </a:schemeClr>
+                    </a:solidFill>
+                  </a:ln>
+                </p:spPr>
+                <p:style>
+                  <a:lnRef idx="2">
+                    <a:schemeClr val="accent1">
+                      <a:shade val="50000"/>
+                    </a:schemeClr>
+                  </a:lnRef>
+                  <a:fillRef idx="1">
+                    <a:schemeClr val="accent1"/>
+                  </a:fillRef>
+                  <a:effectRef idx="0">
+                    <a:schemeClr val="accent1"/>
+                  </a:effectRef>
+                  <a:fontRef idx="minor">
+                    <a:schemeClr val="lt1"/>
+                  </a:fontRef>
+                </p:style>
+                <p:txBody>
+                  <a:bodyPr rtlCol="0" anchor="ctr"/>
+                  <a:lstStyle/>
+                  <a:p>
+                    <a:pPr algn="ctr"/>
+                    <a:endParaRPr lang="en-US" dirty="0"/>
+                  </a:p>
+                </p:txBody>
+              </p:sp>
+              <p:sp>
+                <p:nvSpPr>
+                  <p:cNvPr id="8" name="Rectangle 7">
+                    <a:extLst>
+                      <a:ext uri="{FF2B5EF4-FFF2-40B4-BE49-F238E27FC236}">
+                        <a16:creationId xmlns:a16="http://schemas.microsoft.com/office/drawing/2014/main" id="{CE6ACEA0-5FF1-4CF7-BDBF-70C0F9E67711}"/>
+                      </a:ext>
+                    </a:extLst>
+                  </p:cNvPr>
+                  <p:cNvSpPr/>
+                  <p:nvPr/>
+                </p:nvSpPr>
+                <p:spPr>
+                  <a:xfrm>
+                    <a:off x="5351552" y="1813560"/>
+                    <a:ext cx="274320" cy="274320"/>
+                  </a:xfrm>
+                  <a:prstGeom prst="rect">
+                    <a:avLst/>
+                  </a:prstGeom>
+                  <a:noFill/>
+                  <a:ln w="25400">
+                    <a:solidFill>
+                      <a:schemeClr val="bg2">
+                        <a:lumMod val="90000"/>
+                      </a:schemeClr>
+                    </a:solidFill>
+                  </a:ln>
+                </p:spPr>
+                <p:style>
+                  <a:lnRef idx="2">
+                    <a:schemeClr val="accent1">
+                      <a:shade val="50000"/>
+                    </a:schemeClr>
+                  </a:lnRef>
+                  <a:fillRef idx="1">
+                    <a:schemeClr val="accent1"/>
+                  </a:fillRef>
+                  <a:effectRef idx="0">
+                    <a:schemeClr val="accent1"/>
+                  </a:effectRef>
+                  <a:fontRef idx="minor">
+                    <a:schemeClr val="lt1"/>
+                  </a:fontRef>
+                </p:style>
+                <p:txBody>
+                  <a:bodyPr rtlCol="0" anchor="ctr"/>
+                  <a:lstStyle/>
+                  <a:p>
+                    <a:pPr algn="ctr"/>
+                    <a:endParaRPr lang="en-US" dirty="0"/>
+                  </a:p>
+                </p:txBody>
+              </p:sp>
+              <p:sp>
+                <p:nvSpPr>
+                  <p:cNvPr id="9" name="Rectangle 8">
+                    <a:extLst>
+                      <a:ext uri="{FF2B5EF4-FFF2-40B4-BE49-F238E27FC236}">
+                        <a16:creationId xmlns:a16="http://schemas.microsoft.com/office/drawing/2014/main" id="{87F7A155-9EB2-4BAA-8C72-92BE2B6783BA}"/>
+                      </a:ext>
+                    </a:extLst>
+                  </p:cNvPr>
+                  <p:cNvSpPr/>
+                  <p:nvPr/>
+                </p:nvSpPr>
+                <p:spPr>
+                  <a:xfrm>
+                    <a:off x="4789982" y="2087880"/>
+                    <a:ext cx="274320" cy="274320"/>
+                  </a:xfrm>
+                  <a:prstGeom prst="rect">
+                    <a:avLst/>
+                  </a:prstGeom>
+                  <a:noFill/>
+                  <a:ln w="25400">
+                    <a:solidFill>
+                      <a:schemeClr val="bg2">
+                        <a:lumMod val="90000"/>
+                      </a:schemeClr>
+                    </a:solidFill>
+                  </a:ln>
+                </p:spPr>
+                <p:style>
+                  <a:lnRef idx="2">
+                    <a:schemeClr val="accent1">
+                      <a:shade val="50000"/>
+                    </a:schemeClr>
+                  </a:lnRef>
+                  <a:fillRef idx="1">
+                    <a:schemeClr val="accent1"/>
+                  </a:fillRef>
+                  <a:effectRef idx="0">
+                    <a:schemeClr val="accent1"/>
+                  </a:effectRef>
+                  <a:fontRef idx="minor">
+                    <a:schemeClr val="lt1"/>
+                  </a:fontRef>
+                </p:style>
+                <p:txBody>
+                  <a:bodyPr rtlCol="0" anchor="ctr"/>
+                  <a:lstStyle/>
+                  <a:p>
+                    <a:pPr algn="ctr"/>
+                    <a:endParaRPr lang="en-US" dirty="0"/>
+                  </a:p>
+                </p:txBody>
+              </p:sp>
+              <p:sp>
+                <p:nvSpPr>
+                  <p:cNvPr id="10" name="Rectangle 9">
+                    <a:extLst>
+                      <a:ext uri="{FF2B5EF4-FFF2-40B4-BE49-F238E27FC236}">
+                        <a16:creationId xmlns:a16="http://schemas.microsoft.com/office/drawing/2014/main" id="{89FAA56E-B3FE-47D8-94F8-F8DFA4FAFEAF}"/>
+                      </a:ext>
+                    </a:extLst>
+                  </p:cNvPr>
+                  <p:cNvSpPr/>
+                  <p:nvPr/>
+                </p:nvSpPr>
+                <p:spPr>
+                  <a:xfrm>
+                    <a:off x="5067534" y="2087880"/>
+                    <a:ext cx="274320" cy="274320"/>
+                  </a:xfrm>
+                  <a:prstGeom prst="rect">
+                    <a:avLst/>
+                  </a:prstGeom>
+                  <a:noFill/>
+                  <a:ln w="25400">
+                    <a:solidFill>
+                      <a:schemeClr val="bg2">
+                        <a:lumMod val="90000"/>
+                      </a:schemeClr>
+                    </a:solidFill>
+                  </a:ln>
+                </p:spPr>
+                <p:style>
+                  <a:lnRef idx="2">
+                    <a:schemeClr val="accent1">
+                      <a:shade val="50000"/>
+                    </a:schemeClr>
+                  </a:lnRef>
+                  <a:fillRef idx="1">
+                    <a:schemeClr val="accent1"/>
+                  </a:fillRef>
+                  <a:effectRef idx="0">
+                    <a:schemeClr val="accent1"/>
+                  </a:effectRef>
+                  <a:fontRef idx="minor">
+                    <a:schemeClr val="lt1"/>
+                  </a:fontRef>
+                </p:style>
+                <p:txBody>
+                  <a:bodyPr rtlCol="0" anchor="ctr"/>
+                  <a:lstStyle/>
+                  <a:p>
+                    <a:pPr algn="ctr"/>
+                    <a:endParaRPr lang="en-US" dirty="0"/>
+                  </a:p>
+                </p:txBody>
+              </p:sp>
+              <p:sp>
+                <p:nvSpPr>
+                  <p:cNvPr id="11" name="Rectangle 10">
+                    <a:extLst>
+                      <a:ext uri="{FF2B5EF4-FFF2-40B4-BE49-F238E27FC236}">
+                        <a16:creationId xmlns:a16="http://schemas.microsoft.com/office/drawing/2014/main" id="{2A5658AA-CA87-4481-A009-7483841DAE6A}"/>
+                      </a:ext>
+                    </a:extLst>
+                  </p:cNvPr>
+                  <p:cNvSpPr/>
+                  <p:nvPr/>
+                </p:nvSpPr>
+                <p:spPr>
+                  <a:xfrm>
+                    <a:off x="5351552" y="2087880"/>
+                    <a:ext cx="274320" cy="274320"/>
+                  </a:xfrm>
+                  <a:prstGeom prst="rect">
+                    <a:avLst/>
+                  </a:prstGeom>
+                  <a:noFill/>
+                  <a:ln w="25400">
+                    <a:solidFill>
+                      <a:schemeClr val="bg2">
+                        <a:lumMod val="90000"/>
+                      </a:schemeClr>
+                    </a:solidFill>
+                  </a:ln>
+                </p:spPr>
+                <p:style>
+                  <a:lnRef idx="2">
+                    <a:schemeClr val="accent1">
+                      <a:shade val="50000"/>
+                    </a:schemeClr>
+                  </a:lnRef>
+                  <a:fillRef idx="1">
+                    <a:schemeClr val="accent1"/>
+                  </a:fillRef>
+                  <a:effectRef idx="0">
+                    <a:schemeClr val="accent1"/>
+                  </a:effectRef>
+                  <a:fontRef idx="minor">
+                    <a:schemeClr val="lt1"/>
+                  </a:fontRef>
+                </p:style>
+                <p:txBody>
+                  <a:bodyPr rtlCol="0" anchor="ctr"/>
+                  <a:lstStyle/>
+                  <a:p>
+                    <a:pPr algn="ctr"/>
+                    <a:endParaRPr lang="en-US" dirty="0"/>
+                  </a:p>
+                </p:txBody>
+              </p:sp>
+            </p:grpSp>
+          </p:grpSp>
+          <p:sp>
+            <p:nvSpPr>
+              <p:cNvPr id="14" name="Rectangle 13">
+                <a:extLst>
+                  <a:ext uri="{FF2B5EF4-FFF2-40B4-BE49-F238E27FC236}">
+                    <a16:creationId xmlns:a16="http://schemas.microsoft.com/office/drawing/2014/main" id="{04D3B847-B71B-4A61-8FBB-17CC55870596}"/>
+                  </a:ext>
+                </a:extLst>
+              </p:cNvPr>
+              <p:cNvSpPr/>
+              <p:nvPr/>
+            </p:nvSpPr>
+            <p:spPr>
+              <a:xfrm>
+                <a:off x="4664363" y="1985818"/>
+                <a:ext cx="3523675" cy="2087418"/>
+              </a:xfrm>
+              <a:prstGeom prst="rect">
+                <a:avLst/>
+              </a:prstGeom>
+              <a:noFill/>
+              <a:ln>
+                <a:solidFill>
+                  <a:schemeClr val="tx1">
+                    <a:lumMod val="50000"/>
+                    <a:lumOff val="50000"/>
+                  </a:schemeClr>
+                </a:solidFill>
+              </a:ln>
+            </p:spPr>
+            <p:style>
+              <a:lnRef idx="2">
+                <a:schemeClr val="accent1">
+                  <a:shade val="50000"/>
+                </a:schemeClr>
+              </a:lnRef>
+              <a:fillRef idx="1">
+                <a:schemeClr val="accent1"/>
+              </a:fillRef>
+              <a:effectRef idx="0">
+                <a:schemeClr val="accent1"/>
+              </a:effectRef>
+              <a:fontRef idx="minor">
+                <a:schemeClr val="lt1"/>
+              </a:fontRef>
+            </p:style>
+            <p:txBody>
+              <a:bodyPr rtlCol="0" anchor="ctr"/>
+              <a:lstStyle/>
+              <a:p>
+                <a:pPr algn="ctr"/>
+                <a:endParaRPr lang="en-US"/>
+              </a:p>
+            </p:txBody>
+          </p:sp>
+          <p:grpSp>
+            <p:nvGrpSpPr>
+              <p:cNvPr id="15" name="Group 14">
+                <a:extLst>
+                  <a:ext uri="{FF2B5EF4-FFF2-40B4-BE49-F238E27FC236}">
+                    <a16:creationId xmlns:a16="http://schemas.microsoft.com/office/drawing/2014/main" id="{8B94CFC1-13D1-4127-AC67-0CEB010CFD9D}"/>
+                  </a:ext>
+                </a:extLst>
+              </p:cNvPr>
+              <p:cNvGrpSpPr/>
+              <p:nvPr/>
+            </p:nvGrpSpPr>
+            <p:grpSpPr>
+              <a:xfrm>
+                <a:off x="7024254" y="2716413"/>
+                <a:ext cx="503382" cy="517236"/>
+                <a:chOff x="2152073" y="1828800"/>
+                <a:chExt cx="1371600" cy="1371600"/>
+              </a:xfrm>
+            </p:grpSpPr>
+            <p:sp>
+              <p:nvSpPr>
+                <p:cNvPr id="16" name="Oval 15">
+                  <a:extLst>
+                    <a:ext uri="{FF2B5EF4-FFF2-40B4-BE49-F238E27FC236}">
+                      <a16:creationId xmlns:a16="http://schemas.microsoft.com/office/drawing/2014/main" id="{A3D63119-ABC0-489D-BAF8-AC0859D8F2F0}"/>
+                    </a:ext>
+                  </a:extLst>
+                </p:cNvPr>
+                <p:cNvSpPr/>
+                <p:nvPr/>
+              </p:nvSpPr>
+              <p:spPr>
+                <a:xfrm>
+                  <a:off x="2152073" y="1828800"/>
+                  <a:ext cx="1371600" cy="1371600"/>
+                </a:xfrm>
+                <a:prstGeom prst="ellipse">
+                  <a:avLst/>
+                </a:prstGeom>
+                <a:solidFill>
+                  <a:schemeClr val="accent1">
+                    <a:lumMod val="75000"/>
+                  </a:schemeClr>
+                </a:solidFill>
+              </p:spPr>
+              <p:style>
+                <a:lnRef idx="2">
+                  <a:schemeClr val="accent1">
+                    <a:shade val="50000"/>
+                  </a:schemeClr>
+                </a:lnRef>
+                <a:fillRef idx="1">
+                  <a:schemeClr val="accent1"/>
+                </a:fillRef>
+                <a:effectRef idx="0">
+                  <a:schemeClr val="accent1"/>
+                </a:effectRef>
+                <a:fontRef idx="minor">
+                  <a:schemeClr val="lt1"/>
+                </a:fontRef>
+              </p:style>
+              <p:txBody>
+                <a:bodyPr rtlCol="0" anchor="ctr"/>
+                <a:lstStyle/>
+                <a:p>
+                  <a:pPr algn="ctr"/>
+                  <a:endParaRPr lang="en-US" dirty="0"/>
+                </a:p>
+              </p:txBody>
+            </p:sp>
+            <p:grpSp>
+              <p:nvGrpSpPr>
+                <p:cNvPr id="17" name="Group 16">
+                  <a:extLst>
+                    <a:ext uri="{FF2B5EF4-FFF2-40B4-BE49-F238E27FC236}">
+                      <a16:creationId xmlns:a16="http://schemas.microsoft.com/office/drawing/2014/main" id="{38670D30-34D5-4451-BCBF-1ACB3BD9B1A8}"/>
+                    </a:ext>
+                  </a:extLst>
+                </p:cNvPr>
+                <p:cNvGrpSpPr/>
+                <p:nvPr/>
+              </p:nvGrpSpPr>
+              <p:grpSpPr>
+                <a:xfrm>
+                  <a:off x="2419928" y="2103120"/>
+                  <a:ext cx="835890" cy="822960"/>
+                  <a:chOff x="4789982" y="1539240"/>
+                  <a:chExt cx="835890" cy="822960"/>
+                </a:xfrm>
+              </p:grpSpPr>
+              <p:sp>
+                <p:nvSpPr>
+                  <p:cNvPr id="18" name="Rectangle 17">
+                    <a:extLst>
+                      <a:ext uri="{FF2B5EF4-FFF2-40B4-BE49-F238E27FC236}">
+                        <a16:creationId xmlns:a16="http://schemas.microsoft.com/office/drawing/2014/main" id="{90A1B54D-B185-4ABC-8E07-AAC415C0EF00}"/>
+                      </a:ext>
+                    </a:extLst>
+                  </p:cNvPr>
+                  <p:cNvSpPr/>
+                  <p:nvPr/>
+                </p:nvSpPr>
+                <p:spPr>
+                  <a:xfrm>
+                    <a:off x="4789982" y="1539240"/>
+                    <a:ext cx="274320" cy="274320"/>
+                  </a:xfrm>
+                  <a:prstGeom prst="rect">
+                    <a:avLst/>
+                  </a:prstGeom>
+                  <a:noFill/>
+                  <a:ln w="25400">
+                    <a:solidFill>
+                      <a:schemeClr val="bg2">
+                        <a:lumMod val="90000"/>
+                      </a:schemeClr>
+                    </a:solidFill>
+                  </a:ln>
+                </p:spPr>
+                <p:style>
+                  <a:lnRef idx="2">
+                    <a:schemeClr val="accent1">
+                      <a:shade val="50000"/>
+                    </a:schemeClr>
+                  </a:lnRef>
+                  <a:fillRef idx="1">
+                    <a:schemeClr val="accent1"/>
+                  </a:fillRef>
+                  <a:effectRef idx="0">
+                    <a:schemeClr val="accent1"/>
+                  </a:effectRef>
+                  <a:fontRef idx="minor">
+                    <a:schemeClr val="lt1"/>
+                  </a:fontRef>
+                </p:style>
+                <p:txBody>
+                  <a:bodyPr rtlCol="0" anchor="ctr"/>
+                  <a:lstStyle/>
+                  <a:p>
+                    <a:pPr algn="ctr"/>
+                    <a:endParaRPr lang="en-US" dirty="0"/>
+                  </a:p>
+                </p:txBody>
+              </p:sp>
+              <p:sp>
+                <p:nvSpPr>
+                  <p:cNvPr id="19" name="Rectangle 18">
+                    <a:extLst>
+                      <a:ext uri="{FF2B5EF4-FFF2-40B4-BE49-F238E27FC236}">
+                        <a16:creationId xmlns:a16="http://schemas.microsoft.com/office/drawing/2014/main" id="{EE23FD38-D1B3-48AD-9AC8-25613AECF87E}"/>
+                      </a:ext>
+                    </a:extLst>
+                  </p:cNvPr>
+                  <p:cNvSpPr/>
+                  <p:nvPr/>
+                </p:nvSpPr>
+                <p:spPr>
+                  <a:xfrm>
+                    <a:off x="5067534" y="1539240"/>
+                    <a:ext cx="274320" cy="274320"/>
+                  </a:xfrm>
+                  <a:prstGeom prst="rect">
+                    <a:avLst/>
+                  </a:prstGeom>
+                  <a:noFill/>
+                  <a:ln w="25400">
+                    <a:solidFill>
+                      <a:schemeClr val="bg2">
+                        <a:lumMod val="90000"/>
+                      </a:schemeClr>
+                    </a:solidFill>
+                  </a:ln>
+                </p:spPr>
+                <p:style>
+                  <a:lnRef idx="2">
+                    <a:schemeClr val="accent1">
+                      <a:shade val="50000"/>
+                    </a:schemeClr>
+                  </a:lnRef>
+                  <a:fillRef idx="1">
+                    <a:schemeClr val="accent1"/>
+                  </a:fillRef>
+                  <a:effectRef idx="0">
+                    <a:schemeClr val="accent1"/>
+                  </a:effectRef>
+                  <a:fontRef idx="minor">
+                    <a:schemeClr val="lt1"/>
+                  </a:fontRef>
+                </p:style>
+                <p:txBody>
+                  <a:bodyPr rtlCol="0" anchor="ctr"/>
+                  <a:lstStyle/>
+                  <a:p>
+                    <a:pPr algn="ctr"/>
+                    <a:endParaRPr lang="en-US" dirty="0"/>
+                  </a:p>
+                </p:txBody>
+              </p:sp>
+              <p:sp>
+                <p:nvSpPr>
+                  <p:cNvPr id="20" name="Rectangle 19">
+                    <a:extLst>
+                      <a:ext uri="{FF2B5EF4-FFF2-40B4-BE49-F238E27FC236}">
+                        <a16:creationId xmlns:a16="http://schemas.microsoft.com/office/drawing/2014/main" id="{D660DD60-D1AF-4444-AF25-3C4CB783761D}"/>
+                      </a:ext>
+                    </a:extLst>
+                  </p:cNvPr>
+                  <p:cNvSpPr/>
+                  <p:nvPr/>
+                </p:nvSpPr>
+                <p:spPr>
+                  <a:xfrm>
+                    <a:off x="5351552" y="1539240"/>
+                    <a:ext cx="274320" cy="274320"/>
+                  </a:xfrm>
+                  <a:prstGeom prst="rect">
+                    <a:avLst/>
+                  </a:prstGeom>
+                  <a:noFill/>
+                  <a:ln w="25400">
+                    <a:solidFill>
+                      <a:schemeClr val="bg2">
+                        <a:lumMod val="90000"/>
+                      </a:schemeClr>
+                    </a:solidFill>
+                  </a:ln>
+                </p:spPr>
+                <p:style>
+                  <a:lnRef idx="2">
+                    <a:schemeClr val="accent1">
+                      <a:shade val="50000"/>
+                    </a:schemeClr>
+                  </a:lnRef>
+                  <a:fillRef idx="1">
+                    <a:schemeClr val="accent1"/>
+                  </a:fillRef>
+                  <a:effectRef idx="0">
+                    <a:schemeClr val="accent1"/>
+                  </a:effectRef>
+                  <a:fontRef idx="minor">
+                    <a:schemeClr val="lt1"/>
+                  </a:fontRef>
+                </p:style>
+                <p:txBody>
+                  <a:bodyPr rtlCol="0" anchor="ctr"/>
+                  <a:lstStyle/>
+                  <a:p>
+                    <a:pPr algn="ctr"/>
+                    <a:endParaRPr lang="en-US" dirty="0"/>
+                  </a:p>
+                </p:txBody>
+              </p:sp>
+              <p:sp>
+                <p:nvSpPr>
+                  <p:cNvPr id="21" name="Rectangle 20">
+                    <a:extLst>
+                      <a:ext uri="{FF2B5EF4-FFF2-40B4-BE49-F238E27FC236}">
+                        <a16:creationId xmlns:a16="http://schemas.microsoft.com/office/drawing/2014/main" id="{85809742-3B22-42AB-A621-5FA5F455EC79}"/>
+                      </a:ext>
+                    </a:extLst>
+                  </p:cNvPr>
+                  <p:cNvSpPr/>
+                  <p:nvPr/>
+                </p:nvSpPr>
+                <p:spPr>
+                  <a:xfrm>
+                    <a:off x="4789982" y="1813560"/>
+                    <a:ext cx="274320" cy="274320"/>
+                  </a:xfrm>
+                  <a:prstGeom prst="rect">
+                    <a:avLst/>
+                  </a:prstGeom>
+                  <a:noFill/>
+                  <a:ln w="25400">
+                    <a:solidFill>
+                      <a:schemeClr val="bg2">
+                        <a:lumMod val="90000"/>
+                      </a:schemeClr>
+                    </a:solidFill>
+                  </a:ln>
+                </p:spPr>
+                <p:style>
+                  <a:lnRef idx="2">
+                    <a:schemeClr val="accent1">
+                      <a:shade val="50000"/>
+                    </a:schemeClr>
+                  </a:lnRef>
+                  <a:fillRef idx="1">
+                    <a:schemeClr val="accent1"/>
+                  </a:fillRef>
+                  <a:effectRef idx="0">
+                    <a:schemeClr val="accent1"/>
+                  </a:effectRef>
+                  <a:fontRef idx="minor">
+                    <a:schemeClr val="lt1"/>
+                  </a:fontRef>
+                </p:style>
+                <p:txBody>
+                  <a:bodyPr rtlCol="0" anchor="ctr"/>
+                  <a:lstStyle/>
+                  <a:p>
+                    <a:pPr algn="ctr"/>
+                    <a:endParaRPr lang="en-US" dirty="0"/>
+                  </a:p>
+                </p:txBody>
+              </p:sp>
+              <p:sp>
+                <p:nvSpPr>
+                  <p:cNvPr id="22" name="Rectangle 21">
+                    <a:extLst>
+                      <a:ext uri="{FF2B5EF4-FFF2-40B4-BE49-F238E27FC236}">
+                        <a16:creationId xmlns:a16="http://schemas.microsoft.com/office/drawing/2014/main" id="{11F59B86-E259-4B83-A9C2-67CD4890A1F7}"/>
+                      </a:ext>
+                    </a:extLst>
+                  </p:cNvPr>
+                  <p:cNvSpPr/>
+                  <p:nvPr/>
+                </p:nvSpPr>
+                <p:spPr>
+                  <a:xfrm>
+                    <a:off x="5067534" y="1813560"/>
+                    <a:ext cx="274320" cy="274320"/>
+                  </a:xfrm>
+                  <a:prstGeom prst="rect">
+                    <a:avLst/>
+                  </a:prstGeom>
+                  <a:noFill/>
+                  <a:ln w="25400">
+                    <a:solidFill>
+                      <a:schemeClr val="bg2">
+                        <a:lumMod val="90000"/>
+                      </a:schemeClr>
+                    </a:solidFill>
+                  </a:ln>
+                </p:spPr>
+                <p:style>
+                  <a:lnRef idx="2">
+                    <a:schemeClr val="accent1">
+                      <a:shade val="50000"/>
+                    </a:schemeClr>
+                  </a:lnRef>
+                  <a:fillRef idx="1">
+                    <a:schemeClr val="accent1"/>
+                  </a:fillRef>
+                  <a:effectRef idx="0">
+                    <a:schemeClr val="accent1"/>
+                  </a:effectRef>
+                  <a:fontRef idx="minor">
+                    <a:schemeClr val="lt1"/>
+                  </a:fontRef>
+                </p:style>
+                <p:txBody>
+                  <a:bodyPr rtlCol="0" anchor="ctr"/>
+                  <a:lstStyle/>
+                  <a:p>
+                    <a:pPr algn="ctr"/>
+                    <a:endParaRPr lang="en-US" dirty="0"/>
+                  </a:p>
+                </p:txBody>
+              </p:sp>
+              <p:sp>
+                <p:nvSpPr>
+                  <p:cNvPr id="23" name="Rectangle 22">
+                    <a:extLst>
+                      <a:ext uri="{FF2B5EF4-FFF2-40B4-BE49-F238E27FC236}">
+                        <a16:creationId xmlns:a16="http://schemas.microsoft.com/office/drawing/2014/main" id="{26588AB7-CBA4-42C6-8A2B-EF47D785FB0D}"/>
+                      </a:ext>
+                    </a:extLst>
+                  </p:cNvPr>
+                  <p:cNvSpPr/>
+                  <p:nvPr/>
+                </p:nvSpPr>
+                <p:spPr>
+                  <a:xfrm>
+                    <a:off x="5351552" y="1813560"/>
+                    <a:ext cx="274320" cy="274320"/>
+                  </a:xfrm>
+                  <a:prstGeom prst="rect">
+                    <a:avLst/>
+                  </a:prstGeom>
+                  <a:noFill/>
+                  <a:ln w="25400">
+                    <a:solidFill>
+                      <a:schemeClr val="bg2">
+                        <a:lumMod val="90000"/>
+                      </a:schemeClr>
+                    </a:solidFill>
+                  </a:ln>
+                </p:spPr>
+                <p:style>
+                  <a:lnRef idx="2">
+                    <a:schemeClr val="accent1">
+                      <a:shade val="50000"/>
+                    </a:schemeClr>
+                  </a:lnRef>
+                  <a:fillRef idx="1">
+                    <a:schemeClr val="accent1"/>
+                  </a:fillRef>
+                  <a:effectRef idx="0">
+                    <a:schemeClr val="accent1"/>
+                  </a:effectRef>
+                  <a:fontRef idx="minor">
+                    <a:schemeClr val="lt1"/>
+                  </a:fontRef>
+                </p:style>
+                <p:txBody>
+                  <a:bodyPr rtlCol="0" anchor="ctr"/>
+                  <a:lstStyle/>
+                  <a:p>
+                    <a:pPr algn="ctr"/>
+                    <a:endParaRPr lang="en-US" dirty="0"/>
+                  </a:p>
+                </p:txBody>
+              </p:sp>
+              <p:sp>
+                <p:nvSpPr>
+                  <p:cNvPr id="24" name="Rectangle 23">
+                    <a:extLst>
+                      <a:ext uri="{FF2B5EF4-FFF2-40B4-BE49-F238E27FC236}">
+                        <a16:creationId xmlns:a16="http://schemas.microsoft.com/office/drawing/2014/main" id="{0952A822-FE80-4248-93C6-4E1B62F0E583}"/>
+                      </a:ext>
+                    </a:extLst>
+                  </p:cNvPr>
+                  <p:cNvSpPr/>
+                  <p:nvPr/>
+                </p:nvSpPr>
+                <p:spPr>
+                  <a:xfrm>
+                    <a:off x="4789982" y="2087880"/>
+                    <a:ext cx="274320" cy="274320"/>
+                  </a:xfrm>
+                  <a:prstGeom prst="rect">
+                    <a:avLst/>
+                  </a:prstGeom>
+                  <a:noFill/>
+                  <a:ln w="25400">
+                    <a:solidFill>
+                      <a:schemeClr val="bg2">
+                        <a:lumMod val="90000"/>
+                      </a:schemeClr>
+                    </a:solidFill>
+                  </a:ln>
+                </p:spPr>
+                <p:style>
+                  <a:lnRef idx="2">
+                    <a:schemeClr val="accent1">
+                      <a:shade val="50000"/>
+                    </a:schemeClr>
+                  </a:lnRef>
+                  <a:fillRef idx="1">
+                    <a:schemeClr val="accent1"/>
+                  </a:fillRef>
+                  <a:effectRef idx="0">
+                    <a:schemeClr val="accent1"/>
+                  </a:effectRef>
+                  <a:fontRef idx="minor">
+                    <a:schemeClr val="lt1"/>
+                  </a:fontRef>
+                </p:style>
+                <p:txBody>
+                  <a:bodyPr rtlCol="0" anchor="ctr"/>
+                  <a:lstStyle/>
+                  <a:p>
+                    <a:pPr algn="ctr"/>
+                    <a:endParaRPr lang="en-US" dirty="0"/>
+                  </a:p>
+                </p:txBody>
+              </p:sp>
+              <p:sp>
+                <p:nvSpPr>
+                  <p:cNvPr id="25" name="Rectangle 24">
+                    <a:extLst>
+                      <a:ext uri="{FF2B5EF4-FFF2-40B4-BE49-F238E27FC236}">
+                        <a16:creationId xmlns:a16="http://schemas.microsoft.com/office/drawing/2014/main" id="{A1A1A44D-8172-4572-917C-13005FD3C0A1}"/>
+                      </a:ext>
+                    </a:extLst>
+                  </p:cNvPr>
+                  <p:cNvSpPr/>
+                  <p:nvPr/>
+                </p:nvSpPr>
+                <p:spPr>
+                  <a:xfrm>
+                    <a:off x="5067534" y="2087880"/>
+                    <a:ext cx="274320" cy="274320"/>
+                  </a:xfrm>
+                  <a:prstGeom prst="rect">
+                    <a:avLst/>
+                  </a:prstGeom>
+                  <a:noFill/>
+                  <a:ln w="25400">
+                    <a:solidFill>
+                      <a:schemeClr val="bg2">
+                        <a:lumMod val="90000"/>
+                      </a:schemeClr>
+                    </a:solidFill>
+                  </a:ln>
+                </p:spPr>
+                <p:style>
+                  <a:lnRef idx="2">
+                    <a:schemeClr val="accent1">
+                      <a:shade val="50000"/>
+                    </a:schemeClr>
+                  </a:lnRef>
+                  <a:fillRef idx="1">
+                    <a:schemeClr val="accent1"/>
+                  </a:fillRef>
+                  <a:effectRef idx="0">
+                    <a:schemeClr val="accent1"/>
+                  </a:effectRef>
+                  <a:fontRef idx="minor">
+                    <a:schemeClr val="lt1"/>
+                  </a:fontRef>
+                </p:style>
+                <p:txBody>
+                  <a:bodyPr rtlCol="0" anchor="ctr"/>
+                  <a:lstStyle/>
+                  <a:p>
+                    <a:pPr algn="ctr"/>
+                    <a:endParaRPr lang="en-US" dirty="0"/>
+                  </a:p>
+                </p:txBody>
+              </p:sp>
+              <p:sp>
+                <p:nvSpPr>
+                  <p:cNvPr id="26" name="Rectangle 25">
+                    <a:extLst>
+                      <a:ext uri="{FF2B5EF4-FFF2-40B4-BE49-F238E27FC236}">
+                        <a16:creationId xmlns:a16="http://schemas.microsoft.com/office/drawing/2014/main" id="{DC51BBFC-9080-4198-B611-04AE9FC5D1D9}"/>
+                      </a:ext>
+                    </a:extLst>
+                  </p:cNvPr>
+                  <p:cNvSpPr/>
+                  <p:nvPr/>
+                </p:nvSpPr>
+                <p:spPr>
+                  <a:xfrm>
+                    <a:off x="5351552" y="2087880"/>
+                    <a:ext cx="274320" cy="274320"/>
+                  </a:xfrm>
+                  <a:prstGeom prst="rect">
+                    <a:avLst/>
+                  </a:prstGeom>
+                  <a:noFill/>
+                  <a:ln w="25400">
+                    <a:solidFill>
+                      <a:schemeClr val="bg2">
+                        <a:lumMod val="90000"/>
+                      </a:schemeClr>
+                    </a:solidFill>
+                  </a:ln>
+                </p:spPr>
+                <p:style>
+                  <a:lnRef idx="2">
+                    <a:schemeClr val="accent1">
+                      <a:shade val="50000"/>
+                    </a:schemeClr>
+                  </a:lnRef>
+                  <a:fillRef idx="1">
+                    <a:schemeClr val="accent1"/>
+                  </a:fillRef>
+                  <a:effectRef idx="0">
+                    <a:schemeClr val="accent1"/>
+                  </a:effectRef>
+                  <a:fontRef idx="minor">
+                    <a:schemeClr val="lt1"/>
+                  </a:fontRef>
+                </p:style>
+                <p:txBody>
+                  <a:bodyPr rtlCol="0" anchor="ctr"/>
+                  <a:lstStyle/>
+                  <a:p>
+                    <a:pPr algn="ctr"/>
+                    <a:endParaRPr lang="en-US" dirty="0"/>
+                  </a:p>
+                </p:txBody>
+              </p:sp>
+            </p:grpSp>
+          </p:grpSp>
+          <p:sp>
+            <p:nvSpPr>
+              <p:cNvPr id="27" name="TextBox 26">
+                <a:extLst>
+                  <a:ext uri="{FF2B5EF4-FFF2-40B4-BE49-F238E27FC236}">
+                    <a16:creationId xmlns:a16="http://schemas.microsoft.com/office/drawing/2014/main" id="{0FF1044C-663B-4B7F-ACDE-450DB9FE7D52}"/>
+                  </a:ext>
+                </a:extLst>
+              </p:cNvPr>
+              <p:cNvSpPr txBox="1"/>
+              <p:nvPr/>
+            </p:nvSpPr>
+            <p:spPr>
+              <a:xfrm>
+                <a:off x="4717888" y="2716413"/>
+                <a:ext cx="3406702" cy="523220"/>
+              </a:xfrm>
+              <a:prstGeom prst="rect">
+                <a:avLst/>
+              </a:prstGeom>
+              <a:noFill/>
+            </p:spPr>
+            <p:txBody>
+              <a:bodyPr wrap="none" rtlCol="0">
+                <a:spAutoFit/>
+              </a:bodyPr>
+              <a:lstStyle/>
+              <a:p>
+                <a:r>
+                  <a:rPr lang="en-US" sz="2800" b="1" dirty="0">
+                    <a:solidFill>
+                      <a:schemeClr val="accent2">
+                        <a:lumMod val="75000"/>
+                      </a:schemeClr>
+                    </a:solidFill>
+                    <a:latin typeface="Courier New" panose="02070309020205020404" pitchFamily="49" charset="0"/>
+                    <a:cs typeface="Courier New" panose="02070309020205020404" pitchFamily="49" charset="0"/>
+                  </a:rPr>
+                  <a:t>function</a:t>
+                </a:r>
+                <a:r>
+                  <a:rPr lang="en-US" sz="2800" dirty="0">
+                    <a:latin typeface="Courier New" panose="02070309020205020404" pitchFamily="49" charset="0"/>
+                    <a:cs typeface="Courier New" panose="02070309020205020404" pitchFamily="49" charset="0"/>
+                  </a:rPr>
+                  <a:t>(     )</a:t>
+                </a:r>
+              </a:p>
+            </p:txBody>
+          </p:sp>
+          <p:grpSp>
+            <p:nvGrpSpPr>
+              <p:cNvPr id="28" name="Group 27">
+                <a:extLst>
+                  <a:ext uri="{FF2B5EF4-FFF2-40B4-BE49-F238E27FC236}">
+                    <a16:creationId xmlns:a16="http://schemas.microsoft.com/office/drawing/2014/main" id="{24F98955-317C-4E1B-B287-C256E76D79D6}"/>
+                  </a:ext>
+                </a:extLst>
+              </p:cNvPr>
+              <p:cNvGrpSpPr/>
+              <p:nvPr/>
+            </p:nvGrpSpPr>
+            <p:grpSpPr>
+              <a:xfrm>
+                <a:off x="9059356" y="2289230"/>
+                <a:ext cx="1371600" cy="1371600"/>
+                <a:chOff x="2152073" y="1828800"/>
+                <a:chExt cx="1371600" cy="1371600"/>
+              </a:xfrm>
+            </p:grpSpPr>
+            <p:sp>
+              <p:nvSpPr>
+                <p:cNvPr id="29" name="Oval 28">
+                  <a:extLst>
+                    <a:ext uri="{FF2B5EF4-FFF2-40B4-BE49-F238E27FC236}">
+                      <a16:creationId xmlns:a16="http://schemas.microsoft.com/office/drawing/2014/main" id="{E79075FF-E387-4A87-94A6-865C411A29C8}"/>
+                    </a:ext>
+                  </a:extLst>
+                </p:cNvPr>
+                <p:cNvSpPr/>
+                <p:nvPr/>
+              </p:nvSpPr>
+              <p:spPr>
+                <a:xfrm>
+                  <a:off x="2152073" y="1828800"/>
+                  <a:ext cx="1371600" cy="1371600"/>
+                </a:xfrm>
+                <a:prstGeom prst="ellipse">
+                  <a:avLst/>
+                </a:prstGeom>
+                <a:solidFill>
+                  <a:schemeClr val="accent2">
+                    <a:lumMod val="75000"/>
+                  </a:schemeClr>
+                </a:solidFill>
+              </p:spPr>
+              <p:style>
+                <a:lnRef idx="2">
+                  <a:schemeClr val="accent1">
+                    <a:shade val="50000"/>
+                  </a:schemeClr>
+                </a:lnRef>
+                <a:fillRef idx="1">
+                  <a:schemeClr val="accent1"/>
+                </a:fillRef>
+                <a:effectRef idx="0">
+                  <a:schemeClr val="accent1"/>
+                </a:effectRef>
+                <a:fontRef idx="minor">
+                  <a:schemeClr val="lt1"/>
+                </a:fontRef>
+              </p:style>
+              <p:txBody>
+                <a:bodyPr rtlCol="0" anchor="ctr"/>
+                <a:lstStyle/>
+                <a:p>
+                  <a:pPr algn="ctr"/>
+                  <a:endParaRPr lang="en-US" dirty="0"/>
+                </a:p>
+              </p:txBody>
+            </p:sp>
+            <p:grpSp>
+              <p:nvGrpSpPr>
+                <p:cNvPr id="30" name="Group 29">
+                  <a:extLst>
+                    <a:ext uri="{FF2B5EF4-FFF2-40B4-BE49-F238E27FC236}">
+                      <a16:creationId xmlns:a16="http://schemas.microsoft.com/office/drawing/2014/main" id="{693FE7D6-D5C9-4A0A-9A7B-A471665EFEEC}"/>
+                    </a:ext>
+                  </a:extLst>
+                </p:cNvPr>
+                <p:cNvGrpSpPr/>
+                <p:nvPr/>
+              </p:nvGrpSpPr>
+              <p:grpSpPr>
+                <a:xfrm>
+                  <a:off x="2419928" y="2103120"/>
+                  <a:ext cx="835890" cy="822960"/>
+                  <a:chOff x="4789982" y="1539240"/>
+                  <a:chExt cx="835890" cy="822960"/>
+                </a:xfrm>
+              </p:grpSpPr>
+              <p:sp>
+                <p:nvSpPr>
+                  <p:cNvPr id="31" name="Rectangle 30">
+                    <a:extLst>
+                      <a:ext uri="{FF2B5EF4-FFF2-40B4-BE49-F238E27FC236}">
+                        <a16:creationId xmlns:a16="http://schemas.microsoft.com/office/drawing/2014/main" id="{E77E6115-CBAD-43FC-A8DB-13BA4958D389}"/>
+                      </a:ext>
+                    </a:extLst>
+                  </p:cNvPr>
+                  <p:cNvSpPr/>
+                  <p:nvPr/>
+                </p:nvSpPr>
+                <p:spPr>
+                  <a:xfrm>
+                    <a:off x="4789982" y="1539240"/>
+                    <a:ext cx="274320" cy="274320"/>
+                  </a:xfrm>
+                  <a:prstGeom prst="rect">
+                    <a:avLst/>
+                  </a:prstGeom>
+                  <a:noFill/>
+                  <a:ln w="25400">
+                    <a:solidFill>
+                      <a:schemeClr val="bg2">
+                        <a:lumMod val="90000"/>
+                      </a:schemeClr>
+                    </a:solidFill>
+                  </a:ln>
+                </p:spPr>
+                <p:style>
+                  <a:lnRef idx="2">
+                    <a:schemeClr val="accent1">
+                      <a:shade val="50000"/>
+                    </a:schemeClr>
+                  </a:lnRef>
+                  <a:fillRef idx="1">
+                    <a:schemeClr val="accent1"/>
+                  </a:fillRef>
+                  <a:effectRef idx="0">
+                    <a:schemeClr val="accent1"/>
+                  </a:effectRef>
+                  <a:fontRef idx="minor">
+                    <a:schemeClr val="lt1"/>
+                  </a:fontRef>
+                </p:style>
+                <p:txBody>
+                  <a:bodyPr rtlCol="0" anchor="ctr"/>
+                  <a:lstStyle/>
+                  <a:p>
+                    <a:pPr algn="ctr"/>
+                    <a:endParaRPr lang="en-US" dirty="0"/>
+                  </a:p>
+                </p:txBody>
+              </p:sp>
+              <p:sp>
+                <p:nvSpPr>
+                  <p:cNvPr id="32" name="Rectangle 31">
+                    <a:extLst>
+                      <a:ext uri="{FF2B5EF4-FFF2-40B4-BE49-F238E27FC236}">
+                        <a16:creationId xmlns:a16="http://schemas.microsoft.com/office/drawing/2014/main" id="{9DB179A0-1830-4AFD-9CC7-2987BC88CCF2}"/>
+                      </a:ext>
+                    </a:extLst>
+                  </p:cNvPr>
+                  <p:cNvSpPr/>
+                  <p:nvPr/>
+                </p:nvSpPr>
+                <p:spPr>
+                  <a:xfrm>
+                    <a:off x="5067534" y="1539240"/>
+                    <a:ext cx="274320" cy="274320"/>
+                  </a:xfrm>
+                  <a:prstGeom prst="rect">
+                    <a:avLst/>
+                  </a:prstGeom>
+                  <a:noFill/>
+                  <a:ln w="25400">
+                    <a:solidFill>
+                      <a:schemeClr val="bg2">
+                        <a:lumMod val="90000"/>
+                      </a:schemeClr>
+                    </a:solidFill>
+                  </a:ln>
+                </p:spPr>
+                <p:style>
+                  <a:lnRef idx="2">
+                    <a:schemeClr val="accent1">
+                      <a:shade val="50000"/>
+                    </a:schemeClr>
+                  </a:lnRef>
+                  <a:fillRef idx="1">
+                    <a:schemeClr val="accent1"/>
+                  </a:fillRef>
+                  <a:effectRef idx="0">
+                    <a:schemeClr val="accent1"/>
+                  </a:effectRef>
+                  <a:fontRef idx="minor">
+                    <a:schemeClr val="lt1"/>
+                  </a:fontRef>
+                </p:style>
+                <p:txBody>
+                  <a:bodyPr rtlCol="0" anchor="ctr"/>
+                  <a:lstStyle/>
+                  <a:p>
+                    <a:pPr algn="ctr"/>
+                    <a:endParaRPr lang="en-US" dirty="0"/>
+                  </a:p>
+                </p:txBody>
+              </p:sp>
+              <p:sp>
+                <p:nvSpPr>
+                  <p:cNvPr id="33" name="Rectangle 32">
+                    <a:extLst>
+                      <a:ext uri="{FF2B5EF4-FFF2-40B4-BE49-F238E27FC236}">
+                        <a16:creationId xmlns:a16="http://schemas.microsoft.com/office/drawing/2014/main" id="{D6FEF8EA-D9B9-4BD9-BF95-0A04AD05698A}"/>
+                      </a:ext>
+                    </a:extLst>
+                  </p:cNvPr>
+                  <p:cNvSpPr/>
+                  <p:nvPr/>
+                </p:nvSpPr>
+                <p:spPr>
+                  <a:xfrm>
+                    <a:off x="5351552" y="1539240"/>
+                    <a:ext cx="274320" cy="274320"/>
+                  </a:xfrm>
+                  <a:prstGeom prst="rect">
+                    <a:avLst/>
+                  </a:prstGeom>
+                  <a:noFill/>
+                  <a:ln w="25400">
+                    <a:solidFill>
+                      <a:schemeClr val="bg2">
+                        <a:lumMod val="90000"/>
+                      </a:schemeClr>
+                    </a:solidFill>
+                  </a:ln>
+                </p:spPr>
+                <p:style>
+                  <a:lnRef idx="2">
+                    <a:schemeClr val="accent1">
+                      <a:shade val="50000"/>
+                    </a:schemeClr>
+                  </a:lnRef>
+                  <a:fillRef idx="1">
+                    <a:schemeClr val="accent1"/>
+                  </a:fillRef>
+                  <a:effectRef idx="0">
+                    <a:schemeClr val="accent1"/>
+                  </a:effectRef>
+                  <a:fontRef idx="minor">
+                    <a:schemeClr val="lt1"/>
+                  </a:fontRef>
+                </p:style>
+                <p:txBody>
+                  <a:bodyPr rtlCol="0" anchor="ctr"/>
+                  <a:lstStyle/>
+                  <a:p>
+                    <a:pPr algn="ctr"/>
+                    <a:endParaRPr lang="en-US" dirty="0"/>
+                  </a:p>
+                </p:txBody>
+              </p:sp>
+              <p:sp>
+                <p:nvSpPr>
+                  <p:cNvPr id="34" name="Rectangle 33">
+                    <a:extLst>
+                      <a:ext uri="{FF2B5EF4-FFF2-40B4-BE49-F238E27FC236}">
+                        <a16:creationId xmlns:a16="http://schemas.microsoft.com/office/drawing/2014/main" id="{E09CCC3F-E224-4355-93A4-61B205F6B430}"/>
+                      </a:ext>
+                    </a:extLst>
+                  </p:cNvPr>
+                  <p:cNvSpPr/>
+                  <p:nvPr/>
+                </p:nvSpPr>
+                <p:spPr>
+                  <a:xfrm>
+                    <a:off x="4789982" y="1813560"/>
+                    <a:ext cx="274320" cy="274320"/>
+                  </a:xfrm>
+                  <a:prstGeom prst="rect">
+                    <a:avLst/>
+                  </a:prstGeom>
+                  <a:noFill/>
+                  <a:ln w="25400">
+                    <a:solidFill>
+                      <a:schemeClr val="bg2">
+                        <a:lumMod val="90000"/>
+                      </a:schemeClr>
+                    </a:solidFill>
+                  </a:ln>
+                </p:spPr>
+                <p:style>
+                  <a:lnRef idx="2">
+                    <a:schemeClr val="accent1">
+                      <a:shade val="50000"/>
+                    </a:schemeClr>
+                  </a:lnRef>
+                  <a:fillRef idx="1">
+                    <a:schemeClr val="accent1"/>
+                  </a:fillRef>
+                  <a:effectRef idx="0">
+                    <a:schemeClr val="accent1"/>
+                  </a:effectRef>
+                  <a:fontRef idx="minor">
+                    <a:schemeClr val="lt1"/>
+                  </a:fontRef>
+                </p:style>
+                <p:txBody>
+                  <a:bodyPr rtlCol="0" anchor="ctr"/>
+                  <a:lstStyle/>
+                  <a:p>
+                    <a:pPr algn="ctr"/>
+                    <a:endParaRPr lang="en-US" dirty="0"/>
+                  </a:p>
+                </p:txBody>
+              </p:sp>
+              <p:sp>
+                <p:nvSpPr>
+                  <p:cNvPr id="35" name="Rectangle 34">
+                    <a:extLst>
+                      <a:ext uri="{FF2B5EF4-FFF2-40B4-BE49-F238E27FC236}">
+                        <a16:creationId xmlns:a16="http://schemas.microsoft.com/office/drawing/2014/main" id="{3493B05B-14FC-4C30-8464-76A992EFE158}"/>
+                      </a:ext>
+                    </a:extLst>
+                  </p:cNvPr>
+                  <p:cNvSpPr/>
+                  <p:nvPr/>
+                </p:nvSpPr>
+                <p:spPr>
+                  <a:xfrm>
+                    <a:off x="5067534" y="1813560"/>
+                    <a:ext cx="274320" cy="274320"/>
+                  </a:xfrm>
+                  <a:prstGeom prst="rect">
+                    <a:avLst/>
+                  </a:prstGeom>
+                  <a:noFill/>
+                  <a:ln w="25400">
+                    <a:solidFill>
+                      <a:schemeClr val="bg2">
+                        <a:lumMod val="90000"/>
+                      </a:schemeClr>
+                    </a:solidFill>
+                  </a:ln>
+                </p:spPr>
+                <p:style>
+                  <a:lnRef idx="2">
+                    <a:schemeClr val="accent1">
+                      <a:shade val="50000"/>
+                    </a:schemeClr>
+                  </a:lnRef>
+                  <a:fillRef idx="1">
+                    <a:schemeClr val="accent1"/>
+                  </a:fillRef>
+                  <a:effectRef idx="0">
+                    <a:schemeClr val="accent1"/>
+                  </a:effectRef>
+                  <a:fontRef idx="minor">
+                    <a:schemeClr val="lt1"/>
+                  </a:fontRef>
+                </p:style>
+                <p:txBody>
+                  <a:bodyPr rtlCol="0" anchor="ctr"/>
+                  <a:lstStyle/>
+                  <a:p>
+                    <a:pPr algn="ctr"/>
+                    <a:endParaRPr lang="en-US" dirty="0"/>
+                  </a:p>
+                </p:txBody>
+              </p:sp>
+              <p:sp>
+                <p:nvSpPr>
+                  <p:cNvPr id="36" name="Rectangle 35">
+                    <a:extLst>
+                      <a:ext uri="{FF2B5EF4-FFF2-40B4-BE49-F238E27FC236}">
+                        <a16:creationId xmlns:a16="http://schemas.microsoft.com/office/drawing/2014/main" id="{398732DA-B685-4BD9-82B0-ADCDFF7DF71D}"/>
+                      </a:ext>
+                    </a:extLst>
+                  </p:cNvPr>
+                  <p:cNvSpPr/>
+                  <p:nvPr/>
+                </p:nvSpPr>
+                <p:spPr>
+                  <a:xfrm>
+                    <a:off x="5351552" y="1813560"/>
+                    <a:ext cx="274320" cy="274320"/>
+                  </a:xfrm>
+                  <a:prstGeom prst="rect">
+                    <a:avLst/>
+                  </a:prstGeom>
+                  <a:noFill/>
+                  <a:ln w="25400">
+                    <a:solidFill>
+                      <a:schemeClr val="bg2">
+                        <a:lumMod val="90000"/>
+                      </a:schemeClr>
+                    </a:solidFill>
+                  </a:ln>
+                </p:spPr>
+                <p:style>
+                  <a:lnRef idx="2">
+                    <a:schemeClr val="accent1">
+                      <a:shade val="50000"/>
+                    </a:schemeClr>
+                  </a:lnRef>
+                  <a:fillRef idx="1">
+                    <a:schemeClr val="accent1"/>
+                  </a:fillRef>
+                  <a:effectRef idx="0">
+                    <a:schemeClr val="accent1"/>
+                  </a:effectRef>
+                  <a:fontRef idx="minor">
+                    <a:schemeClr val="lt1"/>
+                  </a:fontRef>
+                </p:style>
+                <p:txBody>
+                  <a:bodyPr rtlCol="0" anchor="ctr"/>
+                  <a:lstStyle/>
+                  <a:p>
+                    <a:pPr algn="ctr"/>
+                    <a:endParaRPr lang="en-US" dirty="0"/>
+                  </a:p>
+                </p:txBody>
+              </p:sp>
+              <p:sp>
+                <p:nvSpPr>
+                  <p:cNvPr id="37" name="Rectangle 36">
+                    <a:extLst>
+                      <a:ext uri="{FF2B5EF4-FFF2-40B4-BE49-F238E27FC236}">
+                        <a16:creationId xmlns:a16="http://schemas.microsoft.com/office/drawing/2014/main" id="{0FDF90CB-49A4-4E6B-AF31-6E6862EACBF1}"/>
+                      </a:ext>
+                    </a:extLst>
+                  </p:cNvPr>
+                  <p:cNvSpPr/>
+                  <p:nvPr/>
+                </p:nvSpPr>
+                <p:spPr>
+                  <a:xfrm>
+                    <a:off x="4789982" y="2087880"/>
+                    <a:ext cx="274320" cy="274320"/>
+                  </a:xfrm>
+                  <a:prstGeom prst="rect">
+                    <a:avLst/>
+                  </a:prstGeom>
+                  <a:noFill/>
+                  <a:ln w="25400">
+                    <a:solidFill>
+                      <a:schemeClr val="bg2">
+                        <a:lumMod val="90000"/>
+                      </a:schemeClr>
+                    </a:solidFill>
+                  </a:ln>
+                </p:spPr>
+                <p:style>
+                  <a:lnRef idx="2">
+                    <a:schemeClr val="accent1">
+                      <a:shade val="50000"/>
+                    </a:schemeClr>
+                  </a:lnRef>
+                  <a:fillRef idx="1">
+                    <a:schemeClr val="accent1"/>
+                  </a:fillRef>
+                  <a:effectRef idx="0">
+                    <a:schemeClr val="accent1"/>
+                  </a:effectRef>
+                  <a:fontRef idx="minor">
+                    <a:schemeClr val="lt1"/>
+                  </a:fontRef>
+                </p:style>
+                <p:txBody>
+                  <a:bodyPr rtlCol="0" anchor="ctr"/>
+                  <a:lstStyle/>
+                  <a:p>
+                    <a:pPr algn="ctr"/>
+                    <a:endParaRPr lang="en-US" dirty="0"/>
+                  </a:p>
+                </p:txBody>
+              </p:sp>
+              <p:sp>
+                <p:nvSpPr>
+                  <p:cNvPr id="38" name="Rectangle 37">
+                    <a:extLst>
+                      <a:ext uri="{FF2B5EF4-FFF2-40B4-BE49-F238E27FC236}">
+                        <a16:creationId xmlns:a16="http://schemas.microsoft.com/office/drawing/2014/main" id="{C0FAFC9C-FE01-40C0-AB6F-08ABE2AF29C7}"/>
+                      </a:ext>
+                    </a:extLst>
+                  </p:cNvPr>
+                  <p:cNvSpPr/>
+                  <p:nvPr/>
+                </p:nvSpPr>
+                <p:spPr>
+                  <a:xfrm>
+                    <a:off x="5067534" y="2087880"/>
+                    <a:ext cx="274320" cy="274320"/>
+                  </a:xfrm>
+                  <a:prstGeom prst="rect">
+                    <a:avLst/>
+                  </a:prstGeom>
+                  <a:noFill/>
+                  <a:ln w="25400">
+                    <a:solidFill>
+                      <a:schemeClr val="bg2">
+                        <a:lumMod val="90000"/>
+                      </a:schemeClr>
+                    </a:solidFill>
+                  </a:ln>
+                </p:spPr>
+                <p:style>
+                  <a:lnRef idx="2">
+                    <a:schemeClr val="accent1">
+                      <a:shade val="50000"/>
+                    </a:schemeClr>
+                  </a:lnRef>
+                  <a:fillRef idx="1">
+                    <a:schemeClr val="accent1"/>
+                  </a:fillRef>
+                  <a:effectRef idx="0">
+                    <a:schemeClr val="accent1"/>
+                  </a:effectRef>
+                  <a:fontRef idx="minor">
+                    <a:schemeClr val="lt1"/>
+                  </a:fontRef>
+                </p:style>
+                <p:txBody>
+                  <a:bodyPr rtlCol="0" anchor="ctr"/>
+                  <a:lstStyle/>
+                  <a:p>
+                    <a:pPr algn="ctr"/>
+                    <a:endParaRPr lang="en-US" dirty="0"/>
+                  </a:p>
+                </p:txBody>
+              </p:sp>
+              <p:sp>
+                <p:nvSpPr>
+                  <p:cNvPr id="39" name="Rectangle 38">
+                    <a:extLst>
+                      <a:ext uri="{FF2B5EF4-FFF2-40B4-BE49-F238E27FC236}">
+                        <a16:creationId xmlns:a16="http://schemas.microsoft.com/office/drawing/2014/main" id="{35C1ED9F-0956-4525-8F80-726B6679D756}"/>
+                      </a:ext>
+                    </a:extLst>
+                  </p:cNvPr>
+                  <p:cNvSpPr/>
+                  <p:nvPr/>
+                </p:nvSpPr>
+                <p:spPr>
+                  <a:xfrm>
+                    <a:off x="5351552" y="2087880"/>
+                    <a:ext cx="274320" cy="274320"/>
+                  </a:xfrm>
+                  <a:prstGeom prst="rect">
+                    <a:avLst/>
+                  </a:prstGeom>
+                  <a:noFill/>
+                  <a:ln w="25400">
+                    <a:solidFill>
+                      <a:schemeClr val="bg2">
+                        <a:lumMod val="90000"/>
+                      </a:schemeClr>
+                    </a:solidFill>
+                  </a:ln>
+                </p:spPr>
+                <p:style>
+                  <a:lnRef idx="2">
+                    <a:schemeClr val="accent1">
+                      <a:shade val="50000"/>
+                    </a:schemeClr>
+                  </a:lnRef>
+                  <a:fillRef idx="1">
+                    <a:schemeClr val="accent1"/>
+                  </a:fillRef>
+                  <a:effectRef idx="0">
+                    <a:schemeClr val="accent1"/>
+                  </a:effectRef>
+                  <a:fontRef idx="minor">
+                    <a:schemeClr val="lt1"/>
+                  </a:fontRef>
+                </p:style>
+                <p:txBody>
+                  <a:bodyPr rtlCol="0" anchor="ctr"/>
+                  <a:lstStyle/>
+                  <a:p>
+                    <a:pPr algn="ctr"/>
+                    <a:endParaRPr lang="en-US" dirty="0"/>
+                  </a:p>
+                </p:txBody>
+              </p:sp>
+            </p:grpSp>
+          </p:grpSp>
+          <p:sp>
+            <p:nvSpPr>
+              <p:cNvPr id="44" name="Arc 43">
+                <a:extLst>
+                  <a:ext uri="{FF2B5EF4-FFF2-40B4-BE49-F238E27FC236}">
+                    <a16:creationId xmlns:a16="http://schemas.microsoft.com/office/drawing/2014/main" id="{170A2D53-34C1-4C8E-B8BC-ADE6C7C5F8E0}"/>
+                  </a:ext>
+                </a:extLst>
+              </p:cNvPr>
+              <p:cNvSpPr/>
+              <p:nvPr/>
+            </p:nvSpPr>
+            <p:spPr>
+              <a:xfrm rot="436469" flipV="1">
+                <a:off x="3630175" y="1607157"/>
+                <a:ext cx="3552309" cy="3284385"/>
+              </a:xfrm>
+              <a:prstGeom prst="arc">
+                <a:avLst>
+                  <a:gd name="adj1" fmla="val 12253574"/>
+                  <a:gd name="adj2" fmla="val 37252"/>
+                </a:avLst>
+              </a:prstGeom>
+              <a:ln w="63500">
+                <a:solidFill>
+                  <a:schemeClr val="accent1">
+                    <a:lumMod val="75000"/>
+                  </a:schemeClr>
+                </a:solidFill>
+                <a:tailEnd type="triangle"/>
+              </a:ln>
+            </p:spPr>
+            <p:style>
+              <a:lnRef idx="1">
+                <a:schemeClr val="accent1"/>
+              </a:lnRef>
+              <a:fillRef idx="0">
+                <a:schemeClr val="accent1"/>
+              </a:fillRef>
+              <a:effectRef idx="0">
+                <a:schemeClr val="accent1"/>
+              </a:effectRef>
+              <a:fontRef idx="minor">
+                <a:schemeClr val="tx1"/>
+              </a:fontRef>
+            </p:style>
+            <p:txBody>
+              <a:bodyPr rtlCol="0" anchor="ctr"/>
+              <a:lstStyle/>
+              <a:p>
+                <a:pPr algn="ctr"/>
+                <a:endParaRPr lang="en-US" dirty="0"/>
+              </a:p>
+            </p:txBody>
+          </p:sp>
+          <p:sp>
+            <p:nvSpPr>
+              <p:cNvPr id="45" name="Arc 44">
+                <a:extLst>
+                  <a:ext uri="{FF2B5EF4-FFF2-40B4-BE49-F238E27FC236}">
+                    <a16:creationId xmlns:a16="http://schemas.microsoft.com/office/drawing/2014/main" id="{7A87F505-88F1-4063-A132-CC2E6D856EBF}"/>
+                  </a:ext>
+                </a:extLst>
+              </p:cNvPr>
+              <p:cNvSpPr/>
+              <p:nvPr/>
+            </p:nvSpPr>
+            <p:spPr>
+              <a:xfrm rot="21196879">
+                <a:off x="7286680" y="1329644"/>
+                <a:ext cx="2344259" cy="2082726"/>
+              </a:xfrm>
+              <a:prstGeom prst="arc">
+                <a:avLst>
+                  <a:gd name="adj1" fmla="val 11366364"/>
+                  <a:gd name="adj2" fmla="val 21406920"/>
+                </a:avLst>
+              </a:prstGeom>
+              <a:ln w="63500">
+                <a:solidFill>
+                  <a:schemeClr val="accent2">
+                    <a:lumMod val="75000"/>
+                  </a:schemeClr>
+                </a:solidFill>
+                <a:tailEnd type="triangle"/>
+              </a:ln>
+            </p:spPr>
+            <p:style>
+              <a:lnRef idx="1">
+                <a:schemeClr val="accent1"/>
+              </a:lnRef>
+              <a:fillRef idx="0">
+                <a:schemeClr val="accent1"/>
+              </a:fillRef>
+              <a:effectRef idx="0">
+                <a:schemeClr val="accent1"/>
+              </a:effectRef>
+              <a:fontRef idx="minor">
+                <a:schemeClr val="tx1"/>
+              </a:fontRef>
+            </p:style>
+            <p:txBody>
+              <a:bodyPr rtlCol="0" anchor="ctr"/>
+              <a:lstStyle/>
+              <a:p>
+                <a:pPr algn="ctr"/>
+                <a:endParaRPr lang="en-US"/>
+              </a:p>
+            </p:txBody>
+          </p:sp>
+        </p:grpSp>
+        <p:sp>
+          <p:nvSpPr>
+            <p:cNvPr id="41" name="Rectangle 40">
+              <a:extLst>
+                <a:ext uri="{FF2B5EF4-FFF2-40B4-BE49-F238E27FC236}">
+                  <a16:creationId xmlns:a16="http://schemas.microsoft.com/office/drawing/2014/main" id="{301FEF49-0A31-4974-9624-95CAFA82EBFC}"/>
+                </a:ext>
+              </a:extLst>
+            </p:cNvPr>
+            <p:cNvSpPr/>
+            <p:nvPr/>
+          </p:nvSpPr>
+          <p:spPr>
+            <a:xfrm>
+              <a:off x="7629559" y="4705108"/>
+              <a:ext cx="1116957" cy="619246"/>
+            </a:xfrm>
+            <a:prstGeom prst="rect">
+              <a:avLst/>
+            </a:prstGeom>
+            <a:noFill/>
+            <a:ln>
+              <a:solidFill>
+                <a:schemeClr val="bg1"/>
+              </a:solidFill>
+            </a:ln>
+          </p:spPr>
+          <p:style>
+            <a:lnRef idx="2">
+              <a:schemeClr val="accent1">
+                <a:shade val="50000"/>
+              </a:schemeClr>
+            </a:lnRef>
+            <a:fillRef idx="1">
+              <a:schemeClr val="accent1"/>
+            </a:fillRef>
+            <a:effectRef idx="0">
+              <a:schemeClr val="accent1"/>
+            </a:effectRef>
+            <a:fontRef idx="minor">
+              <a:schemeClr val="lt1"/>
+            </a:fontRef>
+          </p:style>
+          <p:txBody>
+            <a:bodyPr rtlCol="0" anchor="ctr"/>
+            <a:lstStyle/>
+            <a:p>
+              <a:pPr algn="ctr"/>
+              <a:endParaRPr lang="en-US"/>
+            </a:p>
+          </p:txBody>
+        </p:sp>
+      </p:grpSp>
+    </p:spTree>
+    <p:extLst>
+      <p:ext uri="{BB962C8B-B14F-4D97-AF65-F5344CB8AC3E}">
+        <p14:creationId xmlns:p14="http://schemas.microsoft.com/office/powerpoint/2010/main" val="2644962630"/>
+      </p:ext>
+    </p:extLst>
+  </p:cSld>
+  <p:clrMapOvr>
+    <a:masterClrMapping/>
+  </p:clrMapOvr>
+</p:sld>
+</file>
+
+<file path=ppt/slides/slide23.xml><?xml version="1.0" encoding="utf-8"?>
+<p:sld xmlns:a="http://schemas.openxmlformats.org/drawingml/2006/main" xmlns:r="http://schemas.openxmlformats.org/officeDocument/2006/relationships" xmlns:p="http://schemas.openxmlformats.org/presentationml/2006/main">
+  <p:cSld>
+    <p:spTree>
+      <p:nvGrpSpPr>
+        <p:cNvPr id="1" name=""/>
+        <p:cNvGrpSpPr/>
+        <p:nvPr/>
+      </p:nvGrpSpPr>
+      <p:grpSpPr>
+        <a:xfrm>
+          <a:off x="0" y="0"/>
+          <a:ext cx="0" cy="0"/>
+          <a:chOff x="0" y="0"/>
+          <a:chExt cx="0" cy="0"/>
+        </a:xfrm>
+      </p:grpSpPr>
+      <p:grpSp>
+        <p:nvGrpSpPr>
           <p:cNvPr id="13" name="Group 12">
             <a:extLst>
               <a:ext uri="{FF2B5EF4-FFF2-40B4-BE49-F238E27FC236}">
@@ -14714,7 +16798,7 @@
 </p:sld>
 </file>
 
-<file path=ppt/slides/slide23.xml><?xml version="1.0" encoding="utf-8"?>
+<file path=ppt/slides/slide24.xml><?xml version="1.0" encoding="utf-8"?>
 <p:sld xmlns:a="http://schemas.openxmlformats.org/drawingml/2006/main" xmlns:r="http://schemas.openxmlformats.org/officeDocument/2006/relationships" xmlns:p="http://schemas.openxmlformats.org/presentationml/2006/main">
   <p:cSld>
     <p:spTree>
@@ -16735,7 +18819,7 @@
 </p:sld>
 </file>
 
-<file path=ppt/slides/slide24.xml><?xml version="1.0" encoding="utf-8"?>
+<file path=ppt/slides/slide25.xml><?xml version="1.0" encoding="utf-8"?>
 <p:sld xmlns:a="http://schemas.openxmlformats.org/drawingml/2006/main" xmlns:r="http://schemas.openxmlformats.org/officeDocument/2006/relationships" xmlns:p="http://schemas.openxmlformats.org/presentationml/2006/main">
   <p:cSld>
     <p:spTree>
@@ -18734,7 +20818,7 @@
 </p:sld>
 </file>
 
-<file path=ppt/slides/slide25.xml><?xml version="1.0" encoding="utf-8"?>
+<file path=ppt/slides/slide26.xml><?xml version="1.0" encoding="utf-8"?>
 <p:sld xmlns:a="http://schemas.openxmlformats.org/drawingml/2006/main" xmlns:r="http://schemas.openxmlformats.org/officeDocument/2006/relationships" xmlns:p="http://schemas.openxmlformats.org/presentationml/2006/main">
   <p:cSld>
     <p:spTree>
@@ -23947,7 +26031,7 @@
 </p:sld>
 </file>
 
-<file path=ppt/slides/slide26.xml><?xml version="1.0" encoding="utf-8"?>
+<file path=ppt/slides/slide27.xml><?xml version="1.0" encoding="utf-8"?>
 <p:sld xmlns:a="http://schemas.openxmlformats.org/drawingml/2006/main" xmlns:r="http://schemas.openxmlformats.org/officeDocument/2006/relationships" xmlns:p="http://schemas.openxmlformats.org/presentationml/2006/main">
   <p:cSld>
     <p:spTree>
@@ -29035,7 +31119,7 @@
 </p:sld>
 </file>
 
-<file path=ppt/slides/slide27.xml><?xml version="1.0" encoding="utf-8"?>
+<file path=ppt/slides/slide28.xml><?xml version="1.0" encoding="utf-8"?>
 <p:sld xmlns:a="http://schemas.openxmlformats.org/drawingml/2006/main" xmlns:r="http://schemas.openxmlformats.org/officeDocument/2006/relationships" xmlns:p="http://schemas.openxmlformats.org/presentationml/2006/main">
   <p:cSld>
     <p:spTree>
@@ -29118,7 +31202,7 @@
 </p:sld>
 </file>
 
-<file path=ppt/slides/slide28.xml><?xml version="1.0" encoding="utf-8"?>
+<file path=ppt/slides/slide29.xml><?xml version="1.0" encoding="utf-8"?>
 <p:sld xmlns:a="http://schemas.openxmlformats.org/drawingml/2006/main" xmlns:r="http://schemas.openxmlformats.org/officeDocument/2006/relationships" xmlns:p="http://schemas.openxmlformats.org/presentationml/2006/main">
   <p:cSld>
     <p:spTree>
@@ -32237,7 +34321,2316 @@
 </p:sld>
 </file>
 
-<file path=ppt/slides/slide29.xml><?xml version="1.0" encoding="utf-8"?>
+<file path=ppt/slides/slide3.xml><?xml version="1.0" encoding="utf-8"?>
+<p:sld xmlns:a="http://schemas.openxmlformats.org/drawingml/2006/main" xmlns:r="http://schemas.openxmlformats.org/officeDocument/2006/relationships" xmlns:p="http://schemas.openxmlformats.org/presentationml/2006/main">
+  <p:cSld>
+    <p:spTree>
+      <p:nvGrpSpPr>
+        <p:cNvPr id="1" name=""/>
+        <p:cNvGrpSpPr/>
+        <p:nvPr/>
+      </p:nvGrpSpPr>
+      <p:grpSpPr>
+        <a:xfrm>
+          <a:off x="0" y="0"/>
+          <a:ext cx="0" cy="0"/>
+          <a:chOff x="0" y="0"/>
+          <a:chExt cx="0" cy="0"/>
+        </a:xfrm>
+      </p:grpSpPr>
+      <p:grpSp>
+        <p:nvGrpSpPr>
+          <p:cNvPr id="8" name="Group 7">
+            <a:extLst>
+              <a:ext uri="{FF2B5EF4-FFF2-40B4-BE49-F238E27FC236}">
+                <a16:creationId xmlns:a16="http://schemas.microsoft.com/office/drawing/2014/main" id="{B000051F-1ED6-47B7-B24E-942FF28407D8}"/>
+              </a:ext>
+            </a:extLst>
+          </p:cNvPr>
+          <p:cNvGrpSpPr/>
+          <p:nvPr/>
+        </p:nvGrpSpPr>
+        <p:grpSpPr>
+          <a:xfrm>
+            <a:off x="463127" y="318678"/>
+            <a:ext cx="11265745" cy="5920832"/>
+            <a:chOff x="1147308" y="528403"/>
+            <a:chExt cx="11265745" cy="5920832"/>
+          </a:xfrm>
+        </p:grpSpPr>
+        <p:sp>
+          <p:nvSpPr>
+            <p:cNvPr id="2" name="TextBox 1">
+              <a:extLst>
+                <a:ext uri="{FF2B5EF4-FFF2-40B4-BE49-F238E27FC236}">
+                  <a16:creationId xmlns:a16="http://schemas.microsoft.com/office/drawing/2014/main" id="{DFCAA0E4-AD35-4822-9E9C-B0421FA8198D}"/>
+                </a:ext>
+              </a:extLst>
+            </p:cNvPr>
+            <p:cNvSpPr txBox="1"/>
+            <p:nvPr/>
+          </p:nvSpPr>
+          <p:spPr>
+            <a:xfrm>
+              <a:off x="1147308" y="1872207"/>
+              <a:ext cx="8480207" cy="3416320"/>
+            </a:xfrm>
+            <a:prstGeom prst="rect">
+              <a:avLst/>
+            </a:prstGeom>
+            <a:solidFill>
+              <a:schemeClr val="bg2"/>
+            </a:solidFill>
+          </p:spPr>
+          <p:txBody>
+            <a:bodyPr wrap="none" rtlCol="0">
+              <a:spAutoFit/>
+            </a:bodyPr>
+            <a:lstStyle/>
+            <a:p>
+              <a:r>
+                <a:rPr lang="en-US" sz="2400" dirty="0" err="1">
+                  <a:latin typeface="Courier New" panose="02070309020205020404" pitchFamily="49" charset="0"/>
+                  <a:cs typeface="Courier New" panose="02070309020205020404" pitchFamily="49" charset="0"/>
+                </a:rPr>
+                <a:t>makeCookies</a:t>
+              </a:r>
+              <a:r>
+                <a:rPr lang="en-US" sz="2400" dirty="0">
+                  <a:latin typeface="Courier New" panose="02070309020205020404" pitchFamily="49" charset="0"/>
+                  <a:cs typeface="Courier New" panose="02070309020205020404" pitchFamily="49" charset="0"/>
+                </a:rPr>
+                <a:t> &lt;- function( flour, eggs, sugar )</a:t>
+              </a:r>
+            </a:p>
+            <a:p>
+              <a:r>
+                <a:rPr lang="en-US" sz="2400" dirty="0">
+                  <a:latin typeface="Courier New" panose="02070309020205020404" pitchFamily="49" charset="0"/>
+                  <a:cs typeface="Courier New" panose="02070309020205020404" pitchFamily="49" charset="0"/>
+                </a:rPr>
+                <a:t>{</a:t>
+              </a:r>
+            </a:p>
+            <a:p>
+              <a:endParaRPr lang="en-US" sz="2400" dirty="0">
+                <a:latin typeface="Courier New" panose="02070309020205020404" pitchFamily="49" charset="0"/>
+                <a:cs typeface="Courier New" panose="02070309020205020404" pitchFamily="49" charset="0"/>
+              </a:endParaRPr>
+            </a:p>
+            <a:p>
+              <a:r>
+                <a:rPr lang="en-US" sz="2400" dirty="0">
+                  <a:latin typeface="Courier New" panose="02070309020205020404" pitchFamily="49" charset="0"/>
+                  <a:cs typeface="Courier New" panose="02070309020205020404" pitchFamily="49" charset="0"/>
+                </a:rPr>
+                <a:t>   batter &lt;- mix( flour, eggs, sugar )</a:t>
+              </a:r>
+            </a:p>
+            <a:p>
+              <a:r>
+                <a:rPr lang="en-US" sz="2400" dirty="0">
+                  <a:latin typeface="Courier New" panose="02070309020205020404" pitchFamily="49" charset="0"/>
+                  <a:cs typeface="Courier New" panose="02070309020205020404" pitchFamily="49" charset="0"/>
+                </a:rPr>
+                <a:t>   cookies &lt;- bake( batter, temp=400 )</a:t>
+              </a:r>
+            </a:p>
+            <a:p>
+              <a:endParaRPr lang="en-US" sz="2400" dirty="0">
+                <a:latin typeface="Courier New" panose="02070309020205020404" pitchFamily="49" charset="0"/>
+                <a:cs typeface="Courier New" panose="02070309020205020404" pitchFamily="49" charset="0"/>
+              </a:endParaRPr>
+            </a:p>
+            <a:p>
+              <a:r>
+                <a:rPr lang="en-US" sz="2400" dirty="0">
+                  <a:latin typeface="Courier New" panose="02070309020205020404" pitchFamily="49" charset="0"/>
+                  <a:cs typeface="Courier New" panose="02070309020205020404" pitchFamily="49" charset="0"/>
+                </a:rPr>
+                <a:t>   return( cookies )</a:t>
+              </a:r>
+            </a:p>
+            <a:p>
+              <a:endParaRPr lang="en-US" sz="2400" dirty="0">
+                <a:latin typeface="Courier New" panose="02070309020205020404" pitchFamily="49" charset="0"/>
+                <a:cs typeface="Courier New" panose="02070309020205020404" pitchFamily="49" charset="0"/>
+              </a:endParaRPr>
+            </a:p>
+            <a:p>
+              <a:r>
+                <a:rPr lang="en-US" sz="2400" dirty="0">
+                  <a:latin typeface="Courier New" panose="02070309020205020404" pitchFamily="49" charset="0"/>
+                  <a:cs typeface="Courier New" panose="02070309020205020404" pitchFamily="49" charset="0"/>
+                </a:rPr>
+                <a:t>}</a:t>
+              </a:r>
+            </a:p>
+          </p:txBody>
+        </p:sp>
+        <p:cxnSp>
+          <p:nvCxnSpPr>
+            <p:cNvPr id="3" name="Straight Arrow Connector 2">
+              <a:extLst>
+                <a:ext uri="{FF2B5EF4-FFF2-40B4-BE49-F238E27FC236}">
+                  <a16:creationId xmlns:a16="http://schemas.microsoft.com/office/drawing/2014/main" id="{6BA1AE50-08A7-4A6D-BB2A-C57C890EA046}"/>
+                </a:ext>
+              </a:extLst>
+            </p:cNvPr>
+            <p:cNvCxnSpPr>
+              <a:cxnSpLocks/>
+            </p:cNvCxnSpPr>
+            <p:nvPr/>
+          </p:nvCxnSpPr>
+          <p:spPr>
+            <a:xfrm>
+              <a:off x="7256898" y="1297844"/>
+              <a:ext cx="0" cy="416689"/>
+            </a:xfrm>
+            <a:prstGeom prst="straightConnector1">
+              <a:avLst/>
+            </a:prstGeom>
+            <a:ln w="57150">
+              <a:tailEnd type="triangle"/>
+            </a:ln>
+          </p:spPr>
+          <p:style>
+            <a:lnRef idx="1">
+              <a:schemeClr val="accent1"/>
+            </a:lnRef>
+            <a:fillRef idx="0">
+              <a:schemeClr val="accent1"/>
+            </a:fillRef>
+            <a:effectRef idx="0">
+              <a:schemeClr val="accent1"/>
+            </a:effectRef>
+            <a:fontRef idx="minor">
+              <a:schemeClr val="tx1"/>
+            </a:fontRef>
+          </p:style>
+        </p:cxnSp>
+        <p:sp>
+          <p:nvSpPr>
+            <p:cNvPr id="4" name="TextBox 3">
+              <a:extLst>
+                <a:ext uri="{FF2B5EF4-FFF2-40B4-BE49-F238E27FC236}">
+                  <a16:creationId xmlns:a16="http://schemas.microsoft.com/office/drawing/2014/main" id="{32E7582A-DF5F-409C-BCFB-46D92CFC8B73}"/>
+                </a:ext>
+              </a:extLst>
+            </p:cNvPr>
+            <p:cNvSpPr txBox="1"/>
+            <p:nvPr/>
+          </p:nvSpPr>
+          <p:spPr>
+            <a:xfrm>
+              <a:off x="6047336" y="528403"/>
+              <a:ext cx="6365717" cy="769441"/>
+            </a:xfrm>
+            <a:prstGeom prst="rect">
+              <a:avLst/>
+            </a:prstGeom>
+            <a:noFill/>
+          </p:spPr>
+          <p:txBody>
+            <a:bodyPr wrap="none" rtlCol="0">
+              <a:spAutoFit/>
+            </a:bodyPr>
+            <a:lstStyle/>
+            <a:p>
+              <a:r>
+                <a:rPr lang="en-US" sz="4400" dirty="0">
+                  <a:solidFill>
+                    <a:schemeClr val="accent1"/>
+                  </a:solidFill>
+                </a:rPr>
+                <a:t>arguments (function input)</a:t>
+              </a:r>
+            </a:p>
+          </p:txBody>
+        </p:sp>
+        <p:cxnSp>
+          <p:nvCxnSpPr>
+            <p:cNvPr id="14" name="Straight Arrow Connector 13">
+              <a:extLst>
+                <a:ext uri="{FF2B5EF4-FFF2-40B4-BE49-F238E27FC236}">
+                  <a16:creationId xmlns:a16="http://schemas.microsoft.com/office/drawing/2014/main" id="{7DA17136-C6E5-4B94-AAC5-AAC6BC579465}"/>
+                </a:ext>
+              </a:extLst>
+            </p:cNvPr>
+            <p:cNvCxnSpPr>
+              <a:cxnSpLocks/>
+              <a:stCxn id="15" idx="1"/>
+            </p:cNvCxnSpPr>
+            <p:nvPr/>
+          </p:nvCxnSpPr>
+          <p:spPr>
+            <a:xfrm flipH="1" flipV="1">
+              <a:off x="3830053" y="4588778"/>
+              <a:ext cx="1000849" cy="1475737"/>
+            </a:xfrm>
+            <a:prstGeom prst="straightConnector1">
+              <a:avLst/>
+            </a:prstGeom>
+            <a:ln w="57150">
+              <a:tailEnd type="triangle"/>
+            </a:ln>
+          </p:spPr>
+          <p:style>
+            <a:lnRef idx="1">
+              <a:schemeClr val="accent1"/>
+            </a:lnRef>
+            <a:fillRef idx="0">
+              <a:schemeClr val="accent1"/>
+            </a:fillRef>
+            <a:effectRef idx="0">
+              <a:schemeClr val="accent1"/>
+            </a:effectRef>
+            <a:fontRef idx="minor">
+              <a:schemeClr val="tx1"/>
+            </a:fontRef>
+          </p:style>
+        </p:cxnSp>
+        <p:sp>
+          <p:nvSpPr>
+            <p:cNvPr id="15" name="TextBox 14">
+              <a:extLst>
+                <a:ext uri="{FF2B5EF4-FFF2-40B4-BE49-F238E27FC236}">
+                  <a16:creationId xmlns:a16="http://schemas.microsoft.com/office/drawing/2014/main" id="{32CE08CF-E4BC-4845-A525-E69A320DA769}"/>
+                </a:ext>
+              </a:extLst>
+            </p:cNvPr>
+            <p:cNvSpPr txBox="1"/>
+            <p:nvPr/>
+          </p:nvSpPr>
+          <p:spPr>
+            <a:xfrm>
+              <a:off x="4830902" y="5679794"/>
+              <a:ext cx="7066871" cy="769441"/>
+            </a:xfrm>
+            <a:prstGeom prst="rect">
+              <a:avLst/>
+            </a:prstGeom>
+            <a:noFill/>
+          </p:spPr>
+          <p:txBody>
+            <a:bodyPr wrap="none" rtlCol="0">
+              <a:spAutoFit/>
+            </a:bodyPr>
+            <a:lstStyle/>
+            <a:p>
+              <a:r>
+                <a:rPr lang="en-US" sz="4400" dirty="0">
+                  <a:solidFill>
+                    <a:schemeClr val="accent1"/>
+                  </a:solidFill>
+                </a:rPr>
+                <a:t>return value (function output)</a:t>
+              </a:r>
+            </a:p>
+          </p:txBody>
+        </p:sp>
+        <p:sp>
+          <p:nvSpPr>
+            <p:cNvPr id="23" name="Right Brace 22">
+              <a:extLst>
+                <a:ext uri="{FF2B5EF4-FFF2-40B4-BE49-F238E27FC236}">
+                  <a16:creationId xmlns:a16="http://schemas.microsoft.com/office/drawing/2014/main" id="{35BB4A4B-B57E-4B0A-9033-9992F9B273F5}"/>
+                </a:ext>
+              </a:extLst>
+            </p:cNvPr>
+            <p:cNvSpPr/>
+            <p:nvPr/>
+          </p:nvSpPr>
+          <p:spPr>
+            <a:xfrm>
+              <a:off x="8406709" y="3032915"/>
+              <a:ext cx="625033" cy="769441"/>
+            </a:xfrm>
+            <a:prstGeom prst="rightBrace">
+              <a:avLst/>
+            </a:prstGeom>
+            <a:ln w="31750"/>
+          </p:spPr>
+          <p:style>
+            <a:lnRef idx="1">
+              <a:schemeClr val="accent1"/>
+            </a:lnRef>
+            <a:fillRef idx="0">
+              <a:schemeClr val="accent1"/>
+            </a:fillRef>
+            <a:effectRef idx="0">
+              <a:schemeClr val="accent1"/>
+            </a:effectRef>
+            <a:fontRef idx="minor">
+              <a:schemeClr val="tx1"/>
+            </a:fontRef>
+          </p:style>
+          <p:txBody>
+            <a:bodyPr rtlCol="0" anchor="ctr"/>
+            <a:lstStyle/>
+            <a:p>
+              <a:pPr algn="ctr"/>
+              <a:endParaRPr lang="en-US"/>
+            </a:p>
+          </p:txBody>
+        </p:sp>
+        <p:sp>
+          <p:nvSpPr>
+            <p:cNvPr id="24" name="TextBox 23">
+              <a:extLst>
+                <a:ext uri="{FF2B5EF4-FFF2-40B4-BE49-F238E27FC236}">
+                  <a16:creationId xmlns:a16="http://schemas.microsoft.com/office/drawing/2014/main" id="{09C52735-5D0A-4CF0-8B91-F41C5E9BCA6C}"/>
+                </a:ext>
+              </a:extLst>
+            </p:cNvPr>
+            <p:cNvSpPr txBox="1"/>
+            <p:nvPr/>
+          </p:nvSpPr>
+          <p:spPr>
+            <a:xfrm>
+              <a:off x="9095228" y="2983075"/>
+              <a:ext cx="2062359" cy="769441"/>
+            </a:xfrm>
+            <a:prstGeom prst="rect">
+              <a:avLst/>
+            </a:prstGeom>
+            <a:noFill/>
+          </p:spPr>
+          <p:txBody>
+            <a:bodyPr wrap="none" rtlCol="0">
+              <a:spAutoFit/>
+            </a:bodyPr>
+            <a:lstStyle/>
+            <a:p>
+              <a:r>
+                <a:rPr lang="en-US" sz="4400" dirty="0">
+                  <a:solidFill>
+                    <a:schemeClr val="accent1"/>
+                  </a:solidFill>
+                </a:rPr>
+                <a:t>“recipe”</a:t>
+              </a:r>
+            </a:p>
+          </p:txBody>
+        </p:sp>
+        <p:cxnSp>
+          <p:nvCxnSpPr>
+            <p:cNvPr id="16" name="Straight Arrow Connector 15">
+              <a:extLst>
+                <a:ext uri="{FF2B5EF4-FFF2-40B4-BE49-F238E27FC236}">
+                  <a16:creationId xmlns:a16="http://schemas.microsoft.com/office/drawing/2014/main" id="{E3B3D89F-52AF-4BAB-A457-0E07269B87D4}"/>
+                </a:ext>
+              </a:extLst>
+            </p:cNvPr>
+            <p:cNvCxnSpPr>
+              <a:cxnSpLocks/>
+            </p:cNvCxnSpPr>
+            <p:nvPr/>
+          </p:nvCxnSpPr>
+          <p:spPr>
+            <a:xfrm>
+              <a:off x="6306938" y="1297844"/>
+              <a:ext cx="0" cy="416689"/>
+            </a:xfrm>
+            <a:prstGeom prst="straightConnector1">
+              <a:avLst/>
+            </a:prstGeom>
+            <a:ln w="57150">
+              <a:tailEnd type="triangle"/>
+            </a:ln>
+          </p:spPr>
+          <p:style>
+            <a:lnRef idx="1">
+              <a:schemeClr val="accent1"/>
+            </a:lnRef>
+            <a:fillRef idx="0">
+              <a:schemeClr val="accent1"/>
+            </a:fillRef>
+            <a:effectRef idx="0">
+              <a:schemeClr val="accent1"/>
+            </a:effectRef>
+            <a:fontRef idx="minor">
+              <a:schemeClr val="tx1"/>
+            </a:fontRef>
+          </p:style>
+        </p:cxnSp>
+        <p:cxnSp>
+          <p:nvCxnSpPr>
+            <p:cNvPr id="17" name="Straight Arrow Connector 16">
+              <a:extLst>
+                <a:ext uri="{FF2B5EF4-FFF2-40B4-BE49-F238E27FC236}">
+                  <a16:creationId xmlns:a16="http://schemas.microsoft.com/office/drawing/2014/main" id="{4A079D2C-20E5-418D-B574-7E30061853A2}"/>
+                </a:ext>
+              </a:extLst>
+            </p:cNvPr>
+            <p:cNvCxnSpPr>
+              <a:cxnSpLocks/>
+            </p:cNvCxnSpPr>
+            <p:nvPr/>
+          </p:nvCxnSpPr>
+          <p:spPr>
+            <a:xfrm>
+              <a:off x="8364338" y="1297844"/>
+              <a:ext cx="0" cy="416689"/>
+            </a:xfrm>
+            <a:prstGeom prst="straightConnector1">
+              <a:avLst/>
+            </a:prstGeom>
+            <a:ln w="57150">
+              <a:tailEnd type="triangle"/>
+            </a:ln>
+          </p:spPr>
+          <p:style>
+            <a:lnRef idx="1">
+              <a:schemeClr val="accent1"/>
+            </a:lnRef>
+            <a:fillRef idx="0">
+              <a:schemeClr val="accent1"/>
+            </a:fillRef>
+            <a:effectRef idx="0">
+              <a:schemeClr val="accent1"/>
+            </a:effectRef>
+            <a:fontRef idx="minor">
+              <a:schemeClr val="tx1"/>
+            </a:fontRef>
+          </p:style>
+        </p:cxnSp>
+      </p:grpSp>
+    </p:spTree>
+    <p:extLst>
+      <p:ext uri="{BB962C8B-B14F-4D97-AF65-F5344CB8AC3E}">
+        <p14:creationId xmlns:p14="http://schemas.microsoft.com/office/powerpoint/2010/main" val="861418735"/>
+      </p:ext>
+    </p:extLst>
+  </p:cSld>
+  <p:clrMapOvr>
+    <a:masterClrMapping/>
+  </p:clrMapOvr>
+</p:sld>
+</file>
+
+<file path=ppt/slides/slide30.xml><?xml version="1.0" encoding="utf-8"?>
+<p:sld xmlns:a="http://schemas.openxmlformats.org/drawingml/2006/main" xmlns:r="http://schemas.openxmlformats.org/officeDocument/2006/relationships" xmlns:p="http://schemas.openxmlformats.org/presentationml/2006/main">
+  <p:cSld>
+    <p:spTree>
+      <p:nvGrpSpPr>
+        <p:cNvPr id="1" name=""/>
+        <p:cNvGrpSpPr/>
+        <p:nvPr/>
+      </p:nvGrpSpPr>
+      <p:grpSpPr>
+        <a:xfrm>
+          <a:off x="0" y="0"/>
+          <a:ext cx="0" cy="0"/>
+          <a:chOff x="0" y="0"/>
+          <a:chExt cx="0" cy="0"/>
+        </a:xfrm>
+      </p:grpSpPr>
+      <p:grpSp>
+        <p:nvGrpSpPr>
+          <p:cNvPr id="71" name="Group 70">
+            <a:extLst>
+              <a:ext uri="{FF2B5EF4-FFF2-40B4-BE49-F238E27FC236}">
+                <a16:creationId xmlns:a16="http://schemas.microsoft.com/office/drawing/2014/main" id="{A1C60C78-B9C7-4A1F-BE35-CEE1D88EF998}"/>
+              </a:ext>
+            </a:extLst>
+          </p:cNvPr>
+          <p:cNvGrpSpPr/>
+          <p:nvPr/>
+        </p:nvGrpSpPr>
+        <p:grpSpPr>
+          <a:xfrm>
+            <a:off x="1802040" y="406883"/>
+            <a:ext cx="7492962" cy="1745247"/>
+            <a:chOff x="1802040" y="406883"/>
+            <a:chExt cx="7492962" cy="1745247"/>
+          </a:xfrm>
+        </p:grpSpPr>
+        <p:sp>
+          <p:nvSpPr>
+            <p:cNvPr id="4" name="TextBox 3">
+              <a:extLst>
+                <a:ext uri="{FF2B5EF4-FFF2-40B4-BE49-F238E27FC236}">
+                  <a16:creationId xmlns:a16="http://schemas.microsoft.com/office/drawing/2014/main" id="{B86C9F1C-1FC3-4BB9-BC9E-AFD23F8D9B8C}"/>
+                </a:ext>
+              </a:extLst>
+            </p:cNvPr>
+            <p:cNvSpPr txBox="1"/>
+            <p:nvPr/>
+          </p:nvSpPr>
+          <p:spPr>
+            <a:xfrm>
+              <a:off x="1802040" y="902855"/>
+              <a:ext cx="4044697" cy="1200329"/>
+            </a:xfrm>
+            <a:prstGeom prst="rect">
+              <a:avLst/>
+            </a:prstGeom>
+            <a:noFill/>
+          </p:spPr>
+          <p:txBody>
+            <a:bodyPr wrap="none" rtlCol="0">
+              <a:spAutoFit/>
+            </a:bodyPr>
+            <a:lstStyle/>
+            <a:p>
+              <a:endParaRPr lang="en-US" dirty="0">
+                <a:latin typeface="Courier New" panose="02070309020205020404" pitchFamily="49" charset="0"/>
+                <a:cs typeface="Courier New" panose="02070309020205020404" pitchFamily="49" charset="0"/>
+              </a:endParaRPr>
+            </a:p>
+            <a:p>
+              <a:r>
+                <a:rPr lang="en-US" dirty="0">
+                  <a:latin typeface="Courier New" panose="02070309020205020404" pitchFamily="49" charset="0"/>
+                  <a:cs typeface="Courier New" panose="02070309020205020404" pitchFamily="49" charset="0"/>
+                </a:rPr>
+                <a:t>   </a:t>
+              </a:r>
+            </a:p>
+            <a:p>
+              <a:endParaRPr lang="en-US" dirty="0">
+                <a:latin typeface="Courier New" panose="02070309020205020404" pitchFamily="49" charset="0"/>
+                <a:cs typeface="Courier New" panose="02070309020205020404" pitchFamily="49" charset="0"/>
+              </a:endParaRPr>
+            </a:p>
+            <a:p>
+              <a:r>
+                <a:rPr lang="en-US" b="1" dirty="0">
+                  <a:latin typeface="Courier New" panose="02070309020205020404" pitchFamily="49" charset="0"/>
+                  <a:cs typeface="Courier New" panose="02070309020205020404" pitchFamily="49" charset="0"/>
+                </a:rPr>
+                <a:t>function</a:t>
+              </a:r>
+              <a:r>
+                <a:rPr lang="en-US" dirty="0">
+                  <a:latin typeface="Courier New" panose="02070309020205020404" pitchFamily="49" charset="0"/>
+                  <a:cs typeface="Courier New" panose="02070309020205020404" pitchFamily="49" charset="0"/>
+                </a:rPr>
+                <a:t>(      , </a:t>
+              </a:r>
+              <a:r>
+                <a:rPr lang="en-US" b="1" dirty="0">
+                  <a:latin typeface="Courier New" panose="02070309020205020404" pitchFamily="49" charset="0"/>
+                  <a:cs typeface="Courier New" panose="02070309020205020404" pitchFamily="49" charset="0"/>
+                </a:rPr>
+                <a:t>arguments</a:t>
+              </a:r>
+              <a:r>
+                <a:rPr lang="en-US" dirty="0">
+                  <a:latin typeface="Courier New" panose="02070309020205020404" pitchFamily="49" charset="0"/>
+                  <a:cs typeface="Courier New" panose="02070309020205020404" pitchFamily="49" charset="0"/>
+                </a:rPr>
+                <a:t> )</a:t>
+              </a:r>
+            </a:p>
+          </p:txBody>
+        </p:sp>
+        <p:grpSp>
+          <p:nvGrpSpPr>
+            <p:cNvPr id="5" name="Group 4">
+              <a:extLst>
+                <a:ext uri="{FF2B5EF4-FFF2-40B4-BE49-F238E27FC236}">
+                  <a16:creationId xmlns:a16="http://schemas.microsoft.com/office/drawing/2014/main" id="{CBC3FA1E-0840-46BC-B371-DB40271367C9}"/>
+                </a:ext>
+              </a:extLst>
+            </p:cNvPr>
+            <p:cNvGrpSpPr/>
+            <p:nvPr/>
+          </p:nvGrpSpPr>
+          <p:grpSpPr>
+            <a:xfrm>
+              <a:off x="3329709" y="1585948"/>
+              <a:ext cx="503382" cy="517236"/>
+              <a:chOff x="2152073" y="1828800"/>
+              <a:chExt cx="1371600" cy="1371600"/>
+            </a:xfrm>
+          </p:grpSpPr>
+          <p:sp>
+            <p:nvSpPr>
+              <p:cNvPr id="6" name="Oval 5">
+                <a:extLst>
+                  <a:ext uri="{FF2B5EF4-FFF2-40B4-BE49-F238E27FC236}">
+                    <a16:creationId xmlns:a16="http://schemas.microsoft.com/office/drawing/2014/main" id="{62155DA0-CBF7-45E2-81D7-08673927CABB}"/>
+                  </a:ext>
+                </a:extLst>
+              </p:cNvPr>
+              <p:cNvSpPr/>
+              <p:nvPr/>
+            </p:nvSpPr>
+            <p:spPr>
+              <a:xfrm>
+                <a:off x="2152073" y="1828800"/>
+                <a:ext cx="1371600" cy="1371600"/>
+              </a:xfrm>
+              <a:prstGeom prst="ellipse">
+                <a:avLst/>
+              </a:prstGeom>
+              <a:solidFill>
+                <a:schemeClr val="accent1">
+                  <a:lumMod val="75000"/>
+                </a:schemeClr>
+              </a:solidFill>
+            </p:spPr>
+            <p:style>
+              <a:lnRef idx="2">
+                <a:schemeClr val="accent1">
+                  <a:shade val="50000"/>
+                </a:schemeClr>
+              </a:lnRef>
+              <a:fillRef idx="1">
+                <a:schemeClr val="accent1"/>
+              </a:fillRef>
+              <a:effectRef idx="0">
+                <a:schemeClr val="accent1"/>
+              </a:effectRef>
+              <a:fontRef idx="minor">
+                <a:schemeClr val="lt1"/>
+              </a:fontRef>
+            </p:style>
+            <p:txBody>
+              <a:bodyPr rtlCol="0" anchor="ctr"/>
+              <a:lstStyle/>
+              <a:p>
+                <a:pPr algn="ctr"/>
+                <a:endParaRPr lang="en-US" dirty="0"/>
+              </a:p>
+            </p:txBody>
+          </p:sp>
+          <p:grpSp>
+            <p:nvGrpSpPr>
+              <p:cNvPr id="7" name="Group 6">
+                <a:extLst>
+                  <a:ext uri="{FF2B5EF4-FFF2-40B4-BE49-F238E27FC236}">
+                    <a16:creationId xmlns:a16="http://schemas.microsoft.com/office/drawing/2014/main" id="{6C2CCB3B-22D7-4938-952D-A22AB6E2576F}"/>
+                  </a:ext>
+                </a:extLst>
+              </p:cNvPr>
+              <p:cNvGrpSpPr/>
+              <p:nvPr/>
+            </p:nvGrpSpPr>
+            <p:grpSpPr>
+              <a:xfrm>
+                <a:off x="2419928" y="2103120"/>
+                <a:ext cx="835890" cy="822960"/>
+                <a:chOff x="4789982" y="1539240"/>
+                <a:chExt cx="835890" cy="822960"/>
+              </a:xfrm>
+            </p:grpSpPr>
+            <p:sp>
+              <p:nvSpPr>
+                <p:cNvPr id="8" name="Rectangle 7">
+                  <a:extLst>
+                    <a:ext uri="{FF2B5EF4-FFF2-40B4-BE49-F238E27FC236}">
+                      <a16:creationId xmlns:a16="http://schemas.microsoft.com/office/drawing/2014/main" id="{EED59A3B-5693-4671-8D16-2F829CC52EF1}"/>
+                    </a:ext>
+                  </a:extLst>
+                </p:cNvPr>
+                <p:cNvSpPr/>
+                <p:nvPr/>
+              </p:nvSpPr>
+              <p:spPr>
+                <a:xfrm>
+                  <a:off x="4789982" y="1539240"/>
+                  <a:ext cx="274320" cy="274320"/>
+                </a:xfrm>
+                <a:prstGeom prst="rect">
+                  <a:avLst/>
+                </a:prstGeom>
+                <a:noFill/>
+                <a:ln w="25400">
+                  <a:solidFill>
+                    <a:schemeClr val="bg2">
+                      <a:lumMod val="90000"/>
+                    </a:schemeClr>
+                  </a:solidFill>
+                </a:ln>
+              </p:spPr>
+              <p:style>
+                <a:lnRef idx="2">
+                  <a:schemeClr val="accent1">
+                    <a:shade val="50000"/>
+                  </a:schemeClr>
+                </a:lnRef>
+                <a:fillRef idx="1">
+                  <a:schemeClr val="accent1"/>
+                </a:fillRef>
+                <a:effectRef idx="0">
+                  <a:schemeClr val="accent1"/>
+                </a:effectRef>
+                <a:fontRef idx="minor">
+                  <a:schemeClr val="lt1"/>
+                </a:fontRef>
+              </p:style>
+              <p:txBody>
+                <a:bodyPr rtlCol="0" anchor="ctr"/>
+                <a:lstStyle/>
+                <a:p>
+                  <a:pPr algn="ctr"/>
+                  <a:endParaRPr lang="en-US" dirty="0"/>
+                </a:p>
+              </p:txBody>
+            </p:sp>
+            <p:sp>
+              <p:nvSpPr>
+                <p:cNvPr id="9" name="Rectangle 8">
+                  <a:extLst>
+                    <a:ext uri="{FF2B5EF4-FFF2-40B4-BE49-F238E27FC236}">
+                      <a16:creationId xmlns:a16="http://schemas.microsoft.com/office/drawing/2014/main" id="{82F0F943-59B0-4FBF-B840-56EED2E94CDE}"/>
+                    </a:ext>
+                  </a:extLst>
+                </p:cNvPr>
+                <p:cNvSpPr/>
+                <p:nvPr/>
+              </p:nvSpPr>
+              <p:spPr>
+                <a:xfrm>
+                  <a:off x="5067534" y="1539240"/>
+                  <a:ext cx="274320" cy="274320"/>
+                </a:xfrm>
+                <a:prstGeom prst="rect">
+                  <a:avLst/>
+                </a:prstGeom>
+                <a:noFill/>
+                <a:ln w="25400">
+                  <a:solidFill>
+                    <a:schemeClr val="bg2">
+                      <a:lumMod val="90000"/>
+                    </a:schemeClr>
+                  </a:solidFill>
+                </a:ln>
+              </p:spPr>
+              <p:style>
+                <a:lnRef idx="2">
+                  <a:schemeClr val="accent1">
+                    <a:shade val="50000"/>
+                  </a:schemeClr>
+                </a:lnRef>
+                <a:fillRef idx="1">
+                  <a:schemeClr val="accent1"/>
+                </a:fillRef>
+                <a:effectRef idx="0">
+                  <a:schemeClr val="accent1"/>
+                </a:effectRef>
+                <a:fontRef idx="minor">
+                  <a:schemeClr val="lt1"/>
+                </a:fontRef>
+              </p:style>
+              <p:txBody>
+                <a:bodyPr rtlCol="0" anchor="ctr"/>
+                <a:lstStyle/>
+                <a:p>
+                  <a:pPr algn="ctr"/>
+                  <a:endParaRPr lang="en-US" dirty="0"/>
+                </a:p>
+              </p:txBody>
+            </p:sp>
+            <p:sp>
+              <p:nvSpPr>
+                <p:cNvPr id="10" name="Rectangle 9">
+                  <a:extLst>
+                    <a:ext uri="{FF2B5EF4-FFF2-40B4-BE49-F238E27FC236}">
+                      <a16:creationId xmlns:a16="http://schemas.microsoft.com/office/drawing/2014/main" id="{AD0EB3E1-C93C-415A-998A-BF5336EC2026}"/>
+                    </a:ext>
+                  </a:extLst>
+                </p:cNvPr>
+                <p:cNvSpPr/>
+                <p:nvPr/>
+              </p:nvSpPr>
+              <p:spPr>
+                <a:xfrm>
+                  <a:off x="5351552" y="1539240"/>
+                  <a:ext cx="274320" cy="274320"/>
+                </a:xfrm>
+                <a:prstGeom prst="rect">
+                  <a:avLst/>
+                </a:prstGeom>
+                <a:noFill/>
+                <a:ln w="25400">
+                  <a:solidFill>
+                    <a:schemeClr val="bg2">
+                      <a:lumMod val="90000"/>
+                    </a:schemeClr>
+                  </a:solidFill>
+                </a:ln>
+              </p:spPr>
+              <p:style>
+                <a:lnRef idx="2">
+                  <a:schemeClr val="accent1">
+                    <a:shade val="50000"/>
+                  </a:schemeClr>
+                </a:lnRef>
+                <a:fillRef idx="1">
+                  <a:schemeClr val="accent1"/>
+                </a:fillRef>
+                <a:effectRef idx="0">
+                  <a:schemeClr val="accent1"/>
+                </a:effectRef>
+                <a:fontRef idx="minor">
+                  <a:schemeClr val="lt1"/>
+                </a:fontRef>
+              </p:style>
+              <p:txBody>
+                <a:bodyPr rtlCol="0" anchor="ctr"/>
+                <a:lstStyle/>
+                <a:p>
+                  <a:pPr algn="ctr"/>
+                  <a:endParaRPr lang="en-US" dirty="0"/>
+                </a:p>
+              </p:txBody>
+            </p:sp>
+            <p:sp>
+              <p:nvSpPr>
+                <p:cNvPr id="11" name="Rectangle 10">
+                  <a:extLst>
+                    <a:ext uri="{FF2B5EF4-FFF2-40B4-BE49-F238E27FC236}">
+                      <a16:creationId xmlns:a16="http://schemas.microsoft.com/office/drawing/2014/main" id="{DBCE1C26-A4A2-4618-BBEC-D06E56DC8CA6}"/>
+                    </a:ext>
+                  </a:extLst>
+                </p:cNvPr>
+                <p:cNvSpPr/>
+                <p:nvPr/>
+              </p:nvSpPr>
+              <p:spPr>
+                <a:xfrm>
+                  <a:off x="4789982" y="1813560"/>
+                  <a:ext cx="274320" cy="274320"/>
+                </a:xfrm>
+                <a:prstGeom prst="rect">
+                  <a:avLst/>
+                </a:prstGeom>
+                <a:noFill/>
+                <a:ln w="25400">
+                  <a:solidFill>
+                    <a:schemeClr val="bg2">
+                      <a:lumMod val="90000"/>
+                    </a:schemeClr>
+                  </a:solidFill>
+                </a:ln>
+              </p:spPr>
+              <p:style>
+                <a:lnRef idx="2">
+                  <a:schemeClr val="accent1">
+                    <a:shade val="50000"/>
+                  </a:schemeClr>
+                </a:lnRef>
+                <a:fillRef idx="1">
+                  <a:schemeClr val="accent1"/>
+                </a:fillRef>
+                <a:effectRef idx="0">
+                  <a:schemeClr val="accent1"/>
+                </a:effectRef>
+                <a:fontRef idx="minor">
+                  <a:schemeClr val="lt1"/>
+                </a:fontRef>
+              </p:style>
+              <p:txBody>
+                <a:bodyPr rtlCol="0" anchor="ctr"/>
+                <a:lstStyle/>
+                <a:p>
+                  <a:pPr algn="ctr"/>
+                  <a:endParaRPr lang="en-US" dirty="0"/>
+                </a:p>
+              </p:txBody>
+            </p:sp>
+            <p:sp>
+              <p:nvSpPr>
+                <p:cNvPr id="12" name="Rectangle 11">
+                  <a:extLst>
+                    <a:ext uri="{FF2B5EF4-FFF2-40B4-BE49-F238E27FC236}">
+                      <a16:creationId xmlns:a16="http://schemas.microsoft.com/office/drawing/2014/main" id="{1B79E8BF-8D63-409E-B657-28EFF746F50D}"/>
+                    </a:ext>
+                  </a:extLst>
+                </p:cNvPr>
+                <p:cNvSpPr/>
+                <p:nvPr/>
+              </p:nvSpPr>
+              <p:spPr>
+                <a:xfrm>
+                  <a:off x="5067534" y="1813560"/>
+                  <a:ext cx="274320" cy="274320"/>
+                </a:xfrm>
+                <a:prstGeom prst="rect">
+                  <a:avLst/>
+                </a:prstGeom>
+                <a:noFill/>
+                <a:ln w="25400">
+                  <a:solidFill>
+                    <a:schemeClr val="bg2">
+                      <a:lumMod val="90000"/>
+                    </a:schemeClr>
+                  </a:solidFill>
+                </a:ln>
+              </p:spPr>
+              <p:style>
+                <a:lnRef idx="2">
+                  <a:schemeClr val="accent1">
+                    <a:shade val="50000"/>
+                  </a:schemeClr>
+                </a:lnRef>
+                <a:fillRef idx="1">
+                  <a:schemeClr val="accent1"/>
+                </a:fillRef>
+                <a:effectRef idx="0">
+                  <a:schemeClr val="accent1"/>
+                </a:effectRef>
+                <a:fontRef idx="minor">
+                  <a:schemeClr val="lt1"/>
+                </a:fontRef>
+              </p:style>
+              <p:txBody>
+                <a:bodyPr rtlCol="0" anchor="ctr"/>
+                <a:lstStyle/>
+                <a:p>
+                  <a:pPr algn="ctr"/>
+                  <a:endParaRPr lang="en-US" dirty="0"/>
+                </a:p>
+              </p:txBody>
+            </p:sp>
+            <p:sp>
+              <p:nvSpPr>
+                <p:cNvPr id="13" name="Rectangle 12">
+                  <a:extLst>
+                    <a:ext uri="{FF2B5EF4-FFF2-40B4-BE49-F238E27FC236}">
+                      <a16:creationId xmlns:a16="http://schemas.microsoft.com/office/drawing/2014/main" id="{CD65678B-ADD5-4E48-849E-FF381DDD10C0}"/>
+                    </a:ext>
+                  </a:extLst>
+                </p:cNvPr>
+                <p:cNvSpPr/>
+                <p:nvPr/>
+              </p:nvSpPr>
+              <p:spPr>
+                <a:xfrm>
+                  <a:off x="5351552" y="1813560"/>
+                  <a:ext cx="274320" cy="274320"/>
+                </a:xfrm>
+                <a:prstGeom prst="rect">
+                  <a:avLst/>
+                </a:prstGeom>
+                <a:noFill/>
+                <a:ln w="25400">
+                  <a:solidFill>
+                    <a:schemeClr val="bg2">
+                      <a:lumMod val="90000"/>
+                    </a:schemeClr>
+                  </a:solidFill>
+                </a:ln>
+              </p:spPr>
+              <p:style>
+                <a:lnRef idx="2">
+                  <a:schemeClr val="accent1">
+                    <a:shade val="50000"/>
+                  </a:schemeClr>
+                </a:lnRef>
+                <a:fillRef idx="1">
+                  <a:schemeClr val="accent1"/>
+                </a:fillRef>
+                <a:effectRef idx="0">
+                  <a:schemeClr val="accent1"/>
+                </a:effectRef>
+                <a:fontRef idx="minor">
+                  <a:schemeClr val="lt1"/>
+                </a:fontRef>
+              </p:style>
+              <p:txBody>
+                <a:bodyPr rtlCol="0" anchor="ctr"/>
+                <a:lstStyle/>
+                <a:p>
+                  <a:pPr algn="ctr"/>
+                  <a:endParaRPr lang="en-US" dirty="0"/>
+                </a:p>
+              </p:txBody>
+            </p:sp>
+            <p:sp>
+              <p:nvSpPr>
+                <p:cNvPr id="14" name="Rectangle 13">
+                  <a:extLst>
+                    <a:ext uri="{FF2B5EF4-FFF2-40B4-BE49-F238E27FC236}">
+                      <a16:creationId xmlns:a16="http://schemas.microsoft.com/office/drawing/2014/main" id="{097C99A0-6DB7-44F0-86AE-59477259E2CA}"/>
+                    </a:ext>
+                  </a:extLst>
+                </p:cNvPr>
+                <p:cNvSpPr/>
+                <p:nvPr/>
+              </p:nvSpPr>
+              <p:spPr>
+                <a:xfrm>
+                  <a:off x="4789982" y="2087880"/>
+                  <a:ext cx="274320" cy="274320"/>
+                </a:xfrm>
+                <a:prstGeom prst="rect">
+                  <a:avLst/>
+                </a:prstGeom>
+                <a:noFill/>
+                <a:ln w="25400">
+                  <a:solidFill>
+                    <a:schemeClr val="bg2">
+                      <a:lumMod val="90000"/>
+                    </a:schemeClr>
+                  </a:solidFill>
+                </a:ln>
+              </p:spPr>
+              <p:style>
+                <a:lnRef idx="2">
+                  <a:schemeClr val="accent1">
+                    <a:shade val="50000"/>
+                  </a:schemeClr>
+                </a:lnRef>
+                <a:fillRef idx="1">
+                  <a:schemeClr val="accent1"/>
+                </a:fillRef>
+                <a:effectRef idx="0">
+                  <a:schemeClr val="accent1"/>
+                </a:effectRef>
+                <a:fontRef idx="minor">
+                  <a:schemeClr val="lt1"/>
+                </a:fontRef>
+              </p:style>
+              <p:txBody>
+                <a:bodyPr rtlCol="0" anchor="ctr"/>
+                <a:lstStyle/>
+                <a:p>
+                  <a:pPr algn="ctr"/>
+                  <a:endParaRPr lang="en-US" dirty="0"/>
+                </a:p>
+              </p:txBody>
+            </p:sp>
+            <p:sp>
+              <p:nvSpPr>
+                <p:cNvPr id="15" name="Rectangle 14">
+                  <a:extLst>
+                    <a:ext uri="{FF2B5EF4-FFF2-40B4-BE49-F238E27FC236}">
+                      <a16:creationId xmlns:a16="http://schemas.microsoft.com/office/drawing/2014/main" id="{3863A167-088C-4360-ABA8-8979F47C9FCD}"/>
+                    </a:ext>
+                  </a:extLst>
+                </p:cNvPr>
+                <p:cNvSpPr/>
+                <p:nvPr/>
+              </p:nvSpPr>
+              <p:spPr>
+                <a:xfrm>
+                  <a:off x="5067534" y="2087880"/>
+                  <a:ext cx="274320" cy="274320"/>
+                </a:xfrm>
+                <a:prstGeom prst="rect">
+                  <a:avLst/>
+                </a:prstGeom>
+                <a:noFill/>
+                <a:ln w="25400">
+                  <a:solidFill>
+                    <a:schemeClr val="bg2">
+                      <a:lumMod val="90000"/>
+                    </a:schemeClr>
+                  </a:solidFill>
+                </a:ln>
+              </p:spPr>
+              <p:style>
+                <a:lnRef idx="2">
+                  <a:schemeClr val="accent1">
+                    <a:shade val="50000"/>
+                  </a:schemeClr>
+                </a:lnRef>
+                <a:fillRef idx="1">
+                  <a:schemeClr val="accent1"/>
+                </a:fillRef>
+                <a:effectRef idx="0">
+                  <a:schemeClr val="accent1"/>
+                </a:effectRef>
+                <a:fontRef idx="minor">
+                  <a:schemeClr val="lt1"/>
+                </a:fontRef>
+              </p:style>
+              <p:txBody>
+                <a:bodyPr rtlCol="0" anchor="ctr"/>
+                <a:lstStyle/>
+                <a:p>
+                  <a:pPr algn="ctr"/>
+                  <a:endParaRPr lang="en-US" dirty="0"/>
+                </a:p>
+              </p:txBody>
+            </p:sp>
+            <p:sp>
+              <p:nvSpPr>
+                <p:cNvPr id="16" name="Rectangle 15">
+                  <a:extLst>
+                    <a:ext uri="{FF2B5EF4-FFF2-40B4-BE49-F238E27FC236}">
+                      <a16:creationId xmlns:a16="http://schemas.microsoft.com/office/drawing/2014/main" id="{6F47A176-6A52-423E-8228-A6A1F4A55AE9}"/>
+                    </a:ext>
+                  </a:extLst>
+                </p:cNvPr>
+                <p:cNvSpPr/>
+                <p:nvPr/>
+              </p:nvSpPr>
+              <p:spPr>
+                <a:xfrm>
+                  <a:off x="5351552" y="2087880"/>
+                  <a:ext cx="274320" cy="274320"/>
+                </a:xfrm>
+                <a:prstGeom prst="rect">
+                  <a:avLst/>
+                </a:prstGeom>
+                <a:noFill/>
+                <a:ln w="25400">
+                  <a:solidFill>
+                    <a:schemeClr val="bg2">
+                      <a:lumMod val="90000"/>
+                    </a:schemeClr>
+                  </a:solidFill>
+                </a:ln>
+              </p:spPr>
+              <p:style>
+                <a:lnRef idx="2">
+                  <a:schemeClr val="accent1">
+                    <a:shade val="50000"/>
+                  </a:schemeClr>
+                </a:lnRef>
+                <a:fillRef idx="1">
+                  <a:schemeClr val="accent1"/>
+                </a:fillRef>
+                <a:effectRef idx="0">
+                  <a:schemeClr val="accent1"/>
+                </a:effectRef>
+                <a:fontRef idx="minor">
+                  <a:schemeClr val="lt1"/>
+                </a:fontRef>
+              </p:style>
+              <p:txBody>
+                <a:bodyPr rtlCol="0" anchor="ctr"/>
+                <a:lstStyle/>
+                <a:p>
+                  <a:pPr algn="ctr"/>
+                  <a:endParaRPr lang="en-US" dirty="0"/>
+                </a:p>
+              </p:txBody>
+            </p:sp>
+          </p:grpSp>
+        </p:grpSp>
+        <p:grpSp>
+          <p:nvGrpSpPr>
+            <p:cNvPr id="17" name="Group 16">
+              <a:extLst>
+                <a:ext uri="{FF2B5EF4-FFF2-40B4-BE49-F238E27FC236}">
+                  <a16:creationId xmlns:a16="http://schemas.microsoft.com/office/drawing/2014/main" id="{6AE6CCCF-B36F-483B-87F9-FE71D5887AAA}"/>
+                </a:ext>
+              </a:extLst>
+            </p:cNvPr>
+            <p:cNvGrpSpPr/>
+            <p:nvPr/>
+          </p:nvGrpSpPr>
+          <p:grpSpPr>
+            <a:xfrm>
+              <a:off x="6601869" y="1634894"/>
+              <a:ext cx="503382" cy="517236"/>
+              <a:chOff x="2152073" y="1828800"/>
+              <a:chExt cx="1371600" cy="1371600"/>
+            </a:xfrm>
+          </p:grpSpPr>
+          <p:sp>
+            <p:nvSpPr>
+              <p:cNvPr id="18" name="Oval 17">
+                <a:extLst>
+                  <a:ext uri="{FF2B5EF4-FFF2-40B4-BE49-F238E27FC236}">
+                    <a16:creationId xmlns:a16="http://schemas.microsoft.com/office/drawing/2014/main" id="{F13E7B5E-015F-4B15-8E9C-745D415B66F1}"/>
+                  </a:ext>
+                </a:extLst>
+              </p:cNvPr>
+              <p:cNvSpPr/>
+              <p:nvPr/>
+            </p:nvSpPr>
+            <p:spPr>
+              <a:xfrm>
+                <a:off x="2152073" y="1828800"/>
+                <a:ext cx="1371600" cy="1371600"/>
+              </a:xfrm>
+              <a:prstGeom prst="ellipse">
+                <a:avLst/>
+              </a:prstGeom>
+              <a:solidFill>
+                <a:schemeClr val="accent2">
+                  <a:lumMod val="75000"/>
+                </a:schemeClr>
+              </a:solidFill>
+            </p:spPr>
+            <p:style>
+              <a:lnRef idx="2">
+                <a:schemeClr val="accent1">
+                  <a:shade val="50000"/>
+                </a:schemeClr>
+              </a:lnRef>
+              <a:fillRef idx="1">
+                <a:schemeClr val="accent1"/>
+              </a:fillRef>
+              <a:effectRef idx="0">
+                <a:schemeClr val="accent1"/>
+              </a:effectRef>
+              <a:fontRef idx="minor">
+                <a:schemeClr val="lt1"/>
+              </a:fontRef>
+            </p:style>
+            <p:txBody>
+              <a:bodyPr rtlCol="0" anchor="ctr"/>
+              <a:lstStyle/>
+              <a:p>
+                <a:pPr algn="ctr"/>
+                <a:endParaRPr lang="en-US" dirty="0"/>
+              </a:p>
+            </p:txBody>
+          </p:sp>
+          <p:grpSp>
+            <p:nvGrpSpPr>
+              <p:cNvPr id="19" name="Group 18">
+                <a:extLst>
+                  <a:ext uri="{FF2B5EF4-FFF2-40B4-BE49-F238E27FC236}">
+                    <a16:creationId xmlns:a16="http://schemas.microsoft.com/office/drawing/2014/main" id="{D9C78083-8512-4CB4-BEA0-9887D670841C}"/>
+                  </a:ext>
+                </a:extLst>
+              </p:cNvPr>
+              <p:cNvGrpSpPr/>
+              <p:nvPr/>
+            </p:nvGrpSpPr>
+            <p:grpSpPr>
+              <a:xfrm>
+                <a:off x="2419928" y="2103120"/>
+                <a:ext cx="835890" cy="822960"/>
+                <a:chOff x="4789982" y="1539240"/>
+                <a:chExt cx="835890" cy="822960"/>
+              </a:xfrm>
+            </p:grpSpPr>
+            <p:sp>
+              <p:nvSpPr>
+                <p:cNvPr id="20" name="Rectangle 19">
+                  <a:extLst>
+                    <a:ext uri="{FF2B5EF4-FFF2-40B4-BE49-F238E27FC236}">
+                      <a16:creationId xmlns:a16="http://schemas.microsoft.com/office/drawing/2014/main" id="{2A6FB0EC-FB3B-4CC2-8964-95366B37B9D7}"/>
+                    </a:ext>
+                  </a:extLst>
+                </p:cNvPr>
+                <p:cNvSpPr/>
+                <p:nvPr/>
+              </p:nvSpPr>
+              <p:spPr>
+                <a:xfrm>
+                  <a:off x="4789982" y="1539240"/>
+                  <a:ext cx="274320" cy="274320"/>
+                </a:xfrm>
+                <a:prstGeom prst="rect">
+                  <a:avLst/>
+                </a:prstGeom>
+                <a:noFill/>
+                <a:ln w="25400">
+                  <a:solidFill>
+                    <a:schemeClr val="bg2">
+                      <a:lumMod val="90000"/>
+                    </a:schemeClr>
+                  </a:solidFill>
+                </a:ln>
+              </p:spPr>
+              <p:style>
+                <a:lnRef idx="2">
+                  <a:schemeClr val="accent1">
+                    <a:shade val="50000"/>
+                  </a:schemeClr>
+                </a:lnRef>
+                <a:fillRef idx="1">
+                  <a:schemeClr val="accent1"/>
+                </a:fillRef>
+                <a:effectRef idx="0">
+                  <a:schemeClr val="accent1"/>
+                </a:effectRef>
+                <a:fontRef idx="minor">
+                  <a:schemeClr val="lt1"/>
+                </a:fontRef>
+              </p:style>
+              <p:txBody>
+                <a:bodyPr rtlCol="0" anchor="ctr"/>
+                <a:lstStyle/>
+                <a:p>
+                  <a:pPr algn="ctr"/>
+                  <a:endParaRPr lang="en-US" dirty="0"/>
+                </a:p>
+              </p:txBody>
+            </p:sp>
+            <p:sp>
+              <p:nvSpPr>
+                <p:cNvPr id="21" name="Rectangle 20">
+                  <a:extLst>
+                    <a:ext uri="{FF2B5EF4-FFF2-40B4-BE49-F238E27FC236}">
+                      <a16:creationId xmlns:a16="http://schemas.microsoft.com/office/drawing/2014/main" id="{1E0467F9-501C-4E0D-8E32-1EBD7C7DEC56}"/>
+                    </a:ext>
+                  </a:extLst>
+                </p:cNvPr>
+                <p:cNvSpPr/>
+                <p:nvPr/>
+              </p:nvSpPr>
+              <p:spPr>
+                <a:xfrm>
+                  <a:off x="5067534" y="1539240"/>
+                  <a:ext cx="274320" cy="274320"/>
+                </a:xfrm>
+                <a:prstGeom prst="rect">
+                  <a:avLst/>
+                </a:prstGeom>
+                <a:noFill/>
+                <a:ln w="25400">
+                  <a:solidFill>
+                    <a:schemeClr val="bg2">
+                      <a:lumMod val="90000"/>
+                    </a:schemeClr>
+                  </a:solidFill>
+                </a:ln>
+              </p:spPr>
+              <p:style>
+                <a:lnRef idx="2">
+                  <a:schemeClr val="accent1">
+                    <a:shade val="50000"/>
+                  </a:schemeClr>
+                </a:lnRef>
+                <a:fillRef idx="1">
+                  <a:schemeClr val="accent1"/>
+                </a:fillRef>
+                <a:effectRef idx="0">
+                  <a:schemeClr val="accent1"/>
+                </a:effectRef>
+                <a:fontRef idx="minor">
+                  <a:schemeClr val="lt1"/>
+                </a:fontRef>
+              </p:style>
+              <p:txBody>
+                <a:bodyPr rtlCol="0" anchor="ctr"/>
+                <a:lstStyle/>
+                <a:p>
+                  <a:pPr algn="ctr"/>
+                  <a:endParaRPr lang="en-US" dirty="0"/>
+                </a:p>
+              </p:txBody>
+            </p:sp>
+            <p:sp>
+              <p:nvSpPr>
+                <p:cNvPr id="22" name="Rectangle 21">
+                  <a:extLst>
+                    <a:ext uri="{FF2B5EF4-FFF2-40B4-BE49-F238E27FC236}">
+                      <a16:creationId xmlns:a16="http://schemas.microsoft.com/office/drawing/2014/main" id="{C11CF438-8E1D-4A42-AD2C-F6676D117B71}"/>
+                    </a:ext>
+                  </a:extLst>
+                </p:cNvPr>
+                <p:cNvSpPr/>
+                <p:nvPr/>
+              </p:nvSpPr>
+              <p:spPr>
+                <a:xfrm>
+                  <a:off x="5351552" y="1539240"/>
+                  <a:ext cx="274320" cy="274320"/>
+                </a:xfrm>
+                <a:prstGeom prst="rect">
+                  <a:avLst/>
+                </a:prstGeom>
+                <a:noFill/>
+                <a:ln w="25400">
+                  <a:solidFill>
+                    <a:schemeClr val="bg2">
+                      <a:lumMod val="90000"/>
+                    </a:schemeClr>
+                  </a:solidFill>
+                </a:ln>
+              </p:spPr>
+              <p:style>
+                <a:lnRef idx="2">
+                  <a:schemeClr val="accent1">
+                    <a:shade val="50000"/>
+                  </a:schemeClr>
+                </a:lnRef>
+                <a:fillRef idx="1">
+                  <a:schemeClr val="accent1"/>
+                </a:fillRef>
+                <a:effectRef idx="0">
+                  <a:schemeClr val="accent1"/>
+                </a:effectRef>
+                <a:fontRef idx="minor">
+                  <a:schemeClr val="lt1"/>
+                </a:fontRef>
+              </p:style>
+              <p:txBody>
+                <a:bodyPr rtlCol="0" anchor="ctr"/>
+                <a:lstStyle/>
+                <a:p>
+                  <a:pPr algn="ctr"/>
+                  <a:endParaRPr lang="en-US" dirty="0"/>
+                </a:p>
+              </p:txBody>
+            </p:sp>
+            <p:sp>
+              <p:nvSpPr>
+                <p:cNvPr id="23" name="Rectangle 22">
+                  <a:extLst>
+                    <a:ext uri="{FF2B5EF4-FFF2-40B4-BE49-F238E27FC236}">
+                      <a16:creationId xmlns:a16="http://schemas.microsoft.com/office/drawing/2014/main" id="{86B4F8BF-AA21-423B-9046-7F716719966A}"/>
+                    </a:ext>
+                  </a:extLst>
+                </p:cNvPr>
+                <p:cNvSpPr/>
+                <p:nvPr/>
+              </p:nvSpPr>
+              <p:spPr>
+                <a:xfrm>
+                  <a:off x="4789982" y="1813560"/>
+                  <a:ext cx="274320" cy="274320"/>
+                </a:xfrm>
+                <a:prstGeom prst="rect">
+                  <a:avLst/>
+                </a:prstGeom>
+                <a:noFill/>
+                <a:ln w="25400">
+                  <a:solidFill>
+                    <a:schemeClr val="bg2">
+                      <a:lumMod val="90000"/>
+                    </a:schemeClr>
+                  </a:solidFill>
+                </a:ln>
+              </p:spPr>
+              <p:style>
+                <a:lnRef idx="2">
+                  <a:schemeClr val="accent1">
+                    <a:shade val="50000"/>
+                  </a:schemeClr>
+                </a:lnRef>
+                <a:fillRef idx="1">
+                  <a:schemeClr val="accent1"/>
+                </a:fillRef>
+                <a:effectRef idx="0">
+                  <a:schemeClr val="accent1"/>
+                </a:effectRef>
+                <a:fontRef idx="minor">
+                  <a:schemeClr val="lt1"/>
+                </a:fontRef>
+              </p:style>
+              <p:txBody>
+                <a:bodyPr rtlCol="0" anchor="ctr"/>
+                <a:lstStyle/>
+                <a:p>
+                  <a:pPr algn="ctr"/>
+                  <a:endParaRPr lang="en-US" dirty="0"/>
+                </a:p>
+              </p:txBody>
+            </p:sp>
+            <p:sp>
+              <p:nvSpPr>
+                <p:cNvPr id="24" name="Rectangle 23">
+                  <a:extLst>
+                    <a:ext uri="{FF2B5EF4-FFF2-40B4-BE49-F238E27FC236}">
+                      <a16:creationId xmlns:a16="http://schemas.microsoft.com/office/drawing/2014/main" id="{12241312-4249-43A8-A2E8-4267E5A9088C}"/>
+                    </a:ext>
+                  </a:extLst>
+                </p:cNvPr>
+                <p:cNvSpPr/>
+                <p:nvPr/>
+              </p:nvSpPr>
+              <p:spPr>
+                <a:xfrm>
+                  <a:off x="5067534" y="1813560"/>
+                  <a:ext cx="274320" cy="274320"/>
+                </a:xfrm>
+                <a:prstGeom prst="rect">
+                  <a:avLst/>
+                </a:prstGeom>
+                <a:noFill/>
+                <a:ln w="25400">
+                  <a:solidFill>
+                    <a:schemeClr val="bg2">
+                      <a:lumMod val="90000"/>
+                    </a:schemeClr>
+                  </a:solidFill>
+                </a:ln>
+              </p:spPr>
+              <p:style>
+                <a:lnRef idx="2">
+                  <a:schemeClr val="accent1">
+                    <a:shade val="50000"/>
+                  </a:schemeClr>
+                </a:lnRef>
+                <a:fillRef idx="1">
+                  <a:schemeClr val="accent1"/>
+                </a:fillRef>
+                <a:effectRef idx="0">
+                  <a:schemeClr val="accent1"/>
+                </a:effectRef>
+                <a:fontRef idx="minor">
+                  <a:schemeClr val="lt1"/>
+                </a:fontRef>
+              </p:style>
+              <p:txBody>
+                <a:bodyPr rtlCol="0" anchor="ctr"/>
+                <a:lstStyle/>
+                <a:p>
+                  <a:pPr algn="ctr"/>
+                  <a:endParaRPr lang="en-US" dirty="0"/>
+                </a:p>
+              </p:txBody>
+            </p:sp>
+            <p:sp>
+              <p:nvSpPr>
+                <p:cNvPr id="25" name="Rectangle 24">
+                  <a:extLst>
+                    <a:ext uri="{FF2B5EF4-FFF2-40B4-BE49-F238E27FC236}">
+                      <a16:creationId xmlns:a16="http://schemas.microsoft.com/office/drawing/2014/main" id="{4C0B4A34-7210-4E06-A41B-A363D62328DD}"/>
+                    </a:ext>
+                  </a:extLst>
+                </p:cNvPr>
+                <p:cNvSpPr/>
+                <p:nvPr/>
+              </p:nvSpPr>
+              <p:spPr>
+                <a:xfrm>
+                  <a:off x="5351552" y="1813560"/>
+                  <a:ext cx="274320" cy="274320"/>
+                </a:xfrm>
+                <a:prstGeom prst="rect">
+                  <a:avLst/>
+                </a:prstGeom>
+                <a:noFill/>
+                <a:ln w="25400">
+                  <a:solidFill>
+                    <a:schemeClr val="bg2">
+                      <a:lumMod val="90000"/>
+                    </a:schemeClr>
+                  </a:solidFill>
+                </a:ln>
+              </p:spPr>
+              <p:style>
+                <a:lnRef idx="2">
+                  <a:schemeClr val="accent1">
+                    <a:shade val="50000"/>
+                  </a:schemeClr>
+                </a:lnRef>
+                <a:fillRef idx="1">
+                  <a:schemeClr val="accent1"/>
+                </a:fillRef>
+                <a:effectRef idx="0">
+                  <a:schemeClr val="accent1"/>
+                </a:effectRef>
+                <a:fontRef idx="minor">
+                  <a:schemeClr val="lt1"/>
+                </a:fontRef>
+              </p:style>
+              <p:txBody>
+                <a:bodyPr rtlCol="0" anchor="ctr"/>
+                <a:lstStyle/>
+                <a:p>
+                  <a:pPr algn="ctr"/>
+                  <a:endParaRPr lang="en-US" dirty="0"/>
+                </a:p>
+              </p:txBody>
+            </p:sp>
+            <p:sp>
+              <p:nvSpPr>
+                <p:cNvPr id="26" name="Rectangle 25">
+                  <a:extLst>
+                    <a:ext uri="{FF2B5EF4-FFF2-40B4-BE49-F238E27FC236}">
+                      <a16:creationId xmlns:a16="http://schemas.microsoft.com/office/drawing/2014/main" id="{CF8D791C-F602-4FB4-9E79-DAEAE277B8F2}"/>
+                    </a:ext>
+                  </a:extLst>
+                </p:cNvPr>
+                <p:cNvSpPr/>
+                <p:nvPr/>
+              </p:nvSpPr>
+              <p:spPr>
+                <a:xfrm>
+                  <a:off x="4789982" y="2087880"/>
+                  <a:ext cx="274320" cy="274320"/>
+                </a:xfrm>
+                <a:prstGeom prst="rect">
+                  <a:avLst/>
+                </a:prstGeom>
+                <a:noFill/>
+                <a:ln w="25400">
+                  <a:solidFill>
+                    <a:schemeClr val="bg2">
+                      <a:lumMod val="90000"/>
+                    </a:schemeClr>
+                  </a:solidFill>
+                </a:ln>
+              </p:spPr>
+              <p:style>
+                <a:lnRef idx="2">
+                  <a:schemeClr val="accent1">
+                    <a:shade val="50000"/>
+                  </a:schemeClr>
+                </a:lnRef>
+                <a:fillRef idx="1">
+                  <a:schemeClr val="accent1"/>
+                </a:fillRef>
+                <a:effectRef idx="0">
+                  <a:schemeClr val="accent1"/>
+                </a:effectRef>
+                <a:fontRef idx="minor">
+                  <a:schemeClr val="lt1"/>
+                </a:fontRef>
+              </p:style>
+              <p:txBody>
+                <a:bodyPr rtlCol="0" anchor="ctr"/>
+                <a:lstStyle/>
+                <a:p>
+                  <a:pPr algn="ctr"/>
+                  <a:endParaRPr lang="en-US" dirty="0"/>
+                </a:p>
+              </p:txBody>
+            </p:sp>
+            <p:sp>
+              <p:nvSpPr>
+                <p:cNvPr id="27" name="Rectangle 26">
+                  <a:extLst>
+                    <a:ext uri="{FF2B5EF4-FFF2-40B4-BE49-F238E27FC236}">
+                      <a16:creationId xmlns:a16="http://schemas.microsoft.com/office/drawing/2014/main" id="{BA5766FE-BC35-45F0-B5DB-E563C3667FB4}"/>
+                    </a:ext>
+                  </a:extLst>
+                </p:cNvPr>
+                <p:cNvSpPr/>
+                <p:nvPr/>
+              </p:nvSpPr>
+              <p:spPr>
+                <a:xfrm>
+                  <a:off x="5067534" y="2087880"/>
+                  <a:ext cx="274320" cy="274320"/>
+                </a:xfrm>
+                <a:prstGeom prst="rect">
+                  <a:avLst/>
+                </a:prstGeom>
+                <a:noFill/>
+                <a:ln w="25400">
+                  <a:solidFill>
+                    <a:schemeClr val="bg2">
+                      <a:lumMod val="90000"/>
+                    </a:schemeClr>
+                  </a:solidFill>
+                </a:ln>
+              </p:spPr>
+              <p:style>
+                <a:lnRef idx="2">
+                  <a:schemeClr val="accent1">
+                    <a:shade val="50000"/>
+                  </a:schemeClr>
+                </a:lnRef>
+                <a:fillRef idx="1">
+                  <a:schemeClr val="accent1"/>
+                </a:fillRef>
+                <a:effectRef idx="0">
+                  <a:schemeClr val="accent1"/>
+                </a:effectRef>
+                <a:fontRef idx="minor">
+                  <a:schemeClr val="lt1"/>
+                </a:fontRef>
+              </p:style>
+              <p:txBody>
+                <a:bodyPr rtlCol="0" anchor="ctr"/>
+                <a:lstStyle/>
+                <a:p>
+                  <a:pPr algn="ctr"/>
+                  <a:endParaRPr lang="en-US" dirty="0"/>
+                </a:p>
+              </p:txBody>
+            </p:sp>
+            <p:sp>
+              <p:nvSpPr>
+                <p:cNvPr id="28" name="Rectangle 27">
+                  <a:extLst>
+                    <a:ext uri="{FF2B5EF4-FFF2-40B4-BE49-F238E27FC236}">
+                      <a16:creationId xmlns:a16="http://schemas.microsoft.com/office/drawing/2014/main" id="{DD865228-C326-45D5-966D-2A03B0208B61}"/>
+                    </a:ext>
+                  </a:extLst>
+                </p:cNvPr>
+                <p:cNvSpPr/>
+                <p:nvPr/>
+              </p:nvSpPr>
+              <p:spPr>
+                <a:xfrm>
+                  <a:off x="5351552" y="2087880"/>
+                  <a:ext cx="274320" cy="274320"/>
+                </a:xfrm>
+                <a:prstGeom prst="rect">
+                  <a:avLst/>
+                </a:prstGeom>
+                <a:noFill/>
+                <a:ln w="25400">
+                  <a:solidFill>
+                    <a:schemeClr val="bg2">
+                      <a:lumMod val="90000"/>
+                    </a:schemeClr>
+                  </a:solidFill>
+                </a:ln>
+              </p:spPr>
+              <p:style>
+                <a:lnRef idx="2">
+                  <a:schemeClr val="accent1">
+                    <a:shade val="50000"/>
+                  </a:schemeClr>
+                </a:lnRef>
+                <a:fillRef idx="1">
+                  <a:schemeClr val="accent1"/>
+                </a:fillRef>
+                <a:effectRef idx="0">
+                  <a:schemeClr val="accent1"/>
+                </a:effectRef>
+                <a:fontRef idx="minor">
+                  <a:schemeClr val="lt1"/>
+                </a:fontRef>
+              </p:style>
+              <p:txBody>
+                <a:bodyPr rtlCol="0" anchor="ctr"/>
+                <a:lstStyle/>
+                <a:p>
+                  <a:pPr algn="ctr"/>
+                  <a:endParaRPr lang="en-US" dirty="0"/>
+                </a:p>
+              </p:txBody>
+            </p:sp>
+          </p:grpSp>
+        </p:grpSp>
+        <p:cxnSp>
+          <p:nvCxnSpPr>
+            <p:cNvPr id="29" name="Straight Arrow Connector 28">
+              <a:extLst>
+                <a:ext uri="{FF2B5EF4-FFF2-40B4-BE49-F238E27FC236}">
+                  <a16:creationId xmlns:a16="http://schemas.microsoft.com/office/drawing/2014/main" id="{48A4BC40-3183-41B2-92DB-B045B9868DEB}"/>
+                </a:ext>
+              </a:extLst>
+            </p:cNvPr>
+            <p:cNvCxnSpPr/>
+            <p:nvPr/>
+          </p:nvCxnSpPr>
+          <p:spPr>
+            <a:xfrm>
+              <a:off x="5741608" y="1893512"/>
+              <a:ext cx="701964" cy="0"/>
+            </a:xfrm>
+            <a:prstGeom prst="straightConnector1">
+              <a:avLst/>
+            </a:prstGeom>
+            <a:ln w="76200">
+              <a:solidFill>
+                <a:schemeClr val="accent2">
+                  <a:lumMod val="75000"/>
+                </a:schemeClr>
+              </a:solidFill>
+              <a:tailEnd type="triangle"/>
+            </a:ln>
+          </p:spPr>
+          <p:style>
+            <a:lnRef idx="1">
+              <a:schemeClr val="accent1"/>
+            </a:lnRef>
+            <a:fillRef idx="0">
+              <a:schemeClr val="accent1"/>
+            </a:fillRef>
+            <a:effectRef idx="0">
+              <a:schemeClr val="accent1"/>
+            </a:effectRef>
+            <a:fontRef idx="minor">
+              <a:schemeClr val="tx1"/>
+            </a:fontRef>
+          </p:style>
+        </p:cxnSp>
+        <p:cxnSp>
+          <p:nvCxnSpPr>
+            <p:cNvPr id="30" name="Straight Arrow Connector 29">
+              <a:extLst>
+                <a:ext uri="{FF2B5EF4-FFF2-40B4-BE49-F238E27FC236}">
+                  <a16:creationId xmlns:a16="http://schemas.microsoft.com/office/drawing/2014/main" id="{312A97ED-D69C-40D1-9109-CA2AF419A59A}"/>
+                </a:ext>
+              </a:extLst>
+            </p:cNvPr>
+            <p:cNvCxnSpPr>
+              <a:cxnSpLocks/>
+            </p:cNvCxnSpPr>
+            <p:nvPr/>
+          </p:nvCxnSpPr>
+          <p:spPr>
+            <a:xfrm>
+              <a:off x="3580214" y="1004455"/>
+              <a:ext cx="0" cy="427182"/>
+            </a:xfrm>
+            <a:prstGeom prst="straightConnector1">
+              <a:avLst/>
+            </a:prstGeom>
+            <a:ln w="76200">
+              <a:solidFill>
+                <a:schemeClr val="accent1">
+                  <a:lumMod val="75000"/>
+                </a:schemeClr>
+              </a:solidFill>
+              <a:tailEnd type="triangle"/>
+            </a:ln>
+          </p:spPr>
+          <p:style>
+            <a:lnRef idx="1">
+              <a:schemeClr val="accent1"/>
+            </a:lnRef>
+            <a:fillRef idx="0">
+              <a:schemeClr val="accent1"/>
+            </a:fillRef>
+            <a:effectRef idx="0">
+              <a:schemeClr val="accent1"/>
+            </a:effectRef>
+            <a:fontRef idx="minor">
+              <a:schemeClr val="tx1"/>
+            </a:fontRef>
+          </p:style>
+        </p:cxnSp>
+        <p:sp>
+          <p:nvSpPr>
+            <p:cNvPr id="32" name="TextBox 31">
+              <a:extLst>
+                <a:ext uri="{FF2B5EF4-FFF2-40B4-BE49-F238E27FC236}">
+                  <a16:creationId xmlns:a16="http://schemas.microsoft.com/office/drawing/2014/main" id="{6E3C49D7-EE8C-4FA6-A16C-6FA7CDE10A28}"/>
+                </a:ext>
+              </a:extLst>
+            </p:cNvPr>
+            <p:cNvSpPr txBox="1"/>
+            <p:nvPr/>
+          </p:nvSpPr>
+          <p:spPr>
+            <a:xfrm>
+              <a:off x="2671183" y="490436"/>
+              <a:ext cx="1818062" cy="369332"/>
+            </a:xfrm>
+            <a:prstGeom prst="rect">
+              <a:avLst/>
+            </a:prstGeom>
+            <a:noFill/>
+          </p:spPr>
+          <p:txBody>
+            <a:bodyPr wrap="none" rtlCol="0">
+              <a:spAutoFit/>
+            </a:bodyPr>
+            <a:lstStyle/>
+            <a:p>
+              <a:r>
+                <a:rPr lang="en-US" dirty="0">
+                  <a:solidFill>
+                    <a:schemeClr val="accent1">
+                      <a:lumMod val="50000"/>
+                    </a:schemeClr>
+                  </a:solidFill>
+                </a:rPr>
+                <a:t>Data Frame Input</a:t>
+              </a:r>
+            </a:p>
+          </p:txBody>
+        </p:sp>
+        <p:sp>
+          <p:nvSpPr>
+            <p:cNvPr id="33" name="TextBox 32">
+              <a:extLst>
+                <a:ext uri="{FF2B5EF4-FFF2-40B4-BE49-F238E27FC236}">
+                  <a16:creationId xmlns:a16="http://schemas.microsoft.com/office/drawing/2014/main" id="{25160AC2-5773-4732-89FA-DA89BF2DD92C}"/>
+                </a:ext>
+              </a:extLst>
+            </p:cNvPr>
+            <p:cNvSpPr txBox="1"/>
+            <p:nvPr/>
+          </p:nvSpPr>
+          <p:spPr>
+            <a:xfrm>
+              <a:off x="7305418" y="1708845"/>
+              <a:ext cx="1989584" cy="369332"/>
+            </a:xfrm>
+            <a:prstGeom prst="rect">
+              <a:avLst/>
+            </a:prstGeom>
+            <a:noFill/>
+          </p:spPr>
+          <p:txBody>
+            <a:bodyPr wrap="none" rtlCol="0">
+              <a:spAutoFit/>
+            </a:bodyPr>
+            <a:lstStyle/>
+            <a:p>
+              <a:r>
+                <a:rPr lang="en-US" dirty="0">
+                  <a:solidFill>
+                    <a:schemeClr val="accent2">
+                      <a:lumMod val="75000"/>
+                    </a:schemeClr>
+                  </a:solidFill>
+                </a:rPr>
+                <a:t>Data Frame Output</a:t>
+              </a:r>
+            </a:p>
+          </p:txBody>
+        </p:sp>
+        <p:sp>
+          <p:nvSpPr>
+            <p:cNvPr id="41" name="TextBox 40">
+              <a:extLst>
+                <a:ext uri="{FF2B5EF4-FFF2-40B4-BE49-F238E27FC236}">
+                  <a16:creationId xmlns:a16="http://schemas.microsoft.com/office/drawing/2014/main" id="{9B9B3D51-EB18-47CA-A450-1DB42D3B50D3}"/>
+                </a:ext>
+              </a:extLst>
+            </p:cNvPr>
+            <p:cNvSpPr txBox="1"/>
+            <p:nvPr/>
+          </p:nvSpPr>
+          <p:spPr>
+            <a:xfrm>
+              <a:off x="5741608" y="406883"/>
+              <a:ext cx="2701381" cy="646331"/>
+            </a:xfrm>
+            <a:prstGeom prst="rect">
+              <a:avLst/>
+            </a:prstGeom>
+            <a:noFill/>
+          </p:spPr>
+          <p:txBody>
+            <a:bodyPr wrap="none" rtlCol="0">
+              <a:spAutoFit/>
+            </a:bodyPr>
+            <a:lstStyle/>
+            <a:p>
+              <a:r>
+                <a:rPr lang="en-US" sz="3600" dirty="0">
+                  <a:latin typeface="Century Gothic" panose="020B0502020202020204" pitchFamily="34" charset="0"/>
+                </a:rPr>
+                <a:t>Data Verbs</a:t>
+              </a:r>
+            </a:p>
+          </p:txBody>
+        </p:sp>
+      </p:grpSp>
+      <p:grpSp>
+        <p:nvGrpSpPr>
+          <p:cNvPr id="3" name="Group 2">
+            <a:extLst>
+              <a:ext uri="{FF2B5EF4-FFF2-40B4-BE49-F238E27FC236}">
+                <a16:creationId xmlns:a16="http://schemas.microsoft.com/office/drawing/2014/main" id="{1CE503A1-CE7D-4C37-A3E3-4CF113BB8398}"/>
+              </a:ext>
+            </a:extLst>
+          </p:cNvPr>
+          <p:cNvGrpSpPr/>
+          <p:nvPr/>
+        </p:nvGrpSpPr>
+        <p:grpSpPr>
+          <a:xfrm>
+            <a:off x="730917" y="3986147"/>
+            <a:ext cx="10597303" cy="1714875"/>
+            <a:chOff x="730917" y="3986147"/>
+            <a:chExt cx="10597303" cy="1714875"/>
+          </a:xfrm>
+        </p:grpSpPr>
+        <p:grpSp>
+          <p:nvGrpSpPr>
+            <p:cNvPr id="40" name="Group 39">
+              <a:extLst>
+                <a:ext uri="{FF2B5EF4-FFF2-40B4-BE49-F238E27FC236}">
+                  <a16:creationId xmlns:a16="http://schemas.microsoft.com/office/drawing/2014/main" id="{306CCE43-3C56-4025-98B5-2621AB5B7D54}"/>
+                </a:ext>
+              </a:extLst>
+            </p:cNvPr>
+            <p:cNvGrpSpPr/>
+            <p:nvPr/>
+          </p:nvGrpSpPr>
+          <p:grpSpPr>
+            <a:xfrm>
+              <a:off x="893953" y="3986147"/>
+              <a:ext cx="10434267" cy="1714875"/>
+              <a:chOff x="893953" y="3986147"/>
+              <a:chExt cx="10434267" cy="1714875"/>
+            </a:xfrm>
+          </p:grpSpPr>
+          <p:sp>
+            <p:nvSpPr>
+              <p:cNvPr id="2" name="TextBox 1">
+                <a:extLst>
+                  <a:ext uri="{FF2B5EF4-FFF2-40B4-BE49-F238E27FC236}">
+                    <a16:creationId xmlns:a16="http://schemas.microsoft.com/office/drawing/2014/main" id="{FEE27822-5161-4D71-B9FE-DC21920C2971}"/>
+                  </a:ext>
+                </a:extLst>
+              </p:cNvPr>
+              <p:cNvSpPr txBox="1"/>
+              <p:nvPr/>
+            </p:nvSpPr>
+            <p:spPr>
+              <a:xfrm>
+                <a:off x="893953" y="4511908"/>
+                <a:ext cx="10434267" cy="523220"/>
+              </a:xfrm>
+              <a:prstGeom prst="rect">
+                <a:avLst/>
+              </a:prstGeom>
+              <a:noFill/>
+            </p:spPr>
+            <p:txBody>
+              <a:bodyPr wrap="none" rtlCol="0">
+                <a:spAutoFit/>
+              </a:bodyPr>
+              <a:lstStyle/>
+              <a:p>
+                <a:r>
+                  <a:rPr lang="en-US" dirty="0" err="1">
+                    <a:latin typeface="Courier New" panose="02070309020205020404" pitchFamily="49" charset="0"/>
+                    <a:cs typeface="Courier New" panose="02070309020205020404" pitchFamily="49" charset="0"/>
+                  </a:rPr>
+                  <a:t>dat</a:t>
+                </a:r>
+                <a:r>
+                  <a:rPr lang="en-US" b="1" dirty="0">
+                    <a:solidFill>
+                      <a:schemeClr val="accent1">
+                        <a:lumMod val="50000"/>
+                      </a:schemeClr>
+                    </a:solidFill>
+                    <a:latin typeface="Courier New" panose="02070309020205020404" pitchFamily="49" charset="0"/>
+                    <a:cs typeface="Courier New" panose="02070309020205020404" pitchFamily="49" charset="0"/>
+                  </a:rPr>
+                  <a:t> </a:t>
+                </a:r>
+                <a:r>
+                  <a:rPr lang="en-US" sz="2800" b="1" dirty="0">
+                    <a:solidFill>
+                      <a:schemeClr val="accent1">
+                        <a:lumMod val="75000"/>
+                      </a:schemeClr>
+                    </a:solidFill>
+                    <a:latin typeface="Courier New" panose="02070309020205020404" pitchFamily="49" charset="0"/>
+                    <a:cs typeface="Courier New" panose="02070309020205020404" pitchFamily="49" charset="0"/>
+                  </a:rPr>
+                  <a:t>%&gt;%</a:t>
+                </a:r>
+                <a:r>
+                  <a:rPr lang="en-US" b="1" dirty="0">
+                    <a:solidFill>
+                      <a:schemeClr val="accent1">
+                        <a:lumMod val="50000"/>
+                      </a:schemeClr>
+                    </a:solidFill>
+                    <a:latin typeface="Courier New" panose="02070309020205020404" pitchFamily="49" charset="0"/>
+                    <a:cs typeface="Courier New" panose="02070309020205020404" pitchFamily="49" charset="0"/>
+                  </a:rPr>
+                  <a:t> </a:t>
+                </a:r>
+                <a:r>
+                  <a:rPr lang="en-US" dirty="0">
+                    <a:latin typeface="Courier New" panose="02070309020205020404" pitchFamily="49" charset="0"/>
+                    <a:cs typeface="Courier New" panose="02070309020205020404" pitchFamily="49" charset="0"/>
+                  </a:rPr>
+                  <a:t>filter(    </a:t>
+                </a:r>
+                <a:r>
+                  <a:rPr lang="en-US" dirty="0" err="1">
+                    <a:latin typeface="Courier New" panose="02070309020205020404" pitchFamily="49" charset="0"/>
+                    <a:cs typeface="Courier New" panose="02070309020205020404" pitchFamily="49" charset="0"/>
+                  </a:rPr>
+                  <a:t>study.group</a:t>
+                </a:r>
+                <a:r>
+                  <a:rPr lang="en-US" dirty="0">
+                    <a:latin typeface="Courier New" panose="02070309020205020404" pitchFamily="49" charset="0"/>
+                    <a:cs typeface="Courier New" panose="02070309020205020404" pitchFamily="49" charset="0"/>
+                  </a:rPr>
+                  <a:t> == “control” ) </a:t>
+                </a:r>
+                <a:r>
+                  <a:rPr lang="en-US" sz="2800" b="1" dirty="0">
+                    <a:solidFill>
+                      <a:schemeClr val="accent2">
+                        <a:lumMod val="75000"/>
+                      </a:schemeClr>
+                    </a:solidFill>
+                    <a:latin typeface="Courier New" panose="02070309020205020404" pitchFamily="49" charset="0"/>
+                    <a:cs typeface="Courier New" panose="02070309020205020404" pitchFamily="49" charset="0"/>
+                  </a:rPr>
+                  <a:t>%&gt;%</a:t>
+                </a:r>
+                <a:r>
+                  <a:rPr lang="en-US" dirty="0">
+                    <a:latin typeface="Courier New" panose="02070309020205020404" pitchFamily="49" charset="0"/>
+                    <a:cs typeface="Courier New" panose="02070309020205020404" pitchFamily="49" charset="0"/>
+                  </a:rPr>
+                  <a:t> summarize(   n=n() ) </a:t>
+                </a:r>
+              </a:p>
+            </p:txBody>
+          </p:sp>
+          <p:sp>
+            <p:nvSpPr>
+              <p:cNvPr id="36" name="Arc 35">
+                <a:extLst>
+                  <a:ext uri="{FF2B5EF4-FFF2-40B4-BE49-F238E27FC236}">
+                    <a16:creationId xmlns:a16="http://schemas.microsoft.com/office/drawing/2014/main" id="{2B5836D6-CC77-4D65-ABA6-1C7AAED779DE}"/>
+                  </a:ext>
+                </a:extLst>
+              </p:cNvPr>
+              <p:cNvSpPr/>
+              <p:nvPr/>
+            </p:nvSpPr>
+            <p:spPr>
+              <a:xfrm rot="10800000" flipH="1" flipV="1">
+                <a:off x="1201862" y="3986147"/>
+                <a:ext cx="2327552" cy="1574741"/>
+              </a:xfrm>
+              <a:prstGeom prst="arc">
+                <a:avLst>
+                  <a:gd name="adj1" fmla="val 11366364"/>
+                  <a:gd name="adj2" fmla="val 21406920"/>
+                </a:avLst>
+              </a:prstGeom>
+              <a:ln w="63500">
+                <a:solidFill>
+                  <a:schemeClr val="accent1">
+                    <a:lumMod val="75000"/>
+                  </a:schemeClr>
+                </a:solidFill>
+                <a:tailEnd type="triangle"/>
+              </a:ln>
+            </p:spPr>
+            <p:style>
+              <a:lnRef idx="1">
+                <a:schemeClr val="accent1"/>
+              </a:lnRef>
+              <a:fillRef idx="0">
+                <a:schemeClr val="accent1"/>
+              </a:fillRef>
+              <a:effectRef idx="0">
+                <a:schemeClr val="accent1"/>
+              </a:effectRef>
+              <a:fontRef idx="minor">
+                <a:schemeClr val="tx1"/>
+              </a:fontRef>
+            </p:style>
+            <p:txBody>
+              <a:bodyPr rtlCol="0" anchor="ctr"/>
+              <a:lstStyle/>
+              <a:p>
+                <a:pPr algn="ctr"/>
+                <a:endParaRPr lang="en-US"/>
+              </a:p>
+            </p:txBody>
+          </p:sp>
+          <p:sp>
+            <p:nvSpPr>
+              <p:cNvPr id="37" name="Arc 36">
+                <a:extLst>
+                  <a:ext uri="{FF2B5EF4-FFF2-40B4-BE49-F238E27FC236}">
+                    <a16:creationId xmlns:a16="http://schemas.microsoft.com/office/drawing/2014/main" id="{B9FA837E-2F4C-4A79-BADA-B53C43E5585B}"/>
+                  </a:ext>
+                </a:extLst>
+              </p:cNvPr>
+              <p:cNvSpPr/>
+              <p:nvPr/>
+            </p:nvSpPr>
+            <p:spPr>
+              <a:xfrm rot="10800000" flipH="1">
+                <a:off x="7128343" y="4112227"/>
+                <a:ext cx="2649268" cy="1588795"/>
+              </a:xfrm>
+              <a:prstGeom prst="arc">
+                <a:avLst>
+                  <a:gd name="adj1" fmla="val 11366364"/>
+                  <a:gd name="adj2" fmla="val 21406920"/>
+                </a:avLst>
+              </a:prstGeom>
+              <a:ln w="63500">
+                <a:solidFill>
+                  <a:schemeClr val="accent2">
+                    <a:lumMod val="75000"/>
+                  </a:schemeClr>
+                </a:solidFill>
+                <a:tailEnd type="triangle"/>
+              </a:ln>
+            </p:spPr>
+            <p:style>
+              <a:lnRef idx="1">
+                <a:schemeClr val="accent1"/>
+              </a:lnRef>
+              <a:fillRef idx="0">
+                <a:schemeClr val="accent1"/>
+              </a:fillRef>
+              <a:effectRef idx="0">
+                <a:schemeClr val="accent1"/>
+              </a:effectRef>
+              <a:fontRef idx="minor">
+                <a:schemeClr val="tx1"/>
+              </a:fontRef>
+            </p:style>
+            <p:txBody>
+              <a:bodyPr rtlCol="0" anchor="ctr"/>
+              <a:lstStyle/>
+              <a:p>
+                <a:pPr algn="ctr"/>
+                <a:endParaRPr lang="en-US"/>
+              </a:p>
+            </p:txBody>
+          </p:sp>
+        </p:grpSp>
+        <p:sp>
+          <p:nvSpPr>
+            <p:cNvPr id="72" name="TextBox 71">
+              <a:extLst>
+                <a:ext uri="{FF2B5EF4-FFF2-40B4-BE49-F238E27FC236}">
+                  <a16:creationId xmlns:a16="http://schemas.microsoft.com/office/drawing/2014/main" id="{2B3914C3-E17C-41AA-AFC0-8C4FD1F0826C}"/>
+                </a:ext>
+              </a:extLst>
+            </p:cNvPr>
+            <p:cNvSpPr txBox="1"/>
+            <p:nvPr/>
+          </p:nvSpPr>
+          <p:spPr>
+            <a:xfrm>
+              <a:off x="730917" y="4980136"/>
+              <a:ext cx="2289957" cy="584775"/>
+            </a:xfrm>
+            <a:prstGeom prst="rect">
+              <a:avLst/>
+            </a:prstGeom>
+            <a:noFill/>
+          </p:spPr>
+          <p:txBody>
+            <a:bodyPr wrap="square" rtlCol="0">
+              <a:spAutoFit/>
+            </a:bodyPr>
+            <a:lstStyle/>
+            <a:p>
+              <a:pPr algn="ctr"/>
+              <a:r>
+                <a:rPr lang="en-US" sz="1600" dirty="0">
+                  <a:solidFill>
+                    <a:schemeClr val="tx1">
+                      <a:lumMod val="50000"/>
+                      <a:lumOff val="50000"/>
+                    </a:schemeClr>
+                  </a:solidFill>
+                </a:rPr>
+                <a:t>Pipe </a:t>
+              </a:r>
+            </a:p>
+            <a:p>
+              <a:pPr algn="ctr"/>
+              <a:r>
+                <a:rPr lang="en-US" sz="1600" dirty="0">
+                  <a:solidFill>
+                    <a:schemeClr val="tx1">
+                      <a:lumMod val="50000"/>
+                      <a:lumOff val="50000"/>
+                    </a:schemeClr>
+                  </a:solidFill>
+                </a:rPr>
+                <a:t>Operator</a:t>
+              </a:r>
+            </a:p>
+          </p:txBody>
+        </p:sp>
+      </p:grpSp>
+    </p:spTree>
+    <p:extLst>
+      <p:ext uri="{BB962C8B-B14F-4D97-AF65-F5344CB8AC3E}">
+        <p14:creationId xmlns:p14="http://schemas.microsoft.com/office/powerpoint/2010/main" val="623716601"/>
+      </p:ext>
+    </p:extLst>
+  </p:cSld>
+  <p:clrMapOvr>
+    <a:masterClrMapping/>
+  </p:clrMapOvr>
+</p:sld>
+</file>
+
+<file path=ppt/slides/slide31.xml><?xml version="1.0" encoding="utf-8"?>
 <p:sld xmlns:a="http://schemas.openxmlformats.org/drawingml/2006/main" xmlns:r="http://schemas.openxmlformats.org/officeDocument/2006/relationships" xmlns:p="http://schemas.openxmlformats.org/presentationml/2006/main">
   <p:cSld>
     <p:spTree>
@@ -33446,495 +37839,7 @@
 </p:sld>
 </file>
 
-<file path=ppt/slides/slide3.xml><?xml version="1.0" encoding="utf-8"?>
-<p:sld xmlns:a="http://schemas.openxmlformats.org/drawingml/2006/main" xmlns:r="http://schemas.openxmlformats.org/officeDocument/2006/relationships" xmlns:p="http://schemas.openxmlformats.org/presentationml/2006/main">
-  <p:cSld>
-    <p:spTree>
-      <p:nvGrpSpPr>
-        <p:cNvPr id="1" name=""/>
-        <p:cNvGrpSpPr/>
-        <p:nvPr/>
-      </p:nvGrpSpPr>
-      <p:grpSpPr>
-        <a:xfrm>
-          <a:off x="0" y="0"/>
-          <a:ext cx="0" cy="0"/>
-          <a:chOff x="0" y="0"/>
-          <a:chExt cx="0" cy="0"/>
-        </a:xfrm>
-      </p:grpSpPr>
-      <p:grpSp>
-        <p:nvGrpSpPr>
-          <p:cNvPr id="8" name="Group 7">
-            <a:extLst>
-              <a:ext uri="{FF2B5EF4-FFF2-40B4-BE49-F238E27FC236}">
-                <a16:creationId xmlns:a16="http://schemas.microsoft.com/office/drawing/2014/main" id="{B000051F-1ED6-47B7-B24E-942FF28407D8}"/>
-              </a:ext>
-            </a:extLst>
-          </p:cNvPr>
-          <p:cNvGrpSpPr/>
-          <p:nvPr/>
-        </p:nvGrpSpPr>
-        <p:grpSpPr>
-          <a:xfrm>
-            <a:off x="463127" y="318678"/>
-            <a:ext cx="11265745" cy="5920832"/>
-            <a:chOff x="1147308" y="528403"/>
-            <a:chExt cx="11265745" cy="5920832"/>
-          </a:xfrm>
-        </p:grpSpPr>
-        <p:sp>
-          <p:nvSpPr>
-            <p:cNvPr id="2" name="TextBox 1">
-              <a:extLst>
-                <a:ext uri="{FF2B5EF4-FFF2-40B4-BE49-F238E27FC236}">
-                  <a16:creationId xmlns:a16="http://schemas.microsoft.com/office/drawing/2014/main" id="{DFCAA0E4-AD35-4822-9E9C-B0421FA8198D}"/>
-                </a:ext>
-              </a:extLst>
-            </p:cNvPr>
-            <p:cNvSpPr txBox="1"/>
-            <p:nvPr/>
-          </p:nvSpPr>
-          <p:spPr>
-            <a:xfrm>
-              <a:off x="1147308" y="1872207"/>
-              <a:ext cx="8480207" cy="3416320"/>
-            </a:xfrm>
-            <a:prstGeom prst="rect">
-              <a:avLst/>
-            </a:prstGeom>
-            <a:solidFill>
-              <a:schemeClr val="bg2"/>
-            </a:solidFill>
-          </p:spPr>
-          <p:txBody>
-            <a:bodyPr wrap="none" rtlCol="0">
-              <a:spAutoFit/>
-            </a:bodyPr>
-            <a:lstStyle/>
-            <a:p>
-              <a:r>
-                <a:rPr lang="en-US" sz="2400" dirty="0" err="1">
-                  <a:latin typeface="Courier New" panose="02070309020205020404" pitchFamily="49" charset="0"/>
-                  <a:cs typeface="Courier New" panose="02070309020205020404" pitchFamily="49" charset="0"/>
-                </a:rPr>
-                <a:t>makeCookies</a:t>
-              </a:r>
-              <a:r>
-                <a:rPr lang="en-US" sz="2400" dirty="0">
-                  <a:latin typeface="Courier New" panose="02070309020205020404" pitchFamily="49" charset="0"/>
-                  <a:cs typeface="Courier New" panose="02070309020205020404" pitchFamily="49" charset="0"/>
-                </a:rPr>
-                <a:t> &lt;- function( flour, eggs, sugar )</a:t>
-              </a:r>
-            </a:p>
-            <a:p>
-              <a:r>
-                <a:rPr lang="en-US" sz="2400" dirty="0">
-                  <a:latin typeface="Courier New" panose="02070309020205020404" pitchFamily="49" charset="0"/>
-                  <a:cs typeface="Courier New" panose="02070309020205020404" pitchFamily="49" charset="0"/>
-                </a:rPr>
-                <a:t>{</a:t>
-              </a:r>
-            </a:p>
-            <a:p>
-              <a:endParaRPr lang="en-US" sz="2400" dirty="0">
-                <a:latin typeface="Courier New" panose="02070309020205020404" pitchFamily="49" charset="0"/>
-                <a:cs typeface="Courier New" panose="02070309020205020404" pitchFamily="49" charset="0"/>
-              </a:endParaRPr>
-            </a:p>
-            <a:p>
-              <a:r>
-                <a:rPr lang="en-US" sz="2400" dirty="0">
-                  <a:latin typeface="Courier New" panose="02070309020205020404" pitchFamily="49" charset="0"/>
-                  <a:cs typeface="Courier New" panose="02070309020205020404" pitchFamily="49" charset="0"/>
-                </a:rPr>
-                <a:t>   batter &lt;- mix( flour, eggs, sugar )</a:t>
-              </a:r>
-            </a:p>
-            <a:p>
-              <a:r>
-                <a:rPr lang="en-US" sz="2400" dirty="0">
-                  <a:latin typeface="Courier New" panose="02070309020205020404" pitchFamily="49" charset="0"/>
-                  <a:cs typeface="Courier New" panose="02070309020205020404" pitchFamily="49" charset="0"/>
-                </a:rPr>
-                <a:t>   cookies &lt;- bake( batter, temp=400 )</a:t>
-              </a:r>
-            </a:p>
-            <a:p>
-              <a:endParaRPr lang="en-US" sz="2400" dirty="0">
-                <a:latin typeface="Courier New" panose="02070309020205020404" pitchFamily="49" charset="0"/>
-                <a:cs typeface="Courier New" panose="02070309020205020404" pitchFamily="49" charset="0"/>
-              </a:endParaRPr>
-            </a:p>
-            <a:p>
-              <a:r>
-                <a:rPr lang="en-US" sz="2400" dirty="0">
-                  <a:latin typeface="Courier New" panose="02070309020205020404" pitchFamily="49" charset="0"/>
-                  <a:cs typeface="Courier New" panose="02070309020205020404" pitchFamily="49" charset="0"/>
-                </a:rPr>
-                <a:t>   return( cookies )</a:t>
-              </a:r>
-            </a:p>
-            <a:p>
-              <a:endParaRPr lang="en-US" sz="2400" dirty="0">
-                <a:latin typeface="Courier New" panose="02070309020205020404" pitchFamily="49" charset="0"/>
-                <a:cs typeface="Courier New" panose="02070309020205020404" pitchFamily="49" charset="0"/>
-              </a:endParaRPr>
-            </a:p>
-            <a:p>
-              <a:r>
-                <a:rPr lang="en-US" sz="2400" dirty="0">
-                  <a:latin typeface="Courier New" panose="02070309020205020404" pitchFamily="49" charset="0"/>
-                  <a:cs typeface="Courier New" panose="02070309020205020404" pitchFamily="49" charset="0"/>
-                </a:rPr>
-                <a:t>}</a:t>
-              </a:r>
-            </a:p>
-          </p:txBody>
-        </p:sp>
-        <p:cxnSp>
-          <p:nvCxnSpPr>
-            <p:cNvPr id="3" name="Straight Arrow Connector 2">
-              <a:extLst>
-                <a:ext uri="{FF2B5EF4-FFF2-40B4-BE49-F238E27FC236}">
-                  <a16:creationId xmlns:a16="http://schemas.microsoft.com/office/drawing/2014/main" id="{6BA1AE50-08A7-4A6D-BB2A-C57C890EA046}"/>
-                </a:ext>
-              </a:extLst>
-            </p:cNvPr>
-            <p:cNvCxnSpPr>
-              <a:cxnSpLocks/>
-            </p:cNvCxnSpPr>
-            <p:nvPr/>
-          </p:nvCxnSpPr>
-          <p:spPr>
-            <a:xfrm>
-              <a:off x="7256898" y="1297844"/>
-              <a:ext cx="0" cy="416689"/>
-            </a:xfrm>
-            <a:prstGeom prst="straightConnector1">
-              <a:avLst/>
-            </a:prstGeom>
-            <a:ln w="57150">
-              <a:tailEnd type="triangle"/>
-            </a:ln>
-          </p:spPr>
-          <p:style>
-            <a:lnRef idx="1">
-              <a:schemeClr val="accent1"/>
-            </a:lnRef>
-            <a:fillRef idx="0">
-              <a:schemeClr val="accent1"/>
-            </a:fillRef>
-            <a:effectRef idx="0">
-              <a:schemeClr val="accent1"/>
-            </a:effectRef>
-            <a:fontRef idx="minor">
-              <a:schemeClr val="tx1"/>
-            </a:fontRef>
-          </p:style>
-        </p:cxnSp>
-        <p:sp>
-          <p:nvSpPr>
-            <p:cNvPr id="4" name="TextBox 3">
-              <a:extLst>
-                <a:ext uri="{FF2B5EF4-FFF2-40B4-BE49-F238E27FC236}">
-                  <a16:creationId xmlns:a16="http://schemas.microsoft.com/office/drawing/2014/main" id="{32E7582A-DF5F-409C-BCFB-46D92CFC8B73}"/>
-                </a:ext>
-              </a:extLst>
-            </p:cNvPr>
-            <p:cNvSpPr txBox="1"/>
-            <p:nvPr/>
-          </p:nvSpPr>
-          <p:spPr>
-            <a:xfrm>
-              <a:off x="6047336" y="528403"/>
-              <a:ext cx="6365717" cy="769441"/>
-            </a:xfrm>
-            <a:prstGeom prst="rect">
-              <a:avLst/>
-            </a:prstGeom>
-            <a:noFill/>
-          </p:spPr>
-          <p:txBody>
-            <a:bodyPr wrap="none" rtlCol="0">
-              <a:spAutoFit/>
-            </a:bodyPr>
-            <a:lstStyle/>
-            <a:p>
-              <a:r>
-                <a:rPr lang="en-US" sz="4400" dirty="0">
-                  <a:solidFill>
-                    <a:schemeClr val="accent1"/>
-                  </a:solidFill>
-                </a:rPr>
-                <a:t>arguments (function input)</a:t>
-              </a:r>
-            </a:p>
-          </p:txBody>
-        </p:sp>
-        <p:cxnSp>
-          <p:nvCxnSpPr>
-            <p:cNvPr id="14" name="Straight Arrow Connector 13">
-              <a:extLst>
-                <a:ext uri="{FF2B5EF4-FFF2-40B4-BE49-F238E27FC236}">
-                  <a16:creationId xmlns:a16="http://schemas.microsoft.com/office/drawing/2014/main" id="{7DA17136-C6E5-4B94-AAC5-AAC6BC579465}"/>
-                </a:ext>
-              </a:extLst>
-            </p:cNvPr>
-            <p:cNvCxnSpPr>
-              <a:cxnSpLocks/>
-              <a:stCxn id="15" idx="1"/>
-            </p:cNvCxnSpPr>
-            <p:nvPr/>
-          </p:nvCxnSpPr>
-          <p:spPr>
-            <a:xfrm flipH="1" flipV="1">
-              <a:off x="3830053" y="4588778"/>
-              <a:ext cx="1000849" cy="1475737"/>
-            </a:xfrm>
-            <a:prstGeom prst="straightConnector1">
-              <a:avLst/>
-            </a:prstGeom>
-            <a:ln w="57150">
-              <a:tailEnd type="triangle"/>
-            </a:ln>
-          </p:spPr>
-          <p:style>
-            <a:lnRef idx="1">
-              <a:schemeClr val="accent1"/>
-            </a:lnRef>
-            <a:fillRef idx="0">
-              <a:schemeClr val="accent1"/>
-            </a:fillRef>
-            <a:effectRef idx="0">
-              <a:schemeClr val="accent1"/>
-            </a:effectRef>
-            <a:fontRef idx="minor">
-              <a:schemeClr val="tx1"/>
-            </a:fontRef>
-          </p:style>
-        </p:cxnSp>
-        <p:sp>
-          <p:nvSpPr>
-            <p:cNvPr id="15" name="TextBox 14">
-              <a:extLst>
-                <a:ext uri="{FF2B5EF4-FFF2-40B4-BE49-F238E27FC236}">
-                  <a16:creationId xmlns:a16="http://schemas.microsoft.com/office/drawing/2014/main" id="{32CE08CF-E4BC-4845-A525-E69A320DA769}"/>
-                </a:ext>
-              </a:extLst>
-            </p:cNvPr>
-            <p:cNvSpPr txBox="1"/>
-            <p:nvPr/>
-          </p:nvSpPr>
-          <p:spPr>
-            <a:xfrm>
-              <a:off x="4830902" y="5679794"/>
-              <a:ext cx="7066871" cy="769441"/>
-            </a:xfrm>
-            <a:prstGeom prst="rect">
-              <a:avLst/>
-            </a:prstGeom>
-            <a:noFill/>
-          </p:spPr>
-          <p:txBody>
-            <a:bodyPr wrap="none" rtlCol="0">
-              <a:spAutoFit/>
-            </a:bodyPr>
-            <a:lstStyle/>
-            <a:p>
-              <a:r>
-                <a:rPr lang="en-US" sz="4400" dirty="0">
-                  <a:solidFill>
-                    <a:schemeClr val="accent1"/>
-                  </a:solidFill>
-                </a:rPr>
-                <a:t>return value (function output)</a:t>
-              </a:r>
-            </a:p>
-          </p:txBody>
-        </p:sp>
-        <p:sp>
-          <p:nvSpPr>
-            <p:cNvPr id="23" name="Right Brace 22">
-              <a:extLst>
-                <a:ext uri="{FF2B5EF4-FFF2-40B4-BE49-F238E27FC236}">
-                  <a16:creationId xmlns:a16="http://schemas.microsoft.com/office/drawing/2014/main" id="{35BB4A4B-B57E-4B0A-9033-9992F9B273F5}"/>
-                </a:ext>
-              </a:extLst>
-            </p:cNvPr>
-            <p:cNvSpPr/>
-            <p:nvPr/>
-          </p:nvSpPr>
-          <p:spPr>
-            <a:xfrm>
-              <a:off x="8406709" y="3032915"/>
-              <a:ext cx="625033" cy="769441"/>
-            </a:xfrm>
-            <a:prstGeom prst="rightBrace">
-              <a:avLst/>
-            </a:prstGeom>
-            <a:ln w="31750"/>
-          </p:spPr>
-          <p:style>
-            <a:lnRef idx="1">
-              <a:schemeClr val="accent1"/>
-            </a:lnRef>
-            <a:fillRef idx="0">
-              <a:schemeClr val="accent1"/>
-            </a:fillRef>
-            <a:effectRef idx="0">
-              <a:schemeClr val="accent1"/>
-            </a:effectRef>
-            <a:fontRef idx="minor">
-              <a:schemeClr val="tx1"/>
-            </a:fontRef>
-          </p:style>
-          <p:txBody>
-            <a:bodyPr rtlCol="0" anchor="ctr"/>
-            <a:lstStyle/>
-            <a:p>
-              <a:pPr algn="ctr"/>
-              <a:endParaRPr lang="en-US"/>
-            </a:p>
-          </p:txBody>
-        </p:sp>
-        <p:sp>
-          <p:nvSpPr>
-            <p:cNvPr id="24" name="TextBox 23">
-              <a:extLst>
-                <a:ext uri="{FF2B5EF4-FFF2-40B4-BE49-F238E27FC236}">
-                  <a16:creationId xmlns:a16="http://schemas.microsoft.com/office/drawing/2014/main" id="{09C52735-5D0A-4CF0-8B91-F41C5E9BCA6C}"/>
-                </a:ext>
-              </a:extLst>
-            </p:cNvPr>
-            <p:cNvSpPr txBox="1"/>
-            <p:nvPr/>
-          </p:nvSpPr>
-          <p:spPr>
-            <a:xfrm>
-              <a:off x="9095228" y="2983075"/>
-              <a:ext cx="2062359" cy="769441"/>
-            </a:xfrm>
-            <a:prstGeom prst="rect">
-              <a:avLst/>
-            </a:prstGeom>
-            <a:noFill/>
-          </p:spPr>
-          <p:txBody>
-            <a:bodyPr wrap="none" rtlCol="0">
-              <a:spAutoFit/>
-            </a:bodyPr>
-            <a:lstStyle/>
-            <a:p>
-              <a:r>
-                <a:rPr lang="en-US" sz="4400" dirty="0">
-                  <a:solidFill>
-                    <a:schemeClr val="accent1"/>
-                  </a:solidFill>
-                </a:rPr>
-                <a:t>“recipe”</a:t>
-              </a:r>
-            </a:p>
-          </p:txBody>
-        </p:sp>
-        <p:cxnSp>
-          <p:nvCxnSpPr>
-            <p:cNvPr id="16" name="Straight Arrow Connector 15">
-              <a:extLst>
-                <a:ext uri="{FF2B5EF4-FFF2-40B4-BE49-F238E27FC236}">
-                  <a16:creationId xmlns:a16="http://schemas.microsoft.com/office/drawing/2014/main" id="{E3B3D89F-52AF-4BAB-A457-0E07269B87D4}"/>
-                </a:ext>
-              </a:extLst>
-            </p:cNvPr>
-            <p:cNvCxnSpPr>
-              <a:cxnSpLocks/>
-            </p:cNvCxnSpPr>
-            <p:nvPr/>
-          </p:nvCxnSpPr>
-          <p:spPr>
-            <a:xfrm>
-              <a:off x="6306938" y="1297844"/>
-              <a:ext cx="0" cy="416689"/>
-            </a:xfrm>
-            <a:prstGeom prst="straightConnector1">
-              <a:avLst/>
-            </a:prstGeom>
-            <a:ln w="57150">
-              <a:tailEnd type="triangle"/>
-            </a:ln>
-          </p:spPr>
-          <p:style>
-            <a:lnRef idx="1">
-              <a:schemeClr val="accent1"/>
-            </a:lnRef>
-            <a:fillRef idx="0">
-              <a:schemeClr val="accent1"/>
-            </a:fillRef>
-            <a:effectRef idx="0">
-              <a:schemeClr val="accent1"/>
-            </a:effectRef>
-            <a:fontRef idx="minor">
-              <a:schemeClr val="tx1"/>
-            </a:fontRef>
-          </p:style>
-        </p:cxnSp>
-        <p:cxnSp>
-          <p:nvCxnSpPr>
-            <p:cNvPr id="17" name="Straight Arrow Connector 16">
-              <a:extLst>
-                <a:ext uri="{FF2B5EF4-FFF2-40B4-BE49-F238E27FC236}">
-                  <a16:creationId xmlns:a16="http://schemas.microsoft.com/office/drawing/2014/main" id="{4A079D2C-20E5-418D-B574-7E30061853A2}"/>
-                </a:ext>
-              </a:extLst>
-            </p:cNvPr>
-            <p:cNvCxnSpPr>
-              <a:cxnSpLocks/>
-            </p:cNvCxnSpPr>
-            <p:nvPr/>
-          </p:nvCxnSpPr>
-          <p:spPr>
-            <a:xfrm>
-              <a:off x="8364338" y="1297844"/>
-              <a:ext cx="0" cy="416689"/>
-            </a:xfrm>
-            <a:prstGeom prst="straightConnector1">
-              <a:avLst/>
-            </a:prstGeom>
-            <a:ln w="57150">
-              <a:tailEnd type="triangle"/>
-            </a:ln>
-          </p:spPr>
-          <p:style>
-            <a:lnRef idx="1">
-              <a:schemeClr val="accent1"/>
-            </a:lnRef>
-            <a:fillRef idx="0">
-              <a:schemeClr val="accent1"/>
-            </a:fillRef>
-            <a:effectRef idx="0">
-              <a:schemeClr val="accent1"/>
-            </a:effectRef>
-            <a:fontRef idx="minor">
-              <a:schemeClr val="tx1"/>
-            </a:fontRef>
-          </p:style>
-        </p:cxnSp>
-      </p:grpSp>
-    </p:spTree>
-    <p:extLst>
-      <p:ext uri="{BB962C8B-B14F-4D97-AF65-F5344CB8AC3E}">
-        <p14:creationId xmlns:p14="http://schemas.microsoft.com/office/powerpoint/2010/main" val="861418735"/>
-      </p:ext>
-    </p:extLst>
-  </p:cSld>
-  <p:clrMapOvr>
-    <a:masterClrMapping/>
-  </p:clrMapOvr>
-</p:sld>
-</file>
-
-<file path=ppt/slides/slide30.xml><?xml version="1.0" encoding="utf-8"?>
+<file path=ppt/slides/slide32.xml><?xml version="1.0" encoding="utf-8"?>
 <p:sld xmlns:a="http://schemas.openxmlformats.org/drawingml/2006/main" xmlns:r="http://schemas.openxmlformats.org/officeDocument/2006/relationships" xmlns:p="http://schemas.openxmlformats.org/presentationml/2006/main">
   <p:cSld>
     <p:spTree>
@@ -35155,6 +39060,4527 @@
     <p:extLst>
       <p:ext uri="{BB962C8B-B14F-4D97-AF65-F5344CB8AC3E}">
         <p14:creationId xmlns:p14="http://schemas.microsoft.com/office/powerpoint/2010/main" val="259794844"/>
+      </p:ext>
+    </p:extLst>
+  </p:cSld>
+  <p:clrMapOvr>
+    <a:masterClrMapping/>
+  </p:clrMapOvr>
+</p:sld>
+</file>
+
+<file path=ppt/slides/slide33.xml><?xml version="1.0" encoding="utf-8"?>
+<p:sld xmlns:a="http://schemas.openxmlformats.org/drawingml/2006/main" xmlns:r="http://schemas.openxmlformats.org/officeDocument/2006/relationships" xmlns:p="http://schemas.openxmlformats.org/presentationml/2006/main">
+  <p:cSld>
+    <p:spTree>
+      <p:nvGrpSpPr>
+        <p:cNvPr id="1" name=""/>
+        <p:cNvGrpSpPr/>
+        <p:nvPr/>
+      </p:nvGrpSpPr>
+      <p:grpSpPr>
+        <a:xfrm>
+          <a:off x="0" y="0"/>
+          <a:ext cx="0" cy="0"/>
+          <a:chOff x="0" y="0"/>
+          <a:chExt cx="0" cy="0"/>
+        </a:xfrm>
+      </p:grpSpPr>
+      <p:grpSp>
+        <p:nvGrpSpPr>
+          <p:cNvPr id="3" name="Group 2">
+            <a:extLst>
+              <a:ext uri="{FF2B5EF4-FFF2-40B4-BE49-F238E27FC236}">
+                <a16:creationId xmlns:a16="http://schemas.microsoft.com/office/drawing/2014/main" id="{BCA9067B-AE06-43FB-8525-EDC6E34DB128}"/>
+              </a:ext>
+            </a:extLst>
+          </p:cNvPr>
+          <p:cNvGrpSpPr/>
+          <p:nvPr/>
+        </p:nvGrpSpPr>
+        <p:grpSpPr>
+          <a:xfrm>
+            <a:off x="1073659" y="1892686"/>
+            <a:ext cx="8206549" cy="3921101"/>
+            <a:chOff x="1073659" y="1892686"/>
+            <a:chExt cx="8206549" cy="3921101"/>
+          </a:xfrm>
+        </p:grpSpPr>
+        <p:sp>
+          <p:nvSpPr>
+            <p:cNvPr id="2" name="TextBox 1">
+              <a:extLst>
+                <a:ext uri="{FF2B5EF4-FFF2-40B4-BE49-F238E27FC236}">
+                  <a16:creationId xmlns:a16="http://schemas.microsoft.com/office/drawing/2014/main" id="{FEE27822-5161-4D71-B9FE-DC21920C2971}"/>
+                </a:ext>
+              </a:extLst>
+            </p:cNvPr>
+            <p:cNvSpPr txBox="1"/>
+            <p:nvPr/>
+          </p:nvSpPr>
+          <p:spPr>
+            <a:xfrm>
+              <a:off x="4278899" y="1892687"/>
+              <a:ext cx="4551246" cy="2246769"/>
+            </a:xfrm>
+            <a:prstGeom prst="rect">
+              <a:avLst/>
+            </a:prstGeom>
+            <a:noFill/>
+          </p:spPr>
+          <p:txBody>
+            <a:bodyPr wrap="none" rtlCol="0">
+              <a:spAutoFit/>
+            </a:bodyPr>
+            <a:lstStyle/>
+            <a:p>
+              <a:r>
+                <a:rPr lang="en-US" b="1" dirty="0" err="1">
+                  <a:solidFill>
+                    <a:schemeClr val="accent2">
+                      <a:lumMod val="75000"/>
+                    </a:schemeClr>
+                  </a:solidFill>
+                  <a:latin typeface="Courier New" panose="02070309020205020404" pitchFamily="49" charset="0"/>
+                  <a:cs typeface="Courier New" panose="02070309020205020404" pitchFamily="49" charset="0"/>
+                </a:rPr>
+                <a:t>dat</a:t>
+              </a:r>
+              <a:r>
+                <a:rPr lang="en-US" b="1" dirty="0">
+                  <a:solidFill>
+                    <a:schemeClr val="accent1">
+                      <a:lumMod val="50000"/>
+                    </a:schemeClr>
+                  </a:solidFill>
+                  <a:latin typeface="Courier New" panose="02070309020205020404" pitchFamily="49" charset="0"/>
+                  <a:cs typeface="Courier New" panose="02070309020205020404" pitchFamily="49" charset="0"/>
+                </a:rPr>
+                <a:t>                      </a:t>
+              </a:r>
+              <a:r>
+                <a:rPr lang="en-US" b="1" dirty="0">
+                  <a:solidFill>
+                    <a:schemeClr val="accent2">
+                      <a:lumMod val="75000"/>
+                    </a:schemeClr>
+                  </a:solidFill>
+                  <a:latin typeface="Courier New" panose="02070309020205020404" pitchFamily="49" charset="0"/>
+                  <a:cs typeface="Courier New" panose="02070309020205020404" pitchFamily="49" charset="0"/>
+                </a:rPr>
+                <a:t> </a:t>
+              </a:r>
+              <a:r>
+                <a:rPr lang="en-US" sz="2800" b="1" dirty="0">
+                  <a:solidFill>
+                    <a:schemeClr val="accent2">
+                      <a:lumMod val="75000"/>
+                    </a:schemeClr>
+                  </a:solidFill>
+                  <a:latin typeface="Courier New" panose="02070309020205020404" pitchFamily="49" charset="0"/>
+                  <a:cs typeface="Courier New" panose="02070309020205020404" pitchFamily="49" charset="0"/>
+                </a:rPr>
+                <a:t>%&gt;%</a:t>
+              </a:r>
+              <a:r>
+                <a:rPr lang="en-US" b="1" dirty="0">
+                  <a:solidFill>
+                    <a:schemeClr val="accent2">
+                      <a:lumMod val="75000"/>
+                    </a:schemeClr>
+                  </a:solidFill>
+                  <a:latin typeface="Courier New" panose="02070309020205020404" pitchFamily="49" charset="0"/>
+                  <a:cs typeface="Courier New" panose="02070309020205020404" pitchFamily="49" charset="0"/>
+                </a:rPr>
+                <a:t> </a:t>
+              </a:r>
+            </a:p>
+            <a:p>
+              <a:r>
+                <a:rPr lang="en-US" b="1" dirty="0">
+                  <a:latin typeface="Courier New" panose="02070309020205020404" pitchFamily="49" charset="0"/>
+                  <a:cs typeface="Courier New" panose="02070309020205020404" pitchFamily="49" charset="0"/>
+                </a:rPr>
+                <a:t>select</a:t>
+              </a:r>
+              <a:r>
+                <a:rPr lang="en-US" dirty="0">
+                  <a:latin typeface="Courier New" panose="02070309020205020404" pitchFamily="49" charset="0"/>
+                  <a:cs typeface="Courier New" panose="02070309020205020404" pitchFamily="49" charset="0"/>
+                </a:rPr>
+                <a:t>(           ... )   </a:t>
+              </a:r>
+              <a:r>
+                <a:rPr lang="en-US" sz="2800" b="1" dirty="0">
+                  <a:solidFill>
+                    <a:schemeClr val="accent1">
+                      <a:lumMod val="50000"/>
+                    </a:schemeClr>
+                  </a:solidFill>
+                  <a:latin typeface="Courier New" panose="02070309020205020404" pitchFamily="49" charset="0"/>
+                  <a:cs typeface="Courier New" panose="02070309020205020404" pitchFamily="49" charset="0"/>
+                </a:rPr>
+                <a:t>%&gt;%</a:t>
+              </a:r>
+              <a:r>
+                <a:rPr lang="en-US" dirty="0">
+                  <a:latin typeface="Courier New" panose="02070309020205020404" pitchFamily="49" charset="0"/>
+                  <a:cs typeface="Courier New" panose="02070309020205020404" pitchFamily="49" charset="0"/>
+                </a:rPr>
+                <a:t> </a:t>
+              </a:r>
+            </a:p>
+            <a:p>
+              <a:r>
+                <a:rPr lang="en-US" b="1" dirty="0">
+                  <a:latin typeface="Courier New" panose="02070309020205020404" pitchFamily="49" charset="0"/>
+                  <a:cs typeface="Courier New" panose="02070309020205020404" pitchFamily="49" charset="0"/>
+                </a:rPr>
+                <a:t>filter</a:t>
+              </a:r>
+              <a:r>
+                <a:rPr lang="en-US" dirty="0">
+                  <a:latin typeface="Courier New" panose="02070309020205020404" pitchFamily="49" charset="0"/>
+                  <a:cs typeface="Courier New" panose="02070309020205020404" pitchFamily="49" charset="0"/>
+                </a:rPr>
+                <a:t>(           ... )   </a:t>
+              </a:r>
+              <a:r>
+                <a:rPr lang="en-US" sz="2800" b="1" dirty="0">
+                  <a:solidFill>
+                    <a:schemeClr val="accent1">
+                      <a:lumMod val="50000"/>
+                    </a:schemeClr>
+                  </a:solidFill>
+                  <a:latin typeface="Courier New" panose="02070309020205020404" pitchFamily="49" charset="0"/>
+                  <a:cs typeface="Courier New" panose="02070309020205020404" pitchFamily="49" charset="0"/>
+                </a:rPr>
+                <a:t>%&gt;%</a:t>
+              </a:r>
+              <a:endParaRPr lang="en-US" dirty="0">
+                <a:solidFill>
+                  <a:schemeClr val="accent1">
+                    <a:lumMod val="50000"/>
+                  </a:schemeClr>
+                </a:solidFill>
+                <a:latin typeface="Courier New" panose="02070309020205020404" pitchFamily="49" charset="0"/>
+                <a:cs typeface="Courier New" panose="02070309020205020404" pitchFamily="49" charset="0"/>
+              </a:endParaRPr>
+            </a:p>
+            <a:p>
+              <a:r>
+                <a:rPr lang="en-US" b="1" dirty="0" err="1">
+                  <a:latin typeface="Courier New" panose="02070309020205020404" pitchFamily="49" charset="0"/>
+                  <a:cs typeface="Courier New" panose="02070309020205020404" pitchFamily="49" charset="0"/>
+                </a:rPr>
+                <a:t>group_by</a:t>
+              </a:r>
+              <a:r>
+                <a:rPr lang="en-US" dirty="0">
+                  <a:latin typeface="Courier New" panose="02070309020205020404" pitchFamily="49" charset="0"/>
+                  <a:cs typeface="Courier New" panose="02070309020205020404" pitchFamily="49" charset="0"/>
+                </a:rPr>
+                <a:t>(         ... )   </a:t>
+              </a:r>
+              <a:r>
+                <a:rPr lang="en-US" sz="2800" b="1" dirty="0">
+                  <a:solidFill>
+                    <a:schemeClr val="accent1">
+                      <a:lumMod val="50000"/>
+                    </a:schemeClr>
+                  </a:solidFill>
+                  <a:latin typeface="Courier New" panose="02070309020205020404" pitchFamily="49" charset="0"/>
+                  <a:cs typeface="Courier New" panose="02070309020205020404" pitchFamily="49" charset="0"/>
+                </a:rPr>
+                <a:t>%&gt;%</a:t>
+              </a:r>
+              <a:endParaRPr lang="en-US" dirty="0">
+                <a:solidFill>
+                  <a:schemeClr val="accent1">
+                    <a:lumMod val="50000"/>
+                  </a:schemeClr>
+                </a:solidFill>
+                <a:latin typeface="Courier New" panose="02070309020205020404" pitchFamily="49" charset="0"/>
+                <a:cs typeface="Courier New" panose="02070309020205020404" pitchFamily="49" charset="0"/>
+              </a:endParaRPr>
+            </a:p>
+            <a:p>
+              <a:r>
+                <a:rPr lang="en-US" b="1" dirty="0">
+                  <a:latin typeface="Courier New" panose="02070309020205020404" pitchFamily="49" charset="0"/>
+                  <a:cs typeface="Courier New" panose="02070309020205020404" pitchFamily="49" charset="0"/>
+                </a:rPr>
+                <a:t>summarize</a:t>
+              </a:r>
+              <a:r>
+                <a:rPr lang="en-US" dirty="0">
+                  <a:latin typeface="Courier New" panose="02070309020205020404" pitchFamily="49" charset="0"/>
+                  <a:cs typeface="Courier New" panose="02070309020205020404" pitchFamily="49" charset="0"/>
+                </a:rPr>
+                <a:t>(        ... ) </a:t>
+              </a:r>
+              <a:r>
+                <a:rPr lang="en-US" sz="2800" b="1" dirty="0">
+                  <a:solidFill>
+                    <a:schemeClr val="bg1"/>
+                  </a:solidFill>
+                  <a:latin typeface="Courier New" panose="02070309020205020404" pitchFamily="49" charset="0"/>
+                  <a:cs typeface="Courier New" panose="02070309020205020404" pitchFamily="49" charset="0"/>
+                </a:rPr>
+                <a:t>%&gt;%</a:t>
+              </a:r>
+              <a:endParaRPr lang="en-US" dirty="0">
+                <a:solidFill>
+                  <a:schemeClr val="bg1"/>
+                </a:solidFill>
+                <a:latin typeface="Courier New" panose="02070309020205020404" pitchFamily="49" charset="0"/>
+                <a:cs typeface="Courier New" panose="02070309020205020404" pitchFamily="49" charset="0"/>
+              </a:endParaRPr>
+            </a:p>
+          </p:txBody>
+        </p:sp>
+        <p:grpSp>
+          <p:nvGrpSpPr>
+            <p:cNvPr id="47" name="Group 46">
+              <a:extLst>
+                <a:ext uri="{FF2B5EF4-FFF2-40B4-BE49-F238E27FC236}">
+                  <a16:creationId xmlns:a16="http://schemas.microsoft.com/office/drawing/2014/main" id="{442B0FAE-FD92-4213-9A61-7AFE03F534D3}"/>
+                </a:ext>
+              </a:extLst>
+            </p:cNvPr>
+            <p:cNvGrpSpPr/>
+            <p:nvPr/>
+          </p:nvGrpSpPr>
+          <p:grpSpPr>
+            <a:xfrm>
+              <a:off x="6028290" y="1976620"/>
+              <a:ext cx="376522" cy="353997"/>
+              <a:chOff x="2152070" y="1828800"/>
+              <a:chExt cx="1371599" cy="1371600"/>
+            </a:xfrm>
+          </p:grpSpPr>
+          <p:sp>
+            <p:nvSpPr>
+              <p:cNvPr id="48" name="Oval 47">
+                <a:extLst>
+                  <a:ext uri="{FF2B5EF4-FFF2-40B4-BE49-F238E27FC236}">
+                    <a16:creationId xmlns:a16="http://schemas.microsoft.com/office/drawing/2014/main" id="{794367A5-4B9E-4E4D-B991-FC1DAF0D2AEA}"/>
+                  </a:ext>
+                </a:extLst>
+              </p:cNvPr>
+              <p:cNvSpPr/>
+              <p:nvPr/>
+            </p:nvSpPr>
+            <p:spPr>
+              <a:xfrm>
+                <a:off x="2152070" y="1828800"/>
+                <a:ext cx="1371599" cy="1371600"/>
+              </a:xfrm>
+              <a:prstGeom prst="ellipse">
+                <a:avLst/>
+              </a:prstGeom>
+              <a:solidFill>
+                <a:schemeClr val="accent2">
+                  <a:lumMod val="75000"/>
+                </a:schemeClr>
+              </a:solidFill>
+            </p:spPr>
+            <p:style>
+              <a:lnRef idx="2">
+                <a:schemeClr val="accent1">
+                  <a:shade val="50000"/>
+                </a:schemeClr>
+              </a:lnRef>
+              <a:fillRef idx="1">
+                <a:schemeClr val="accent1"/>
+              </a:fillRef>
+              <a:effectRef idx="0">
+                <a:schemeClr val="accent1"/>
+              </a:effectRef>
+              <a:fontRef idx="minor">
+                <a:schemeClr val="lt1"/>
+              </a:fontRef>
+            </p:style>
+            <p:txBody>
+              <a:bodyPr rtlCol="0" anchor="ctr"/>
+              <a:lstStyle/>
+              <a:p>
+                <a:pPr algn="ctr"/>
+                <a:endParaRPr lang="en-US" dirty="0"/>
+              </a:p>
+            </p:txBody>
+          </p:sp>
+          <p:grpSp>
+            <p:nvGrpSpPr>
+              <p:cNvPr id="49" name="Group 48">
+                <a:extLst>
+                  <a:ext uri="{FF2B5EF4-FFF2-40B4-BE49-F238E27FC236}">
+                    <a16:creationId xmlns:a16="http://schemas.microsoft.com/office/drawing/2014/main" id="{4ECA95AB-8D45-4852-8F29-BD03292EE0D0}"/>
+                  </a:ext>
+                </a:extLst>
+              </p:cNvPr>
+              <p:cNvGrpSpPr/>
+              <p:nvPr/>
+            </p:nvGrpSpPr>
+            <p:grpSpPr>
+              <a:xfrm>
+                <a:off x="2419928" y="2103120"/>
+                <a:ext cx="835890" cy="822960"/>
+                <a:chOff x="4789982" y="1539240"/>
+                <a:chExt cx="835890" cy="822960"/>
+              </a:xfrm>
+            </p:grpSpPr>
+            <p:sp>
+              <p:nvSpPr>
+                <p:cNvPr id="50" name="Rectangle 49">
+                  <a:extLst>
+                    <a:ext uri="{FF2B5EF4-FFF2-40B4-BE49-F238E27FC236}">
+                      <a16:creationId xmlns:a16="http://schemas.microsoft.com/office/drawing/2014/main" id="{D0961BB1-C31B-40A7-AD2F-90BA1AA94790}"/>
+                    </a:ext>
+                  </a:extLst>
+                </p:cNvPr>
+                <p:cNvSpPr/>
+                <p:nvPr/>
+              </p:nvSpPr>
+              <p:spPr>
+                <a:xfrm>
+                  <a:off x="4789982" y="1539240"/>
+                  <a:ext cx="274320" cy="274320"/>
+                </a:xfrm>
+                <a:prstGeom prst="rect">
+                  <a:avLst/>
+                </a:prstGeom>
+                <a:noFill/>
+                <a:ln w="25400">
+                  <a:solidFill>
+                    <a:schemeClr val="bg2">
+                      <a:lumMod val="90000"/>
+                    </a:schemeClr>
+                  </a:solidFill>
+                </a:ln>
+              </p:spPr>
+              <p:style>
+                <a:lnRef idx="2">
+                  <a:schemeClr val="accent1">
+                    <a:shade val="50000"/>
+                  </a:schemeClr>
+                </a:lnRef>
+                <a:fillRef idx="1">
+                  <a:schemeClr val="accent1"/>
+                </a:fillRef>
+                <a:effectRef idx="0">
+                  <a:schemeClr val="accent1"/>
+                </a:effectRef>
+                <a:fontRef idx="minor">
+                  <a:schemeClr val="lt1"/>
+                </a:fontRef>
+              </p:style>
+              <p:txBody>
+                <a:bodyPr rtlCol="0" anchor="ctr"/>
+                <a:lstStyle/>
+                <a:p>
+                  <a:pPr algn="ctr"/>
+                  <a:endParaRPr lang="en-US" dirty="0"/>
+                </a:p>
+              </p:txBody>
+            </p:sp>
+            <p:sp>
+              <p:nvSpPr>
+                <p:cNvPr id="51" name="Rectangle 50">
+                  <a:extLst>
+                    <a:ext uri="{FF2B5EF4-FFF2-40B4-BE49-F238E27FC236}">
+                      <a16:creationId xmlns:a16="http://schemas.microsoft.com/office/drawing/2014/main" id="{D32F39D2-1BB3-4C87-9DC1-D009A1FACA4C}"/>
+                    </a:ext>
+                  </a:extLst>
+                </p:cNvPr>
+                <p:cNvSpPr/>
+                <p:nvPr/>
+              </p:nvSpPr>
+              <p:spPr>
+                <a:xfrm>
+                  <a:off x="5067534" y="1539240"/>
+                  <a:ext cx="274320" cy="274320"/>
+                </a:xfrm>
+                <a:prstGeom prst="rect">
+                  <a:avLst/>
+                </a:prstGeom>
+                <a:noFill/>
+                <a:ln w="25400">
+                  <a:solidFill>
+                    <a:schemeClr val="bg2">
+                      <a:lumMod val="90000"/>
+                    </a:schemeClr>
+                  </a:solidFill>
+                </a:ln>
+              </p:spPr>
+              <p:style>
+                <a:lnRef idx="2">
+                  <a:schemeClr val="accent1">
+                    <a:shade val="50000"/>
+                  </a:schemeClr>
+                </a:lnRef>
+                <a:fillRef idx="1">
+                  <a:schemeClr val="accent1"/>
+                </a:fillRef>
+                <a:effectRef idx="0">
+                  <a:schemeClr val="accent1"/>
+                </a:effectRef>
+                <a:fontRef idx="minor">
+                  <a:schemeClr val="lt1"/>
+                </a:fontRef>
+              </p:style>
+              <p:txBody>
+                <a:bodyPr rtlCol="0" anchor="ctr"/>
+                <a:lstStyle/>
+                <a:p>
+                  <a:pPr algn="ctr"/>
+                  <a:endParaRPr lang="en-US" dirty="0"/>
+                </a:p>
+              </p:txBody>
+            </p:sp>
+            <p:sp>
+              <p:nvSpPr>
+                <p:cNvPr id="52" name="Rectangle 51">
+                  <a:extLst>
+                    <a:ext uri="{FF2B5EF4-FFF2-40B4-BE49-F238E27FC236}">
+                      <a16:creationId xmlns:a16="http://schemas.microsoft.com/office/drawing/2014/main" id="{DCEA5F56-7050-4420-A914-ABC93204F6D9}"/>
+                    </a:ext>
+                  </a:extLst>
+                </p:cNvPr>
+                <p:cNvSpPr/>
+                <p:nvPr/>
+              </p:nvSpPr>
+              <p:spPr>
+                <a:xfrm>
+                  <a:off x="5351552" y="1539240"/>
+                  <a:ext cx="274320" cy="274320"/>
+                </a:xfrm>
+                <a:prstGeom prst="rect">
+                  <a:avLst/>
+                </a:prstGeom>
+                <a:noFill/>
+                <a:ln w="25400">
+                  <a:solidFill>
+                    <a:schemeClr val="bg2">
+                      <a:lumMod val="90000"/>
+                    </a:schemeClr>
+                  </a:solidFill>
+                </a:ln>
+              </p:spPr>
+              <p:style>
+                <a:lnRef idx="2">
+                  <a:schemeClr val="accent1">
+                    <a:shade val="50000"/>
+                  </a:schemeClr>
+                </a:lnRef>
+                <a:fillRef idx="1">
+                  <a:schemeClr val="accent1"/>
+                </a:fillRef>
+                <a:effectRef idx="0">
+                  <a:schemeClr val="accent1"/>
+                </a:effectRef>
+                <a:fontRef idx="minor">
+                  <a:schemeClr val="lt1"/>
+                </a:fontRef>
+              </p:style>
+              <p:txBody>
+                <a:bodyPr rtlCol="0" anchor="ctr"/>
+                <a:lstStyle/>
+                <a:p>
+                  <a:pPr algn="ctr"/>
+                  <a:endParaRPr lang="en-US" dirty="0"/>
+                </a:p>
+              </p:txBody>
+            </p:sp>
+            <p:sp>
+              <p:nvSpPr>
+                <p:cNvPr id="53" name="Rectangle 52">
+                  <a:extLst>
+                    <a:ext uri="{FF2B5EF4-FFF2-40B4-BE49-F238E27FC236}">
+                      <a16:creationId xmlns:a16="http://schemas.microsoft.com/office/drawing/2014/main" id="{643008BC-9B57-4AA2-8AC6-8F1DB68862A4}"/>
+                    </a:ext>
+                  </a:extLst>
+                </p:cNvPr>
+                <p:cNvSpPr/>
+                <p:nvPr/>
+              </p:nvSpPr>
+              <p:spPr>
+                <a:xfrm>
+                  <a:off x="4789982" y="1813560"/>
+                  <a:ext cx="274320" cy="274320"/>
+                </a:xfrm>
+                <a:prstGeom prst="rect">
+                  <a:avLst/>
+                </a:prstGeom>
+                <a:noFill/>
+                <a:ln w="25400">
+                  <a:solidFill>
+                    <a:schemeClr val="bg2">
+                      <a:lumMod val="90000"/>
+                    </a:schemeClr>
+                  </a:solidFill>
+                </a:ln>
+              </p:spPr>
+              <p:style>
+                <a:lnRef idx="2">
+                  <a:schemeClr val="accent1">
+                    <a:shade val="50000"/>
+                  </a:schemeClr>
+                </a:lnRef>
+                <a:fillRef idx="1">
+                  <a:schemeClr val="accent1"/>
+                </a:fillRef>
+                <a:effectRef idx="0">
+                  <a:schemeClr val="accent1"/>
+                </a:effectRef>
+                <a:fontRef idx="minor">
+                  <a:schemeClr val="lt1"/>
+                </a:fontRef>
+              </p:style>
+              <p:txBody>
+                <a:bodyPr rtlCol="0" anchor="ctr"/>
+                <a:lstStyle/>
+                <a:p>
+                  <a:pPr algn="ctr"/>
+                  <a:endParaRPr lang="en-US" dirty="0"/>
+                </a:p>
+              </p:txBody>
+            </p:sp>
+            <p:sp>
+              <p:nvSpPr>
+                <p:cNvPr id="54" name="Rectangle 53">
+                  <a:extLst>
+                    <a:ext uri="{FF2B5EF4-FFF2-40B4-BE49-F238E27FC236}">
+                      <a16:creationId xmlns:a16="http://schemas.microsoft.com/office/drawing/2014/main" id="{CFC7D46B-45D6-480D-82EE-343B01A9F219}"/>
+                    </a:ext>
+                  </a:extLst>
+                </p:cNvPr>
+                <p:cNvSpPr/>
+                <p:nvPr/>
+              </p:nvSpPr>
+              <p:spPr>
+                <a:xfrm>
+                  <a:off x="5067534" y="1813560"/>
+                  <a:ext cx="274320" cy="274320"/>
+                </a:xfrm>
+                <a:prstGeom prst="rect">
+                  <a:avLst/>
+                </a:prstGeom>
+                <a:noFill/>
+                <a:ln w="25400">
+                  <a:solidFill>
+                    <a:schemeClr val="bg2">
+                      <a:lumMod val="90000"/>
+                    </a:schemeClr>
+                  </a:solidFill>
+                </a:ln>
+              </p:spPr>
+              <p:style>
+                <a:lnRef idx="2">
+                  <a:schemeClr val="accent1">
+                    <a:shade val="50000"/>
+                  </a:schemeClr>
+                </a:lnRef>
+                <a:fillRef idx="1">
+                  <a:schemeClr val="accent1"/>
+                </a:fillRef>
+                <a:effectRef idx="0">
+                  <a:schemeClr val="accent1"/>
+                </a:effectRef>
+                <a:fontRef idx="minor">
+                  <a:schemeClr val="lt1"/>
+                </a:fontRef>
+              </p:style>
+              <p:txBody>
+                <a:bodyPr rtlCol="0" anchor="ctr"/>
+                <a:lstStyle/>
+                <a:p>
+                  <a:pPr algn="ctr"/>
+                  <a:endParaRPr lang="en-US" dirty="0"/>
+                </a:p>
+              </p:txBody>
+            </p:sp>
+            <p:sp>
+              <p:nvSpPr>
+                <p:cNvPr id="55" name="Rectangle 54">
+                  <a:extLst>
+                    <a:ext uri="{FF2B5EF4-FFF2-40B4-BE49-F238E27FC236}">
+                      <a16:creationId xmlns:a16="http://schemas.microsoft.com/office/drawing/2014/main" id="{CB2823E4-7A8B-4D68-AB1F-A42AD80DE0AC}"/>
+                    </a:ext>
+                  </a:extLst>
+                </p:cNvPr>
+                <p:cNvSpPr/>
+                <p:nvPr/>
+              </p:nvSpPr>
+              <p:spPr>
+                <a:xfrm>
+                  <a:off x="5351552" y="1813560"/>
+                  <a:ext cx="274320" cy="274320"/>
+                </a:xfrm>
+                <a:prstGeom prst="rect">
+                  <a:avLst/>
+                </a:prstGeom>
+                <a:noFill/>
+                <a:ln w="25400">
+                  <a:solidFill>
+                    <a:schemeClr val="bg2">
+                      <a:lumMod val="90000"/>
+                    </a:schemeClr>
+                  </a:solidFill>
+                </a:ln>
+              </p:spPr>
+              <p:style>
+                <a:lnRef idx="2">
+                  <a:schemeClr val="accent1">
+                    <a:shade val="50000"/>
+                  </a:schemeClr>
+                </a:lnRef>
+                <a:fillRef idx="1">
+                  <a:schemeClr val="accent1"/>
+                </a:fillRef>
+                <a:effectRef idx="0">
+                  <a:schemeClr val="accent1"/>
+                </a:effectRef>
+                <a:fontRef idx="minor">
+                  <a:schemeClr val="lt1"/>
+                </a:fontRef>
+              </p:style>
+              <p:txBody>
+                <a:bodyPr rtlCol="0" anchor="ctr"/>
+                <a:lstStyle/>
+                <a:p>
+                  <a:pPr algn="ctr"/>
+                  <a:endParaRPr lang="en-US" dirty="0"/>
+                </a:p>
+              </p:txBody>
+            </p:sp>
+            <p:sp>
+              <p:nvSpPr>
+                <p:cNvPr id="56" name="Rectangle 55">
+                  <a:extLst>
+                    <a:ext uri="{FF2B5EF4-FFF2-40B4-BE49-F238E27FC236}">
+                      <a16:creationId xmlns:a16="http://schemas.microsoft.com/office/drawing/2014/main" id="{B268E4ED-577F-4234-A06D-7C7FEFA2740B}"/>
+                    </a:ext>
+                  </a:extLst>
+                </p:cNvPr>
+                <p:cNvSpPr/>
+                <p:nvPr/>
+              </p:nvSpPr>
+              <p:spPr>
+                <a:xfrm>
+                  <a:off x="4789982" y="2087880"/>
+                  <a:ext cx="274320" cy="274320"/>
+                </a:xfrm>
+                <a:prstGeom prst="rect">
+                  <a:avLst/>
+                </a:prstGeom>
+                <a:noFill/>
+                <a:ln w="25400">
+                  <a:solidFill>
+                    <a:schemeClr val="bg2">
+                      <a:lumMod val="90000"/>
+                    </a:schemeClr>
+                  </a:solidFill>
+                </a:ln>
+              </p:spPr>
+              <p:style>
+                <a:lnRef idx="2">
+                  <a:schemeClr val="accent1">
+                    <a:shade val="50000"/>
+                  </a:schemeClr>
+                </a:lnRef>
+                <a:fillRef idx="1">
+                  <a:schemeClr val="accent1"/>
+                </a:fillRef>
+                <a:effectRef idx="0">
+                  <a:schemeClr val="accent1"/>
+                </a:effectRef>
+                <a:fontRef idx="minor">
+                  <a:schemeClr val="lt1"/>
+                </a:fontRef>
+              </p:style>
+              <p:txBody>
+                <a:bodyPr rtlCol="0" anchor="ctr"/>
+                <a:lstStyle/>
+                <a:p>
+                  <a:pPr algn="ctr"/>
+                  <a:endParaRPr lang="en-US" dirty="0"/>
+                </a:p>
+              </p:txBody>
+            </p:sp>
+            <p:sp>
+              <p:nvSpPr>
+                <p:cNvPr id="57" name="Rectangle 56">
+                  <a:extLst>
+                    <a:ext uri="{FF2B5EF4-FFF2-40B4-BE49-F238E27FC236}">
+                      <a16:creationId xmlns:a16="http://schemas.microsoft.com/office/drawing/2014/main" id="{2373F757-9D63-45BE-B1E5-09B040539889}"/>
+                    </a:ext>
+                  </a:extLst>
+                </p:cNvPr>
+                <p:cNvSpPr/>
+                <p:nvPr/>
+              </p:nvSpPr>
+              <p:spPr>
+                <a:xfrm>
+                  <a:off x="5067535" y="2087881"/>
+                  <a:ext cx="274322" cy="274319"/>
+                </a:xfrm>
+                <a:prstGeom prst="rect">
+                  <a:avLst/>
+                </a:prstGeom>
+                <a:noFill/>
+                <a:ln w="25400">
+                  <a:solidFill>
+                    <a:schemeClr val="bg2">
+                      <a:lumMod val="90000"/>
+                    </a:schemeClr>
+                  </a:solidFill>
+                </a:ln>
+              </p:spPr>
+              <p:style>
+                <a:lnRef idx="2">
+                  <a:schemeClr val="accent1">
+                    <a:shade val="50000"/>
+                  </a:schemeClr>
+                </a:lnRef>
+                <a:fillRef idx="1">
+                  <a:schemeClr val="accent1"/>
+                </a:fillRef>
+                <a:effectRef idx="0">
+                  <a:schemeClr val="accent1"/>
+                </a:effectRef>
+                <a:fontRef idx="minor">
+                  <a:schemeClr val="lt1"/>
+                </a:fontRef>
+              </p:style>
+              <p:txBody>
+                <a:bodyPr rtlCol="0" anchor="ctr"/>
+                <a:lstStyle/>
+                <a:p>
+                  <a:pPr algn="ctr"/>
+                  <a:endParaRPr lang="en-US" dirty="0"/>
+                </a:p>
+              </p:txBody>
+            </p:sp>
+            <p:sp>
+              <p:nvSpPr>
+                <p:cNvPr id="58" name="Rectangle 57">
+                  <a:extLst>
+                    <a:ext uri="{FF2B5EF4-FFF2-40B4-BE49-F238E27FC236}">
+                      <a16:creationId xmlns:a16="http://schemas.microsoft.com/office/drawing/2014/main" id="{C563AB54-C6A1-4E86-A01D-727279A76462}"/>
+                    </a:ext>
+                  </a:extLst>
+                </p:cNvPr>
+                <p:cNvSpPr/>
+                <p:nvPr/>
+              </p:nvSpPr>
+              <p:spPr>
+                <a:xfrm>
+                  <a:off x="5351552" y="2087880"/>
+                  <a:ext cx="274320" cy="274320"/>
+                </a:xfrm>
+                <a:prstGeom prst="rect">
+                  <a:avLst/>
+                </a:prstGeom>
+                <a:noFill/>
+                <a:ln w="25400">
+                  <a:solidFill>
+                    <a:schemeClr val="bg2">
+                      <a:lumMod val="90000"/>
+                    </a:schemeClr>
+                  </a:solidFill>
+                </a:ln>
+              </p:spPr>
+              <p:style>
+                <a:lnRef idx="2">
+                  <a:schemeClr val="accent1">
+                    <a:shade val="50000"/>
+                  </a:schemeClr>
+                </a:lnRef>
+                <a:fillRef idx="1">
+                  <a:schemeClr val="accent1"/>
+                </a:fillRef>
+                <a:effectRef idx="0">
+                  <a:schemeClr val="accent1"/>
+                </a:effectRef>
+                <a:fontRef idx="minor">
+                  <a:schemeClr val="lt1"/>
+                </a:fontRef>
+              </p:style>
+              <p:txBody>
+                <a:bodyPr rtlCol="0" anchor="ctr"/>
+                <a:lstStyle/>
+                <a:p>
+                  <a:pPr algn="ctr"/>
+                  <a:endParaRPr lang="en-US" dirty="0"/>
+                </a:p>
+              </p:txBody>
+            </p:sp>
+          </p:grpSp>
+        </p:grpSp>
+        <p:cxnSp>
+          <p:nvCxnSpPr>
+            <p:cNvPr id="72" name="Straight Arrow Connector 71">
+              <a:extLst>
+                <a:ext uri="{FF2B5EF4-FFF2-40B4-BE49-F238E27FC236}">
+                  <a16:creationId xmlns:a16="http://schemas.microsoft.com/office/drawing/2014/main" id="{9B3E2C18-2B1A-4A19-A551-9582606C3BB9}"/>
+                </a:ext>
+              </a:extLst>
+            </p:cNvPr>
+            <p:cNvCxnSpPr>
+              <a:cxnSpLocks/>
+            </p:cNvCxnSpPr>
+            <p:nvPr/>
+          </p:nvCxnSpPr>
+          <p:spPr>
+            <a:xfrm>
+              <a:off x="6225789" y="2551547"/>
+              <a:ext cx="0" cy="1311563"/>
+            </a:xfrm>
+            <a:prstGeom prst="straightConnector1">
+              <a:avLst/>
+            </a:prstGeom>
+            <a:ln w="76200">
+              <a:solidFill>
+                <a:schemeClr val="accent1">
+                  <a:lumMod val="75000"/>
+                </a:schemeClr>
+              </a:solidFill>
+              <a:tailEnd type="triangle"/>
+            </a:ln>
+          </p:spPr>
+          <p:style>
+            <a:lnRef idx="1">
+              <a:schemeClr val="accent1"/>
+            </a:lnRef>
+            <a:fillRef idx="0">
+              <a:schemeClr val="accent1"/>
+            </a:fillRef>
+            <a:effectRef idx="0">
+              <a:schemeClr val="accent1"/>
+            </a:effectRef>
+            <a:fontRef idx="minor">
+              <a:schemeClr val="tx1"/>
+            </a:fontRef>
+          </p:style>
+        </p:cxnSp>
+        <p:sp>
+          <p:nvSpPr>
+            <p:cNvPr id="42" name="Rectangle 41">
+              <a:extLst>
+                <a:ext uri="{FF2B5EF4-FFF2-40B4-BE49-F238E27FC236}">
+                  <a16:creationId xmlns:a16="http://schemas.microsoft.com/office/drawing/2014/main" id="{6CCE9FB9-9123-45CC-A390-0562C04C0CAF}"/>
+                </a:ext>
+              </a:extLst>
+            </p:cNvPr>
+            <p:cNvSpPr/>
+            <p:nvPr/>
+          </p:nvSpPr>
+          <p:spPr>
+            <a:xfrm>
+              <a:off x="1073659" y="1892686"/>
+              <a:ext cx="2762295" cy="2246769"/>
+            </a:xfrm>
+            <a:prstGeom prst="rect">
+              <a:avLst/>
+            </a:prstGeom>
+          </p:spPr>
+          <p:txBody>
+            <a:bodyPr wrap="none">
+              <a:spAutoFit/>
+            </a:bodyPr>
+            <a:lstStyle/>
+            <a:p>
+              <a:pPr algn="r"/>
+              <a:r>
+                <a:rPr lang="en-US" sz="2800" b="1" dirty="0">
+                  <a:solidFill>
+                    <a:schemeClr val="accent2">
+                      <a:lumMod val="75000"/>
+                    </a:schemeClr>
+                  </a:solidFill>
+                  <a:latin typeface="Courier New" panose="02070309020205020404" pitchFamily="49" charset="0"/>
+                  <a:cs typeface="Courier New" panose="02070309020205020404" pitchFamily="49" charset="0"/>
+                </a:rPr>
+                <a:t>Ingredients:</a:t>
+              </a:r>
+            </a:p>
+            <a:p>
+              <a:pPr algn="r"/>
+              <a:r>
+                <a:rPr lang="en-US" sz="2800" b="1" dirty="0">
+                  <a:solidFill>
+                    <a:srgbClr val="4472C4">
+                      <a:lumMod val="50000"/>
+                    </a:srgbClr>
+                  </a:solidFill>
+                  <a:latin typeface="Courier New" panose="02070309020205020404" pitchFamily="49" charset="0"/>
+                  <a:cs typeface="Courier New" panose="02070309020205020404" pitchFamily="49" charset="0"/>
+                </a:rPr>
+                <a:t>Step 1.</a:t>
+              </a:r>
+            </a:p>
+            <a:p>
+              <a:pPr algn="r"/>
+              <a:r>
+                <a:rPr lang="en-US" sz="2800" b="1" dirty="0">
+                  <a:solidFill>
+                    <a:srgbClr val="4472C4">
+                      <a:lumMod val="50000"/>
+                    </a:srgbClr>
+                  </a:solidFill>
+                  <a:latin typeface="Courier New" panose="02070309020205020404" pitchFamily="49" charset="0"/>
+                  <a:cs typeface="Courier New" panose="02070309020205020404" pitchFamily="49" charset="0"/>
+                </a:rPr>
+                <a:t>Step 2.</a:t>
+              </a:r>
+            </a:p>
+            <a:p>
+              <a:pPr algn="r"/>
+              <a:r>
+                <a:rPr lang="en-US" sz="2800" b="1" dirty="0">
+                  <a:solidFill>
+                    <a:srgbClr val="4472C4">
+                      <a:lumMod val="50000"/>
+                    </a:srgbClr>
+                  </a:solidFill>
+                  <a:latin typeface="Courier New" panose="02070309020205020404" pitchFamily="49" charset="0"/>
+                  <a:cs typeface="Courier New" panose="02070309020205020404" pitchFamily="49" charset="0"/>
+                </a:rPr>
+                <a:t>Step 3.</a:t>
+              </a:r>
+            </a:p>
+            <a:p>
+              <a:pPr algn="r"/>
+              <a:r>
+                <a:rPr lang="en-US" sz="2800" b="1" dirty="0">
+                  <a:solidFill>
+                    <a:srgbClr val="4472C4">
+                      <a:lumMod val="50000"/>
+                    </a:srgbClr>
+                  </a:solidFill>
+                  <a:latin typeface="Courier New" panose="02070309020205020404" pitchFamily="49" charset="0"/>
+                  <a:cs typeface="Courier New" panose="02070309020205020404" pitchFamily="49" charset="0"/>
+                </a:rPr>
+                <a:t>Step 4.</a:t>
+              </a:r>
+              <a:endParaRPr lang="en-US" dirty="0"/>
+            </a:p>
+          </p:txBody>
+        </p:sp>
+        <p:sp>
+          <p:nvSpPr>
+            <p:cNvPr id="73" name="TextBox 72">
+              <a:extLst>
+                <a:ext uri="{FF2B5EF4-FFF2-40B4-BE49-F238E27FC236}">
+                  <a16:creationId xmlns:a16="http://schemas.microsoft.com/office/drawing/2014/main" id="{1CEA5443-13F2-4E7D-BB49-BD93D404A0BD}"/>
+                </a:ext>
+              </a:extLst>
+            </p:cNvPr>
+            <p:cNvSpPr txBox="1"/>
+            <p:nvPr/>
+          </p:nvSpPr>
+          <p:spPr>
+            <a:xfrm>
+              <a:off x="3708722" y="4890457"/>
+              <a:ext cx="2289957" cy="923330"/>
+            </a:xfrm>
+            <a:prstGeom prst="rect">
+              <a:avLst/>
+            </a:prstGeom>
+            <a:noFill/>
+          </p:spPr>
+          <p:txBody>
+            <a:bodyPr wrap="square" rtlCol="0">
+              <a:spAutoFit/>
+            </a:bodyPr>
+            <a:lstStyle/>
+            <a:p>
+              <a:pPr algn="ctr"/>
+              <a:r>
+                <a:rPr lang="en-US" dirty="0">
+                  <a:solidFill>
+                    <a:schemeClr val="tx1">
+                      <a:lumMod val="50000"/>
+                      <a:lumOff val="50000"/>
+                    </a:schemeClr>
+                  </a:solidFill>
+                </a:rPr>
+                <a:t>Data verbs can be chained since they return a data frame</a:t>
+              </a:r>
+            </a:p>
+          </p:txBody>
+        </p:sp>
+        <p:cxnSp>
+          <p:nvCxnSpPr>
+            <p:cNvPr id="46" name="Straight Arrow Connector 45">
+              <a:extLst>
+                <a:ext uri="{FF2B5EF4-FFF2-40B4-BE49-F238E27FC236}">
+                  <a16:creationId xmlns:a16="http://schemas.microsoft.com/office/drawing/2014/main" id="{ACF5BF88-2A93-4BDC-9B9A-136F87496C82}"/>
+                </a:ext>
+              </a:extLst>
+            </p:cNvPr>
+            <p:cNvCxnSpPr>
+              <a:cxnSpLocks/>
+            </p:cNvCxnSpPr>
+            <p:nvPr/>
+          </p:nvCxnSpPr>
+          <p:spPr>
+            <a:xfrm flipV="1">
+              <a:off x="4858327" y="4204107"/>
+              <a:ext cx="0" cy="606352"/>
+            </a:xfrm>
+            <a:prstGeom prst="straightConnector1">
+              <a:avLst/>
+            </a:prstGeom>
+            <a:ln w="34925">
+              <a:solidFill>
+                <a:schemeClr val="tx1">
+                  <a:lumMod val="50000"/>
+                  <a:lumOff val="50000"/>
+                </a:schemeClr>
+              </a:solidFill>
+              <a:tailEnd type="triangle"/>
+            </a:ln>
+          </p:spPr>
+          <p:style>
+            <a:lnRef idx="1">
+              <a:schemeClr val="accent1"/>
+            </a:lnRef>
+            <a:fillRef idx="0">
+              <a:schemeClr val="accent1"/>
+            </a:fillRef>
+            <a:effectRef idx="0">
+              <a:schemeClr val="accent1"/>
+            </a:effectRef>
+            <a:fontRef idx="minor">
+              <a:schemeClr val="tx1"/>
+            </a:fontRef>
+          </p:style>
+        </p:cxnSp>
+        <p:sp>
+          <p:nvSpPr>
+            <p:cNvPr id="77" name="TextBox 76">
+              <a:extLst>
+                <a:ext uri="{FF2B5EF4-FFF2-40B4-BE49-F238E27FC236}">
+                  <a16:creationId xmlns:a16="http://schemas.microsoft.com/office/drawing/2014/main" id="{17186863-7D5D-494A-9404-345F155C5CEF}"/>
+                </a:ext>
+              </a:extLst>
+            </p:cNvPr>
+            <p:cNvSpPr txBox="1"/>
+            <p:nvPr/>
+          </p:nvSpPr>
+          <p:spPr>
+            <a:xfrm>
+              <a:off x="7271093" y="4890457"/>
+              <a:ext cx="2009115" cy="923330"/>
+            </a:xfrm>
+            <a:prstGeom prst="rect">
+              <a:avLst/>
+            </a:prstGeom>
+            <a:noFill/>
+          </p:spPr>
+          <p:txBody>
+            <a:bodyPr wrap="square" rtlCol="0">
+              <a:spAutoFit/>
+            </a:bodyPr>
+            <a:lstStyle/>
+            <a:p>
+              <a:pPr algn="ctr"/>
+              <a:r>
+                <a:rPr lang="en-US" dirty="0">
+                  <a:solidFill>
+                    <a:schemeClr val="tx1">
+                      <a:lumMod val="50000"/>
+                      <a:lumOff val="50000"/>
+                    </a:schemeClr>
+                  </a:solidFill>
+                </a:rPr>
+                <a:t>Pipe operators pass the new dataset to the next line</a:t>
+              </a:r>
+            </a:p>
+          </p:txBody>
+        </p:sp>
+        <p:cxnSp>
+          <p:nvCxnSpPr>
+            <p:cNvPr id="78" name="Straight Arrow Connector 77">
+              <a:extLst>
+                <a:ext uri="{FF2B5EF4-FFF2-40B4-BE49-F238E27FC236}">
+                  <a16:creationId xmlns:a16="http://schemas.microsoft.com/office/drawing/2014/main" id="{E1F09D2C-99A5-46E0-8F94-432437E4BAE1}"/>
+                </a:ext>
+              </a:extLst>
+            </p:cNvPr>
+            <p:cNvCxnSpPr>
+              <a:cxnSpLocks/>
+            </p:cNvCxnSpPr>
+            <p:nvPr/>
+          </p:nvCxnSpPr>
+          <p:spPr>
+            <a:xfrm flipV="1">
+              <a:off x="8275651" y="4214780"/>
+              <a:ext cx="0" cy="606352"/>
+            </a:xfrm>
+            <a:prstGeom prst="straightConnector1">
+              <a:avLst/>
+            </a:prstGeom>
+            <a:ln w="38100">
+              <a:solidFill>
+                <a:schemeClr val="tx1">
+                  <a:lumMod val="50000"/>
+                  <a:lumOff val="50000"/>
+                </a:schemeClr>
+              </a:solidFill>
+              <a:tailEnd type="triangle"/>
+            </a:ln>
+          </p:spPr>
+          <p:style>
+            <a:lnRef idx="1">
+              <a:schemeClr val="accent1"/>
+            </a:lnRef>
+            <a:fillRef idx="0">
+              <a:schemeClr val="accent1"/>
+            </a:fillRef>
+            <a:effectRef idx="0">
+              <a:schemeClr val="accent1"/>
+            </a:effectRef>
+            <a:fontRef idx="minor">
+              <a:schemeClr val="tx1"/>
+            </a:fontRef>
+          </p:style>
+        </p:cxnSp>
+      </p:grpSp>
+    </p:spTree>
+    <p:extLst>
+      <p:ext uri="{BB962C8B-B14F-4D97-AF65-F5344CB8AC3E}">
+        <p14:creationId xmlns:p14="http://schemas.microsoft.com/office/powerpoint/2010/main" val="3652807970"/>
+      </p:ext>
+    </p:extLst>
+  </p:cSld>
+  <p:clrMapOvr>
+    <a:masterClrMapping/>
+  </p:clrMapOvr>
+</p:sld>
+</file>
+
+<file path=ppt/slides/slide34.xml><?xml version="1.0" encoding="utf-8"?>
+<p:sld xmlns:a="http://schemas.openxmlformats.org/drawingml/2006/main" xmlns:r="http://schemas.openxmlformats.org/officeDocument/2006/relationships" xmlns:p="http://schemas.openxmlformats.org/presentationml/2006/main">
+  <p:cSld>
+    <p:spTree>
+      <p:nvGrpSpPr>
+        <p:cNvPr id="1" name=""/>
+        <p:cNvGrpSpPr/>
+        <p:nvPr/>
+      </p:nvGrpSpPr>
+      <p:grpSpPr>
+        <a:xfrm>
+          <a:off x="0" y="0"/>
+          <a:ext cx="0" cy="0"/>
+          <a:chOff x="0" y="0"/>
+          <a:chExt cx="0" cy="0"/>
+        </a:xfrm>
+      </p:grpSpPr>
+      <p:sp>
+        <p:nvSpPr>
+          <p:cNvPr id="2" name="Title 1">
+            <a:extLst>
+              <a:ext uri="{FF2B5EF4-FFF2-40B4-BE49-F238E27FC236}">
+                <a16:creationId xmlns:a16="http://schemas.microsoft.com/office/drawing/2014/main" id="{C3E91257-D87C-4840-A261-90D4AAD679DD}"/>
+              </a:ext>
+            </a:extLst>
+          </p:cNvPr>
+          <p:cNvSpPr>
+            <a:spLocks noGrp="1"/>
+          </p:cNvSpPr>
+          <p:nvPr>
+            <p:ph type="title"/>
+          </p:nvPr>
+        </p:nvSpPr>
+        <p:spPr/>
+        <p:txBody>
+          <a:bodyPr/>
+          <a:lstStyle/>
+          <a:p>
+            <a:r>
+              <a:rPr lang="en-US" dirty="0"/>
+              <a:t>visualization</a:t>
+            </a:r>
+          </a:p>
+        </p:txBody>
+      </p:sp>
+      <p:sp>
+        <p:nvSpPr>
+          <p:cNvPr id="3" name="Text Placeholder 2">
+            <a:extLst>
+              <a:ext uri="{FF2B5EF4-FFF2-40B4-BE49-F238E27FC236}">
+                <a16:creationId xmlns:a16="http://schemas.microsoft.com/office/drawing/2014/main" id="{B385B385-6883-48F8-8189-E078AB33AEEF}"/>
+              </a:ext>
+            </a:extLst>
+          </p:cNvPr>
+          <p:cNvSpPr>
+            <a:spLocks noGrp="1"/>
+          </p:cNvSpPr>
+          <p:nvPr>
+            <p:ph type="body" idx="1"/>
+          </p:nvPr>
+        </p:nvSpPr>
+        <p:spPr/>
+        <p:txBody>
+          <a:bodyPr/>
+          <a:lstStyle/>
+          <a:p>
+            <a:endParaRPr lang="en-US"/>
+          </a:p>
+        </p:txBody>
+      </p:sp>
+    </p:spTree>
+    <p:extLst>
+      <p:ext uri="{BB962C8B-B14F-4D97-AF65-F5344CB8AC3E}">
+        <p14:creationId xmlns:p14="http://schemas.microsoft.com/office/powerpoint/2010/main" val="2593869495"/>
+      </p:ext>
+    </p:extLst>
+  </p:cSld>
+  <p:clrMapOvr>
+    <a:masterClrMapping/>
+  </p:clrMapOvr>
+</p:sld>
+</file>
+
+<file path=ppt/slides/slide35.xml><?xml version="1.0" encoding="utf-8"?>
+<p:sld xmlns:a="http://schemas.openxmlformats.org/drawingml/2006/main" xmlns:r="http://schemas.openxmlformats.org/officeDocument/2006/relationships" xmlns:p="http://schemas.openxmlformats.org/presentationml/2006/main">
+  <p:cSld>
+    <p:spTree>
+      <p:nvGrpSpPr>
+        <p:cNvPr id="1" name=""/>
+        <p:cNvGrpSpPr/>
+        <p:nvPr/>
+      </p:nvGrpSpPr>
+      <p:grpSpPr>
+        <a:xfrm>
+          <a:off x="0" y="0"/>
+          <a:ext cx="0" cy="0"/>
+          <a:chOff x="0" y="0"/>
+          <a:chExt cx="0" cy="0"/>
+        </a:xfrm>
+      </p:grpSpPr>
+      <p:grpSp>
+        <p:nvGrpSpPr>
+          <p:cNvPr id="29" name="Group 28">
+            <a:extLst>
+              <a:ext uri="{FF2B5EF4-FFF2-40B4-BE49-F238E27FC236}">
+                <a16:creationId xmlns:a16="http://schemas.microsoft.com/office/drawing/2014/main" id="{77310A5C-E2E3-497D-BD54-640B8F6858D0}"/>
+              </a:ext>
+            </a:extLst>
+          </p:cNvPr>
+          <p:cNvGrpSpPr/>
+          <p:nvPr/>
+        </p:nvGrpSpPr>
+        <p:grpSpPr>
+          <a:xfrm>
+            <a:off x="1809319" y="878384"/>
+            <a:ext cx="6493079" cy="4236440"/>
+            <a:chOff x="1809319" y="878384"/>
+            <a:chExt cx="6493079" cy="4236440"/>
+          </a:xfrm>
+        </p:grpSpPr>
+        <p:sp>
+          <p:nvSpPr>
+            <p:cNvPr id="2" name="Rectangle 1">
+              <a:extLst>
+                <a:ext uri="{FF2B5EF4-FFF2-40B4-BE49-F238E27FC236}">
+                  <a16:creationId xmlns:a16="http://schemas.microsoft.com/office/drawing/2014/main" id="{47640FFE-AC8D-49D3-B2DF-3CD6F7A29C9C}"/>
+                </a:ext>
+              </a:extLst>
+            </p:cNvPr>
+            <p:cNvSpPr/>
+            <p:nvPr/>
+          </p:nvSpPr>
+          <p:spPr>
+            <a:xfrm>
+              <a:off x="1809319" y="878384"/>
+              <a:ext cx="6493079" cy="4236440"/>
+            </a:xfrm>
+            <a:prstGeom prst="rect">
+              <a:avLst/>
+            </a:prstGeom>
+            <a:noFill/>
+            <a:ln w="57150">
+              <a:solidFill>
+                <a:schemeClr val="bg2">
+                  <a:lumMod val="90000"/>
+                </a:schemeClr>
+              </a:solidFill>
+            </a:ln>
+          </p:spPr>
+          <p:style>
+            <a:lnRef idx="2">
+              <a:schemeClr val="accent1">
+                <a:shade val="50000"/>
+              </a:schemeClr>
+            </a:lnRef>
+            <a:fillRef idx="1">
+              <a:schemeClr val="accent1"/>
+            </a:fillRef>
+            <a:effectRef idx="0">
+              <a:schemeClr val="accent1"/>
+            </a:effectRef>
+            <a:fontRef idx="minor">
+              <a:schemeClr val="lt1"/>
+            </a:fontRef>
+          </p:style>
+          <p:txBody>
+            <a:bodyPr rtlCol="0" anchor="ctr"/>
+            <a:lstStyle/>
+            <a:p>
+              <a:pPr algn="ctr"/>
+              <a:endParaRPr lang="en-US"/>
+            </a:p>
+          </p:txBody>
+        </p:sp>
+        <p:pic>
+          <p:nvPicPr>
+            <p:cNvPr id="5" name="Picture 4">
+              <a:extLst>
+                <a:ext uri="{FF2B5EF4-FFF2-40B4-BE49-F238E27FC236}">
+                  <a16:creationId xmlns:a16="http://schemas.microsoft.com/office/drawing/2014/main" id="{8C2A4846-66A1-4E0D-A696-1E312A91950B}"/>
+                </a:ext>
+              </a:extLst>
+            </p:cNvPr>
+            <p:cNvPicPr>
+              <a:picLocks noChangeAspect="1"/>
+            </p:cNvPicPr>
+            <p:nvPr/>
+          </p:nvPicPr>
+          <p:blipFill>
+            <a:blip r:embed="rId2"/>
+            <a:stretch>
+              <a:fillRect/>
+            </a:stretch>
+          </p:blipFill>
+          <p:spPr>
+            <a:xfrm>
+              <a:off x="2040104" y="1289184"/>
+              <a:ext cx="5842845" cy="3532026"/>
+            </a:xfrm>
+            <a:prstGeom prst="rect">
+              <a:avLst/>
+            </a:prstGeom>
+          </p:spPr>
+        </p:pic>
+        <p:sp>
+          <p:nvSpPr>
+            <p:cNvPr id="7" name="Rectangle 6">
+              <a:extLst>
+                <a:ext uri="{FF2B5EF4-FFF2-40B4-BE49-F238E27FC236}">
+                  <a16:creationId xmlns:a16="http://schemas.microsoft.com/office/drawing/2014/main" id="{1C09AC02-9720-44A2-93F4-34058ABA6595}"/>
+                </a:ext>
+              </a:extLst>
+            </p:cNvPr>
+            <p:cNvSpPr/>
+            <p:nvPr/>
+          </p:nvSpPr>
+          <p:spPr>
+            <a:xfrm>
+              <a:off x="2590894" y="4066199"/>
+              <a:ext cx="285226" cy="243281"/>
+            </a:xfrm>
+            <a:prstGeom prst="rect">
+              <a:avLst/>
+            </a:prstGeom>
+            <a:solidFill>
+              <a:schemeClr val="bg1"/>
+            </a:solidFill>
+            <a:ln>
+              <a:noFill/>
+            </a:ln>
+          </p:spPr>
+          <p:style>
+            <a:lnRef idx="2">
+              <a:schemeClr val="accent1">
+                <a:shade val="50000"/>
+              </a:schemeClr>
+            </a:lnRef>
+            <a:fillRef idx="1">
+              <a:schemeClr val="accent1"/>
+            </a:fillRef>
+            <a:effectRef idx="0">
+              <a:schemeClr val="accent1"/>
+            </a:effectRef>
+            <a:fontRef idx="minor">
+              <a:schemeClr val="lt1"/>
+            </a:fontRef>
+          </p:style>
+          <p:txBody>
+            <a:bodyPr rtlCol="0" anchor="ctr"/>
+            <a:lstStyle/>
+            <a:p>
+              <a:pPr algn="ctr"/>
+              <a:endParaRPr lang="en-US"/>
+            </a:p>
+          </p:txBody>
+        </p:sp>
+        <p:sp>
+          <p:nvSpPr>
+            <p:cNvPr id="6" name="Rectangle 5">
+              <a:extLst>
+                <a:ext uri="{FF2B5EF4-FFF2-40B4-BE49-F238E27FC236}">
+                  <a16:creationId xmlns:a16="http://schemas.microsoft.com/office/drawing/2014/main" id="{B3DAECBC-14E8-4DD5-8F2A-9892B074F0B0}"/>
+                </a:ext>
+              </a:extLst>
+            </p:cNvPr>
+            <p:cNvSpPr/>
+            <p:nvPr/>
+          </p:nvSpPr>
+          <p:spPr>
+            <a:xfrm>
+              <a:off x="2590893" y="1608227"/>
+              <a:ext cx="5191387" cy="2676088"/>
+            </a:xfrm>
+            <a:prstGeom prst="rect">
+              <a:avLst/>
+            </a:prstGeom>
+            <a:noFill/>
+            <a:ln w="6350">
+              <a:solidFill>
+                <a:schemeClr val="bg2">
+                  <a:lumMod val="75000"/>
+                </a:schemeClr>
+              </a:solidFill>
+            </a:ln>
+          </p:spPr>
+          <p:style>
+            <a:lnRef idx="2">
+              <a:schemeClr val="accent1">
+                <a:shade val="50000"/>
+              </a:schemeClr>
+            </a:lnRef>
+            <a:fillRef idx="1">
+              <a:schemeClr val="accent1"/>
+            </a:fillRef>
+            <a:effectRef idx="0">
+              <a:schemeClr val="accent1"/>
+            </a:effectRef>
+            <a:fontRef idx="minor">
+              <a:schemeClr val="lt1"/>
+            </a:fontRef>
+          </p:style>
+          <p:txBody>
+            <a:bodyPr rtlCol="0" anchor="ctr"/>
+            <a:lstStyle/>
+            <a:p>
+              <a:pPr algn="ctr"/>
+              <a:endParaRPr lang="en-US"/>
+            </a:p>
+          </p:txBody>
+        </p:sp>
+        <p:sp>
+          <p:nvSpPr>
+            <p:cNvPr id="36" name="Oval 35">
+              <a:extLst>
+                <a:ext uri="{FF2B5EF4-FFF2-40B4-BE49-F238E27FC236}">
+                  <a16:creationId xmlns:a16="http://schemas.microsoft.com/office/drawing/2014/main" id="{0B3D2143-71AB-4BCC-888D-2139F94047E1}"/>
+                </a:ext>
+              </a:extLst>
+            </p:cNvPr>
+            <p:cNvSpPr/>
+            <p:nvPr/>
+          </p:nvSpPr>
+          <p:spPr>
+            <a:xfrm>
+              <a:off x="5131168" y="2479334"/>
+              <a:ext cx="256032" cy="256032"/>
+            </a:xfrm>
+            <a:prstGeom prst="ellipse">
+              <a:avLst/>
+            </a:prstGeom>
+            <a:noFill/>
+            <a:ln w="9525">
+              <a:solidFill>
+                <a:schemeClr val="tx1">
+                  <a:lumMod val="85000"/>
+                  <a:lumOff val="15000"/>
+                </a:schemeClr>
+              </a:solidFill>
+            </a:ln>
+          </p:spPr>
+          <p:style>
+            <a:lnRef idx="2">
+              <a:schemeClr val="accent1">
+                <a:shade val="50000"/>
+              </a:schemeClr>
+            </a:lnRef>
+            <a:fillRef idx="1">
+              <a:schemeClr val="accent1"/>
+            </a:fillRef>
+            <a:effectRef idx="0">
+              <a:schemeClr val="accent1"/>
+            </a:effectRef>
+            <a:fontRef idx="minor">
+              <a:schemeClr val="lt1"/>
+            </a:fontRef>
+          </p:style>
+          <p:txBody>
+            <a:bodyPr rtlCol="0" anchor="ctr"/>
+            <a:lstStyle/>
+            <a:p>
+              <a:pPr algn="ctr"/>
+              <a:endParaRPr lang="en-US">
+                <a:solidFill>
+                  <a:schemeClr val="tx1">
+                    <a:lumMod val="65000"/>
+                    <a:lumOff val="35000"/>
+                  </a:schemeClr>
+                </a:solidFill>
+              </a:endParaRPr>
+            </a:p>
+          </p:txBody>
+        </p:sp>
+        <p:sp>
+          <p:nvSpPr>
+            <p:cNvPr id="37" name="TextBox 36">
+              <a:extLst>
+                <a:ext uri="{FF2B5EF4-FFF2-40B4-BE49-F238E27FC236}">
+                  <a16:creationId xmlns:a16="http://schemas.microsoft.com/office/drawing/2014/main" id="{75FD1F13-8F61-47D3-B941-961F003208EE}"/>
+                </a:ext>
+              </a:extLst>
+            </p:cNvPr>
+            <p:cNvSpPr txBox="1"/>
+            <p:nvPr/>
+          </p:nvSpPr>
+          <p:spPr>
+            <a:xfrm>
+              <a:off x="4416905" y="2274915"/>
+              <a:ext cx="833946" cy="338554"/>
+            </a:xfrm>
+            <a:prstGeom prst="rect">
+              <a:avLst/>
+            </a:prstGeom>
+            <a:noFill/>
+          </p:spPr>
+          <p:txBody>
+            <a:bodyPr wrap="none" rtlCol="0">
+              <a:spAutoFit/>
+            </a:bodyPr>
+            <a:lstStyle/>
+            <a:p>
+              <a:r>
+                <a:rPr lang="en-US" sz="1600" dirty="0">
+                  <a:solidFill>
+                    <a:schemeClr val="tx1">
+                      <a:lumMod val="65000"/>
+                      <a:lumOff val="35000"/>
+                    </a:schemeClr>
+                  </a:solidFill>
+                </a:rPr>
+                <a:t>Chicago</a:t>
+              </a:r>
+            </a:p>
+          </p:txBody>
+        </p:sp>
+      </p:grpSp>
+    </p:spTree>
+    <p:extLst>
+      <p:ext uri="{BB962C8B-B14F-4D97-AF65-F5344CB8AC3E}">
+        <p14:creationId xmlns:p14="http://schemas.microsoft.com/office/powerpoint/2010/main" val="1892329335"/>
+      </p:ext>
+    </p:extLst>
+  </p:cSld>
+  <p:clrMapOvr>
+    <a:masterClrMapping/>
+  </p:clrMapOvr>
+</p:sld>
+</file>
+
+<file path=ppt/slides/slide36.xml><?xml version="1.0" encoding="utf-8"?>
+<p:sld xmlns:a="http://schemas.openxmlformats.org/drawingml/2006/main" xmlns:r="http://schemas.openxmlformats.org/officeDocument/2006/relationships" xmlns:p="http://schemas.openxmlformats.org/presentationml/2006/main">
+  <p:cSld>
+    <p:spTree>
+      <p:nvGrpSpPr>
+        <p:cNvPr id="1" name=""/>
+        <p:cNvGrpSpPr/>
+        <p:nvPr/>
+      </p:nvGrpSpPr>
+      <p:grpSpPr>
+        <a:xfrm>
+          <a:off x="0" y="0"/>
+          <a:ext cx="0" cy="0"/>
+          <a:chOff x="0" y="0"/>
+          <a:chExt cx="0" cy="0"/>
+        </a:xfrm>
+      </p:grpSpPr>
+      <p:sp>
+        <p:nvSpPr>
+          <p:cNvPr id="2" name="Rectangle 1">
+            <a:extLst>
+              <a:ext uri="{FF2B5EF4-FFF2-40B4-BE49-F238E27FC236}">
+                <a16:creationId xmlns:a16="http://schemas.microsoft.com/office/drawing/2014/main" id="{47640FFE-AC8D-49D3-B2DF-3CD6F7A29C9C}"/>
+              </a:ext>
+            </a:extLst>
+          </p:cNvPr>
+          <p:cNvSpPr/>
+          <p:nvPr/>
+        </p:nvSpPr>
+        <p:spPr>
+          <a:xfrm>
+            <a:off x="1809319" y="878384"/>
+            <a:ext cx="6493079" cy="4236440"/>
+          </a:xfrm>
+          <a:prstGeom prst="rect">
+            <a:avLst/>
+          </a:prstGeom>
+          <a:noFill/>
+          <a:ln w="57150">
+            <a:solidFill>
+              <a:schemeClr val="bg2">
+                <a:lumMod val="90000"/>
+              </a:schemeClr>
+            </a:solidFill>
+          </a:ln>
+        </p:spPr>
+        <p:style>
+          <a:lnRef idx="2">
+            <a:schemeClr val="accent1">
+              <a:shade val="50000"/>
+            </a:schemeClr>
+          </a:lnRef>
+          <a:fillRef idx="1">
+            <a:schemeClr val="accent1"/>
+          </a:fillRef>
+          <a:effectRef idx="0">
+            <a:schemeClr val="accent1"/>
+          </a:effectRef>
+          <a:fontRef idx="minor">
+            <a:schemeClr val="lt1"/>
+          </a:fontRef>
+        </p:style>
+        <p:txBody>
+          <a:bodyPr rtlCol="0" anchor="ctr"/>
+          <a:lstStyle/>
+          <a:p>
+            <a:pPr algn="ctr"/>
+            <a:endParaRPr lang="en-US"/>
+          </a:p>
+        </p:txBody>
+      </p:sp>
+      <p:pic>
+        <p:nvPicPr>
+          <p:cNvPr id="5" name="Picture 4">
+            <a:extLst>
+              <a:ext uri="{FF2B5EF4-FFF2-40B4-BE49-F238E27FC236}">
+                <a16:creationId xmlns:a16="http://schemas.microsoft.com/office/drawing/2014/main" id="{8C2A4846-66A1-4E0D-A696-1E312A91950B}"/>
+              </a:ext>
+            </a:extLst>
+          </p:cNvPr>
+          <p:cNvPicPr>
+            <a:picLocks noChangeAspect="1"/>
+          </p:cNvPicPr>
+          <p:nvPr/>
+        </p:nvPicPr>
+        <p:blipFill>
+          <a:blip r:embed="rId2"/>
+          <a:stretch>
+            <a:fillRect/>
+          </a:stretch>
+        </p:blipFill>
+        <p:spPr>
+          <a:xfrm>
+            <a:off x="2040104" y="1289184"/>
+            <a:ext cx="5842845" cy="3532026"/>
+          </a:xfrm>
+          <a:prstGeom prst="rect">
+            <a:avLst/>
+          </a:prstGeom>
+        </p:spPr>
+      </p:pic>
+      <p:sp>
+        <p:nvSpPr>
+          <p:cNvPr id="7" name="Rectangle 6">
+            <a:extLst>
+              <a:ext uri="{FF2B5EF4-FFF2-40B4-BE49-F238E27FC236}">
+                <a16:creationId xmlns:a16="http://schemas.microsoft.com/office/drawing/2014/main" id="{1C09AC02-9720-44A2-93F4-34058ABA6595}"/>
+              </a:ext>
+            </a:extLst>
+          </p:cNvPr>
+          <p:cNvSpPr/>
+          <p:nvPr/>
+        </p:nvSpPr>
+        <p:spPr>
+          <a:xfrm>
+            <a:off x="2590894" y="4066199"/>
+            <a:ext cx="285226" cy="243281"/>
+          </a:xfrm>
+          <a:prstGeom prst="rect">
+            <a:avLst/>
+          </a:prstGeom>
+          <a:solidFill>
+            <a:schemeClr val="bg1"/>
+          </a:solidFill>
+          <a:ln>
+            <a:noFill/>
+          </a:ln>
+        </p:spPr>
+        <p:style>
+          <a:lnRef idx="2">
+            <a:schemeClr val="accent1">
+              <a:shade val="50000"/>
+            </a:schemeClr>
+          </a:lnRef>
+          <a:fillRef idx="1">
+            <a:schemeClr val="accent1"/>
+          </a:fillRef>
+          <a:effectRef idx="0">
+            <a:schemeClr val="accent1"/>
+          </a:effectRef>
+          <a:fontRef idx="minor">
+            <a:schemeClr val="lt1"/>
+          </a:fontRef>
+        </p:style>
+        <p:txBody>
+          <a:bodyPr rtlCol="0" anchor="ctr"/>
+          <a:lstStyle/>
+          <a:p>
+            <a:pPr algn="ctr"/>
+            <a:endParaRPr lang="en-US"/>
+          </a:p>
+        </p:txBody>
+      </p:sp>
+      <p:sp>
+        <p:nvSpPr>
+          <p:cNvPr id="6" name="Rectangle 5">
+            <a:extLst>
+              <a:ext uri="{FF2B5EF4-FFF2-40B4-BE49-F238E27FC236}">
+                <a16:creationId xmlns:a16="http://schemas.microsoft.com/office/drawing/2014/main" id="{B3DAECBC-14E8-4DD5-8F2A-9892B074F0B0}"/>
+              </a:ext>
+            </a:extLst>
+          </p:cNvPr>
+          <p:cNvSpPr/>
+          <p:nvPr/>
+        </p:nvSpPr>
+        <p:spPr>
+          <a:xfrm>
+            <a:off x="2590893" y="1608227"/>
+            <a:ext cx="5191387" cy="2676088"/>
+          </a:xfrm>
+          <a:prstGeom prst="rect">
+            <a:avLst/>
+          </a:prstGeom>
+          <a:noFill/>
+          <a:ln w="6350">
+            <a:solidFill>
+              <a:schemeClr val="bg2">
+                <a:lumMod val="75000"/>
+              </a:schemeClr>
+            </a:solidFill>
+          </a:ln>
+        </p:spPr>
+        <p:style>
+          <a:lnRef idx="2">
+            <a:schemeClr val="accent1">
+              <a:shade val="50000"/>
+            </a:schemeClr>
+          </a:lnRef>
+          <a:fillRef idx="1">
+            <a:schemeClr val="accent1"/>
+          </a:fillRef>
+          <a:effectRef idx="0">
+            <a:schemeClr val="accent1"/>
+          </a:effectRef>
+          <a:fontRef idx="minor">
+            <a:schemeClr val="lt1"/>
+          </a:fontRef>
+        </p:style>
+        <p:txBody>
+          <a:bodyPr rtlCol="0" anchor="ctr"/>
+          <a:lstStyle/>
+          <a:p>
+            <a:pPr algn="ctr"/>
+            <a:endParaRPr lang="en-US"/>
+          </a:p>
+        </p:txBody>
+      </p:sp>
+      <p:sp>
+        <p:nvSpPr>
+          <p:cNvPr id="11" name="TextBox 10">
+            <a:extLst>
+              <a:ext uri="{FF2B5EF4-FFF2-40B4-BE49-F238E27FC236}">
+                <a16:creationId xmlns:a16="http://schemas.microsoft.com/office/drawing/2014/main" id="{BD8F1B48-A5E6-4D23-AA26-1791AB24B3C7}"/>
+              </a:ext>
+            </a:extLst>
+          </p:cNvPr>
+          <p:cNvSpPr txBox="1"/>
+          <p:nvPr/>
+        </p:nvSpPr>
+        <p:spPr>
+          <a:xfrm>
+            <a:off x="7313986" y="295363"/>
+            <a:ext cx="1976823" cy="369332"/>
+          </a:xfrm>
+          <a:prstGeom prst="rect">
+            <a:avLst/>
+          </a:prstGeom>
+          <a:noFill/>
+        </p:spPr>
+        <p:txBody>
+          <a:bodyPr wrap="none" rtlCol="0">
+            <a:spAutoFit/>
+          </a:bodyPr>
+          <a:lstStyle/>
+          <a:p>
+            <a:r>
+              <a:rPr lang="en-US" dirty="0" err="1">
+                <a:solidFill>
+                  <a:schemeClr val="accent1">
+                    <a:lumMod val="50000"/>
+                  </a:schemeClr>
+                </a:solidFill>
+                <a:latin typeface="Courier New" panose="02070309020205020404" pitchFamily="49" charset="0"/>
+                <a:cs typeface="Courier New" panose="02070309020205020404" pitchFamily="49" charset="0"/>
+              </a:rPr>
+              <a:t>plot.window</a:t>
+            </a:r>
+            <a:r>
+              <a:rPr lang="en-US" dirty="0">
+                <a:solidFill>
+                  <a:schemeClr val="accent1">
+                    <a:lumMod val="50000"/>
+                  </a:schemeClr>
+                </a:solidFill>
+                <a:latin typeface="Courier New" panose="02070309020205020404" pitchFamily="49" charset="0"/>
+                <a:cs typeface="Courier New" panose="02070309020205020404" pitchFamily="49" charset="0"/>
+              </a:rPr>
+              <a:t>()</a:t>
+            </a:r>
+          </a:p>
+        </p:txBody>
+      </p:sp>
+      <p:sp>
+        <p:nvSpPr>
+          <p:cNvPr id="12" name="TextBox 11">
+            <a:extLst>
+              <a:ext uri="{FF2B5EF4-FFF2-40B4-BE49-F238E27FC236}">
+                <a16:creationId xmlns:a16="http://schemas.microsoft.com/office/drawing/2014/main" id="{CA7976DB-3E2C-4129-9C28-39B063081647}"/>
+              </a:ext>
+            </a:extLst>
+          </p:cNvPr>
+          <p:cNvSpPr txBox="1"/>
+          <p:nvPr/>
+        </p:nvSpPr>
+        <p:spPr>
+          <a:xfrm>
+            <a:off x="4481021" y="295363"/>
+            <a:ext cx="1149674" cy="369332"/>
+          </a:xfrm>
+          <a:prstGeom prst="rect">
+            <a:avLst/>
+          </a:prstGeom>
+          <a:noFill/>
+        </p:spPr>
+        <p:txBody>
+          <a:bodyPr wrap="none" rtlCol="0">
+            <a:spAutoFit/>
+          </a:bodyPr>
+          <a:lstStyle/>
+          <a:p>
+            <a:r>
+              <a:rPr lang="en-US" dirty="0">
+                <a:solidFill>
+                  <a:schemeClr val="accent1">
+                    <a:lumMod val="50000"/>
+                  </a:schemeClr>
+                </a:solidFill>
+                <a:latin typeface="Courier New" panose="02070309020205020404" pitchFamily="49" charset="0"/>
+                <a:cs typeface="Courier New" panose="02070309020205020404" pitchFamily="49" charset="0"/>
+              </a:rPr>
+              <a:t>title()</a:t>
+            </a:r>
+          </a:p>
+        </p:txBody>
+      </p:sp>
+      <p:sp>
+        <p:nvSpPr>
+          <p:cNvPr id="13" name="TextBox 12">
+            <a:extLst>
+              <a:ext uri="{FF2B5EF4-FFF2-40B4-BE49-F238E27FC236}">
+                <a16:creationId xmlns:a16="http://schemas.microsoft.com/office/drawing/2014/main" id="{F80A854D-4995-4574-A7E0-948ECC593EEF}"/>
+              </a:ext>
+            </a:extLst>
+          </p:cNvPr>
+          <p:cNvSpPr txBox="1"/>
+          <p:nvPr/>
+        </p:nvSpPr>
+        <p:spPr>
+          <a:xfrm>
+            <a:off x="3267231" y="5467053"/>
+            <a:ext cx="1149674" cy="369332"/>
+          </a:xfrm>
+          <a:prstGeom prst="rect">
+            <a:avLst/>
+          </a:prstGeom>
+          <a:noFill/>
+        </p:spPr>
+        <p:txBody>
+          <a:bodyPr wrap="none" rtlCol="0">
+            <a:spAutoFit/>
+          </a:bodyPr>
+          <a:lstStyle/>
+          <a:p>
+            <a:r>
+              <a:rPr lang="en-US" dirty="0">
+                <a:solidFill>
+                  <a:schemeClr val="accent1">
+                    <a:lumMod val="50000"/>
+                  </a:schemeClr>
+                </a:solidFill>
+                <a:latin typeface="Courier New" panose="02070309020205020404" pitchFamily="49" charset="0"/>
+                <a:cs typeface="Courier New" panose="02070309020205020404" pitchFamily="49" charset="0"/>
+              </a:rPr>
+              <a:t>axis() </a:t>
+            </a:r>
+          </a:p>
+        </p:txBody>
+      </p:sp>
+      <p:cxnSp>
+        <p:nvCxnSpPr>
+          <p:cNvPr id="16" name="Straight Arrow Connector 15">
+            <a:extLst>
+              <a:ext uri="{FF2B5EF4-FFF2-40B4-BE49-F238E27FC236}">
+                <a16:creationId xmlns:a16="http://schemas.microsoft.com/office/drawing/2014/main" id="{F022DD0B-1E0F-47CC-971F-D46B55D47A27}"/>
+              </a:ext>
+            </a:extLst>
+          </p:cNvPr>
+          <p:cNvCxnSpPr>
+            <a:cxnSpLocks/>
+          </p:cNvCxnSpPr>
+          <p:nvPr/>
+        </p:nvCxnSpPr>
+        <p:spPr>
+          <a:xfrm flipV="1">
+            <a:off x="3759200" y="4535045"/>
+            <a:ext cx="0" cy="868573"/>
+          </a:xfrm>
+          <a:prstGeom prst="straightConnector1">
+            <a:avLst/>
+          </a:prstGeom>
+          <a:ln w="28575">
+            <a:solidFill>
+              <a:schemeClr val="accent1">
+                <a:lumMod val="75000"/>
+              </a:schemeClr>
+            </a:solidFill>
+            <a:tailEnd type="triangle"/>
+          </a:ln>
+        </p:spPr>
+        <p:style>
+          <a:lnRef idx="1">
+            <a:schemeClr val="accent1"/>
+          </a:lnRef>
+          <a:fillRef idx="0">
+            <a:schemeClr val="accent1"/>
+          </a:fillRef>
+          <a:effectRef idx="0">
+            <a:schemeClr val="accent1"/>
+          </a:effectRef>
+          <a:fontRef idx="minor">
+            <a:schemeClr val="tx1"/>
+          </a:fontRef>
+        </p:style>
+      </p:cxnSp>
+      <p:sp>
+        <p:nvSpPr>
+          <p:cNvPr id="19" name="TextBox 18">
+            <a:extLst>
+              <a:ext uri="{FF2B5EF4-FFF2-40B4-BE49-F238E27FC236}">
+                <a16:creationId xmlns:a16="http://schemas.microsoft.com/office/drawing/2014/main" id="{5C7AECB4-5603-4C5D-9967-B5100976C3FF}"/>
+              </a:ext>
+            </a:extLst>
+          </p:cNvPr>
+          <p:cNvSpPr txBox="1"/>
+          <p:nvPr/>
+        </p:nvSpPr>
+        <p:spPr>
+          <a:xfrm>
+            <a:off x="8446463" y="3121623"/>
+            <a:ext cx="1287532" cy="369332"/>
+          </a:xfrm>
+          <a:prstGeom prst="rect">
+            <a:avLst/>
+          </a:prstGeom>
+          <a:noFill/>
+        </p:spPr>
+        <p:txBody>
+          <a:bodyPr wrap="none" rtlCol="0">
+            <a:spAutoFit/>
+          </a:bodyPr>
+          <a:lstStyle/>
+          <a:p>
+            <a:r>
+              <a:rPr lang="en-US" dirty="0">
+                <a:solidFill>
+                  <a:schemeClr val="accent1">
+                    <a:lumMod val="50000"/>
+                  </a:schemeClr>
+                </a:solidFill>
+                <a:latin typeface="Courier New" panose="02070309020205020404" pitchFamily="49" charset="0"/>
+                <a:cs typeface="Courier New" panose="02070309020205020404" pitchFamily="49" charset="0"/>
+              </a:rPr>
+              <a:t>points()</a:t>
+            </a:r>
+          </a:p>
+        </p:txBody>
+      </p:sp>
+      <p:cxnSp>
+        <p:nvCxnSpPr>
+          <p:cNvPr id="20" name="Straight Arrow Connector 19">
+            <a:extLst>
+              <a:ext uri="{FF2B5EF4-FFF2-40B4-BE49-F238E27FC236}">
+                <a16:creationId xmlns:a16="http://schemas.microsoft.com/office/drawing/2014/main" id="{506BE250-8F58-4207-9224-4D514B4EEE80}"/>
+              </a:ext>
+            </a:extLst>
+          </p:cNvPr>
+          <p:cNvCxnSpPr>
+            <a:cxnSpLocks/>
+            <a:stCxn id="19" idx="1"/>
+          </p:cNvCxnSpPr>
+          <p:nvPr/>
+        </p:nvCxnSpPr>
+        <p:spPr>
+          <a:xfrm flipH="1" flipV="1">
+            <a:off x="6455293" y="3276601"/>
+            <a:ext cx="1991170" cy="29688"/>
+          </a:xfrm>
+          <a:prstGeom prst="straightConnector1">
+            <a:avLst/>
+          </a:prstGeom>
+          <a:ln w="28575">
+            <a:solidFill>
+              <a:schemeClr val="accent1">
+                <a:lumMod val="75000"/>
+              </a:schemeClr>
+            </a:solidFill>
+            <a:tailEnd type="triangle"/>
+          </a:ln>
+        </p:spPr>
+        <p:style>
+          <a:lnRef idx="1">
+            <a:schemeClr val="accent1"/>
+          </a:lnRef>
+          <a:fillRef idx="0">
+            <a:schemeClr val="accent1"/>
+          </a:fillRef>
+          <a:effectRef idx="0">
+            <a:schemeClr val="accent1"/>
+          </a:effectRef>
+          <a:fontRef idx="minor">
+            <a:schemeClr val="tx1"/>
+          </a:fontRef>
+        </p:style>
+      </p:cxnSp>
+      <p:cxnSp>
+        <p:nvCxnSpPr>
+          <p:cNvPr id="24" name="Straight Arrow Connector 23">
+            <a:extLst>
+              <a:ext uri="{FF2B5EF4-FFF2-40B4-BE49-F238E27FC236}">
+                <a16:creationId xmlns:a16="http://schemas.microsoft.com/office/drawing/2014/main" id="{967EB6ED-20BB-485B-86C2-55F1DBCE8825}"/>
+              </a:ext>
+            </a:extLst>
+          </p:cNvPr>
+          <p:cNvCxnSpPr>
+            <a:cxnSpLocks/>
+          </p:cNvCxnSpPr>
+          <p:nvPr/>
+        </p:nvCxnSpPr>
+        <p:spPr>
+          <a:xfrm>
+            <a:off x="5083567" y="724054"/>
+            <a:ext cx="0" cy="565130"/>
+          </a:xfrm>
+          <a:prstGeom prst="straightConnector1">
+            <a:avLst/>
+          </a:prstGeom>
+          <a:ln w="28575">
+            <a:solidFill>
+              <a:schemeClr val="accent1">
+                <a:lumMod val="75000"/>
+              </a:schemeClr>
+            </a:solidFill>
+            <a:tailEnd type="triangle"/>
+          </a:ln>
+        </p:spPr>
+        <p:style>
+          <a:lnRef idx="1">
+            <a:schemeClr val="accent1"/>
+          </a:lnRef>
+          <a:fillRef idx="0">
+            <a:schemeClr val="accent1"/>
+          </a:fillRef>
+          <a:effectRef idx="0">
+            <a:schemeClr val="accent1"/>
+          </a:effectRef>
+          <a:fontRef idx="minor">
+            <a:schemeClr val="tx1"/>
+          </a:fontRef>
+        </p:style>
+      </p:cxnSp>
+      <p:cxnSp>
+        <p:nvCxnSpPr>
+          <p:cNvPr id="27" name="Straight Arrow Connector 26">
+            <a:extLst>
+              <a:ext uri="{FF2B5EF4-FFF2-40B4-BE49-F238E27FC236}">
+                <a16:creationId xmlns:a16="http://schemas.microsoft.com/office/drawing/2014/main" id="{A9A7D9A4-A3D5-46E0-AD01-02C04AABE2E5}"/>
+              </a:ext>
+            </a:extLst>
+          </p:cNvPr>
+          <p:cNvCxnSpPr>
+            <a:cxnSpLocks/>
+          </p:cNvCxnSpPr>
+          <p:nvPr/>
+        </p:nvCxnSpPr>
+        <p:spPr>
+          <a:xfrm flipH="1">
+            <a:off x="7499927" y="718053"/>
+            <a:ext cx="383022" cy="779702"/>
+          </a:xfrm>
+          <a:prstGeom prst="straightConnector1">
+            <a:avLst/>
+          </a:prstGeom>
+          <a:ln w="28575">
+            <a:solidFill>
+              <a:schemeClr val="accent1">
+                <a:lumMod val="75000"/>
+              </a:schemeClr>
+            </a:solidFill>
+            <a:tailEnd type="triangle"/>
+          </a:ln>
+        </p:spPr>
+        <p:style>
+          <a:lnRef idx="1">
+            <a:schemeClr val="accent1"/>
+          </a:lnRef>
+          <a:fillRef idx="0">
+            <a:schemeClr val="accent1"/>
+          </a:fillRef>
+          <a:effectRef idx="0">
+            <a:schemeClr val="accent1"/>
+          </a:effectRef>
+          <a:fontRef idx="minor">
+            <a:schemeClr val="tx1"/>
+          </a:fontRef>
+        </p:style>
+      </p:cxnSp>
+      <p:sp>
+        <p:nvSpPr>
+          <p:cNvPr id="36" name="Oval 35">
+            <a:extLst>
+              <a:ext uri="{FF2B5EF4-FFF2-40B4-BE49-F238E27FC236}">
+                <a16:creationId xmlns:a16="http://schemas.microsoft.com/office/drawing/2014/main" id="{0B3D2143-71AB-4BCC-888D-2139F94047E1}"/>
+              </a:ext>
+            </a:extLst>
+          </p:cNvPr>
+          <p:cNvSpPr/>
+          <p:nvPr/>
+        </p:nvSpPr>
+        <p:spPr>
+          <a:xfrm>
+            <a:off x="5131168" y="2479334"/>
+            <a:ext cx="256032" cy="256032"/>
+          </a:xfrm>
+          <a:prstGeom prst="ellipse">
+            <a:avLst/>
+          </a:prstGeom>
+          <a:noFill/>
+          <a:ln w="9525">
+            <a:solidFill>
+              <a:schemeClr val="tx1">
+                <a:lumMod val="85000"/>
+                <a:lumOff val="15000"/>
+              </a:schemeClr>
+            </a:solidFill>
+          </a:ln>
+        </p:spPr>
+        <p:style>
+          <a:lnRef idx="2">
+            <a:schemeClr val="accent1">
+              <a:shade val="50000"/>
+            </a:schemeClr>
+          </a:lnRef>
+          <a:fillRef idx="1">
+            <a:schemeClr val="accent1"/>
+          </a:fillRef>
+          <a:effectRef idx="0">
+            <a:schemeClr val="accent1"/>
+          </a:effectRef>
+          <a:fontRef idx="minor">
+            <a:schemeClr val="lt1"/>
+          </a:fontRef>
+        </p:style>
+        <p:txBody>
+          <a:bodyPr rtlCol="0" anchor="ctr"/>
+          <a:lstStyle/>
+          <a:p>
+            <a:pPr algn="ctr"/>
+            <a:endParaRPr lang="en-US">
+              <a:solidFill>
+                <a:schemeClr val="tx1">
+                  <a:lumMod val="65000"/>
+                  <a:lumOff val="35000"/>
+                </a:schemeClr>
+              </a:solidFill>
+            </a:endParaRPr>
+          </a:p>
+        </p:txBody>
+      </p:sp>
+      <p:sp>
+        <p:nvSpPr>
+          <p:cNvPr id="37" name="TextBox 36">
+            <a:extLst>
+              <a:ext uri="{FF2B5EF4-FFF2-40B4-BE49-F238E27FC236}">
+                <a16:creationId xmlns:a16="http://schemas.microsoft.com/office/drawing/2014/main" id="{75FD1F13-8F61-47D3-B941-961F003208EE}"/>
+              </a:ext>
+            </a:extLst>
+          </p:cNvPr>
+          <p:cNvSpPr txBox="1"/>
+          <p:nvPr/>
+        </p:nvSpPr>
+        <p:spPr>
+          <a:xfrm>
+            <a:off x="4416905" y="2274915"/>
+            <a:ext cx="833946" cy="338554"/>
+          </a:xfrm>
+          <a:prstGeom prst="rect">
+            <a:avLst/>
+          </a:prstGeom>
+          <a:noFill/>
+        </p:spPr>
+        <p:txBody>
+          <a:bodyPr wrap="none" rtlCol="0">
+            <a:spAutoFit/>
+          </a:bodyPr>
+          <a:lstStyle/>
+          <a:p>
+            <a:r>
+              <a:rPr lang="en-US" sz="1600" dirty="0">
+                <a:solidFill>
+                  <a:schemeClr val="tx1">
+                    <a:lumMod val="65000"/>
+                    <a:lumOff val="35000"/>
+                  </a:schemeClr>
+                </a:solidFill>
+              </a:rPr>
+              <a:t>Chicago</a:t>
+            </a:r>
+          </a:p>
+        </p:txBody>
+      </p:sp>
+      <p:sp>
+        <p:nvSpPr>
+          <p:cNvPr id="38" name="TextBox 37">
+            <a:extLst>
+              <a:ext uri="{FF2B5EF4-FFF2-40B4-BE49-F238E27FC236}">
+                <a16:creationId xmlns:a16="http://schemas.microsoft.com/office/drawing/2014/main" id="{D942A8C6-08F7-44F7-8534-76969EA6827D}"/>
+              </a:ext>
+            </a:extLst>
+          </p:cNvPr>
+          <p:cNvSpPr txBox="1"/>
+          <p:nvPr/>
+        </p:nvSpPr>
+        <p:spPr>
+          <a:xfrm>
+            <a:off x="2468201" y="295363"/>
+            <a:ext cx="1011815" cy="369332"/>
+          </a:xfrm>
+          <a:prstGeom prst="rect">
+            <a:avLst/>
+          </a:prstGeom>
+          <a:noFill/>
+        </p:spPr>
+        <p:txBody>
+          <a:bodyPr wrap="none" rtlCol="0">
+            <a:spAutoFit/>
+          </a:bodyPr>
+          <a:lstStyle/>
+          <a:p>
+            <a:r>
+              <a:rPr lang="en-US" dirty="0">
+                <a:solidFill>
+                  <a:schemeClr val="accent1">
+                    <a:lumMod val="50000"/>
+                  </a:schemeClr>
+                </a:solidFill>
+                <a:latin typeface="Courier New" panose="02070309020205020404" pitchFamily="49" charset="0"/>
+                <a:cs typeface="Courier New" panose="02070309020205020404" pitchFamily="49" charset="0"/>
+              </a:rPr>
+              <a:t>text()</a:t>
+            </a:r>
+          </a:p>
+        </p:txBody>
+      </p:sp>
+      <p:cxnSp>
+        <p:nvCxnSpPr>
+          <p:cNvPr id="41" name="Straight Arrow Connector 40">
+            <a:extLst>
+              <a:ext uri="{FF2B5EF4-FFF2-40B4-BE49-F238E27FC236}">
+                <a16:creationId xmlns:a16="http://schemas.microsoft.com/office/drawing/2014/main" id="{C7A60B96-BC9E-4954-9A19-F9478DDE2110}"/>
+              </a:ext>
+            </a:extLst>
+          </p:cNvPr>
+          <p:cNvCxnSpPr>
+            <a:cxnSpLocks/>
+          </p:cNvCxnSpPr>
+          <p:nvPr/>
+        </p:nvCxnSpPr>
+        <p:spPr>
+          <a:xfrm>
+            <a:off x="2974109" y="724054"/>
+            <a:ext cx="1472356" cy="1547403"/>
+          </a:xfrm>
+          <a:prstGeom prst="straightConnector1">
+            <a:avLst/>
+          </a:prstGeom>
+          <a:ln w="28575">
+            <a:solidFill>
+              <a:schemeClr val="accent1">
+                <a:lumMod val="75000"/>
+              </a:schemeClr>
+            </a:solidFill>
+            <a:tailEnd type="triangle"/>
+          </a:ln>
+        </p:spPr>
+        <p:style>
+          <a:lnRef idx="1">
+            <a:schemeClr val="accent1"/>
+          </a:lnRef>
+          <a:fillRef idx="0">
+            <a:schemeClr val="accent1"/>
+          </a:fillRef>
+          <a:effectRef idx="0">
+            <a:schemeClr val="accent1"/>
+          </a:effectRef>
+          <a:fontRef idx="minor">
+            <a:schemeClr val="tx1"/>
+          </a:fontRef>
+        </p:style>
+      </p:cxnSp>
+      <p:sp>
+        <p:nvSpPr>
+          <p:cNvPr id="22" name="TextBox 21">
+            <a:extLst>
+              <a:ext uri="{FF2B5EF4-FFF2-40B4-BE49-F238E27FC236}">
+                <a16:creationId xmlns:a16="http://schemas.microsoft.com/office/drawing/2014/main" id="{617FA0EE-92A0-4BB6-93C2-BBDFB2280C35}"/>
+              </a:ext>
+            </a:extLst>
+          </p:cNvPr>
+          <p:cNvSpPr txBox="1"/>
+          <p:nvPr/>
+        </p:nvSpPr>
+        <p:spPr>
+          <a:xfrm>
+            <a:off x="5709082" y="5471340"/>
+            <a:ext cx="1149674" cy="369332"/>
+          </a:xfrm>
+          <a:prstGeom prst="rect">
+            <a:avLst/>
+          </a:prstGeom>
+          <a:noFill/>
+        </p:spPr>
+        <p:txBody>
+          <a:bodyPr wrap="none" rtlCol="0">
+            <a:spAutoFit/>
+          </a:bodyPr>
+          <a:lstStyle/>
+          <a:p>
+            <a:r>
+              <a:rPr lang="en-US" dirty="0">
+                <a:solidFill>
+                  <a:schemeClr val="accent1">
+                    <a:lumMod val="50000"/>
+                  </a:schemeClr>
+                </a:solidFill>
+                <a:latin typeface="Courier New" panose="02070309020205020404" pitchFamily="49" charset="0"/>
+                <a:cs typeface="Courier New" panose="02070309020205020404" pitchFamily="49" charset="0"/>
+              </a:rPr>
+              <a:t>title()</a:t>
+            </a:r>
+          </a:p>
+        </p:txBody>
+      </p:sp>
+      <p:cxnSp>
+        <p:nvCxnSpPr>
+          <p:cNvPr id="23" name="Straight Arrow Connector 22">
+            <a:extLst>
+              <a:ext uri="{FF2B5EF4-FFF2-40B4-BE49-F238E27FC236}">
+                <a16:creationId xmlns:a16="http://schemas.microsoft.com/office/drawing/2014/main" id="{363744D2-C1E1-4C5B-A715-3C364B33585A}"/>
+              </a:ext>
+            </a:extLst>
+          </p:cNvPr>
+          <p:cNvCxnSpPr>
+            <a:cxnSpLocks/>
+          </p:cNvCxnSpPr>
+          <p:nvPr/>
+        </p:nvCxnSpPr>
+        <p:spPr>
+          <a:xfrm flipH="1" flipV="1">
+            <a:off x="5259184" y="4795686"/>
+            <a:ext cx="635963" cy="607932"/>
+          </a:xfrm>
+          <a:prstGeom prst="straightConnector1">
+            <a:avLst/>
+          </a:prstGeom>
+          <a:ln w="28575">
+            <a:solidFill>
+              <a:schemeClr val="accent1">
+                <a:lumMod val="75000"/>
+              </a:schemeClr>
+            </a:solidFill>
+            <a:tailEnd type="triangle"/>
+          </a:ln>
+        </p:spPr>
+        <p:style>
+          <a:lnRef idx="1">
+            <a:schemeClr val="accent1"/>
+          </a:lnRef>
+          <a:fillRef idx="0">
+            <a:schemeClr val="accent1"/>
+          </a:fillRef>
+          <a:effectRef idx="0">
+            <a:schemeClr val="accent1"/>
+          </a:effectRef>
+          <a:fontRef idx="minor">
+            <a:schemeClr val="tx1"/>
+          </a:fontRef>
+        </p:style>
+      </p:cxnSp>
+    </p:spTree>
+    <p:extLst>
+      <p:ext uri="{BB962C8B-B14F-4D97-AF65-F5344CB8AC3E}">
+        <p14:creationId xmlns:p14="http://schemas.microsoft.com/office/powerpoint/2010/main" val="87426979"/>
+      </p:ext>
+    </p:extLst>
+  </p:cSld>
+  <p:clrMapOvr>
+    <a:masterClrMapping/>
+  </p:clrMapOvr>
+</p:sld>
+</file>
+
+<file path=ppt/slides/slide37.xml><?xml version="1.0" encoding="utf-8"?>
+<p:sld xmlns:a="http://schemas.openxmlformats.org/drawingml/2006/main" xmlns:r="http://schemas.openxmlformats.org/officeDocument/2006/relationships" xmlns:p="http://schemas.openxmlformats.org/presentationml/2006/main">
+  <p:cSld>
+    <p:spTree>
+      <p:nvGrpSpPr>
+        <p:cNvPr id="1" name=""/>
+        <p:cNvGrpSpPr/>
+        <p:nvPr/>
+      </p:nvGrpSpPr>
+      <p:grpSpPr>
+        <a:xfrm>
+          <a:off x="0" y="0"/>
+          <a:ext cx="0" cy="0"/>
+          <a:chOff x="0" y="0"/>
+          <a:chExt cx="0" cy="0"/>
+        </a:xfrm>
+      </p:grpSpPr>
+      <p:sp>
+        <p:nvSpPr>
+          <p:cNvPr id="2" name="Rectangle 1">
+            <a:extLst>
+              <a:ext uri="{FF2B5EF4-FFF2-40B4-BE49-F238E27FC236}">
+                <a16:creationId xmlns:a16="http://schemas.microsoft.com/office/drawing/2014/main" id="{47640FFE-AC8D-49D3-B2DF-3CD6F7A29C9C}"/>
+              </a:ext>
+            </a:extLst>
+          </p:cNvPr>
+          <p:cNvSpPr/>
+          <p:nvPr/>
+        </p:nvSpPr>
+        <p:spPr>
+          <a:xfrm>
+            <a:off x="1828799" y="1469509"/>
+            <a:ext cx="6493079" cy="4236440"/>
+          </a:xfrm>
+          <a:prstGeom prst="rect">
+            <a:avLst/>
+          </a:prstGeom>
+          <a:noFill/>
+          <a:ln w="57150">
+            <a:solidFill>
+              <a:schemeClr val="bg2">
+                <a:lumMod val="90000"/>
+              </a:schemeClr>
+            </a:solidFill>
+          </a:ln>
+        </p:spPr>
+        <p:style>
+          <a:lnRef idx="2">
+            <a:schemeClr val="accent1">
+              <a:shade val="50000"/>
+            </a:schemeClr>
+          </a:lnRef>
+          <a:fillRef idx="1">
+            <a:schemeClr val="accent1"/>
+          </a:fillRef>
+          <a:effectRef idx="0">
+            <a:schemeClr val="accent1"/>
+          </a:effectRef>
+          <a:fontRef idx="minor">
+            <a:schemeClr val="lt1"/>
+          </a:fontRef>
+        </p:style>
+        <p:txBody>
+          <a:bodyPr rtlCol="0" anchor="ctr"/>
+          <a:lstStyle/>
+          <a:p>
+            <a:pPr algn="ctr"/>
+            <a:endParaRPr lang="en-US"/>
+          </a:p>
+        </p:txBody>
+      </p:sp>
+      <p:pic>
+        <p:nvPicPr>
+          <p:cNvPr id="5" name="Picture 4">
+            <a:extLst>
+              <a:ext uri="{FF2B5EF4-FFF2-40B4-BE49-F238E27FC236}">
+                <a16:creationId xmlns:a16="http://schemas.microsoft.com/office/drawing/2014/main" id="{8C2A4846-66A1-4E0D-A696-1E312A91950B}"/>
+              </a:ext>
+            </a:extLst>
+          </p:cNvPr>
+          <p:cNvPicPr>
+            <a:picLocks noChangeAspect="1"/>
+          </p:cNvPicPr>
+          <p:nvPr/>
+        </p:nvPicPr>
+        <p:blipFill>
+          <a:blip r:embed="rId2"/>
+          <a:stretch>
+            <a:fillRect/>
+          </a:stretch>
+        </p:blipFill>
+        <p:spPr>
+          <a:xfrm>
+            <a:off x="2059584" y="1880309"/>
+            <a:ext cx="5842845" cy="3532026"/>
+          </a:xfrm>
+          <a:prstGeom prst="rect">
+            <a:avLst/>
+          </a:prstGeom>
+        </p:spPr>
+      </p:pic>
+      <p:sp>
+        <p:nvSpPr>
+          <p:cNvPr id="7" name="Rectangle 6">
+            <a:extLst>
+              <a:ext uri="{FF2B5EF4-FFF2-40B4-BE49-F238E27FC236}">
+                <a16:creationId xmlns:a16="http://schemas.microsoft.com/office/drawing/2014/main" id="{1C09AC02-9720-44A2-93F4-34058ABA6595}"/>
+              </a:ext>
+            </a:extLst>
+          </p:cNvPr>
+          <p:cNvSpPr/>
+          <p:nvPr/>
+        </p:nvSpPr>
+        <p:spPr>
+          <a:xfrm>
+            <a:off x="2610374" y="4657324"/>
+            <a:ext cx="285226" cy="243281"/>
+          </a:xfrm>
+          <a:prstGeom prst="rect">
+            <a:avLst/>
+          </a:prstGeom>
+          <a:solidFill>
+            <a:schemeClr val="bg1"/>
+          </a:solidFill>
+          <a:ln>
+            <a:noFill/>
+          </a:ln>
+        </p:spPr>
+        <p:style>
+          <a:lnRef idx="2">
+            <a:schemeClr val="accent1">
+              <a:shade val="50000"/>
+            </a:schemeClr>
+          </a:lnRef>
+          <a:fillRef idx="1">
+            <a:schemeClr val="accent1"/>
+          </a:fillRef>
+          <a:effectRef idx="0">
+            <a:schemeClr val="accent1"/>
+          </a:effectRef>
+          <a:fontRef idx="minor">
+            <a:schemeClr val="lt1"/>
+          </a:fontRef>
+        </p:style>
+        <p:txBody>
+          <a:bodyPr rtlCol="0" anchor="ctr"/>
+          <a:lstStyle/>
+          <a:p>
+            <a:pPr algn="ctr"/>
+            <a:endParaRPr lang="en-US"/>
+          </a:p>
+        </p:txBody>
+      </p:sp>
+      <p:sp>
+        <p:nvSpPr>
+          <p:cNvPr id="6" name="Rectangle 5">
+            <a:extLst>
+              <a:ext uri="{FF2B5EF4-FFF2-40B4-BE49-F238E27FC236}">
+                <a16:creationId xmlns:a16="http://schemas.microsoft.com/office/drawing/2014/main" id="{B3DAECBC-14E8-4DD5-8F2A-9892B074F0B0}"/>
+              </a:ext>
+            </a:extLst>
+          </p:cNvPr>
+          <p:cNvSpPr/>
+          <p:nvPr/>
+        </p:nvSpPr>
+        <p:spPr>
+          <a:xfrm>
+            <a:off x="2610373" y="2199352"/>
+            <a:ext cx="5191387" cy="2676088"/>
+          </a:xfrm>
+          <a:prstGeom prst="rect">
+            <a:avLst/>
+          </a:prstGeom>
+          <a:noFill/>
+          <a:ln w="6350">
+            <a:solidFill>
+              <a:schemeClr val="bg2">
+                <a:lumMod val="75000"/>
+              </a:schemeClr>
+            </a:solidFill>
+          </a:ln>
+        </p:spPr>
+        <p:style>
+          <a:lnRef idx="2">
+            <a:schemeClr val="accent1">
+              <a:shade val="50000"/>
+            </a:schemeClr>
+          </a:lnRef>
+          <a:fillRef idx="1">
+            <a:schemeClr val="accent1"/>
+          </a:fillRef>
+          <a:effectRef idx="0">
+            <a:schemeClr val="accent1"/>
+          </a:effectRef>
+          <a:fontRef idx="minor">
+            <a:schemeClr val="lt1"/>
+          </a:fontRef>
+        </p:style>
+        <p:txBody>
+          <a:bodyPr rtlCol="0" anchor="ctr"/>
+          <a:lstStyle/>
+          <a:p>
+            <a:pPr algn="ctr"/>
+            <a:endParaRPr lang="en-US"/>
+          </a:p>
+        </p:txBody>
+      </p:sp>
+      <p:sp>
+        <p:nvSpPr>
+          <p:cNvPr id="8" name="TextBox 7">
+            <a:extLst>
+              <a:ext uri="{FF2B5EF4-FFF2-40B4-BE49-F238E27FC236}">
+                <a16:creationId xmlns:a16="http://schemas.microsoft.com/office/drawing/2014/main" id="{94D5F831-3149-49B8-9494-45665978A55E}"/>
+              </a:ext>
+            </a:extLst>
+          </p:cNvPr>
+          <p:cNvSpPr txBox="1"/>
+          <p:nvPr/>
+        </p:nvSpPr>
+        <p:spPr>
+          <a:xfrm>
+            <a:off x="8552663" y="5227669"/>
+            <a:ext cx="3217547" cy="369332"/>
+          </a:xfrm>
+          <a:prstGeom prst="rect">
+            <a:avLst/>
+          </a:prstGeom>
+          <a:noFill/>
+        </p:spPr>
+        <p:txBody>
+          <a:bodyPr wrap="none" rtlCol="0">
+            <a:spAutoFit/>
+          </a:bodyPr>
+          <a:lstStyle/>
+          <a:p>
+            <a:r>
+              <a:rPr lang="en-US" dirty="0">
+                <a:solidFill>
+                  <a:schemeClr val="accent1">
+                    <a:lumMod val="50000"/>
+                  </a:schemeClr>
+                </a:solidFill>
+                <a:latin typeface="Courier New" panose="02070309020205020404" pitchFamily="49" charset="0"/>
+                <a:cs typeface="Courier New" panose="02070309020205020404" pitchFamily="49" charset="0"/>
+              </a:rPr>
+              <a:t>title( </a:t>
+            </a:r>
+            <a:r>
+              <a:rPr lang="en-US" dirty="0" err="1">
+                <a:solidFill>
+                  <a:schemeClr val="accent1">
+                    <a:lumMod val="50000"/>
+                  </a:schemeClr>
+                </a:solidFill>
+                <a:latin typeface="Courier New" panose="02070309020205020404" pitchFamily="49" charset="0"/>
+                <a:cs typeface="Courier New" panose="02070309020205020404" pitchFamily="49" charset="0"/>
+              </a:rPr>
+              <a:t>xlab</a:t>
+            </a:r>
+            <a:r>
+              <a:rPr lang="en-US" dirty="0">
+                <a:solidFill>
+                  <a:schemeClr val="accent1">
+                    <a:lumMod val="50000"/>
+                  </a:schemeClr>
+                </a:solidFill>
+                <a:latin typeface="Courier New" panose="02070309020205020404" pitchFamily="49" charset="0"/>
+                <a:cs typeface="Courier New" panose="02070309020205020404" pitchFamily="49" charset="0"/>
+              </a:rPr>
+              <a:t>=“X Axis” )</a:t>
+            </a:r>
+          </a:p>
+        </p:txBody>
+      </p:sp>
+      <p:cxnSp>
+        <p:nvCxnSpPr>
+          <p:cNvPr id="10" name="Straight Arrow Connector 9">
+            <a:extLst>
+              <a:ext uri="{FF2B5EF4-FFF2-40B4-BE49-F238E27FC236}">
+                <a16:creationId xmlns:a16="http://schemas.microsoft.com/office/drawing/2014/main" id="{46867C46-230C-47E5-AA79-7CB5DA7DF8E6}"/>
+              </a:ext>
+            </a:extLst>
+          </p:cNvPr>
+          <p:cNvCxnSpPr>
+            <a:cxnSpLocks/>
+            <a:stCxn id="8" idx="1"/>
+          </p:cNvCxnSpPr>
+          <p:nvPr/>
+        </p:nvCxnSpPr>
+        <p:spPr>
+          <a:xfrm flipH="1" flipV="1">
+            <a:off x="5461235" y="5227669"/>
+            <a:ext cx="3091428" cy="184666"/>
+          </a:xfrm>
+          <a:prstGeom prst="straightConnector1">
+            <a:avLst/>
+          </a:prstGeom>
+          <a:ln w="28575">
+            <a:solidFill>
+              <a:schemeClr val="accent1">
+                <a:lumMod val="75000"/>
+              </a:schemeClr>
+            </a:solidFill>
+            <a:tailEnd type="triangle"/>
+          </a:ln>
+        </p:spPr>
+        <p:style>
+          <a:lnRef idx="1">
+            <a:schemeClr val="accent1"/>
+          </a:lnRef>
+          <a:fillRef idx="0">
+            <a:schemeClr val="accent1"/>
+          </a:fillRef>
+          <a:effectRef idx="0">
+            <a:schemeClr val="accent1"/>
+          </a:effectRef>
+          <a:fontRef idx="minor">
+            <a:schemeClr val="tx1"/>
+          </a:fontRef>
+        </p:style>
+      </p:cxnSp>
+      <p:sp>
+        <p:nvSpPr>
+          <p:cNvPr id="11" name="TextBox 10">
+            <a:extLst>
+              <a:ext uri="{FF2B5EF4-FFF2-40B4-BE49-F238E27FC236}">
+                <a16:creationId xmlns:a16="http://schemas.microsoft.com/office/drawing/2014/main" id="{BD8F1B48-A5E6-4D23-AA26-1791AB24B3C7}"/>
+              </a:ext>
+            </a:extLst>
+          </p:cNvPr>
+          <p:cNvSpPr txBox="1"/>
+          <p:nvPr/>
+        </p:nvSpPr>
+        <p:spPr>
+          <a:xfrm>
+            <a:off x="5215638" y="221253"/>
+            <a:ext cx="6526146" cy="369332"/>
+          </a:xfrm>
+          <a:prstGeom prst="rect">
+            <a:avLst/>
+          </a:prstGeom>
+          <a:noFill/>
+        </p:spPr>
+        <p:txBody>
+          <a:bodyPr wrap="none" rtlCol="0">
+            <a:spAutoFit/>
+          </a:bodyPr>
+          <a:lstStyle/>
+          <a:p>
+            <a:r>
+              <a:rPr lang="en-US" dirty="0" err="1">
+                <a:solidFill>
+                  <a:schemeClr val="accent1">
+                    <a:lumMod val="50000"/>
+                  </a:schemeClr>
+                </a:solidFill>
+                <a:latin typeface="Courier New" panose="02070309020205020404" pitchFamily="49" charset="0"/>
+                <a:cs typeface="Courier New" panose="02070309020205020404" pitchFamily="49" charset="0"/>
+              </a:rPr>
+              <a:t>plot.window</a:t>
+            </a:r>
+            <a:r>
+              <a:rPr lang="en-US" dirty="0">
+                <a:solidFill>
+                  <a:schemeClr val="accent1">
+                    <a:lumMod val="50000"/>
+                  </a:schemeClr>
+                </a:solidFill>
+                <a:latin typeface="Courier New" panose="02070309020205020404" pitchFamily="49" charset="0"/>
+                <a:cs typeface="Courier New" panose="02070309020205020404" pitchFamily="49" charset="0"/>
+              </a:rPr>
+              <a:t>( </a:t>
+            </a:r>
+            <a:r>
+              <a:rPr lang="en-US" dirty="0" err="1">
+                <a:solidFill>
+                  <a:schemeClr val="accent1">
+                    <a:lumMod val="50000"/>
+                  </a:schemeClr>
+                </a:solidFill>
+                <a:latin typeface="Courier New" panose="02070309020205020404" pitchFamily="49" charset="0"/>
+                <a:cs typeface="Courier New" panose="02070309020205020404" pitchFamily="49" charset="0"/>
+              </a:rPr>
+              <a:t>xlim</a:t>
+            </a:r>
+            <a:r>
+              <a:rPr lang="en-US" dirty="0">
+                <a:solidFill>
+                  <a:schemeClr val="accent1">
+                    <a:lumMod val="50000"/>
+                  </a:schemeClr>
+                </a:solidFill>
+                <a:latin typeface="Courier New" panose="02070309020205020404" pitchFamily="49" charset="0"/>
+                <a:cs typeface="Courier New" panose="02070309020205020404" pitchFamily="49" charset="0"/>
+              </a:rPr>
+              <a:t>=c(70,130), </a:t>
+            </a:r>
+            <a:r>
+              <a:rPr lang="en-US" dirty="0" err="1">
+                <a:solidFill>
+                  <a:schemeClr val="accent1">
+                    <a:lumMod val="50000"/>
+                  </a:schemeClr>
+                </a:solidFill>
+                <a:latin typeface="Courier New" panose="02070309020205020404" pitchFamily="49" charset="0"/>
+                <a:cs typeface="Courier New" panose="02070309020205020404" pitchFamily="49" charset="0"/>
+              </a:rPr>
+              <a:t>ylim</a:t>
+            </a:r>
+            <a:r>
+              <a:rPr lang="en-US" dirty="0">
+                <a:solidFill>
+                  <a:schemeClr val="accent1">
+                    <a:lumMod val="50000"/>
+                  </a:schemeClr>
+                </a:solidFill>
+                <a:latin typeface="Courier New" panose="02070309020205020404" pitchFamily="49" charset="0"/>
+                <a:cs typeface="Courier New" panose="02070309020205020404" pitchFamily="49" charset="0"/>
+              </a:rPr>
+              <a:t>=c(140,260) )</a:t>
+            </a:r>
+          </a:p>
+        </p:txBody>
+      </p:sp>
+      <p:sp>
+        <p:nvSpPr>
+          <p:cNvPr id="12" name="TextBox 11">
+            <a:extLst>
+              <a:ext uri="{FF2B5EF4-FFF2-40B4-BE49-F238E27FC236}">
+                <a16:creationId xmlns:a16="http://schemas.microsoft.com/office/drawing/2014/main" id="{CA7976DB-3E2C-4129-9C28-39B063081647}"/>
+              </a:ext>
+            </a:extLst>
+          </p:cNvPr>
+          <p:cNvSpPr txBox="1"/>
+          <p:nvPr/>
+        </p:nvSpPr>
+        <p:spPr>
+          <a:xfrm>
+            <a:off x="8532320" y="2888203"/>
+            <a:ext cx="3768980" cy="369332"/>
+          </a:xfrm>
+          <a:prstGeom prst="rect">
+            <a:avLst/>
+          </a:prstGeom>
+          <a:noFill/>
+        </p:spPr>
+        <p:txBody>
+          <a:bodyPr wrap="none" rtlCol="0">
+            <a:spAutoFit/>
+          </a:bodyPr>
+          <a:lstStyle/>
+          <a:p>
+            <a:r>
+              <a:rPr lang="en-US" dirty="0">
+                <a:solidFill>
+                  <a:schemeClr val="accent1">
+                    <a:lumMod val="50000"/>
+                  </a:schemeClr>
+                </a:solidFill>
+                <a:latin typeface="Courier New" panose="02070309020205020404" pitchFamily="49" charset="0"/>
+                <a:cs typeface="Courier New" panose="02070309020205020404" pitchFamily="49" charset="0"/>
+              </a:rPr>
+              <a:t>title( main=“Plot Title” )</a:t>
+            </a:r>
+          </a:p>
+        </p:txBody>
+      </p:sp>
+      <p:sp>
+        <p:nvSpPr>
+          <p:cNvPr id="13" name="TextBox 12">
+            <a:extLst>
+              <a:ext uri="{FF2B5EF4-FFF2-40B4-BE49-F238E27FC236}">
+                <a16:creationId xmlns:a16="http://schemas.microsoft.com/office/drawing/2014/main" id="{F80A854D-4995-4574-A7E0-948ECC593EEF}"/>
+              </a:ext>
+            </a:extLst>
+          </p:cNvPr>
+          <p:cNvSpPr txBox="1"/>
+          <p:nvPr/>
+        </p:nvSpPr>
+        <p:spPr>
+          <a:xfrm>
+            <a:off x="1180664" y="6289245"/>
+            <a:ext cx="6526146" cy="369332"/>
+          </a:xfrm>
+          <a:prstGeom prst="rect">
+            <a:avLst/>
+          </a:prstGeom>
+          <a:noFill/>
+        </p:spPr>
+        <p:txBody>
+          <a:bodyPr wrap="none" rtlCol="0">
+            <a:spAutoFit/>
+          </a:bodyPr>
+          <a:lstStyle/>
+          <a:p>
+            <a:r>
+              <a:rPr lang="en-US" dirty="0">
+                <a:solidFill>
+                  <a:schemeClr val="accent1">
+                    <a:lumMod val="50000"/>
+                  </a:schemeClr>
+                </a:solidFill>
+                <a:latin typeface="Courier New" panose="02070309020205020404" pitchFamily="49" charset="0"/>
+                <a:cs typeface="Courier New" panose="02070309020205020404" pitchFamily="49" charset="0"/>
+              </a:rPr>
+              <a:t>axis( side=1, from=min(x), to=max(x), by=10 ) </a:t>
+            </a:r>
+          </a:p>
+        </p:txBody>
+      </p:sp>
+      <p:cxnSp>
+        <p:nvCxnSpPr>
+          <p:cNvPr id="16" name="Straight Arrow Connector 15">
+            <a:extLst>
+              <a:ext uri="{FF2B5EF4-FFF2-40B4-BE49-F238E27FC236}">
+                <a16:creationId xmlns:a16="http://schemas.microsoft.com/office/drawing/2014/main" id="{F022DD0B-1E0F-47CC-971F-D46B55D47A27}"/>
+              </a:ext>
+            </a:extLst>
+          </p:cNvPr>
+          <p:cNvCxnSpPr>
+            <a:cxnSpLocks/>
+          </p:cNvCxnSpPr>
+          <p:nvPr/>
+        </p:nvCxnSpPr>
+        <p:spPr>
+          <a:xfrm flipV="1">
+            <a:off x="1828799" y="5133862"/>
+            <a:ext cx="1300295" cy="1155383"/>
+          </a:xfrm>
+          <a:prstGeom prst="straightConnector1">
+            <a:avLst/>
+          </a:prstGeom>
+          <a:ln w="28575">
+            <a:solidFill>
+              <a:schemeClr val="accent1">
+                <a:lumMod val="75000"/>
+              </a:schemeClr>
+            </a:solidFill>
+            <a:tailEnd type="triangle"/>
+          </a:ln>
+        </p:spPr>
+        <p:style>
+          <a:lnRef idx="1">
+            <a:schemeClr val="accent1"/>
+          </a:lnRef>
+          <a:fillRef idx="0">
+            <a:schemeClr val="accent1"/>
+          </a:fillRef>
+          <a:effectRef idx="0">
+            <a:schemeClr val="accent1"/>
+          </a:effectRef>
+          <a:fontRef idx="minor">
+            <a:schemeClr val="tx1"/>
+          </a:fontRef>
+        </p:style>
+      </p:cxnSp>
+      <p:sp>
+        <p:nvSpPr>
+          <p:cNvPr id="19" name="TextBox 18">
+            <a:extLst>
+              <a:ext uri="{FF2B5EF4-FFF2-40B4-BE49-F238E27FC236}">
+                <a16:creationId xmlns:a16="http://schemas.microsoft.com/office/drawing/2014/main" id="{5C7AECB4-5603-4C5D-9967-B5100976C3FF}"/>
+              </a:ext>
+            </a:extLst>
+          </p:cNvPr>
+          <p:cNvSpPr txBox="1"/>
+          <p:nvPr/>
+        </p:nvSpPr>
+        <p:spPr>
+          <a:xfrm>
+            <a:off x="8661500" y="3746537"/>
+            <a:ext cx="2941831" cy="369332"/>
+          </a:xfrm>
+          <a:prstGeom prst="rect">
+            <a:avLst/>
+          </a:prstGeom>
+          <a:noFill/>
+        </p:spPr>
+        <p:txBody>
+          <a:bodyPr wrap="none" rtlCol="0">
+            <a:spAutoFit/>
+          </a:bodyPr>
+          <a:lstStyle/>
+          <a:p>
+            <a:r>
+              <a:rPr lang="en-US" dirty="0">
+                <a:solidFill>
+                  <a:schemeClr val="accent1">
+                    <a:lumMod val="50000"/>
+                  </a:schemeClr>
+                </a:solidFill>
+                <a:latin typeface="Courier New" panose="02070309020205020404" pitchFamily="49" charset="0"/>
+                <a:cs typeface="Courier New" panose="02070309020205020404" pitchFamily="49" charset="0"/>
+              </a:rPr>
+              <a:t>points( x, y, </a:t>
+            </a:r>
+            <a:r>
+              <a:rPr lang="en-US" dirty="0" err="1">
+                <a:solidFill>
+                  <a:schemeClr val="accent1">
+                    <a:lumMod val="50000"/>
+                  </a:schemeClr>
+                </a:solidFill>
+                <a:latin typeface="Courier New" panose="02070309020205020404" pitchFamily="49" charset="0"/>
+                <a:cs typeface="Courier New" panose="02070309020205020404" pitchFamily="49" charset="0"/>
+              </a:rPr>
+              <a:t>cex</a:t>
+            </a:r>
+            <a:r>
+              <a:rPr lang="en-US" dirty="0">
+                <a:solidFill>
+                  <a:schemeClr val="accent1">
+                    <a:lumMod val="50000"/>
+                  </a:schemeClr>
+                </a:solidFill>
+                <a:latin typeface="Courier New" panose="02070309020205020404" pitchFamily="49" charset="0"/>
+                <a:cs typeface="Courier New" panose="02070309020205020404" pitchFamily="49" charset="0"/>
+              </a:rPr>
+              <a:t>=z)</a:t>
+            </a:r>
+          </a:p>
+        </p:txBody>
+      </p:sp>
+      <p:cxnSp>
+        <p:nvCxnSpPr>
+          <p:cNvPr id="20" name="Straight Arrow Connector 19">
+            <a:extLst>
+              <a:ext uri="{FF2B5EF4-FFF2-40B4-BE49-F238E27FC236}">
+                <a16:creationId xmlns:a16="http://schemas.microsoft.com/office/drawing/2014/main" id="{506BE250-8F58-4207-9224-4D514B4EEE80}"/>
+              </a:ext>
+            </a:extLst>
+          </p:cNvPr>
+          <p:cNvCxnSpPr>
+            <a:cxnSpLocks/>
+          </p:cNvCxnSpPr>
+          <p:nvPr/>
+        </p:nvCxnSpPr>
+        <p:spPr>
+          <a:xfrm flipH="1" flipV="1">
+            <a:off x="6724073" y="3481469"/>
+            <a:ext cx="1991171" cy="449734"/>
+          </a:xfrm>
+          <a:prstGeom prst="straightConnector1">
+            <a:avLst/>
+          </a:prstGeom>
+          <a:ln w="28575">
+            <a:solidFill>
+              <a:schemeClr val="accent1">
+                <a:lumMod val="75000"/>
+              </a:schemeClr>
+            </a:solidFill>
+            <a:tailEnd type="triangle"/>
+          </a:ln>
+        </p:spPr>
+        <p:style>
+          <a:lnRef idx="1">
+            <a:schemeClr val="accent1"/>
+          </a:lnRef>
+          <a:fillRef idx="0">
+            <a:schemeClr val="accent1"/>
+          </a:fillRef>
+          <a:effectRef idx="0">
+            <a:schemeClr val="accent1"/>
+          </a:effectRef>
+          <a:fontRef idx="minor">
+            <a:schemeClr val="tx1"/>
+          </a:fontRef>
+        </p:style>
+      </p:cxnSp>
+      <p:cxnSp>
+        <p:nvCxnSpPr>
+          <p:cNvPr id="24" name="Straight Arrow Connector 23">
+            <a:extLst>
+              <a:ext uri="{FF2B5EF4-FFF2-40B4-BE49-F238E27FC236}">
+                <a16:creationId xmlns:a16="http://schemas.microsoft.com/office/drawing/2014/main" id="{967EB6ED-20BB-485B-86C2-55F1DBCE8825}"/>
+              </a:ext>
+            </a:extLst>
+          </p:cNvPr>
+          <p:cNvCxnSpPr>
+            <a:cxnSpLocks/>
+            <a:stCxn id="12" idx="1"/>
+          </p:cNvCxnSpPr>
+          <p:nvPr/>
+        </p:nvCxnSpPr>
+        <p:spPr>
+          <a:xfrm flipH="1" flipV="1">
+            <a:off x="5551055" y="2132017"/>
+            <a:ext cx="2981265" cy="940852"/>
+          </a:xfrm>
+          <a:prstGeom prst="straightConnector1">
+            <a:avLst/>
+          </a:prstGeom>
+          <a:ln w="28575">
+            <a:solidFill>
+              <a:schemeClr val="accent1">
+                <a:lumMod val="75000"/>
+              </a:schemeClr>
+            </a:solidFill>
+            <a:tailEnd type="triangle"/>
+          </a:ln>
+        </p:spPr>
+        <p:style>
+          <a:lnRef idx="1">
+            <a:schemeClr val="accent1"/>
+          </a:lnRef>
+          <a:fillRef idx="0">
+            <a:schemeClr val="accent1"/>
+          </a:fillRef>
+          <a:effectRef idx="0">
+            <a:schemeClr val="accent1"/>
+          </a:effectRef>
+          <a:fontRef idx="minor">
+            <a:schemeClr val="tx1"/>
+          </a:fontRef>
+        </p:style>
+      </p:cxnSp>
+      <p:cxnSp>
+        <p:nvCxnSpPr>
+          <p:cNvPr id="27" name="Straight Arrow Connector 26">
+            <a:extLst>
+              <a:ext uri="{FF2B5EF4-FFF2-40B4-BE49-F238E27FC236}">
+                <a16:creationId xmlns:a16="http://schemas.microsoft.com/office/drawing/2014/main" id="{A9A7D9A4-A3D5-46E0-AD01-02C04AABE2E5}"/>
+              </a:ext>
+            </a:extLst>
+          </p:cNvPr>
+          <p:cNvCxnSpPr>
+            <a:cxnSpLocks/>
+          </p:cNvCxnSpPr>
+          <p:nvPr/>
+        </p:nvCxnSpPr>
+        <p:spPr>
+          <a:xfrm flipH="1">
+            <a:off x="7398327" y="590585"/>
+            <a:ext cx="504102" cy="1480263"/>
+          </a:xfrm>
+          <a:prstGeom prst="straightConnector1">
+            <a:avLst/>
+          </a:prstGeom>
+          <a:ln w="28575">
+            <a:solidFill>
+              <a:schemeClr val="accent1">
+                <a:lumMod val="75000"/>
+              </a:schemeClr>
+            </a:solidFill>
+            <a:tailEnd type="triangle"/>
+          </a:ln>
+        </p:spPr>
+        <p:style>
+          <a:lnRef idx="1">
+            <a:schemeClr val="accent1"/>
+          </a:lnRef>
+          <a:fillRef idx="0">
+            <a:schemeClr val="accent1"/>
+          </a:fillRef>
+          <a:effectRef idx="0">
+            <a:schemeClr val="accent1"/>
+          </a:effectRef>
+          <a:fontRef idx="minor">
+            <a:schemeClr val="tx1"/>
+          </a:fontRef>
+        </p:style>
+      </p:cxnSp>
+      <p:sp>
+        <p:nvSpPr>
+          <p:cNvPr id="32" name="TextBox 31">
+            <a:extLst>
+              <a:ext uri="{FF2B5EF4-FFF2-40B4-BE49-F238E27FC236}">
+                <a16:creationId xmlns:a16="http://schemas.microsoft.com/office/drawing/2014/main" id="{A5B48270-ED2F-4EE8-BACE-76E5227CC570}"/>
+              </a:ext>
+            </a:extLst>
+          </p:cNvPr>
+          <p:cNvSpPr txBox="1"/>
+          <p:nvPr/>
+        </p:nvSpPr>
+        <p:spPr>
+          <a:xfrm>
+            <a:off x="350651" y="4089772"/>
+            <a:ext cx="598241" cy="369332"/>
+          </a:xfrm>
+          <a:prstGeom prst="rect">
+            <a:avLst/>
+          </a:prstGeom>
+          <a:noFill/>
+        </p:spPr>
+        <p:txBody>
+          <a:bodyPr wrap="none" rtlCol="0">
+            <a:spAutoFit/>
+          </a:bodyPr>
+          <a:lstStyle/>
+          <a:p>
+            <a:r>
+              <a:rPr lang="en-US" dirty="0">
+                <a:solidFill>
+                  <a:schemeClr val="accent1">
+                    <a:lumMod val="50000"/>
+                  </a:schemeClr>
+                </a:solidFill>
+                <a:latin typeface="Courier New" panose="02070309020205020404" pitchFamily="49" charset="0"/>
+                <a:cs typeface="Courier New" panose="02070309020205020404" pitchFamily="49" charset="0"/>
+              </a:rPr>
+              <a:t>mar</a:t>
+            </a:r>
+          </a:p>
+        </p:txBody>
+      </p:sp>
+      <p:cxnSp>
+        <p:nvCxnSpPr>
+          <p:cNvPr id="33" name="Straight Arrow Connector 32">
+            <a:extLst>
+              <a:ext uri="{FF2B5EF4-FFF2-40B4-BE49-F238E27FC236}">
+                <a16:creationId xmlns:a16="http://schemas.microsoft.com/office/drawing/2014/main" id="{F8A7B9F5-0FAD-434F-988C-18383A647E54}"/>
+              </a:ext>
+            </a:extLst>
+          </p:cNvPr>
+          <p:cNvCxnSpPr>
+            <a:cxnSpLocks/>
+          </p:cNvCxnSpPr>
+          <p:nvPr/>
+        </p:nvCxnSpPr>
+        <p:spPr>
+          <a:xfrm>
+            <a:off x="1064284" y="4274438"/>
+            <a:ext cx="649123" cy="0"/>
+          </a:xfrm>
+          <a:prstGeom prst="straightConnector1">
+            <a:avLst/>
+          </a:prstGeom>
+          <a:ln w="28575">
+            <a:solidFill>
+              <a:schemeClr val="accent1">
+                <a:lumMod val="75000"/>
+              </a:schemeClr>
+            </a:solidFill>
+            <a:tailEnd type="triangle"/>
+          </a:ln>
+        </p:spPr>
+        <p:style>
+          <a:lnRef idx="1">
+            <a:schemeClr val="accent1"/>
+          </a:lnRef>
+          <a:fillRef idx="0">
+            <a:schemeClr val="accent1"/>
+          </a:fillRef>
+          <a:effectRef idx="0">
+            <a:schemeClr val="accent1"/>
+          </a:effectRef>
+          <a:fontRef idx="minor">
+            <a:schemeClr val="tx1"/>
+          </a:fontRef>
+        </p:style>
+      </p:cxnSp>
+      <p:sp>
+        <p:nvSpPr>
+          <p:cNvPr id="36" name="Oval 35">
+            <a:extLst>
+              <a:ext uri="{FF2B5EF4-FFF2-40B4-BE49-F238E27FC236}">
+                <a16:creationId xmlns:a16="http://schemas.microsoft.com/office/drawing/2014/main" id="{0B3D2143-71AB-4BCC-888D-2139F94047E1}"/>
+              </a:ext>
+            </a:extLst>
+          </p:cNvPr>
+          <p:cNvSpPr/>
+          <p:nvPr/>
+        </p:nvSpPr>
+        <p:spPr>
+          <a:xfrm>
+            <a:off x="5150648" y="3070459"/>
+            <a:ext cx="256032" cy="256032"/>
+          </a:xfrm>
+          <a:prstGeom prst="ellipse">
+            <a:avLst/>
+          </a:prstGeom>
+          <a:noFill/>
+          <a:ln w="9525">
+            <a:solidFill>
+              <a:schemeClr val="tx1">
+                <a:lumMod val="85000"/>
+                <a:lumOff val="15000"/>
+              </a:schemeClr>
+            </a:solidFill>
+          </a:ln>
+        </p:spPr>
+        <p:style>
+          <a:lnRef idx="2">
+            <a:schemeClr val="accent1">
+              <a:shade val="50000"/>
+            </a:schemeClr>
+          </a:lnRef>
+          <a:fillRef idx="1">
+            <a:schemeClr val="accent1"/>
+          </a:fillRef>
+          <a:effectRef idx="0">
+            <a:schemeClr val="accent1"/>
+          </a:effectRef>
+          <a:fontRef idx="minor">
+            <a:schemeClr val="lt1"/>
+          </a:fontRef>
+        </p:style>
+        <p:txBody>
+          <a:bodyPr rtlCol="0" anchor="ctr"/>
+          <a:lstStyle/>
+          <a:p>
+            <a:pPr algn="ctr"/>
+            <a:endParaRPr lang="en-US">
+              <a:solidFill>
+                <a:schemeClr val="tx1">
+                  <a:lumMod val="65000"/>
+                  <a:lumOff val="35000"/>
+                </a:schemeClr>
+              </a:solidFill>
+            </a:endParaRPr>
+          </a:p>
+        </p:txBody>
+      </p:sp>
+      <p:sp>
+        <p:nvSpPr>
+          <p:cNvPr id="37" name="TextBox 36">
+            <a:extLst>
+              <a:ext uri="{FF2B5EF4-FFF2-40B4-BE49-F238E27FC236}">
+                <a16:creationId xmlns:a16="http://schemas.microsoft.com/office/drawing/2014/main" id="{75FD1F13-8F61-47D3-B941-961F003208EE}"/>
+              </a:ext>
+            </a:extLst>
+          </p:cNvPr>
+          <p:cNvSpPr txBox="1"/>
+          <p:nvPr/>
+        </p:nvSpPr>
+        <p:spPr>
+          <a:xfrm>
+            <a:off x="4436385" y="2866040"/>
+            <a:ext cx="833946" cy="338554"/>
+          </a:xfrm>
+          <a:prstGeom prst="rect">
+            <a:avLst/>
+          </a:prstGeom>
+          <a:noFill/>
+        </p:spPr>
+        <p:txBody>
+          <a:bodyPr wrap="none" rtlCol="0">
+            <a:spAutoFit/>
+          </a:bodyPr>
+          <a:lstStyle/>
+          <a:p>
+            <a:r>
+              <a:rPr lang="en-US" sz="1600" dirty="0">
+                <a:solidFill>
+                  <a:schemeClr val="tx1">
+                    <a:lumMod val="65000"/>
+                    <a:lumOff val="35000"/>
+                  </a:schemeClr>
+                </a:solidFill>
+              </a:rPr>
+              <a:t>Chicago</a:t>
+            </a:r>
+          </a:p>
+        </p:txBody>
+      </p:sp>
+      <p:sp>
+        <p:nvSpPr>
+          <p:cNvPr id="38" name="TextBox 37">
+            <a:extLst>
+              <a:ext uri="{FF2B5EF4-FFF2-40B4-BE49-F238E27FC236}">
+                <a16:creationId xmlns:a16="http://schemas.microsoft.com/office/drawing/2014/main" id="{D942A8C6-08F7-44F7-8534-76969EA6827D}"/>
+              </a:ext>
+            </a:extLst>
+          </p:cNvPr>
+          <p:cNvSpPr txBox="1"/>
+          <p:nvPr/>
+        </p:nvSpPr>
+        <p:spPr>
+          <a:xfrm>
+            <a:off x="248914" y="744563"/>
+            <a:ext cx="6388287" cy="369332"/>
+          </a:xfrm>
+          <a:prstGeom prst="rect">
+            <a:avLst/>
+          </a:prstGeom>
+          <a:noFill/>
+        </p:spPr>
+        <p:txBody>
+          <a:bodyPr wrap="none" rtlCol="0">
+            <a:spAutoFit/>
+          </a:bodyPr>
+          <a:lstStyle/>
+          <a:p>
+            <a:r>
+              <a:rPr lang="en-US" dirty="0">
+                <a:solidFill>
+                  <a:schemeClr val="accent1">
+                    <a:lumMod val="50000"/>
+                  </a:schemeClr>
+                </a:solidFill>
+                <a:latin typeface="Courier New" panose="02070309020205020404" pitchFamily="49" charset="0"/>
+                <a:cs typeface="Courier New" panose="02070309020205020404" pitchFamily="49" charset="0"/>
+              </a:rPr>
+              <a:t>text( x=100, y=220, “Chicago”, col=“orange” )</a:t>
+            </a:r>
+          </a:p>
+        </p:txBody>
+      </p:sp>
+      <p:cxnSp>
+        <p:nvCxnSpPr>
+          <p:cNvPr id="41" name="Straight Arrow Connector 40">
+            <a:extLst>
+              <a:ext uri="{FF2B5EF4-FFF2-40B4-BE49-F238E27FC236}">
+                <a16:creationId xmlns:a16="http://schemas.microsoft.com/office/drawing/2014/main" id="{C7A60B96-BC9E-4954-9A19-F9478DDE2110}"/>
+              </a:ext>
+            </a:extLst>
+          </p:cNvPr>
+          <p:cNvCxnSpPr>
+            <a:cxnSpLocks/>
+            <a:stCxn id="38" idx="2"/>
+          </p:cNvCxnSpPr>
+          <p:nvPr/>
+        </p:nvCxnSpPr>
+        <p:spPr>
+          <a:xfrm>
+            <a:off x="3443058" y="1113895"/>
+            <a:ext cx="1204077" cy="1684810"/>
+          </a:xfrm>
+          <a:prstGeom prst="straightConnector1">
+            <a:avLst/>
+          </a:prstGeom>
+          <a:ln w="28575">
+            <a:solidFill>
+              <a:schemeClr val="accent1">
+                <a:lumMod val="75000"/>
+              </a:schemeClr>
+            </a:solidFill>
+            <a:tailEnd type="triangle"/>
+          </a:ln>
+        </p:spPr>
+        <p:style>
+          <a:lnRef idx="1">
+            <a:schemeClr val="accent1"/>
+          </a:lnRef>
+          <a:fillRef idx="0">
+            <a:schemeClr val="accent1"/>
+          </a:fillRef>
+          <a:effectRef idx="0">
+            <a:schemeClr val="accent1"/>
+          </a:effectRef>
+          <a:fontRef idx="minor">
+            <a:schemeClr val="tx1"/>
+          </a:fontRef>
+        </p:style>
+      </p:cxnSp>
+    </p:spTree>
+    <p:extLst>
+      <p:ext uri="{BB962C8B-B14F-4D97-AF65-F5344CB8AC3E}">
+        <p14:creationId xmlns:p14="http://schemas.microsoft.com/office/powerpoint/2010/main" val="463880371"/>
+      </p:ext>
+    </p:extLst>
+  </p:cSld>
+  <p:clrMapOvr>
+    <a:masterClrMapping/>
+  </p:clrMapOvr>
+</p:sld>
+</file>
+
+<file path=ppt/slides/slide38.xml><?xml version="1.0" encoding="utf-8"?>
+<p:sld xmlns:a="http://schemas.openxmlformats.org/drawingml/2006/main" xmlns:r="http://schemas.openxmlformats.org/officeDocument/2006/relationships" xmlns:p="http://schemas.openxmlformats.org/presentationml/2006/main">
+  <p:cSld>
+    <p:spTree>
+      <p:nvGrpSpPr>
+        <p:cNvPr id="1" name=""/>
+        <p:cNvGrpSpPr/>
+        <p:nvPr/>
+      </p:nvGrpSpPr>
+      <p:grpSpPr>
+        <a:xfrm>
+          <a:off x="0" y="0"/>
+          <a:ext cx="0" cy="0"/>
+          <a:chOff x="0" y="0"/>
+          <a:chExt cx="0" cy="0"/>
+        </a:xfrm>
+      </p:grpSpPr>
+      <p:sp>
+        <p:nvSpPr>
+          <p:cNvPr id="2" name="Rectangle 1">
+            <a:extLst>
+              <a:ext uri="{FF2B5EF4-FFF2-40B4-BE49-F238E27FC236}">
+                <a16:creationId xmlns:a16="http://schemas.microsoft.com/office/drawing/2014/main" id="{47640FFE-AC8D-49D3-B2DF-3CD6F7A29C9C}"/>
+              </a:ext>
+            </a:extLst>
+          </p:cNvPr>
+          <p:cNvSpPr/>
+          <p:nvPr/>
+        </p:nvSpPr>
+        <p:spPr>
+          <a:xfrm>
+            <a:off x="1809319" y="878384"/>
+            <a:ext cx="6493079" cy="4236440"/>
+          </a:xfrm>
+          <a:prstGeom prst="rect">
+            <a:avLst/>
+          </a:prstGeom>
+          <a:noFill/>
+          <a:ln w="57150">
+            <a:solidFill>
+              <a:schemeClr val="bg2">
+                <a:lumMod val="90000"/>
+              </a:schemeClr>
+            </a:solidFill>
+          </a:ln>
+        </p:spPr>
+        <p:style>
+          <a:lnRef idx="2">
+            <a:schemeClr val="accent1">
+              <a:shade val="50000"/>
+            </a:schemeClr>
+          </a:lnRef>
+          <a:fillRef idx="1">
+            <a:schemeClr val="accent1"/>
+          </a:fillRef>
+          <a:effectRef idx="0">
+            <a:schemeClr val="accent1"/>
+          </a:effectRef>
+          <a:fontRef idx="minor">
+            <a:schemeClr val="lt1"/>
+          </a:fontRef>
+        </p:style>
+        <p:txBody>
+          <a:bodyPr rtlCol="0" anchor="ctr"/>
+          <a:lstStyle/>
+          <a:p>
+            <a:pPr algn="ctr"/>
+            <a:endParaRPr lang="en-US"/>
+          </a:p>
+        </p:txBody>
+      </p:sp>
+      <p:pic>
+        <p:nvPicPr>
+          <p:cNvPr id="5" name="Picture 4">
+            <a:extLst>
+              <a:ext uri="{FF2B5EF4-FFF2-40B4-BE49-F238E27FC236}">
+                <a16:creationId xmlns:a16="http://schemas.microsoft.com/office/drawing/2014/main" id="{8C2A4846-66A1-4E0D-A696-1E312A91950B}"/>
+              </a:ext>
+            </a:extLst>
+          </p:cNvPr>
+          <p:cNvPicPr>
+            <a:picLocks noChangeAspect="1"/>
+          </p:cNvPicPr>
+          <p:nvPr/>
+        </p:nvPicPr>
+        <p:blipFill>
+          <a:blip r:embed="rId2"/>
+          <a:stretch>
+            <a:fillRect/>
+          </a:stretch>
+        </p:blipFill>
+        <p:spPr>
+          <a:xfrm>
+            <a:off x="2040104" y="1289184"/>
+            <a:ext cx="5842845" cy="3532026"/>
+          </a:xfrm>
+          <a:prstGeom prst="rect">
+            <a:avLst/>
+          </a:prstGeom>
+        </p:spPr>
+      </p:pic>
+      <p:sp>
+        <p:nvSpPr>
+          <p:cNvPr id="7" name="Rectangle 6">
+            <a:extLst>
+              <a:ext uri="{FF2B5EF4-FFF2-40B4-BE49-F238E27FC236}">
+                <a16:creationId xmlns:a16="http://schemas.microsoft.com/office/drawing/2014/main" id="{1C09AC02-9720-44A2-93F4-34058ABA6595}"/>
+              </a:ext>
+            </a:extLst>
+          </p:cNvPr>
+          <p:cNvSpPr/>
+          <p:nvPr/>
+        </p:nvSpPr>
+        <p:spPr>
+          <a:xfrm>
+            <a:off x="2590894" y="4066199"/>
+            <a:ext cx="285226" cy="243281"/>
+          </a:xfrm>
+          <a:prstGeom prst="rect">
+            <a:avLst/>
+          </a:prstGeom>
+          <a:solidFill>
+            <a:schemeClr val="bg1"/>
+          </a:solidFill>
+          <a:ln>
+            <a:noFill/>
+          </a:ln>
+        </p:spPr>
+        <p:style>
+          <a:lnRef idx="2">
+            <a:schemeClr val="accent1">
+              <a:shade val="50000"/>
+            </a:schemeClr>
+          </a:lnRef>
+          <a:fillRef idx="1">
+            <a:schemeClr val="accent1"/>
+          </a:fillRef>
+          <a:effectRef idx="0">
+            <a:schemeClr val="accent1"/>
+          </a:effectRef>
+          <a:fontRef idx="minor">
+            <a:schemeClr val="lt1"/>
+          </a:fontRef>
+        </p:style>
+        <p:txBody>
+          <a:bodyPr rtlCol="0" anchor="ctr"/>
+          <a:lstStyle/>
+          <a:p>
+            <a:pPr algn="ctr"/>
+            <a:endParaRPr lang="en-US"/>
+          </a:p>
+        </p:txBody>
+      </p:sp>
+      <p:sp>
+        <p:nvSpPr>
+          <p:cNvPr id="6" name="Rectangle 5">
+            <a:extLst>
+              <a:ext uri="{FF2B5EF4-FFF2-40B4-BE49-F238E27FC236}">
+                <a16:creationId xmlns:a16="http://schemas.microsoft.com/office/drawing/2014/main" id="{B3DAECBC-14E8-4DD5-8F2A-9892B074F0B0}"/>
+              </a:ext>
+            </a:extLst>
+          </p:cNvPr>
+          <p:cNvSpPr/>
+          <p:nvPr/>
+        </p:nvSpPr>
+        <p:spPr>
+          <a:xfrm>
+            <a:off x="2590893" y="1608227"/>
+            <a:ext cx="5191387" cy="2676088"/>
+          </a:xfrm>
+          <a:prstGeom prst="rect">
+            <a:avLst/>
+          </a:prstGeom>
+          <a:noFill/>
+          <a:ln w="6350">
+            <a:solidFill>
+              <a:schemeClr val="bg2">
+                <a:lumMod val="75000"/>
+              </a:schemeClr>
+            </a:solidFill>
+          </a:ln>
+        </p:spPr>
+        <p:style>
+          <a:lnRef idx="2">
+            <a:schemeClr val="accent1">
+              <a:shade val="50000"/>
+            </a:schemeClr>
+          </a:lnRef>
+          <a:fillRef idx="1">
+            <a:schemeClr val="accent1"/>
+          </a:fillRef>
+          <a:effectRef idx="0">
+            <a:schemeClr val="accent1"/>
+          </a:effectRef>
+          <a:fontRef idx="minor">
+            <a:schemeClr val="lt1"/>
+          </a:fontRef>
+        </p:style>
+        <p:txBody>
+          <a:bodyPr rtlCol="0" anchor="ctr"/>
+          <a:lstStyle/>
+          <a:p>
+            <a:pPr algn="ctr"/>
+            <a:endParaRPr lang="en-US"/>
+          </a:p>
+        </p:txBody>
+      </p:sp>
+      <p:sp>
+        <p:nvSpPr>
+          <p:cNvPr id="11" name="TextBox 10">
+            <a:extLst>
+              <a:ext uri="{FF2B5EF4-FFF2-40B4-BE49-F238E27FC236}">
+                <a16:creationId xmlns:a16="http://schemas.microsoft.com/office/drawing/2014/main" id="{BD8F1B48-A5E6-4D23-AA26-1791AB24B3C7}"/>
+              </a:ext>
+            </a:extLst>
+          </p:cNvPr>
+          <p:cNvSpPr txBox="1"/>
+          <p:nvPr/>
+        </p:nvSpPr>
+        <p:spPr>
+          <a:xfrm>
+            <a:off x="9082388" y="4165712"/>
+            <a:ext cx="3079689" cy="923330"/>
+          </a:xfrm>
+          <a:prstGeom prst="rect">
+            <a:avLst/>
+          </a:prstGeom>
+          <a:noFill/>
+        </p:spPr>
+        <p:txBody>
+          <a:bodyPr wrap="none" rtlCol="0">
+            <a:spAutoFit/>
+          </a:bodyPr>
+          <a:lstStyle/>
+          <a:p>
+            <a:r>
+              <a:rPr lang="en-US" dirty="0" err="1">
+                <a:solidFill>
+                  <a:schemeClr val="accent1">
+                    <a:lumMod val="50000"/>
+                  </a:schemeClr>
+                </a:solidFill>
+                <a:latin typeface="Courier New" panose="02070309020205020404" pitchFamily="49" charset="0"/>
+                <a:cs typeface="Courier New" panose="02070309020205020404" pitchFamily="49" charset="0"/>
+              </a:rPr>
+              <a:t>plot.window</a:t>
+            </a:r>
+            <a:r>
+              <a:rPr lang="en-US" dirty="0">
+                <a:solidFill>
+                  <a:schemeClr val="accent1">
+                    <a:lumMod val="50000"/>
+                  </a:schemeClr>
+                </a:solidFill>
+                <a:latin typeface="Courier New" panose="02070309020205020404" pitchFamily="49" charset="0"/>
+                <a:cs typeface="Courier New" panose="02070309020205020404" pitchFamily="49" charset="0"/>
+              </a:rPr>
+              <a:t>( </a:t>
+            </a:r>
+          </a:p>
+          <a:p>
+            <a:r>
+              <a:rPr lang="en-US" dirty="0">
+                <a:solidFill>
+                  <a:schemeClr val="accent1">
+                    <a:lumMod val="50000"/>
+                  </a:schemeClr>
+                </a:solidFill>
+                <a:latin typeface="Courier New" panose="02070309020205020404" pitchFamily="49" charset="0"/>
+                <a:cs typeface="Courier New" panose="02070309020205020404" pitchFamily="49" charset="0"/>
+              </a:rPr>
+              <a:t>    </a:t>
+            </a:r>
+            <a:r>
+              <a:rPr lang="en-US" dirty="0" err="1">
+                <a:solidFill>
+                  <a:schemeClr val="accent1">
+                    <a:lumMod val="50000"/>
+                  </a:schemeClr>
+                </a:solidFill>
+                <a:latin typeface="Courier New" panose="02070309020205020404" pitchFamily="49" charset="0"/>
+                <a:cs typeface="Courier New" panose="02070309020205020404" pitchFamily="49" charset="0"/>
+              </a:rPr>
+              <a:t>xlim</a:t>
+            </a:r>
+            <a:r>
+              <a:rPr lang="en-US" dirty="0">
+                <a:solidFill>
+                  <a:schemeClr val="accent1">
+                    <a:lumMod val="50000"/>
+                  </a:schemeClr>
+                </a:solidFill>
+                <a:latin typeface="Courier New" panose="02070309020205020404" pitchFamily="49" charset="0"/>
+                <a:cs typeface="Courier New" panose="02070309020205020404" pitchFamily="49" charset="0"/>
+              </a:rPr>
+              <a:t>=c(70,130), </a:t>
+            </a:r>
+          </a:p>
+          <a:p>
+            <a:r>
+              <a:rPr lang="en-US" dirty="0">
+                <a:solidFill>
+                  <a:schemeClr val="accent1">
+                    <a:lumMod val="50000"/>
+                  </a:schemeClr>
+                </a:solidFill>
+                <a:latin typeface="Courier New" panose="02070309020205020404" pitchFamily="49" charset="0"/>
+                <a:cs typeface="Courier New" panose="02070309020205020404" pitchFamily="49" charset="0"/>
+              </a:rPr>
+              <a:t>    </a:t>
+            </a:r>
+            <a:r>
+              <a:rPr lang="en-US" dirty="0" err="1">
+                <a:solidFill>
+                  <a:schemeClr val="accent1">
+                    <a:lumMod val="50000"/>
+                  </a:schemeClr>
+                </a:solidFill>
+                <a:latin typeface="Courier New" panose="02070309020205020404" pitchFamily="49" charset="0"/>
+                <a:cs typeface="Courier New" panose="02070309020205020404" pitchFamily="49" charset="0"/>
+              </a:rPr>
+              <a:t>ylim</a:t>
+            </a:r>
+            <a:r>
+              <a:rPr lang="en-US" dirty="0">
+                <a:solidFill>
+                  <a:schemeClr val="accent1">
+                    <a:lumMod val="50000"/>
+                  </a:schemeClr>
+                </a:solidFill>
+                <a:latin typeface="Courier New" panose="02070309020205020404" pitchFamily="49" charset="0"/>
+                <a:cs typeface="Courier New" panose="02070309020205020404" pitchFamily="49" charset="0"/>
+              </a:rPr>
+              <a:t>=c(140,260) )</a:t>
+            </a:r>
+          </a:p>
+        </p:txBody>
+      </p:sp>
+      <p:sp>
+        <p:nvSpPr>
+          <p:cNvPr id="12" name="TextBox 11">
+            <a:extLst>
+              <a:ext uri="{FF2B5EF4-FFF2-40B4-BE49-F238E27FC236}">
+                <a16:creationId xmlns:a16="http://schemas.microsoft.com/office/drawing/2014/main" id="{CA7976DB-3E2C-4129-9C28-39B063081647}"/>
+              </a:ext>
+            </a:extLst>
+          </p:cNvPr>
+          <p:cNvSpPr txBox="1"/>
+          <p:nvPr/>
+        </p:nvSpPr>
+        <p:spPr>
+          <a:xfrm>
+            <a:off x="414298" y="243032"/>
+            <a:ext cx="3768980" cy="369332"/>
+          </a:xfrm>
+          <a:prstGeom prst="rect">
+            <a:avLst/>
+          </a:prstGeom>
+          <a:noFill/>
+        </p:spPr>
+        <p:txBody>
+          <a:bodyPr wrap="none" rtlCol="0">
+            <a:spAutoFit/>
+          </a:bodyPr>
+          <a:lstStyle/>
+          <a:p>
+            <a:r>
+              <a:rPr lang="en-US" dirty="0">
+                <a:solidFill>
+                  <a:schemeClr val="accent1">
+                    <a:lumMod val="50000"/>
+                  </a:schemeClr>
+                </a:solidFill>
+                <a:latin typeface="Courier New" panose="02070309020205020404" pitchFamily="49" charset="0"/>
+                <a:cs typeface="Courier New" panose="02070309020205020404" pitchFamily="49" charset="0"/>
+              </a:rPr>
+              <a:t>title( main=“Plot Title” )</a:t>
+            </a:r>
+          </a:p>
+        </p:txBody>
+      </p:sp>
+      <p:sp>
+        <p:nvSpPr>
+          <p:cNvPr id="13" name="TextBox 12">
+            <a:extLst>
+              <a:ext uri="{FF2B5EF4-FFF2-40B4-BE49-F238E27FC236}">
+                <a16:creationId xmlns:a16="http://schemas.microsoft.com/office/drawing/2014/main" id="{F80A854D-4995-4574-A7E0-948ECC593EEF}"/>
+              </a:ext>
+            </a:extLst>
+          </p:cNvPr>
+          <p:cNvSpPr txBox="1"/>
+          <p:nvPr/>
+        </p:nvSpPr>
+        <p:spPr>
+          <a:xfrm>
+            <a:off x="1809319" y="6162439"/>
+            <a:ext cx="6526146" cy="369332"/>
+          </a:xfrm>
+          <a:prstGeom prst="rect">
+            <a:avLst/>
+          </a:prstGeom>
+          <a:noFill/>
+        </p:spPr>
+        <p:txBody>
+          <a:bodyPr wrap="none" rtlCol="0">
+            <a:spAutoFit/>
+          </a:bodyPr>
+          <a:lstStyle/>
+          <a:p>
+            <a:r>
+              <a:rPr lang="en-US" dirty="0">
+                <a:solidFill>
+                  <a:schemeClr val="accent1">
+                    <a:lumMod val="50000"/>
+                  </a:schemeClr>
+                </a:solidFill>
+                <a:latin typeface="Courier New" panose="02070309020205020404" pitchFamily="49" charset="0"/>
+                <a:cs typeface="Courier New" panose="02070309020205020404" pitchFamily="49" charset="0"/>
+              </a:rPr>
+              <a:t>axis( side=1, from=min(x), to=max(x), by=10 ) </a:t>
+            </a:r>
+          </a:p>
+        </p:txBody>
+      </p:sp>
+      <p:cxnSp>
+        <p:nvCxnSpPr>
+          <p:cNvPr id="16" name="Straight Arrow Connector 15">
+            <a:extLst>
+              <a:ext uri="{FF2B5EF4-FFF2-40B4-BE49-F238E27FC236}">
+                <a16:creationId xmlns:a16="http://schemas.microsoft.com/office/drawing/2014/main" id="{F022DD0B-1E0F-47CC-971F-D46B55D47A27}"/>
+              </a:ext>
+            </a:extLst>
+          </p:cNvPr>
+          <p:cNvCxnSpPr>
+            <a:cxnSpLocks/>
+          </p:cNvCxnSpPr>
+          <p:nvPr/>
+        </p:nvCxnSpPr>
+        <p:spPr>
+          <a:xfrm flipV="1">
+            <a:off x="2364509" y="4549715"/>
+            <a:ext cx="1727200" cy="1587559"/>
+          </a:xfrm>
+          <a:prstGeom prst="straightConnector1">
+            <a:avLst/>
+          </a:prstGeom>
+          <a:ln w="28575">
+            <a:solidFill>
+              <a:schemeClr val="accent1">
+                <a:lumMod val="75000"/>
+              </a:schemeClr>
+            </a:solidFill>
+            <a:tailEnd type="triangle"/>
+          </a:ln>
+        </p:spPr>
+        <p:style>
+          <a:lnRef idx="1">
+            <a:schemeClr val="accent1"/>
+          </a:lnRef>
+          <a:fillRef idx="0">
+            <a:schemeClr val="accent1"/>
+          </a:fillRef>
+          <a:effectRef idx="0">
+            <a:schemeClr val="accent1"/>
+          </a:effectRef>
+          <a:fontRef idx="minor">
+            <a:schemeClr val="tx1"/>
+          </a:fontRef>
+        </p:style>
+      </p:cxnSp>
+      <p:sp>
+        <p:nvSpPr>
+          <p:cNvPr id="19" name="TextBox 18">
+            <a:extLst>
+              <a:ext uri="{FF2B5EF4-FFF2-40B4-BE49-F238E27FC236}">
+                <a16:creationId xmlns:a16="http://schemas.microsoft.com/office/drawing/2014/main" id="{5C7AECB4-5603-4C5D-9967-B5100976C3FF}"/>
+              </a:ext>
+            </a:extLst>
+          </p:cNvPr>
+          <p:cNvSpPr txBox="1"/>
+          <p:nvPr/>
+        </p:nvSpPr>
+        <p:spPr>
+          <a:xfrm>
+            <a:off x="8695764" y="2735366"/>
+            <a:ext cx="2941831" cy="369332"/>
+          </a:xfrm>
+          <a:prstGeom prst="rect">
+            <a:avLst/>
+          </a:prstGeom>
+          <a:noFill/>
+        </p:spPr>
+        <p:txBody>
+          <a:bodyPr wrap="none" rtlCol="0">
+            <a:spAutoFit/>
+          </a:bodyPr>
+          <a:lstStyle/>
+          <a:p>
+            <a:r>
+              <a:rPr lang="en-US" dirty="0">
+                <a:solidFill>
+                  <a:schemeClr val="accent1">
+                    <a:lumMod val="50000"/>
+                  </a:schemeClr>
+                </a:solidFill>
+                <a:latin typeface="Courier New" panose="02070309020205020404" pitchFamily="49" charset="0"/>
+                <a:cs typeface="Courier New" panose="02070309020205020404" pitchFamily="49" charset="0"/>
+              </a:rPr>
+              <a:t>points( x, y, </a:t>
+            </a:r>
+            <a:r>
+              <a:rPr lang="en-US" dirty="0" err="1">
+                <a:solidFill>
+                  <a:schemeClr val="accent1">
+                    <a:lumMod val="50000"/>
+                  </a:schemeClr>
+                </a:solidFill>
+                <a:latin typeface="Courier New" panose="02070309020205020404" pitchFamily="49" charset="0"/>
+                <a:cs typeface="Courier New" panose="02070309020205020404" pitchFamily="49" charset="0"/>
+              </a:rPr>
+              <a:t>cex</a:t>
+            </a:r>
+            <a:r>
+              <a:rPr lang="en-US" dirty="0">
+                <a:solidFill>
+                  <a:schemeClr val="accent1">
+                    <a:lumMod val="50000"/>
+                  </a:schemeClr>
+                </a:solidFill>
+                <a:latin typeface="Courier New" panose="02070309020205020404" pitchFamily="49" charset="0"/>
+                <a:cs typeface="Courier New" panose="02070309020205020404" pitchFamily="49" charset="0"/>
+              </a:rPr>
+              <a:t>=z)</a:t>
+            </a:r>
+          </a:p>
+        </p:txBody>
+      </p:sp>
+      <p:cxnSp>
+        <p:nvCxnSpPr>
+          <p:cNvPr id="20" name="Straight Arrow Connector 19">
+            <a:extLst>
+              <a:ext uri="{FF2B5EF4-FFF2-40B4-BE49-F238E27FC236}">
+                <a16:creationId xmlns:a16="http://schemas.microsoft.com/office/drawing/2014/main" id="{506BE250-8F58-4207-9224-4D514B4EEE80}"/>
+              </a:ext>
+            </a:extLst>
+          </p:cNvPr>
+          <p:cNvCxnSpPr>
+            <a:cxnSpLocks/>
+            <a:stCxn id="19" idx="1"/>
+          </p:cNvCxnSpPr>
+          <p:nvPr/>
+        </p:nvCxnSpPr>
+        <p:spPr>
+          <a:xfrm flipH="1" flipV="1">
+            <a:off x="6704594" y="2890344"/>
+            <a:ext cx="1991170" cy="29688"/>
+          </a:xfrm>
+          <a:prstGeom prst="straightConnector1">
+            <a:avLst/>
+          </a:prstGeom>
+          <a:ln w="28575">
+            <a:solidFill>
+              <a:schemeClr val="accent1">
+                <a:lumMod val="75000"/>
+              </a:schemeClr>
+            </a:solidFill>
+            <a:tailEnd type="triangle"/>
+          </a:ln>
+        </p:spPr>
+        <p:style>
+          <a:lnRef idx="1">
+            <a:schemeClr val="accent1"/>
+          </a:lnRef>
+          <a:fillRef idx="0">
+            <a:schemeClr val="accent1"/>
+          </a:fillRef>
+          <a:effectRef idx="0">
+            <a:schemeClr val="accent1"/>
+          </a:effectRef>
+          <a:fontRef idx="minor">
+            <a:schemeClr val="tx1"/>
+          </a:fontRef>
+        </p:style>
+      </p:cxnSp>
+      <p:cxnSp>
+        <p:nvCxnSpPr>
+          <p:cNvPr id="24" name="Straight Arrow Connector 23">
+            <a:extLst>
+              <a:ext uri="{FF2B5EF4-FFF2-40B4-BE49-F238E27FC236}">
+                <a16:creationId xmlns:a16="http://schemas.microsoft.com/office/drawing/2014/main" id="{967EB6ED-20BB-485B-86C2-55F1DBCE8825}"/>
+              </a:ext>
+            </a:extLst>
+          </p:cNvPr>
+          <p:cNvCxnSpPr>
+            <a:cxnSpLocks/>
+          </p:cNvCxnSpPr>
+          <p:nvPr/>
+        </p:nvCxnSpPr>
+        <p:spPr>
+          <a:xfrm>
+            <a:off x="3463636" y="545915"/>
+            <a:ext cx="1099128" cy="768698"/>
+          </a:xfrm>
+          <a:prstGeom prst="straightConnector1">
+            <a:avLst/>
+          </a:prstGeom>
+          <a:ln w="28575">
+            <a:solidFill>
+              <a:schemeClr val="accent1">
+                <a:lumMod val="75000"/>
+              </a:schemeClr>
+            </a:solidFill>
+            <a:tailEnd type="triangle"/>
+          </a:ln>
+        </p:spPr>
+        <p:style>
+          <a:lnRef idx="1">
+            <a:schemeClr val="accent1"/>
+          </a:lnRef>
+          <a:fillRef idx="0">
+            <a:schemeClr val="accent1"/>
+          </a:fillRef>
+          <a:effectRef idx="0">
+            <a:schemeClr val="accent1"/>
+          </a:effectRef>
+          <a:fontRef idx="minor">
+            <a:schemeClr val="tx1"/>
+          </a:fontRef>
+        </p:style>
+      </p:cxnSp>
+      <p:cxnSp>
+        <p:nvCxnSpPr>
+          <p:cNvPr id="27" name="Straight Arrow Connector 26">
+            <a:extLst>
+              <a:ext uri="{FF2B5EF4-FFF2-40B4-BE49-F238E27FC236}">
+                <a16:creationId xmlns:a16="http://schemas.microsoft.com/office/drawing/2014/main" id="{A9A7D9A4-A3D5-46E0-AD01-02C04AABE2E5}"/>
+              </a:ext>
+            </a:extLst>
+          </p:cNvPr>
+          <p:cNvCxnSpPr>
+            <a:cxnSpLocks/>
+          </p:cNvCxnSpPr>
+          <p:nvPr/>
+        </p:nvCxnSpPr>
+        <p:spPr>
+          <a:xfrm flipH="1" flipV="1">
+            <a:off x="7882949" y="3960580"/>
+            <a:ext cx="1199440" cy="348900"/>
+          </a:xfrm>
+          <a:prstGeom prst="straightConnector1">
+            <a:avLst/>
+          </a:prstGeom>
+          <a:ln w="28575">
+            <a:solidFill>
+              <a:schemeClr val="accent1">
+                <a:lumMod val="75000"/>
+              </a:schemeClr>
+            </a:solidFill>
+            <a:tailEnd type="triangle"/>
+          </a:ln>
+        </p:spPr>
+        <p:style>
+          <a:lnRef idx="1">
+            <a:schemeClr val="accent1"/>
+          </a:lnRef>
+          <a:fillRef idx="0">
+            <a:schemeClr val="accent1"/>
+          </a:fillRef>
+          <a:effectRef idx="0">
+            <a:schemeClr val="accent1"/>
+          </a:effectRef>
+          <a:fontRef idx="minor">
+            <a:schemeClr val="tx1"/>
+          </a:fontRef>
+        </p:style>
+      </p:cxnSp>
+      <p:sp>
+        <p:nvSpPr>
+          <p:cNvPr id="32" name="TextBox 31">
+            <a:extLst>
+              <a:ext uri="{FF2B5EF4-FFF2-40B4-BE49-F238E27FC236}">
+                <a16:creationId xmlns:a16="http://schemas.microsoft.com/office/drawing/2014/main" id="{A5B48270-ED2F-4EE8-BACE-76E5227CC570}"/>
+              </a:ext>
+            </a:extLst>
+          </p:cNvPr>
+          <p:cNvSpPr txBox="1"/>
+          <p:nvPr/>
+        </p:nvSpPr>
+        <p:spPr>
+          <a:xfrm>
+            <a:off x="331171" y="3498647"/>
+            <a:ext cx="598241" cy="369332"/>
+          </a:xfrm>
+          <a:prstGeom prst="rect">
+            <a:avLst/>
+          </a:prstGeom>
+          <a:noFill/>
+        </p:spPr>
+        <p:txBody>
+          <a:bodyPr wrap="none" rtlCol="0">
+            <a:spAutoFit/>
+          </a:bodyPr>
+          <a:lstStyle/>
+          <a:p>
+            <a:r>
+              <a:rPr lang="en-US" dirty="0">
+                <a:solidFill>
+                  <a:schemeClr val="accent1">
+                    <a:lumMod val="50000"/>
+                  </a:schemeClr>
+                </a:solidFill>
+                <a:latin typeface="Courier New" panose="02070309020205020404" pitchFamily="49" charset="0"/>
+                <a:cs typeface="Courier New" panose="02070309020205020404" pitchFamily="49" charset="0"/>
+              </a:rPr>
+              <a:t>mar</a:t>
+            </a:r>
+          </a:p>
+        </p:txBody>
+      </p:sp>
+      <p:cxnSp>
+        <p:nvCxnSpPr>
+          <p:cNvPr id="33" name="Straight Arrow Connector 32">
+            <a:extLst>
+              <a:ext uri="{FF2B5EF4-FFF2-40B4-BE49-F238E27FC236}">
+                <a16:creationId xmlns:a16="http://schemas.microsoft.com/office/drawing/2014/main" id="{F8A7B9F5-0FAD-434F-988C-18383A647E54}"/>
+              </a:ext>
+            </a:extLst>
+          </p:cNvPr>
+          <p:cNvCxnSpPr>
+            <a:cxnSpLocks/>
+          </p:cNvCxnSpPr>
+          <p:nvPr/>
+        </p:nvCxnSpPr>
+        <p:spPr>
+          <a:xfrm>
+            <a:off x="1044804" y="3683313"/>
+            <a:ext cx="649123" cy="0"/>
+          </a:xfrm>
+          <a:prstGeom prst="straightConnector1">
+            <a:avLst/>
+          </a:prstGeom>
+          <a:ln w="28575">
+            <a:solidFill>
+              <a:schemeClr val="accent1">
+                <a:lumMod val="75000"/>
+              </a:schemeClr>
+            </a:solidFill>
+            <a:tailEnd type="triangle"/>
+          </a:ln>
+        </p:spPr>
+        <p:style>
+          <a:lnRef idx="1">
+            <a:schemeClr val="accent1"/>
+          </a:lnRef>
+          <a:fillRef idx="0">
+            <a:schemeClr val="accent1"/>
+          </a:fillRef>
+          <a:effectRef idx="0">
+            <a:schemeClr val="accent1"/>
+          </a:effectRef>
+          <a:fontRef idx="minor">
+            <a:schemeClr val="tx1"/>
+          </a:fontRef>
+        </p:style>
+      </p:cxnSp>
+      <p:sp>
+        <p:nvSpPr>
+          <p:cNvPr id="36" name="Oval 35">
+            <a:extLst>
+              <a:ext uri="{FF2B5EF4-FFF2-40B4-BE49-F238E27FC236}">
+                <a16:creationId xmlns:a16="http://schemas.microsoft.com/office/drawing/2014/main" id="{0B3D2143-71AB-4BCC-888D-2139F94047E1}"/>
+              </a:ext>
+            </a:extLst>
+          </p:cNvPr>
+          <p:cNvSpPr/>
+          <p:nvPr/>
+        </p:nvSpPr>
+        <p:spPr>
+          <a:xfrm>
+            <a:off x="5131168" y="2479334"/>
+            <a:ext cx="256032" cy="256032"/>
+          </a:xfrm>
+          <a:prstGeom prst="ellipse">
+            <a:avLst/>
+          </a:prstGeom>
+          <a:noFill/>
+          <a:ln w="9525">
+            <a:solidFill>
+              <a:schemeClr val="tx1">
+                <a:lumMod val="85000"/>
+                <a:lumOff val="15000"/>
+              </a:schemeClr>
+            </a:solidFill>
+          </a:ln>
+        </p:spPr>
+        <p:style>
+          <a:lnRef idx="2">
+            <a:schemeClr val="accent1">
+              <a:shade val="50000"/>
+            </a:schemeClr>
+          </a:lnRef>
+          <a:fillRef idx="1">
+            <a:schemeClr val="accent1"/>
+          </a:fillRef>
+          <a:effectRef idx="0">
+            <a:schemeClr val="accent1"/>
+          </a:effectRef>
+          <a:fontRef idx="minor">
+            <a:schemeClr val="lt1"/>
+          </a:fontRef>
+        </p:style>
+        <p:txBody>
+          <a:bodyPr rtlCol="0" anchor="ctr"/>
+          <a:lstStyle/>
+          <a:p>
+            <a:pPr algn="ctr"/>
+            <a:endParaRPr lang="en-US">
+              <a:solidFill>
+                <a:schemeClr val="tx1">
+                  <a:lumMod val="65000"/>
+                  <a:lumOff val="35000"/>
+                </a:schemeClr>
+              </a:solidFill>
+            </a:endParaRPr>
+          </a:p>
+        </p:txBody>
+      </p:sp>
+      <p:sp>
+        <p:nvSpPr>
+          <p:cNvPr id="37" name="TextBox 36">
+            <a:extLst>
+              <a:ext uri="{FF2B5EF4-FFF2-40B4-BE49-F238E27FC236}">
+                <a16:creationId xmlns:a16="http://schemas.microsoft.com/office/drawing/2014/main" id="{75FD1F13-8F61-47D3-B941-961F003208EE}"/>
+              </a:ext>
+            </a:extLst>
+          </p:cNvPr>
+          <p:cNvSpPr txBox="1"/>
+          <p:nvPr/>
+        </p:nvSpPr>
+        <p:spPr>
+          <a:xfrm>
+            <a:off x="4416905" y="2274915"/>
+            <a:ext cx="833946" cy="338554"/>
+          </a:xfrm>
+          <a:prstGeom prst="rect">
+            <a:avLst/>
+          </a:prstGeom>
+          <a:noFill/>
+        </p:spPr>
+        <p:txBody>
+          <a:bodyPr wrap="none" rtlCol="0">
+            <a:spAutoFit/>
+          </a:bodyPr>
+          <a:lstStyle/>
+          <a:p>
+            <a:r>
+              <a:rPr lang="en-US" sz="1600" dirty="0">
+                <a:solidFill>
+                  <a:schemeClr val="tx1">
+                    <a:lumMod val="65000"/>
+                    <a:lumOff val="35000"/>
+                  </a:schemeClr>
+                </a:solidFill>
+              </a:rPr>
+              <a:t>Chicago</a:t>
+            </a:r>
+          </a:p>
+        </p:txBody>
+      </p:sp>
+      <p:sp>
+        <p:nvSpPr>
+          <p:cNvPr id="38" name="TextBox 37">
+            <a:extLst>
+              <a:ext uri="{FF2B5EF4-FFF2-40B4-BE49-F238E27FC236}">
+                <a16:creationId xmlns:a16="http://schemas.microsoft.com/office/drawing/2014/main" id="{D942A8C6-08F7-44F7-8534-76969EA6827D}"/>
+              </a:ext>
+            </a:extLst>
+          </p:cNvPr>
+          <p:cNvSpPr txBox="1"/>
+          <p:nvPr/>
+        </p:nvSpPr>
+        <p:spPr>
+          <a:xfrm>
+            <a:off x="6408131" y="197152"/>
+            <a:ext cx="4320413" cy="369332"/>
+          </a:xfrm>
+          <a:prstGeom prst="rect">
+            <a:avLst/>
+          </a:prstGeom>
+          <a:noFill/>
+        </p:spPr>
+        <p:txBody>
+          <a:bodyPr wrap="none" rtlCol="0">
+            <a:spAutoFit/>
+          </a:bodyPr>
+          <a:lstStyle/>
+          <a:p>
+            <a:r>
+              <a:rPr lang="en-US" dirty="0">
+                <a:solidFill>
+                  <a:schemeClr val="accent1">
+                    <a:lumMod val="50000"/>
+                  </a:schemeClr>
+                </a:solidFill>
+                <a:latin typeface="Courier New" panose="02070309020205020404" pitchFamily="49" charset="0"/>
+                <a:cs typeface="Courier New" panose="02070309020205020404" pitchFamily="49" charset="0"/>
+              </a:rPr>
+              <a:t>text( x=100, y=220, “Chicago”)</a:t>
+            </a:r>
+          </a:p>
+        </p:txBody>
+      </p:sp>
+      <p:cxnSp>
+        <p:nvCxnSpPr>
+          <p:cNvPr id="41" name="Straight Arrow Connector 40">
+            <a:extLst>
+              <a:ext uri="{FF2B5EF4-FFF2-40B4-BE49-F238E27FC236}">
+                <a16:creationId xmlns:a16="http://schemas.microsoft.com/office/drawing/2014/main" id="{C7A60B96-BC9E-4954-9A19-F9478DDE2110}"/>
+              </a:ext>
+            </a:extLst>
+          </p:cNvPr>
+          <p:cNvCxnSpPr>
+            <a:cxnSpLocks/>
+          </p:cNvCxnSpPr>
+          <p:nvPr/>
+        </p:nvCxnSpPr>
+        <p:spPr>
+          <a:xfrm flipH="1">
+            <a:off x="5131168" y="604069"/>
+            <a:ext cx="1809276" cy="1647923"/>
+          </a:xfrm>
+          <a:prstGeom prst="straightConnector1">
+            <a:avLst/>
+          </a:prstGeom>
+          <a:ln w="28575">
+            <a:solidFill>
+              <a:schemeClr val="accent1">
+                <a:lumMod val="75000"/>
+              </a:schemeClr>
+            </a:solidFill>
+            <a:tailEnd type="triangle"/>
+          </a:ln>
+        </p:spPr>
+        <p:style>
+          <a:lnRef idx="1">
+            <a:schemeClr val="accent1"/>
+          </a:lnRef>
+          <a:fillRef idx="0">
+            <a:schemeClr val="accent1"/>
+          </a:fillRef>
+          <a:effectRef idx="0">
+            <a:schemeClr val="accent1"/>
+          </a:effectRef>
+          <a:fontRef idx="minor">
+            <a:schemeClr val="tx1"/>
+          </a:fontRef>
+        </p:style>
+      </p:cxnSp>
+    </p:spTree>
+    <p:extLst>
+      <p:ext uri="{BB962C8B-B14F-4D97-AF65-F5344CB8AC3E}">
+        <p14:creationId xmlns:p14="http://schemas.microsoft.com/office/powerpoint/2010/main" val="3650276522"/>
       </p:ext>
     </p:extLst>
   </p:cSld>
